--- a/transformer.pptx
+++ b/transformer.pptx
@@ -6,6 +6,9 @@
   </p:sldMasterIdLst>
   <p:sldIdLst>
     <p:sldId id="256" r:id="rId2"/>
+    <p:sldId id="257" r:id="rId3"/>
+    <p:sldId id="258" r:id="rId4"/>
+    <p:sldId id="259" r:id="rId5"/>
   </p:sldIdLst>
   <p:sldSz cx="12192000" cy="6858000"/>
   <p:notesSz cx="6858000" cy="9144000"/>
@@ -104,6 +107,11 @@
       </a:defRPr>
     </a:lvl9pPr>
   </p:defaultTextStyle>
+  <p:extLst>
+    <p:ext uri="{EFAFB233-063F-42B5-8137-9DF3F51BA10A}">
+      <p15:sldGuideLst xmlns:p15="http://schemas.microsoft.com/office/powerpoint/2012/main"/>
+    </p:ext>
+  </p:extLst>
 </p:presentation>
 </file>
 
@@ -254,7 +262,7 @@
           <a:p>
             <a:fld id="{E19CAE20-F864-45C5-B346-201FD752AB15}" type="datetimeFigureOut">
               <a:rPr lang="ko-KR" altLang="en-US" smtClean="0"/>
-              <a:t>2024-02-02</a:t>
+              <a:t>2024-02-03</a:t>
             </a:fld>
             <a:endParaRPr lang="ko-KR" altLang="en-US"/>
           </a:p>
@@ -452,7 +460,7 @@
           <a:p>
             <a:fld id="{E19CAE20-F864-45C5-B346-201FD752AB15}" type="datetimeFigureOut">
               <a:rPr lang="ko-KR" altLang="en-US" smtClean="0"/>
-              <a:t>2024-02-02</a:t>
+              <a:t>2024-02-03</a:t>
             </a:fld>
             <a:endParaRPr lang="ko-KR" altLang="en-US"/>
           </a:p>
@@ -660,7 +668,7 @@
           <a:p>
             <a:fld id="{E19CAE20-F864-45C5-B346-201FD752AB15}" type="datetimeFigureOut">
               <a:rPr lang="ko-KR" altLang="en-US" smtClean="0"/>
-              <a:t>2024-02-02</a:t>
+              <a:t>2024-02-03</a:t>
             </a:fld>
             <a:endParaRPr lang="ko-KR" altLang="en-US"/>
           </a:p>
@@ -858,7 +866,7 @@
           <a:p>
             <a:fld id="{E19CAE20-F864-45C5-B346-201FD752AB15}" type="datetimeFigureOut">
               <a:rPr lang="ko-KR" altLang="en-US" smtClean="0"/>
-              <a:t>2024-02-02</a:t>
+              <a:t>2024-02-03</a:t>
             </a:fld>
             <a:endParaRPr lang="ko-KR" altLang="en-US"/>
           </a:p>
@@ -1133,7 +1141,7 @@
           <a:p>
             <a:fld id="{E19CAE20-F864-45C5-B346-201FD752AB15}" type="datetimeFigureOut">
               <a:rPr lang="ko-KR" altLang="en-US" smtClean="0"/>
-              <a:t>2024-02-02</a:t>
+              <a:t>2024-02-03</a:t>
             </a:fld>
             <a:endParaRPr lang="ko-KR" altLang="en-US"/>
           </a:p>
@@ -1398,7 +1406,7 @@
           <a:p>
             <a:fld id="{E19CAE20-F864-45C5-B346-201FD752AB15}" type="datetimeFigureOut">
               <a:rPr lang="ko-KR" altLang="en-US" smtClean="0"/>
-              <a:t>2024-02-02</a:t>
+              <a:t>2024-02-03</a:t>
             </a:fld>
             <a:endParaRPr lang="ko-KR" altLang="en-US"/>
           </a:p>
@@ -1810,7 +1818,7 @@
           <a:p>
             <a:fld id="{E19CAE20-F864-45C5-B346-201FD752AB15}" type="datetimeFigureOut">
               <a:rPr lang="ko-KR" altLang="en-US" smtClean="0"/>
-              <a:t>2024-02-02</a:t>
+              <a:t>2024-02-03</a:t>
             </a:fld>
             <a:endParaRPr lang="ko-KR" altLang="en-US"/>
           </a:p>
@@ -1951,7 +1959,7 @@
           <a:p>
             <a:fld id="{E19CAE20-F864-45C5-B346-201FD752AB15}" type="datetimeFigureOut">
               <a:rPr lang="ko-KR" altLang="en-US" smtClean="0"/>
-              <a:t>2024-02-02</a:t>
+              <a:t>2024-02-03</a:t>
             </a:fld>
             <a:endParaRPr lang="ko-KR" altLang="en-US"/>
           </a:p>
@@ -2064,7 +2072,7 @@
           <a:p>
             <a:fld id="{E19CAE20-F864-45C5-B346-201FD752AB15}" type="datetimeFigureOut">
               <a:rPr lang="ko-KR" altLang="en-US" smtClean="0"/>
-              <a:t>2024-02-02</a:t>
+              <a:t>2024-02-03</a:t>
             </a:fld>
             <a:endParaRPr lang="ko-KR" altLang="en-US"/>
           </a:p>
@@ -2375,7 +2383,7 @@
           <a:p>
             <a:fld id="{E19CAE20-F864-45C5-B346-201FD752AB15}" type="datetimeFigureOut">
               <a:rPr lang="ko-KR" altLang="en-US" smtClean="0"/>
-              <a:t>2024-02-02</a:t>
+              <a:t>2024-02-03</a:t>
             </a:fld>
             <a:endParaRPr lang="ko-KR" altLang="en-US"/>
           </a:p>
@@ -2663,7 +2671,7 @@
           <a:p>
             <a:fld id="{E19CAE20-F864-45C5-B346-201FD752AB15}" type="datetimeFigureOut">
               <a:rPr lang="ko-KR" altLang="en-US" smtClean="0"/>
-              <a:t>2024-02-02</a:t>
+              <a:t>2024-02-03</a:t>
             </a:fld>
             <a:endParaRPr lang="ko-KR" altLang="en-US"/>
           </a:p>
@@ -2904,7 +2912,7 @@
           <a:p>
             <a:fld id="{E19CAE20-F864-45C5-B346-201FD752AB15}" type="datetimeFigureOut">
               <a:rPr lang="ko-KR" altLang="en-US" smtClean="0"/>
-              <a:t>2024-02-02</a:t>
+              <a:t>2024-02-03</a:t>
             </a:fld>
             <a:endParaRPr lang="ko-KR" altLang="en-US"/>
           </a:p>
@@ -6813,6 +6821,5198 @@
 </p:sld>
 </file>
 
+<file path=ppt/slides/slide2.xml><?xml version="1.0" encoding="utf-8"?>
+<p:sld xmlns:a="http://schemas.openxmlformats.org/drawingml/2006/main" xmlns:r="http://schemas.openxmlformats.org/officeDocument/2006/relationships" xmlns:p="http://schemas.openxmlformats.org/presentationml/2006/main">
+  <p:cSld>
+    <p:spTree>
+      <p:nvGrpSpPr>
+        <p:cNvPr id="1" name=""/>
+        <p:cNvGrpSpPr/>
+        <p:nvPr/>
+      </p:nvGrpSpPr>
+      <p:grpSpPr>
+        <a:xfrm>
+          <a:off x="0" y="0"/>
+          <a:ext cx="0" cy="0"/>
+          <a:chOff x="0" y="0"/>
+          <a:chExt cx="0" cy="0"/>
+        </a:xfrm>
+      </p:grpSpPr>
+      <p:cxnSp>
+        <p:nvCxnSpPr>
+          <p:cNvPr id="106" name="직선 화살표 연결선 105">
+            <a:extLst>
+              <a:ext uri="{FF2B5EF4-FFF2-40B4-BE49-F238E27FC236}">
+                <a16:creationId xmlns:a16="http://schemas.microsoft.com/office/drawing/2014/main" id="{99163668-EE8A-475B-AB4C-4D4CB7C8C5A4}"/>
+              </a:ext>
+            </a:extLst>
+          </p:cNvPr>
+          <p:cNvCxnSpPr/>
+          <p:nvPr/>
+        </p:nvCxnSpPr>
+        <p:spPr>
+          <a:xfrm flipV="1">
+            <a:off x="4914900" y="3739349"/>
+            <a:ext cx="0" cy="1862257"/>
+          </a:xfrm>
+          <a:prstGeom prst="straightConnector1">
+            <a:avLst/>
+          </a:prstGeom>
+          <a:ln w="28575">
+            <a:solidFill>
+              <a:srgbClr val="C00000"/>
+            </a:solidFill>
+            <a:tailEnd type="triangle"/>
+          </a:ln>
+        </p:spPr>
+        <p:style>
+          <a:lnRef idx="1">
+            <a:schemeClr val="accent1"/>
+          </a:lnRef>
+          <a:fillRef idx="0">
+            <a:schemeClr val="accent1"/>
+          </a:fillRef>
+          <a:effectRef idx="0">
+            <a:schemeClr val="accent1"/>
+          </a:effectRef>
+          <a:fontRef idx="minor">
+            <a:schemeClr val="tx1"/>
+          </a:fontRef>
+        </p:style>
+      </p:cxnSp>
+      <p:cxnSp>
+        <p:nvCxnSpPr>
+          <p:cNvPr id="105" name="직선 화살표 연결선 104">
+            <a:extLst>
+              <a:ext uri="{FF2B5EF4-FFF2-40B4-BE49-F238E27FC236}">
+                <a16:creationId xmlns:a16="http://schemas.microsoft.com/office/drawing/2014/main" id="{2A60F1E8-35EE-494D-8EB0-5103E70EE36E}"/>
+              </a:ext>
+            </a:extLst>
+          </p:cNvPr>
+          <p:cNvCxnSpPr/>
+          <p:nvPr/>
+        </p:nvCxnSpPr>
+        <p:spPr>
+          <a:xfrm flipV="1">
+            <a:off x="3625850" y="3739349"/>
+            <a:ext cx="0" cy="1862257"/>
+          </a:xfrm>
+          <a:prstGeom prst="straightConnector1">
+            <a:avLst/>
+          </a:prstGeom>
+          <a:ln w="28575">
+            <a:solidFill>
+              <a:srgbClr val="C00000"/>
+            </a:solidFill>
+            <a:tailEnd type="triangle"/>
+          </a:ln>
+        </p:spPr>
+        <p:style>
+          <a:lnRef idx="1">
+            <a:schemeClr val="accent1"/>
+          </a:lnRef>
+          <a:fillRef idx="0">
+            <a:schemeClr val="accent1"/>
+          </a:fillRef>
+          <a:effectRef idx="0">
+            <a:schemeClr val="accent1"/>
+          </a:effectRef>
+          <a:fontRef idx="minor">
+            <a:schemeClr val="tx1"/>
+          </a:fontRef>
+        </p:style>
+      </p:cxnSp>
+      <p:cxnSp>
+        <p:nvCxnSpPr>
+          <p:cNvPr id="104" name="직선 화살표 연결선 103">
+            <a:extLst>
+              <a:ext uri="{FF2B5EF4-FFF2-40B4-BE49-F238E27FC236}">
+                <a16:creationId xmlns:a16="http://schemas.microsoft.com/office/drawing/2014/main" id="{AD18DA02-7168-46F9-B4EA-D8D2EF4FBB92}"/>
+              </a:ext>
+            </a:extLst>
+          </p:cNvPr>
+          <p:cNvCxnSpPr/>
+          <p:nvPr/>
+        </p:nvCxnSpPr>
+        <p:spPr>
+          <a:xfrm flipV="1">
+            <a:off x="2406650" y="3739349"/>
+            <a:ext cx="0" cy="1862257"/>
+          </a:xfrm>
+          <a:prstGeom prst="straightConnector1">
+            <a:avLst/>
+          </a:prstGeom>
+          <a:ln w="28575">
+            <a:solidFill>
+              <a:srgbClr val="C00000"/>
+            </a:solidFill>
+            <a:tailEnd type="triangle"/>
+          </a:ln>
+        </p:spPr>
+        <p:style>
+          <a:lnRef idx="1">
+            <a:schemeClr val="accent1"/>
+          </a:lnRef>
+          <a:fillRef idx="0">
+            <a:schemeClr val="accent1"/>
+          </a:fillRef>
+          <a:effectRef idx="0">
+            <a:schemeClr val="accent1"/>
+          </a:effectRef>
+          <a:fontRef idx="minor">
+            <a:schemeClr val="tx1"/>
+          </a:fontRef>
+        </p:style>
+      </p:cxnSp>
+      <p:cxnSp>
+        <p:nvCxnSpPr>
+          <p:cNvPr id="103" name="직선 화살표 연결선 102">
+            <a:extLst>
+              <a:ext uri="{FF2B5EF4-FFF2-40B4-BE49-F238E27FC236}">
+                <a16:creationId xmlns:a16="http://schemas.microsoft.com/office/drawing/2014/main" id="{059052B1-9525-48A8-9BB9-94B1F3BA1E87}"/>
+              </a:ext>
+            </a:extLst>
+          </p:cNvPr>
+          <p:cNvCxnSpPr/>
+          <p:nvPr/>
+        </p:nvCxnSpPr>
+        <p:spPr>
+          <a:xfrm flipV="1">
+            <a:off x="1193800" y="3739349"/>
+            <a:ext cx="0" cy="1862257"/>
+          </a:xfrm>
+          <a:prstGeom prst="straightConnector1">
+            <a:avLst/>
+          </a:prstGeom>
+          <a:ln w="28575">
+            <a:solidFill>
+              <a:srgbClr val="C00000"/>
+            </a:solidFill>
+            <a:tailEnd type="triangle"/>
+          </a:ln>
+        </p:spPr>
+        <p:style>
+          <a:lnRef idx="1">
+            <a:schemeClr val="accent1"/>
+          </a:lnRef>
+          <a:fillRef idx="0">
+            <a:schemeClr val="accent1"/>
+          </a:fillRef>
+          <a:effectRef idx="0">
+            <a:schemeClr val="accent1"/>
+          </a:effectRef>
+          <a:fontRef idx="minor">
+            <a:schemeClr val="tx1"/>
+          </a:fontRef>
+        </p:style>
+      </p:cxnSp>
+      <p:sp>
+        <p:nvSpPr>
+          <p:cNvPr id="2" name="직사각형 1">
+            <a:extLst>
+              <a:ext uri="{FF2B5EF4-FFF2-40B4-BE49-F238E27FC236}">
+                <a16:creationId xmlns:a16="http://schemas.microsoft.com/office/drawing/2014/main" id="{64AC9284-0620-4EAC-974E-B48370339650}"/>
+              </a:ext>
+            </a:extLst>
+          </p:cNvPr>
+          <p:cNvSpPr/>
+          <p:nvPr/>
+        </p:nvSpPr>
+        <p:spPr>
+          <a:xfrm>
+            <a:off x="753963" y="460095"/>
+            <a:ext cx="1566326" cy="369332"/>
+          </a:xfrm>
+          <a:prstGeom prst="rect">
+            <a:avLst/>
+          </a:prstGeom>
+        </p:spPr>
+        <p:txBody>
+          <a:bodyPr wrap="none">
+            <a:spAutoFit/>
+          </a:bodyPr>
+          <a:lstStyle/>
+          <a:p>
+            <a:r>
+              <a:rPr lang="en-US" altLang="ko-KR" dirty="0"/>
+              <a:t>I</a:t>
+            </a:r>
+            <a:r>
+              <a:rPr lang="ko-KR" altLang="en-US" dirty="0"/>
+              <a:t> </a:t>
+            </a:r>
+            <a:r>
+              <a:rPr lang="ko-KR" altLang="en-US" dirty="0" err="1"/>
+              <a:t>like</a:t>
+            </a:r>
+            <a:r>
+              <a:rPr lang="ko-KR" altLang="en-US" dirty="0"/>
+              <a:t> </a:t>
+            </a:r>
+            <a:r>
+              <a:rPr lang="ko-KR" altLang="en-US" dirty="0" err="1"/>
+              <a:t>my</a:t>
+            </a:r>
+            <a:r>
+              <a:rPr lang="ko-KR" altLang="en-US" dirty="0"/>
+              <a:t> </a:t>
+            </a:r>
+            <a:r>
+              <a:rPr lang="ko-KR" altLang="en-US" dirty="0" err="1"/>
+              <a:t>cats</a:t>
+            </a:r>
+            <a:endParaRPr lang="ko-KR" altLang="en-US" dirty="0"/>
+          </a:p>
+        </p:txBody>
+      </p:sp>
+      <p:sp>
+        <p:nvSpPr>
+          <p:cNvPr id="3" name="직사각형 2">
+            <a:extLst>
+              <a:ext uri="{FF2B5EF4-FFF2-40B4-BE49-F238E27FC236}">
+                <a16:creationId xmlns:a16="http://schemas.microsoft.com/office/drawing/2014/main" id="{1AC5E2AE-F307-4A6E-8B49-CFE0E38247A2}"/>
+              </a:ext>
+            </a:extLst>
+          </p:cNvPr>
+          <p:cNvSpPr/>
+          <p:nvPr/>
+        </p:nvSpPr>
+        <p:spPr>
+          <a:xfrm>
+            <a:off x="410584" y="929548"/>
+            <a:ext cx="2537874" cy="369332"/>
+          </a:xfrm>
+          <a:prstGeom prst="rect">
+            <a:avLst/>
+          </a:prstGeom>
+        </p:spPr>
+        <p:txBody>
+          <a:bodyPr wrap="none">
+            <a:spAutoFit/>
+          </a:bodyPr>
+          <a:lstStyle/>
+          <a:p>
+            <a:r>
+              <a:rPr lang="ko-KR" altLang="en-US" dirty="0" err="1"/>
+              <a:t>Ich</a:t>
+            </a:r>
+            <a:r>
+              <a:rPr lang="ko-KR" altLang="en-US" dirty="0"/>
+              <a:t> </a:t>
+            </a:r>
+            <a:r>
+              <a:rPr lang="ko-KR" altLang="en-US" dirty="0" err="1"/>
+              <a:t>mag</a:t>
+            </a:r>
+            <a:r>
+              <a:rPr lang="ko-KR" altLang="en-US" dirty="0"/>
+              <a:t> </a:t>
+            </a:r>
+            <a:r>
+              <a:rPr lang="ko-KR" altLang="en-US" dirty="0" err="1"/>
+              <a:t>meine</a:t>
+            </a:r>
+            <a:r>
+              <a:rPr lang="ko-KR" altLang="en-US" dirty="0"/>
+              <a:t> </a:t>
+            </a:r>
+            <a:r>
+              <a:rPr lang="ko-KR" altLang="en-US" dirty="0" err="1"/>
+              <a:t>Katzen</a:t>
+            </a:r>
+            <a:endParaRPr lang="ko-KR" altLang="en-US" dirty="0"/>
+          </a:p>
+        </p:txBody>
+      </p:sp>
+      <p:sp>
+        <p:nvSpPr>
+          <p:cNvPr id="64" name="직사각형 63">
+            <a:extLst>
+              <a:ext uri="{FF2B5EF4-FFF2-40B4-BE49-F238E27FC236}">
+                <a16:creationId xmlns:a16="http://schemas.microsoft.com/office/drawing/2014/main" id="{6EF55CE3-1C8A-4BFF-9744-74F6BFD6839A}"/>
+              </a:ext>
+            </a:extLst>
+          </p:cNvPr>
+          <p:cNvSpPr/>
+          <p:nvPr/>
+        </p:nvSpPr>
+        <p:spPr>
+          <a:xfrm>
+            <a:off x="1013675" y="3051417"/>
+            <a:ext cx="1483991" cy="369332"/>
+          </a:xfrm>
+          <a:prstGeom prst="rect">
+            <a:avLst/>
+          </a:prstGeom>
+          <a:noFill/>
+          <a:ln w="28575">
+            <a:solidFill>
+              <a:schemeClr val="accent2"/>
+            </a:solidFill>
+          </a:ln>
+        </p:spPr>
+        <p:style>
+          <a:lnRef idx="2">
+            <a:schemeClr val="accent1">
+              <a:shade val="50000"/>
+            </a:schemeClr>
+          </a:lnRef>
+          <a:fillRef idx="1">
+            <a:schemeClr val="accent1"/>
+          </a:fillRef>
+          <a:effectRef idx="0">
+            <a:schemeClr val="accent1"/>
+          </a:effectRef>
+          <a:fontRef idx="minor">
+            <a:schemeClr val="lt1"/>
+          </a:fontRef>
+        </p:style>
+        <p:txBody>
+          <a:bodyPr rtlCol="0" anchor="ctr"/>
+          <a:lstStyle/>
+          <a:p>
+            <a:pPr algn="ctr"/>
+            <a:r>
+              <a:rPr lang="en-US" altLang="ko-KR" sz="1400" dirty="0">
+                <a:solidFill>
+                  <a:schemeClr val="tx1"/>
+                </a:solidFill>
+              </a:rPr>
+              <a:t>I like my cats</a:t>
+            </a:r>
+          </a:p>
+        </p:txBody>
+      </p:sp>
+      <p:sp>
+        <p:nvSpPr>
+          <p:cNvPr id="68" name="직사각형 67">
+            <a:extLst>
+              <a:ext uri="{FF2B5EF4-FFF2-40B4-BE49-F238E27FC236}">
+                <a16:creationId xmlns:a16="http://schemas.microsoft.com/office/drawing/2014/main" id="{80623D45-D775-446F-80B1-F79B5B86DBF8}"/>
+              </a:ext>
+            </a:extLst>
+          </p:cNvPr>
+          <p:cNvSpPr/>
+          <p:nvPr/>
+        </p:nvSpPr>
+        <p:spPr>
+          <a:xfrm>
+            <a:off x="2900467" y="1769033"/>
+            <a:ext cx="2102912" cy="369332"/>
+          </a:xfrm>
+          <a:prstGeom prst="rect">
+            <a:avLst/>
+          </a:prstGeom>
+          <a:noFill/>
+          <a:ln w="28575">
+            <a:solidFill>
+              <a:schemeClr val="accent2"/>
+            </a:solidFill>
+          </a:ln>
+        </p:spPr>
+        <p:style>
+          <a:lnRef idx="2">
+            <a:schemeClr val="accent1">
+              <a:shade val="50000"/>
+            </a:schemeClr>
+          </a:lnRef>
+          <a:fillRef idx="1">
+            <a:schemeClr val="accent1"/>
+          </a:fillRef>
+          <a:effectRef idx="0">
+            <a:schemeClr val="accent1"/>
+          </a:effectRef>
+          <a:fontRef idx="minor">
+            <a:schemeClr val="lt1"/>
+          </a:fontRef>
+        </p:style>
+        <p:txBody>
+          <a:bodyPr rtlCol="0" anchor="ctr"/>
+          <a:lstStyle/>
+          <a:p>
+            <a:pPr algn="ctr"/>
+            <a:r>
+              <a:rPr lang="en-US" altLang="ko-KR" sz="1400" dirty="0">
+                <a:solidFill>
+                  <a:schemeClr val="tx1"/>
+                </a:solidFill>
+              </a:rPr>
+              <a:t>Ich mag </a:t>
+            </a:r>
+            <a:r>
+              <a:rPr lang="en-US" altLang="ko-KR" sz="1400" dirty="0" err="1">
+                <a:solidFill>
+                  <a:schemeClr val="tx1"/>
+                </a:solidFill>
+              </a:rPr>
+              <a:t>meine</a:t>
+            </a:r>
+            <a:r>
+              <a:rPr lang="en-US" altLang="ko-KR" sz="1400" dirty="0">
+                <a:solidFill>
+                  <a:schemeClr val="tx1"/>
+                </a:solidFill>
+              </a:rPr>
+              <a:t> </a:t>
+            </a:r>
+            <a:r>
+              <a:rPr lang="en-US" altLang="ko-KR" sz="1400" dirty="0" err="1">
+                <a:solidFill>
+                  <a:schemeClr val="tx1"/>
+                </a:solidFill>
+              </a:rPr>
+              <a:t>Katzen</a:t>
+            </a:r>
+            <a:endParaRPr lang="en-US" altLang="ko-KR" sz="1400" dirty="0">
+              <a:solidFill>
+                <a:schemeClr val="tx1"/>
+              </a:solidFill>
+            </a:endParaRPr>
+          </a:p>
+        </p:txBody>
+      </p:sp>
+      <p:sp>
+        <p:nvSpPr>
+          <p:cNvPr id="38" name="사각형: 둥근 모서리 37">
+            <a:extLst>
+              <a:ext uri="{FF2B5EF4-FFF2-40B4-BE49-F238E27FC236}">
+                <a16:creationId xmlns:a16="http://schemas.microsoft.com/office/drawing/2014/main" id="{AE10AB06-8B46-4D06-BC65-9B4916C01AC5}"/>
+              </a:ext>
+            </a:extLst>
+          </p:cNvPr>
+          <p:cNvSpPr/>
+          <p:nvPr/>
+        </p:nvSpPr>
+        <p:spPr>
+          <a:xfrm>
+            <a:off x="482600" y="3908628"/>
+            <a:ext cx="4978400" cy="1635366"/>
+          </a:xfrm>
+          <a:prstGeom prst="roundRect">
+            <a:avLst>
+              <a:gd name="adj" fmla="val 6419"/>
+            </a:avLst>
+          </a:prstGeom>
+          <a:noFill/>
+          <a:ln w="38100">
+            <a:solidFill>
+              <a:schemeClr val="accent1">
+                <a:lumMod val="60000"/>
+                <a:lumOff val="40000"/>
+              </a:schemeClr>
+            </a:solidFill>
+          </a:ln>
+        </p:spPr>
+        <p:style>
+          <a:lnRef idx="2">
+            <a:schemeClr val="accent1">
+              <a:shade val="50000"/>
+            </a:schemeClr>
+          </a:lnRef>
+          <a:fillRef idx="1">
+            <a:schemeClr val="accent1"/>
+          </a:fillRef>
+          <a:effectRef idx="0">
+            <a:schemeClr val="accent1"/>
+          </a:effectRef>
+          <a:fontRef idx="minor">
+            <a:schemeClr val="lt1"/>
+          </a:fontRef>
+        </p:style>
+        <p:txBody>
+          <a:bodyPr rtlCol="0" anchor="ctr"/>
+          <a:lstStyle/>
+          <a:p>
+            <a:pPr algn="ctr"/>
+            <a:endParaRPr lang="ko-KR" altLang="en-US"/>
+          </a:p>
+        </p:txBody>
+      </p:sp>
+      <p:sp>
+        <p:nvSpPr>
+          <p:cNvPr id="72" name="사각형: 둥근 모서리 71">
+            <a:extLst>
+              <a:ext uri="{FF2B5EF4-FFF2-40B4-BE49-F238E27FC236}">
+                <a16:creationId xmlns:a16="http://schemas.microsoft.com/office/drawing/2014/main" id="{5A165B4C-3663-4083-B149-F6C96789B378}"/>
+              </a:ext>
+            </a:extLst>
+          </p:cNvPr>
+          <p:cNvSpPr/>
+          <p:nvPr/>
+        </p:nvSpPr>
+        <p:spPr>
+          <a:xfrm>
+            <a:off x="1013675" y="2402955"/>
+            <a:ext cx="1490764" cy="369332"/>
+          </a:xfrm>
+          <a:prstGeom prst="roundRect">
+            <a:avLst/>
+          </a:prstGeom>
+          <a:noFill/>
+          <a:ln w="38100">
+            <a:solidFill>
+              <a:schemeClr val="accent5">
+                <a:lumMod val="50000"/>
+              </a:schemeClr>
+            </a:solidFill>
+          </a:ln>
+        </p:spPr>
+        <p:style>
+          <a:lnRef idx="2">
+            <a:schemeClr val="accent1">
+              <a:shade val="50000"/>
+            </a:schemeClr>
+          </a:lnRef>
+          <a:fillRef idx="1">
+            <a:schemeClr val="accent1"/>
+          </a:fillRef>
+          <a:effectRef idx="0">
+            <a:schemeClr val="accent1"/>
+          </a:effectRef>
+          <a:fontRef idx="minor">
+            <a:schemeClr val="lt1"/>
+          </a:fontRef>
+        </p:style>
+        <p:txBody>
+          <a:bodyPr rtlCol="0" anchor="ctr"/>
+          <a:lstStyle/>
+          <a:p>
+            <a:pPr algn="ctr"/>
+            <a:r>
+              <a:rPr lang="en-US" altLang="ko-KR" sz="1600" dirty="0">
+                <a:solidFill>
+                  <a:schemeClr val="tx1"/>
+                </a:solidFill>
+              </a:rPr>
+              <a:t>encoder</a:t>
+            </a:r>
+            <a:endParaRPr lang="ko-KR" altLang="en-US" sz="1600" dirty="0">
+              <a:solidFill>
+                <a:schemeClr val="tx1"/>
+              </a:solidFill>
+            </a:endParaRPr>
+          </a:p>
+        </p:txBody>
+      </p:sp>
+      <p:sp>
+        <p:nvSpPr>
+          <p:cNvPr id="74" name="사각형: 둥근 모서리 73">
+            <a:extLst>
+              <a:ext uri="{FF2B5EF4-FFF2-40B4-BE49-F238E27FC236}">
+                <a16:creationId xmlns:a16="http://schemas.microsoft.com/office/drawing/2014/main" id="{CEF6224D-0B55-458D-A6D7-8A2FE1AABA2E}"/>
+              </a:ext>
+            </a:extLst>
+          </p:cNvPr>
+          <p:cNvSpPr/>
+          <p:nvPr/>
+        </p:nvSpPr>
+        <p:spPr>
+          <a:xfrm>
+            <a:off x="3206541" y="2402955"/>
+            <a:ext cx="1490764" cy="369332"/>
+          </a:xfrm>
+          <a:prstGeom prst="roundRect">
+            <a:avLst/>
+          </a:prstGeom>
+          <a:noFill/>
+          <a:ln w="38100">
+            <a:solidFill>
+              <a:schemeClr val="accent5">
+                <a:lumMod val="50000"/>
+              </a:schemeClr>
+            </a:solidFill>
+          </a:ln>
+        </p:spPr>
+        <p:style>
+          <a:lnRef idx="2">
+            <a:schemeClr val="accent1">
+              <a:shade val="50000"/>
+            </a:schemeClr>
+          </a:lnRef>
+          <a:fillRef idx="1">
+            <a:schemeClr val="accent1"/>
+          </a:fillRef>
+          <a:effectRef idx="0">
+            <a:schemeClr val="accent1"/>
+          </a:effectRef>
+          <a:fontRef idx="minor">
+            <a:schemeClr val="lt1"/>
+          </a:fontRef>
+        </p:style>
+        <p:txBody>
+          <a:bodyPr rtlCol="0" anchor="ctr"/>
+          <a:lstStyle/>
+          <a:p>
+            <a:pPr algn="ctr"/>
+            <a:r>
+              <a:rPr lang="en-US" altLang="ko-KR" sz="1600" dirty="0">
+                <a:solidFill>
+                  <a:schemeClr val="tx1"/>
+                </a:solidFill>
+              </a:rPr>
+              <a:t>decoder</a:t>
+            </a:r>
+            <a:endParaRPr lang="ko-KR" altLang="en-US" sz="1600" dirty="0">
+              <a:solidFill>
+                <a:schemeClr val="tx1"/>
+              </a:solidFill>
+            </a:endParaRPr>
+          </a:p>
+        </p:txBody>
+      </p:sp>
+      <p:cxnSp>
+        <p:nvCxnSpPr>
+          <p:cNvPr id="40" name="직선 화살표 연결선 39">
+            <a:extLst>
+              <a:ext uri="{FF2B5EF4-FFF2-40B4-BE49-F238E27FC236}">
+                <a16:creationId xmlns:a16="http://schemas.microsoft.com/office/drawing/2014/main" id="{576E4E38-4989-4622-BB35-65D2EE9D405E}"/>
+              </a:ext>
+            </a:extLst>
+          </p:cNvPr>
+          <p:cNvCxnSpPr>
+            <a:stCxn id="64" idx="0"/>
+            <a:endCxn id="72" idx="2"/>
+          </p:cNvCxnSpPr>
+          <p:nvPr/>
+        </p:nvCxnSpPr>
+        <p:spPr>
+          <a:xfrm flipV="1">
+            <a:off x="1755671" y="2772287"/>
+            <a:ext cx="3386" cy="279130"/>
+          </a:xfrm>
+          <a:prstGeom prst="straightConnector1">
+            <a:avLst/>
+          </a:prstGeom>
+          <a:ln>
+            <a:solidFill>
+              <a:srgbClr val="C00000"/>
+            </a:solidFill>
+            <a:tailEnd type="triangle"/>
+          </a:ln>
+        </p:spPr>
+        <p:style>
+          <a:lnRef idx="1">
+            <a:schemeClr val="accent1"/>
+          </a:lnRef>
+          <a:fillRef idx="0">
+            <a:schemeClr val="accent1"/>
+          </a:fillRef>
+          <a:effectRef idx="0">
+            <a:schemeClr val="accent1"/>
+          </a:effectRef>
+          <a:fontRef idx="minor">
+            <a:schemeClr val="tx1"/>
+          </a:fontRef>
+        </p:style>
+      </p:cxnSp>
+      <p:cxnSp>
+        <p:nvCxnSpPr>
+          <p:cNvPr id="75" name="직선 화살표 연결선 74">
+            <a:extLst>
+              <a:ext uri="{FF2B5EF4-FFF2-40B4-BE49-F238E27FC236}">
+                <a16:creationId xmlns:a16="http://schemas.microsoft.com/office/drawing/2014/main" id="{A1C337A3-91A3-48D3-A16F-DF3DBC4A2350}"/>
+              </a:ext>
+            </a:extLst>
+          </p:cNvPr>
+          <p:cNvCxnSpPr>
+            <a:cxnSpLocks/>
+            <a:stCxn id="74" idx="0"/>
+            <a:endCxn id="68" idx="2"/>
+          </p:cNvCxnSpPr>
+          <p:nvPr/>
+        </p:nvCxnSpPr>
+        <p:spPr>
+          <a:xfrm flipV="1">
+            <a:off x="3951923" y="2138365"/>
+            <a:ext cx="0" cy="264590"/>
+          </a:xfrm>
+          <a:prstGeom prst="straightConnector1">
+            <a:avLst/>
+          </a:prstGeom>
+          <a:ln>
+            <a:solidFill>
+              <a:srgbClr val="C00000"/>
+            </a:solidFill>
+            <a:tailEnd type="triangle"/>
+          </a:ln>
+        </p:spPr>
+        <p:style>
+          <a:lnRef idx="1">
+            <a:schemeClr val="accent1"/>
+          </a:lnRef>
+          <a:fillRef idx="0">
+            <a:schemeClr val="accent1"/>
+          </a:fillRef>
+          <a:effectRef idx="0">
+            <a:schemeClr val="accent1"/>
+          </a:effectRef>
+          <a:fontRef idx="minor">
+            <a:schemeClr val="tx1"/>
+          </a:fontRef>
+        </p:style>
+      </p:cxnSp>
+      <p:cxnSp>
+        <p:nvCxnSpPr>
+          <p:cNvPr id="77" name="직선 화살표 연결선 76">
+            <a:extLst>
+              <a:ext uri="{FF2B5EF4-FFF2-40B4-BE49-F238E27FC236}">
+                <a16:creationId xmlns:a16="http://schemas.microsoft.com/office/drawing/2014/main" id="{124F5AAF-3C17-4C71-9150-170527987F86}"/>
+              </a:ext>
+            </a:extLst>
+          </p:cNvPr>
+          <p:cNvCxnSpPr>
+            <a:cxnSpLocks/>
+            <a:stCxn id="72" idx="3"/>
+            <a:endCxn id="74" idx="1"/>
+          </p:cNvCxnSpPr>
+          <p:nvPr/>
+        </p:nvCxnSpPr>
+        <p:spPr>
+          <a:xfrm>
+            <a:off x="2504439" y="2587621"/>
+            <a:ext cx="702102" cy="0"/>
+          </a:xfrm>
+          <a:prstGeom prst="straightConnector1">
+            <a:avLst/>
+          </a:prstGeom>
+          <a:ln>
+            <a:tailEnd type="triangle"/>
+          </a:ln>
+        </p:spPr>
+        <p:style>
+          <a:lnRef idx="1">
+            <a:schemeClr val="accent1"/>
+          </a:lnRef>
+          <a:fillRef idx="0">
+            <a:schemeClr val="accent1"/>
+          </a:fillRef>
+          <a:effectRef idx="0">
+            <a:schemeClr val="accent1"/>
+          </a:effectRef>
+          <a:fontRef idx="minor">
+            <a:schemeClr val="tx1"/>
+          </a:fontRef>
+        </p:style>
+      </p:cxnSp>
+      <p:sp>
+        <p:nvSpPr>
+          <p:cNvPr id="79" name="TextBox 78">
+            <a:extLst>
+              <a:ext uri="{FF2B5EF4-FFF2-40B4-BE49-F238E27FC236}">
+                <a16:creationId xmlns:a16="http://schemas.microsoft.com/office/drawing/2014/main" id="{7201ABC5-20EA-4046-85C5-6DF0C0B3FD77}"/>
+              </a:ext>
+            </a:extLst>
+          </p:cNvPr>
+          <p:cNvSpPr txBox="1"/>
+          <p:nvPr/>
+        </p:nvSpPr>
+        <p:spPr>
+          <a:xfrm>
+            <a:off x="3767773" y="507691"/>
+            <a:ext cx="3354333" cy="830997"/>
+          </a:xfrm>
+          <a:prstGeom prst="rect">
+            <a:avLst/>
+          </a:prstGeom>
+          <a:noFill/>
+        </p:spPr>
+        <p:txBody>
+          <a:bodyPr wrap="square" rtlCol="0">
+            <a:spAutoFit/>
+          </a:bodyPr>
+          <a:lstStyle/>
+          <a:p>
+            <a:r>
+              <a:rPr lang="en-US" altLang="ko-KR" sz="1600" dirty="0"/>
+              <a:t>       Text</a:t>
+            </a:r>
+            <a:r>
+              <a:rPr lang="ko-KR" altLang="en-US" sz="1600" dirty="0"/>
+              <a:t>            </a:t>
+            </a:r>
+            <a:r>
+              <a:rPr lang="en-US" altLang="ko-KR" sz="1600" dirty="0"/>
+              <a:t>Tokenization</a:t>
+            </a:r>
+          </a:p>
+          <a:p>
+            <a:pPr algn="ctr"/>
+            <a:endParaRPr lang="en-US" altLang="ko-KR" sz="1600" dirty="0"/>
+          </a:p>
+          <a:p>
+            <a:r>
+              <a:rPr lang="en-US" altLang="ko-KR" sz="1600" dirty="0"/>
+              <a:t>‘I like my cats’   ‘I’, ‘like’, ‘my’, ‘cats’   </a:t>
+            </a:r>
+            <a:r>
+              <a:rPr lang="ko-KR" altLang="en-US" sz="1600" dirty="0"/>
+              <a:t>   </a:t>
+            </a:r>
+            <a:endParaRPr lang="en-US" altLang="ko-KR" sz="1600" dirty="0"/>
+          </a:p>
+        </p:txBody>
+      </p:sp>
+      <p:sp>
+        <p:nvSpPr>
+          <p:cNvPr id="80" name="직사각형 79">
+            <a:extLst>
+              <a:ext uri="{FF2B5EF4-FFF2-40B4-BE49-F238E27FC236}">
+                <a16:creationId xmlns:a16="http://schemas.microsoft.com/office/drawing/2014/main" id="{F5D3753E-2077-4C09-95AF-9A442EB10DA3}"/>
+              </a:ext>
+            </a:extLst>
+          </p:cNvPr>
+          <p:cNvSpPr/>
+          <p:nvPr/>
+        </p:nvSpPr>
+        <p:spPr>
+          <a:xfrm>
+            <a:off x="870616" y="5903476"/>
+            <a:ext cx="652042" cy="369332"/>
+          </a:xfrm>
+          <a:prstGeom prst="rect">
+            <a:avLst/>
+          </a:prstGeom>
+          <a:noFill/>
+          <a:ln w="28575">
+            <a:noFill/>
+          </a:ln>
+        </p:spPr>
+        <p:style>
+          <a:lnRef idx="2">
+            <a:schemeClr val="accent1">
+              <a:shade val="50000"/>
+            </a:schemeClr>
+          </a:lnRef>
+          <a:fillRef idx="1">
+            <a:schemeClr val="accent1"/>
+          </a:fillRef>
+          <a:effectRef idx="0">
+            <a:schemeClr val="accent1"/>
+          </a:effectRef>
+          <a:fontRef idx="minor">
+            <a:schemeClr val="lt1"/>
+          </a:fontRef>
+        </p:style>
+        <p:txBody>
+          <a:bodyPr rtlCol="0" anchor="ctr"/>
+          <a:lstStyle/>
+          <a:p>
+            <a:pPr algn="ctr"/>
+            <a:r>
+              <a:rPr lang="en-US" altLang="ko-KR" sz="1400" dirty="0">
+                <a:solidFill>
+                  <a:schemeClr val="tx1"/>
+                </a:solidFill>
+              </a:rPr>
+              <a:t>Ich</a:t>
+            </a:r>
+          </a:p>
+        </p:txBody>
+      </p:sp>
+      <p:sp>
+        <p:nvSpPr>
+          <p:cNvPr id="81" name="직사각형 80">
+            <a:extLst>
+              <a:ext uri="{FF2B5EF4-FFF2-40B4-BE49-F238E27FC236}">
+                <a16:creationId xmlns:a16="http://schemas.microsoft.com/office/drawing/2014/main" id="{E7C0CA2B-7B99-490A-B503-8102F054F56D}"/>
+              </a:ext>
+            </a:extLst>
+          </p:cNvPr>
+          <p:cNvSpPr/>
+          <p:nvPr/>
+        </p:nvSpPr>
+        <p:spPr>
+          <a:xfrm>
+            <a:off x="2116191" y="5903476"/>
+            <a:ext cx="652042" cy="369332"/>
+          </a:xfrm>
+          <a:prstGeom prst="rect">
+            <a:avLst/>
+          </a:prstGeom>
+          <a:noFill/>
+          <a:ln w="28575">
+            <a:noFill/>
+          </a:ln>
+        </p:spPr>
+        <p:style>
+          <a:lnRef idx="2">
+            <a:schemeClr val="accent1">
+              <a:shade val="50000"/>
+            </a:schemeClr>
+          </a:lnRef>
+          <a:fillRef idx="1">
+            <a:schemeClr val="accent1"/>
+          </a:fillRef>
+          <a:effectRef idx="0">
+            <a:schemeClr val="accent1"/>
+          </a:effectRef>
+          <a:fontRef idx="minor">
+            <a:schemeClr val="lt1"/>
+          </a:fontRef>
+        </p:style>
+        <p:txBody>
+          <a:bodyPr rtlCol="0" anchor="ctr"/>
+          <a:lstStyle/>
+          <a:p>
+            <a:pPr algn="ctr"/>
+            <a:r>
+              <a:rPr lang="en-US" altLang="ko-KR" sz="1400" dirty="0">
+                <a:solidFill>
+                  <a:schemeClr val="tx1"/>
+                </a:solidFill>
+              </a:rPr>
+              <a:t>mag</a:t>
+            </a:r>
+          </a:p>
+        </p:txBody>
+      </p:sp>
+      <p:sp>
+        <p:nvSpPr>
+          <p:cNvPr id="82" name="직사각형 81">
+            <a:extLst>
+              <a:ext uri="{FF2B5EF4-FFF2-40B4-BE49-F238E27FC236}">
+                <a16:creationId xmlns:a16="http://schemas.microsoft.com/office/drawing/2014/main" id="{561E6D26-CBB4-4047-9C32-1C8666EDD5C6}"/>
+              </a:ext>
+            </a:extLst>
+          </p:cNvPr>
+          <p:cNvSpPr/>
+          <p:nvPr/>
+        </p:nvSpPr>
+        <p:spPr>
+          <a:xfrm>
+            <a:off x="3290808" y="5896935"/>
+            <a:ext cx="745708" cy="369332"/>
+          </a:xfrm>
+          <a:prstGeom prst="rect">
+            <a:avLst/>
+          </a:prstGeom>
+          <a:noFill/>
+          <a:ln w="28575">
+            <a:noFill/>
+          </a:ln>
+        </p:spPr>
+        <p:style>
+          <a:lnRef idx="2">
+            <a:schemeClr val="accent1">
+              <a:shade val="50000"/>
+            </a:schemeClr>
+          </a:lnRef>
+          <a:fillRef idx="1">
+            <a:schemeClr val="accent1"/>
+          </a:fillRef>
+          <a:effectRef idx="0">
+            <a:schemeClr val="accent1"/>
+          </a:effectRef>
+          <a:fontRef idx="minor">
+            <a:schemeClr val="lt1"/>
+          </a:fontRef>
+        </p:style>
+        <p:txBody>
+          <a:bodyPr rtlCol="0" anchor="ctr"/>
+          <a:lstStyle/>
+          <a:p>
+            <a:pPr algn="ctr"/>
+            <a:r>
+              <a:rPr lang="en-US" altLang="ko-KR" sz="1400" dirty="0" err="1">
+                <a:solidFill>
+                  <a:schemeClr val="tx1"/>
+                </a:solidFill>
+              </a:rPr>
+              <a:t>meine</a:t>
+            </a:r>
+            <a:endParaRPr lang="en-US" altLang="ko-KR" sz="1400" dirty="0">
+              <a:solidFill>
+                <a:schemeClr val="tx1"/>
+              </a:solidFill>
+            </a:endParaRPr>
+          </a:p>
+        </p:txBody>
+      </p:sp>
+      <p:sp>
+        <p:nvSpPr>
+          <p:cNvPr id="83" name="직사각형 82">
+            <a:extLst>
+              <a:ext uri="{FF2B5EF4-FFF2-40B4-BE49-F238E27FC236}">
+                <a16:creationId xmlns:a16="http://schemas.microsoft.com/office/drawing/2014/main" id="{8B68225E-437F-40FE-9EAA-0371FA0C3C4C}"/>
+              </a:ext>
+            </a:extLst>
+          </p:cNvPr>
+          <p:cNvSpPr/>
+          <p:nvPr/>
+        </p:nvSpPr>
+        <p:spPr>
+          <a:xfrm>
+            <a:off x="4561941" y="5896935"/>
+            <a:ext cx="745708" cy="369332"/>
+          </a:xfrm>
+          <a:prstGeom prst="rect">
+            <a:avLst/>
+          </a:prstGeom>
+          <a:noFill/>
+          <a:ln w="28575">
+            <a:noFill/>
+          </a:ln>
+        </p:spPr>
+        <p:style>
+          <a:lnRef idx="2">
+            <a:schemeClr val="accent1">
+              <a:shade val="50000"/>
+            </a:schemeClr>
+          </a:lnRef>
+          <a:fillRef idx="1">
+            <a:schemeClr val="accent1"/>
+          </a:fillRef>
+          <a:effectRef idx="0">
+            <a:schemeClr val="accent1"/>
+          </a:effectRef>
+          <a:fontRef idx="minor">
+            <a:schemeClr val="lt1"/>
+          </a:fontRef>
+        </p:style>
+        <p:txBody>
+          <a:bodyPr rtlCol="0" anchor="ctr"/>
+          <a:lstStyle/>
+          <a:p>
+            <a:pPr algn="ctr"/>
+            <a:r>
+              <a:rPr lang="en-US" altLang="ko-KR" sz="1400" dirty="0" err="1">
+                <a:solidFill>
+                  <a:schemeClr val="tx1"/>
+                </a:solidFill>
+              </a:rPr>
+              <a:t>Katzen</a:t>
+            </a:r>
+            <a:endParaRPr lang="en-US" altLang="ko-KR" sz="1400" dirty="0">
+              <a:solidFill>
+                <a:schemeClr val="tx1"/>
+              </a:solidFill>
+            </a:endParaRPr>
+          </a:p>
+        </p:txBody>
+      </p:sp>
+      <p:sp>
+        <p:nvSpPr>
+          <p:cNvPr id="84" name="사각형: 둥근 모서리 83">
+            <a:extLst>
+              <a:ext uri="{FF2B5EF4-FFF2-40B4-BE49-F238E27FC236}">
+                <a16:creationId xmlns:a16="http://schemas.microsoft.com/office/drawing/2014/main" id="{4C09C2FA-6AE0-49E6-B484-53377FD4D690}"/>
+              </a:ext>
+            </a:extLst>
+          </p:cNvPr>
+          <p:cNvSpPr/>
+          <p:nvPr/>
+        </p:nvSpPr>
+        <p:spPr>
+          <a:xfrm>
+            <a:off x="635000" y="4989124"/>
+            <a:ext cx="4679950" cy="369332"/>
+          </a:xfrm>
+          <a:prstGeom prst="roundRect">
+            <a:avLst/>
+          </a:prstGeom>
+          <a:solidFill>
+            <a:schemeClr val="bg1"/>
+          </a:solidFill>
+          <a:ln w="38100">
+            <a:solidFill>
+              <a:schemeClr val="accent5">
+                <a:lumMod val="50000"/>
+              </a:schemeClr>
+            </a:solidFill>
+          </a:ln>
+        </p:spPr>
+        <p:style>
+          <a:lnRef idx="2">
+            <a:schemeClr val="accent1">
+              <a:shade val="50000"/>
+            </a:schemeClr>
+          </a:lnRef>
+          <a:fillRef idx="1">
+            <a:schemeClr val="accent1"/>
+          </a:fillRef>
+          <a:effectRef idx="0">
+            <a:schemeClr val="accent1"/>
+          </a:effectRef>
+          <a:fontRef idx="minor">
+            <a:schemeClr val="lt1"/>
+          </a:fontRef>
+        </p:style>
+        <p:txBody>
+          <a:bodyPr rtlCol="0" anchor="ctr"/>
+          <a:lstStyle/>
+          <a:p>
+            <a:pPr algn="ctr"/>
+            <a:r>
+              <a:rPr lang="en-US" altLang="ko-KR" sz="1400" dirty="0">
+                <a:solidFill>
+                  <a:schemeClr val="tx1"/>
+                </a:solidFill>
+              </a:rPr>
+              <a:t>Self-Attention</a:t>
+            </a:r>
+            <a:endParaRPr lang="ko-KR" altLang="en-US" sz="1400" dirty="0">
+              <a:solidFill>
+                <a:schemeClr val="tx1"/>
+              </a:solidFill>
+            </a:endParaRPr>
+          </a:p>
+        </p:txBody>
+      </p:sp>
+      <p:sp>
+        <p:nvSpPr>
+          <p:cNvPr id="85" name="사각형: 둥근 모서리 84">
+            <a:extLst>
+              <a:ext uri="{FF2B5EF4-FFF2-40B4-BE49-F238E27FC236}">
+                <a16:creationId xmlns:a16="http://schemas.microsoft.com/office/drawing/2014/main" id="{EE8FABA8-126F-42D7-AE88-5264B6B5162F}"/>
+              </a:ext>
+            </a:extLst>
+          </p:cNvPr>
+          <p:cNvSpPr/>
+          <p:nvPr/>
+        </p:nvSpPr>
+        <p:spPr>
+          <a:xfrm>
+            <a:off x="635000" y="4108870"/>
+            <a:ext cx="4679950" cy="369332"/>
+          </a:xfrm>
+          <a:prstGeom prst="roundRect">
+            <a:avLst/>
+          </a:prstGeom>
+          <a:solidFill>
+            <a:schemeClr val="bg1"/>
+          </a:solidFill>
+          <a:ln w="38100">
+            <a:solidFill>
+              <a:schemeClr val="accent5">
+                <a:lumMod val="50000"/>
+              </a:schemeClr>
+            </a:solidFill>
+          </a:ln>
+        </p:spPr>
+        <p:style>
+          <a:lnRef idx="2">
+            <a:schemeClr val="accent1">
+              <a:shade val="50000"/>
+            </a:schemeClr>
+          </a:lnRef>
+          <a:fillRef idx="1">
+            <a:schemeClr val="accent1"/>
+          </a:fillRef>
+          <a:effectRef idx="0">
+            <a:schemeClr val="accent1"/>
+          </a:effectRef>
+          <a:fontRef idx="minor">
+            <a:schemeClr val="lt1"/>
+          </a:fontRef>
+        </p:style>
+        <p:txBody>
+          <a:bodyPr rtlCol="0" anchor="ctr"/>
+          <a:lstStyle/>
+          <a:p>
+            <a:pPr algn="ctr"/>
+            <a:r>
+              <a:rPr lang="en-US" altLang="ko-KR" sz="1400" dirty="0">
+                <a:solidFill>
+                  <a:schemeClr val="tx1"/>
+                </a:solidFill>
+              </a:rPr>
+              <a:t>Feed Forward</a:t>
+            </a:r>
+            <a:endParaRPr lang="ko-KR" altLang="en-US" sz="1400" dirty="0">
+              <a:solidFill>
+                <a:schemeClr val="tx1"/>
+              </a:solidFill>
+            </a:endParaRPr>
+          </a:p>
+        </p:txBody>
+      </p:sp>
+      <p:graphicFrame>
+        <p:nvGraphicFramePr>
+          <p:cNvPr id="86" name="표 85">
+            <a:extLst>
+              <a:ext uri="{FF2B5EF4-FFF2-40B4-BE49-F238E27FC236}">
+                <a16:creationId xmlns:a16="http://schemas.microsoft.com/office/drawing/2014/main" id="{DC0E81A4-DBDC-40E7-8FE7-6D9A338B5318}"/>
+              </a:ext>
+            </a:extLst>
+          </p:cNvPr>
+          <p:cNvGraphicFramePr>
+            <a:graphicFrameLocks noGrp="1"/>
+          </p:cNvGraphicFramePr>
+          <p:nvPr>
+            <p:extLst>
+              <p:ext uri="{D42A27DB-BD31-4B8C-83A1-F6EECF244321}">
+                <p14:modId xmlns:p14="http://schemas.microsoft.com/office/powerpoint/2010/main" val="1083214056"/>
+              </p:ext>
+            </p:extLst>
+          </p:nvPr>
+        </p:nvGraphicFramePr>
+        <p:xfrm>
+          <a:off x="780077" y="5669068"/>
+          <a:ext cx="833120" cy="243840"/>
+        </p:xfrm>
+        <a:graphic>
+          <a:graphicData uri="http://schemas.openxmlformats.org/drawingml/2006/table">
+            <a:tbl>
+              <a:tblPr firstRow="1" bandRow="1">
+                <a:tableStyleId>{5940675A-B579-460E-94D1-54222C63F5DA}</a:tableStyleId>
+              </a:tblPr>
+              <a:tblGrid>
+                <a:gridCol w="208280">
+                  <a:extLst>
+                    <a:ext uri="{9D8B030D-6E8A-4147-A177-3AD203B41FA5}">
+                      <a16:colId xmlns:a16="http://schemas.microsoft.com/office/drawing/2014/main" val="2187342301"/>
+                    </a:ext>
+                  </a:extLst>
+                </a:gridCol>
+                <a:gridCol w="208280">
+                  <a:extLst>
+                    <a:ext uri="{9D8B030D-6E8A-4147-A177-3AD203B41FA5}">
+                      <a16:colId xmlns:a16="http://schemas.microsoft.com/office/drawing/2014/main" val="262566599"/>
+                    </a:ext>
+                  </a:extLst>
+                </a:gridCol>
+                <a:gridCol w="208280">
+                  <a:extLst>
+                    <a:ext uri="{9D8B030D-6E8A-4147-A177-3AD203B41FA5}">
+                      <a16:colId xmlns:a16="http://schemas.microsoft.com/office/drawing/2014/main" val="664921276"/>
+                    </a:ext>
+                  </a:extLst>
+                </a:gridCol>
+                <a:gridCol w="208280">
+                  <a:extLst>
+                    <a:ext uri="{9D8B030D-6E8A-4147-A177-3AD203B41FA5}">
+                      <a16:colId xmlns:a16="http://schemas.microsoft.com/office/drawing/2014/main" val="3291570202"/>
+                    </a:ext>
+                  </a:extLst>
+                </a:gridCol>
+              </a:tblGrid>
+              <a:tr h="0">
+                <a:tc>
+                  <a:txBody>
+                    <a:bodyPr/>
+                    <a:lstStyle/>
+                    <a:p>
+                      <a:pPr latinLnBrk="1"/>
+                      <a:endParaRPr lang="ko-KR" altLang="en-US" sz="1000" dirty="0"/>
+                    </a:p>
+                  </a:txBody>
+                  <a:tcPr>
+                    <a:solidFill>
+                      <a:schemeClr val="accent6">
+                        <a:lumMod val="20000"/>
+                        <a:lumOff val="80000"/>
+                      </a:schemeClr>
+                    </a:solidFill>
+                  </a:tcPr>
+                </a:tc>
+                <a:tc>
+                  <a:txBody>
+                    <a:bodyPr/>
+                    <a:lstStyle/>
+                    <a:p>
+                      <a:pPr latinLnBrk="1"/>
+                      <a:endParaRPr lang="ko-KR" altLang="en-US" sz="1000"/>
+                    </a:p>
+                  </a:txBody>
+                  <a:tcPr>
+                    <a:solidFill>
+                      <a:schemeClr val="accent6">
+                        <a:lumMod val="20000"/>
+                        <a:lumOff val="80000"/>
+                      </a:schemeClr>
+                    </a:solidFill>
+                  </a:tcPr>
+                </a:tc>
+                <a:tc>
+                  <a:txBody>
+                    <a:bodyPr/>
+                    <a:lstStyle/>
+                    <a:p>
+                      <a:pPr latinLnBrk="1"/>
+                      <a:endParaRPr lang="ko-KR" altLang="en-US" sz="1000"/>
+                    </a:p>
+                  </a:txBody>
+                  <a:tcPr>
+                    <a:solidFill>
+                      <a:schemeClr val="accent6">
+                        <a:lumMod val="20000"/>
+                        <a:lumOff val="80000"/>
+                      </a:schemeClr>
+                    </a:solidFill>
+                  </a:tcPr>
+                </a:tc>
+                <a:tc>
+                  <a:txBody>
+                    <a:bodyPr/>
+                    <a:lstStyle/>
+                    <a:p>
+                      <a:pPr latinLnBrk="1"/>
+                      <a:endParaRPr lang="ko-KR" altLang="en-US" sz="1000" dirty="0"/>
+                    </a:p>
+                  </a:txBody>
+                  <a:tcPr>
+                    <a:solidFill>
+                      <a:schemeClr val="accent6">
+                        <a:lumMod val="20000"/>
+                        <a:lumOff val="80000"/>
+                      </a:schemeClr>
+                    </a:solidFill>
+                  </a:tcPr>
+                </a:tc>
+                <a:extLst>
+                  <a:ext uri="{0D108BD9-81ED-4DB2-BD59-A6C34878D82A}">
+                    <a16:rowId xmlns:a16="http://schemas.microsoft.com/office/drawing/2014/main" val="920815824"/>
+                  </a:ext>
+                </a:extLst>
+              </a:tr>
+            </a:tbl>
+          </a:graphicData>
+        </a:graphic>
+      </p:graphicFrame>
+      <p:graphicFrame>
+        <p:nvGraphicFramePr>
+          <p:cNvPr id="87" name="표 86">
+            <a:extLst>
+              <a:ext uri="{FF2B5EF4-FFF2-40B4-BE49-F238E27FC236}">
+                <a16:creationId xmlns:a16="http://schemas.microsoft.com/office/drawing/2014/main" id="{4BBB7BCB-56B0-41B7-9128-0A35E0B88CB6}"/>
+              </a:ext>
+            </a:extLst>
+          </p:cNvPr>
+          <p:cNvGraphicFramePr>
+            <a:graphicFrameLocks noGrp="1"/>
+          </p:cNvGraphicFramePr>
+          <p:nvPr>
+            <p:extLst>
+              <p:ext uri="{D42A27DB-BD31-4B8C-83A1-F6EECF244321}">
+                <p14:modId xmlns:p14="http://schemas.microsoft.com/office/powerpoint/2010/main" val="815967217"/>
+              </p:ext>
+            </p:extLst>
+          </p:nvPr>
+        </p:nvGraphicFramePr>
+        <p:xfrm>
+          <a:off x="2002422" y="5671021"/>
+          <a:ext cx="833120" cy="243840"/>
+        </p:xfrm>
+        <a:graphic>
+          <a:graphicData uri="http://schemas.openxmlformats.org/drawingml/2006/table">
+            <a:tbl>
+              <a:tblPr firstRow="1" bandRow="1">
+                <a:tableStyleId>{5940675A-B579-460E-94D1-54222C63F5DA}</a:tableStyleId>
+              </a:tblPr>
+              <a:tblGrid>
+                <a:gridCol w="208280">
+                  <a:extLst>
+                    <a:ext uri="{9D8B030D-6E8A-4147-A177-3AD203B41FA5}">
+                      <a16:colId xmlns:a16="http://schemas.microsoft.com/office/drawing/2014/main" val="2187342301"/>
+                    </a:ext>
+                  </a:extLst>
+                </a:gridCol>
+                <a:gridCol w="208280">
+                  <a:extLst>
+                    <a:ext uri="{9D8B030D-6E8A-4147-A177-3AD203B41FA5}">
+                      <a16:colId xmlns:a16="http://schemas.microsoft.com/office/drawing/2014/main" val="262566599"/>
+                    </a:ext>
+                  </a:extLst>
+                </a:gridCol>
+                <a:gridCol w="208280">
+                  <a:extLst>
+                    <a:ext uri="{9D8B030D-6E8A-4147-A177-3AD203B41FA5}">
+                      <a16:colId xmlns:a16="http://schemas.microsoft.com/office/drawing/2014/main" val="664921276"/>
+                    </a:ext>
+                  </a:extLst>
+                </a:gridCol>
+                <a:gridCol w="208280">
+                  <a:extLst>
+                    <a:ext uri="{9D8B030D-6E8A-4147-A177-3AD203B41FA5}">
+                      <a16:colId xmlns:a16="http://schemas.microsoft.com/office/drawing/2014/main" val="3291570202"/>
+                    </a:ext>
+                  </a:extLst>
+                </a:gridCol>
+              </a:tblGrid>
+              <a:tr h="0">
+                <a:tc>
+                  <a:txBody>
+                    <a:bodyPr/>
+                    <a:lstStyle/>
+                    <a:p>
+                      <a:pPr latinLnBrk="1"/>
+                      <a:endParaRPr lang="ko-KR" altLang="en-US" sz="1000" dirty="0"/>
+                    </a:p>
+                  </a:txBody>
+                  <a:tcPr>
+                    <a:solidFill>
+                      <a:schemeClr val="accent6">
+                        <a:lumMod val="20000"/>
+                        <a:lumOff val="80000"/>
+                      </a:schemeClr>
+                    </a:solidFill>
+                  </a:tcPr>
+                </a:tc>
+                <a:tc>
+                  <a:txBody>
+                    <a:bodyPr/>
+                    <a:lstStyle/>
+                    <a:p>
+                      <a:pPr latinLnBrk="1"/>
+                      <a:endParaRPr lang="ko-KR" altLang="en-US" sz="1000"/>
+                    </a:p>
+                  </a:txBody>
+                  <a:tcPr>
+                    <a:solidFill>
+                      <a:schemeClr val="accent6">
+                        <a:lumMod val="20000"/>
+                        <a:lumOff val="80000"/>
+                      </a:schemeClr>
+                    </a:solidFill>
+                  </a:tcPr>
+                </a:tc>
+                <a:tc>
+                  <a:txBody>
+                    <a:bodyPr/>
+                    <a:lstStyle/>
+                    <a:p>
+                      <a:pPr latinLnBrk="1"/>
+                      <a:endParaRPr lang="ko-KR" altLang="en-US" sz="1000"/>
+                    </a:p>
+                  </a:txBody>
+                  <a:tcPr>
+                    <a:solidFill>
+                      <a:schemeClr val="accent6">
+                        <a:lumMod val="20000"/>
+                        <a:lumOff val="80000"/>
+                      </a:schemeClr>
+                    </a:solidFill>
+                  </a:tcPr>
+                </a:tc>
+                <a:tc>
+                  <a:txBody>
+                    <a:bodyPr/>
+                    <a:lstStyle/>
+                    <a:p>
+                      <a:pPr latinLnBrk="1"/>
+                      <a:endParaRPr lang="ko-KR" altLang="en-US" sz="1000" dirty="0"/>
+                    </a:p>
+                  </a:txBody>
+                  <a:tcPr>
+                    <a:solidFill>
+                      <a:schemeClr val="accent6">
+                        <a:lumMod val="20000"/>
+                        <a:lumOff val="80000"/>
+                      </a:schemeClr>
+                    </a:solidFill>
+                  </a:tcPr>
+                </a:tc>
+                <a:extLst>
+                  <a:ext uri="{0D108BD9-81ED-4DB2-BD59-A6C34878D82A}">
+                    <a16:rowId xmlns:a16="http://schemas.microsoft.com/office/drawing/2014/main" val="920815824"/>
+                  </a:ext>
+                </a:extLst>
+              </a:tr>
+            </a:tbl>
+          </a:graphicData>
+        </a:graphic>
+      </p:graphicFrame>
+      <p:graphicFrame>
+        <p:nvGraphicFramePr>
+          <p:cNvPr id="88" name="표 87">
+            <a:extLst>
+              <a:ext uri="{FF2B5EF4-FFF2-40B4-BE49-F238E27FC236}">
+                <a16:creationId xmlns:a16="http://schemas.microsoft.com/office/drawing/2014/main" id="{87764784-4692-45BB-8546-5EB419E2B4D9}"/>
+              </a:ext>
+            </a:extLst>
+          </p:cNvPr>
+          <p:cNvGraphicFramePr>
+            <a:graphicFrameLocks noGrp="1"/>
+          </p:cNvGraphicFramePr>
+          <p:nvPr>
+            <p:extLst>
+              <p:ext uri="{D42A27DB-BD31-4B8C-83A1-F6EECF244321}">
+                <p14:modId xmlns:p14="http://schemas.microsoft.com/office/powerpoint/2010/main" val="2552574073"/>
+              </p:ext>
+            </p:extLst>
+          </p:nvPr>
+        </p:nvGraphicFramePr>
+        <p:xfrm>
+          <a:off x="3247102" y="5673203"/>
+          <a:ext cx="833120" cy="243840"/>
+        </p:xfrm>
+        <a:graphic>
+          <a:graphicData uri="http://schemas.openxmlformats.org/drawingml/2006/table">
+            <a:tbl>
+              <a:tblPr firstRow="1" bandRow="1">
+                <a:tableStyleId>{5940675A-B579-460E-94D1-54222C63F5DA}</a:tableStyleId>
+              </a:tblPr>
+              <a:tblGrid>
+                <a:gridCol w="208280">
+                  <a:extLst>
+                    <a:ext uri="{9D8B030D-6E8A-4147-A177-3AD203B41FA5}">
+                      <a16:colId xmlns:a16="http://schemas.microsoft.com/office/drawing/2014/main" val="2187342301"/>
+                    </a:ext>
+                  </a:extLst>
+                </a:gridCol>
+                <a:gridCol w="208280">
+                  <a:extLst>
+                    <a:ext uri="{9D8B030D-6E8A-4147-A177-3AD203B41FA5}">
+                      <a16:colId xmlns:a16="http://schemas.microsoft.com/office/drawing/2014/main" val="262566599"/>
+                    </a:ext>
+                  </a:extLst>
+                </a:gridCol>
+                <a:gridCol w="208280">
+                  <a:extLst>
+                    <a:ext uri="{9D8B030D-6E8A-4147-A177-3AD203B41FA5}">
+                      <a16:colId xmlns:a16="http://schemas.microsoft.com/office/drawing/2014/main" val="664921276"/>
+                    </a:ext>
+                  </a:extLst>
+                </a:gridCol>
+                <a:gridCol w="208280">
+                  <a:extLst>
+                    <a:ext uri="{9D8B030D-6E8A-4147-A177-3AD203B41FA5}">
+                      <a16:colId xmlns:a16="http://schemas.microsoft.com/office/drawing/2014/main" val="3291570202"/>
+                    </a:ext>
+                  </a:extLst>
+                </a:gridCol>
+              </a:tblGrid>
+              <a:tr h="0">
+                <a:tc>
+                  <a:txBody>
+                    <a:bodyPr/>
+                    <a:lstStyle/>
+                    <a:p>
+                      <a:pPr latinLnBrk="1"/>
+                      <a:endParaRPr lang="ko-KR" altLang="en-US" sz="1000" dirty="0"/>
+                    </a:p>
+                  </a:txBody>
+                  <a:tcPr>
+                    <a:solidFill>
+                      <a:schemeClr val="accent6">
+                        <a:lumMod val="20000"/>
+                        <a:lumOff val="80000"/>
+                      </a:schemeClr>
+                    </a:solidFill>
+                  </a:tcPr>
+                </a:tc>
+                <a:tc>
+                  <a:txBody>
+                    <a:bodyPr/>
+                    <a:lstStyle/>
+                    <a:p>
+                      <a:pPr latinLnBrk="1"/>
+                      <a:endParaRPr lang="ko-KR" altLang="en-US" sz="1000"/>
+                    </a:p>
+                  </a:txBody>
+                  <a:tcPr>
+                    <a:solidFill>
+                      <a:schemeClr val="accent6">
+                        <a:lumMod val="20000"/>
+                        <a:lumOff val="80000"/>
+                      </a:schemeClr>
+                    </a:solidFill>
+                  </a:tcPr>
+                </a:tc>
+                <a:tc>
+                  <a:txBody>
+                    <a:bodyPr/>
+                    <a:lstStyle/>
+                    <a:p>
+                      <a:pPr latinLnBrk="1"/>
+                      <a:endParaRPr lang="ko-KR" altLang="en-US" sz="1000"/>
+                    </a:p>
+                  </a:txBody>
+                  <a:tcPr>
+                    <a:solidFill>
+                      <a:schemeClr val="accent6">
+                        <a:lumMod val="20000"/>
+                        <a:lumOff val="80000"/>
+                      </a:schemeClr>
+                    </a:solidFill>
+                  </a:tcPr>
+                </a:tc>
+                <a:tc>
+                  <a:txBody>
+                    <a:bodyPr/>
+                    <a:lstStyle/>
+                    <a:p>
+                      <a:pPr latinLnBrk="1"/>
+                      <a:endParaRPr lang="ko-KR" altLang="en-US" sz="1000" dirty="0"/>
+                    </a:p>
+                  </a:txBody>
+                  <a:tcPr>
+                    <a:solidFill>
+                      <a:schemeClr val="accent6">
+                        <a:lumMod val="20000"/>
+                        <a:lumOff val="80000"/>
+                      </a:schemeClr>
+                    </a:solidFill>
+                  </a:tcPr>
+                </a:tc>
+                <a:extLst>
+                  <a:ext uri="{0D108BD9-81ED-4DB2-BD59-A6C34878D82A}">
+                    <a16:rowId xmlns:a16="http://schemas.microsoft.com/office/drawing/2014/main" val="920815824"/>
+                  </a:ext>
+                </a:extLst>
+              </a:tr>
+            </a:tbl>
+          </a:graphicData>
+        </a:graphic>
+      </p:graphicFrame>
+      <p:graphicFrame>
+        <p:nvGraphicFramePr>
+          <p:cNvPr id="89" name="표 88">
+            <a:extLst>
+              <a:ext uri="{FF2B5EF4-FFF2-40B4-BE49-F238E27FC236}">
+                <a16:creationId xmlns:a16="http://schemas.microsoft.com/office/drawing/2014/main" id="{B2F96425-C3E4-4E38-BC5C-7B08EC9A7B3B}"/>
+              </a:ext>
+            </a:extLst>
+          </p:cNvPr>
+          <p:cNvGraphicFramePr>
+            <a:graphicFrameLocks noGrp="1"/>
+          </p:cNvGraphicFramePr>
+          <p:nvPr>
+            <p:extLst>
+              <p:ext uri="{D42A27DB-BD31-4B8C-83A1-F6EECF244321}">
+                <p14:modId xmlns:p14="http://schemas.microsoft.com/office/powerpoint/2010/main" val="1901201547"/>
+              </p:ext>
+            </p:extLst>
+          </p:nvPr>
+        </p:nvGraphicFramePr>
+        <p:xfrm>
+          <a:off x="4518235" y="5670994"/>
+          <a:ext cx="833120" cy="243840"/>
+        </p:xfrm>
+        <a:graphic>
+          <a:graphicData uri="http://schemas.openxmlformats.org/drawingml/2006/table">
+            <a:tbl>
+              <a:tblPr firstRow="1" bandRow="1">
+                <a:tableStyleId>{5940675A-B579-460E-94D1-54222C63F5DA}</a:tableStyleId>
+              </a:tblPr>
+              <a:tblGrid>
+                <a:gridCol w="208280">
+                  <a:extLst>
+                    <a:ext uri="{9D8B030D-6E8A-4147-A177-3AD203B41FA5}">
+                      <a16:colId xmlns:a16="http://schemas.microsoft.com/office/drawing/2014/main" val="2187342301"/>
+                    </a:ext>
+                  </a:extLst>
+                </a:gridCol>
+                <a:gridCol w="208280">
+                  <a:extLst>
+                    <a:ext uri="{9D8B030D-6E8A-4147-A177-3AD203B41FA5}">
+                      <a16:colId xmlns:a16="http://schemas.microsoft.com/office/drawing/2014/main" val="262566599"/>
+                    </a:ext>
+                  </a:extLst>
+                </a:gridCol>
+                <a:gridCol w="208280">
+                  <a:extLst>
+                    <a:ext uri="{9D8B030D-6E8A-4147-A177-3AD203B41FA5}">
+                      <a16:colId xmlns:a16="http://schemas.microsoft.com/office/drawing/2014/main" val="664921276"/>
+                    </a:ext>
+                  </a:extLst>
+                </a:gridCol>
+                <a:gridCol w="208280">
+                  <a:extLst>
+                    <a:ext uri="{9D8B030D-6E8A-4147-A177-3AD203B41FA5}">
+                      <a16:colId xmlns:a16="http://schemas.microsoft.com/office/drawing/2014/main" val="3291570202"/>
+                    </a:ext>
+                  </a:extLst>
+                </a:gridCol>
+              </a:tblGrid>
+              <a:tr h="0">
+                <a:tc>
+                  <a:txBody>
+                    <a:bodyPr/>
+                    <a:lstStyle/>
+                    <a:p>
+                      <a:pPr latinLnBrk="1"/>
+                      <a:endParaRPr lang="ko-KR" altLang="en-US" sz="1000" dirty="0"/>
+                    </a:p>
+                  </a:txBody>
+                  <a:tcPr>
+                    <a:solidFill>
+                      <a:schemeClr val="accent6">
+                        <a:lumMod val="20000"/>
+                        <a:lumOff val="80000"/>
+                      </a:schemeClr>
+                    </a:solidFill>
+                  </a:tcPr>
+                </a:tc>
+                <a:tc>
+                  <a:txBody>
+                    <a:bodyPr/>
+                    <a:lstStyle/>
+                    <a:p>
+                      <a:pPr latinLnBrk="1"/>
+                      <a:endParaRPr lang="ko-KR" altLang="en-US" sz="1000"/>
+                    </a:p>
+                  </a:txBody>
+                  <a:tcPr>
+                    <a:solidFill>
+                      <a:schemeClr val="accent6">
+                        <a:lumMod val="20000"/>
+                        <a:lumOff val="80000"/>
+                      </a:schemeClr>
+                    </a:solidFill>
+                  </a:tcPr>
+                </a:tc>
+                <a:tc>
+                  <a:txBody>
+                    <a:bodyPr/>
+                    <a:lstStyle/>
+                    <a:p>
+                      <a:pPr latinLnBrk="1"/>
+                      <a:endParaRPr lang="ko-KR" altLang="en-US" sz="1000"/>
+                    </a:p>
+                  </a:txBody>
+                  <a:tcPr>
+                    <a:solidFill>
+                      <a:schemeClr val="accent6">
+                        <a:lumMod val="20000"/>
+                        <a:lumOff val="80000"/>
+                      </a:schemeClr>
+                    </a:solidFill>
+                  </a:tcPr>
+                </a:tc>
+                <a:tc>
+                  <a:txBody>
+                    <a:bodyPr/>
+                    <a:lstStyle/>
+                    <a:p>
+                      <a:pPr latinLnBrk="1"/>
+                      <a:endParaRPr lang="ko-KR" altLang="en-US" sz="1000" dirty="0"/>
+                    </a:p>
+                  </a:txBody>
+                  <a:tcPr>
+                    <a:solidFill>
+                      <a:schemeClr val="accent6">
+                        <a:lumMod val="20000"/>
+                        <a:lumOff val="80000"/>
+                      </a:schemeClr>
+                    </a:solidFill>
+                  </a:tcPr>
+                </a:tc>
+                <a:extLst>
+                  <a:ext uri="{0D108BD9-81ED-4DB2-BD59-A6C34878D82A}">
+                    <a16:rowId xmlns:a16="http://schemas.microsoft.com/office/drawing/2014/main" val="920815824"/>
+                  </a:ext>
+                </a:extLst>
+              </a:tr>
+            </a:tbl>
+          </a:graphicData>
+        </a:graphic>
+      </p:graphicFrame>
+      <p:sp>
+        <p:nvSpPr>
+          <p:cNvPr id="90" name="직사각형 89">
+            <a:extLst>
+              <a:ext uri="{FF2B5EF4-FFF2-40B4-BE49-F238E27FC236}">
+                <a16:creationId xmlns:a16="http://schemas.microsoft.com/office/drawing/2014/main" id="{6CB65D3D-2F62-4341-B3CD-234655D83D37}"/>
+              </a:ext>
+            </a:extLst>
+          </p:cNvPr>
+          <p:cNvSpPr/>
+          <p:nvPr/>
+        </p:nvSpPr>
+        <p:spPr>
+          <a:xfrm>
+            <a:off x="512394" y="5601606"/>
+            <a:ext cx="358222" cy="369332"/>
+          </a:xfrm>
+          <a:prstGeom prst="rect">
+            <a:avLst/>
+          </a:prstGeom>
+          <a:noFill/>
+          <a:ln w="28575">
+            <a:noFill/>
+          </a:ln>
+        </p:spPr>
+        <p:style>
+          <a:lnRef idx="2">
+            <a:schemeClr val="accent1">
+              <a:shade val="50000"/>
+            </a:schemeClr>
+          </a:lnRef>
+          <a:fillRef idx="1">
+            <a:schemeClr val="accent1"/>
+          </a:fillRef>
+          <a:effectRef idx="0">
+            <a:schemeClr val="accent1"/>
+          </a:effectRef>
+          <a:fontRef idx="minor">
+            <a:schemeClr val="lt1"/>
+          </a:fontRef>
+        </p:style>
+        <p:txBody>
+          <a:bodyPr rtlCol="0" anchor="ctr"/>
+          <a:lstStyle/>
+          <a:p>
+            <a:pPr algn="ctr"/>
+            <a:r>
+              <a:rPr lang="en-US" altLang="ko-KR" sz="1100" dirty="0">
+                <a:solidFill>
+                  <a:schemeClr val="tx1"/>
+                </a:solidFill>
+              </a:rPr>
+              <a:t>X</a:t>
+            </a:r>
+            <a:r>
+              <a:rPr lang="en-US" altLang="ko-KR" sz="1000" dirty="0">
+                <a:solidFill>
+                  <a:schemeClr val="tx1"/>
+                </a:solidFill>
+              </a:rPr>
+              <a:t>1</a:t>
+            </a:r>
+            <a:endParaRPr lang="en-US" altLang="ko-KR" sz="1100" dirty="0">
+              <a:solidFill>
+                <a:schemeClr val="tx1"/>
+              </a:solidFill>
+            </a:endParaRPr>
+          </a:p>
+        </p:txBody>
+      </p:sp>
+      <p:sp>
+        <p:nvSpPr>
+          <p:cNvPr id="91" name="직사각형 90">
+            <a:extLst>
+              <a:ext uri="{FF2B5EF4-FFF2-40B4-BE49-F238E27FC236}">
+                <a16:creationId xmlns:a16="http://schemas.microsoft.com/office/drawing/2014/main" id="{BCBA5CDF-8262-431B-B468-BC8E496AA907}"/>
+              </a:ext>
+            </a:extLst>
+          </p:cNvPr>
+          <p:cNvSpPr/>
+          <p:nvPr/>
+        </p:nvSpPr>
+        <p:spPr>
+          <a:xfrm>
+            <a:off x="1732772" y="5588173"/>
+            <a:ext cx="358222" cy="369332"/>
+          </a:xfrm>
+          <a:prstGeom prst="rect">
+            <a:avLst/>
+          </a:prstGeom>
+          <a:noFill/>
+          <a:ln w="28575">
+            <a:noFill/>
+          </a:ln>
+        </p:spPr>
+        <p:style>
+          <a:lnRef idx="2">
+            <a:schemeClr val="accent1">
+              <a:shade val="50000"/>
+            </a:schemeClr>
+          </a:lnRef>
+          <a:fillRef idx="1">
+            <a:schemeClr val="accent1"/>
+          </a:fillRef>
+          <a:effectRef idx="0">
+            <a:schemeClr val="accent1"/>
+          </a:effectRef>
+          <a:fontRef idx="minor">
+            <a:schemeClr val="lt1"/>
+          </a:fontRef>
+        </p:style>
+        <p:txBody>
+          <a:bodyPr rtlCol="0" anchor="ctr"/>
+          <a:lstStyle/>
+          <a:p>
+            <a:pPr algn="ctr"/>
+            <a:r>
+              <a:rPr lang="en-US" altLang="ko-KR" sz="1100" dirty="0">
+                <a:solidFill>
+                  <a:schemeClr val="tx1"/>
+                </a:solidFill>
+              </a:rPr>
+              <a:t>X</a:t>
+            </a:r>
+            <a:r>
+              <a:rPr lang="en-US" altLang="ko-KR" sz="1000" dirty="0">
+                <a:solidFill>
+                  <a:schemeClr val="tx1"/>
+                </a:solidFill>
+              </a:rPr>
+              <a:t>2</a:t>
+            </a:r>
+            <a:endParaRPr lang="en-US" altLang="ko-KR" sz="1100" dirty="0">
+              <a:solidFill>
+                <a:schemeClr val="tx1"/>
+              </a:solidFill>
+            </a:endParaRPr>
+          </a:p>
+        </p:txBody>
+      </p:sp>
+      <p:sp>
+        <p:nvSpPr>
+          <p:cNvPr id="92" name="직사각형 91">
+            <a:extLst>
+              <a:ext uri="{FF2B5EF4-FFF2-40B4-BE49-F238E27FC236}">
+                <a16:creationId xmlns:a16="http://schemas.microsoft.com/office/drawing/2014/main" id="{A3056684-3CC2-4D08-950E-F8FC21F8B8B8}"/>
+              </a:ext>
+            </a:extLst>
+          </p:cNvPr>
+          <p:cNvSpPr/>
+          <p:nvPr/>
+        </p:nvSpPr>
+        <p:spPr>
+          <a:xfrm>
+            <a:off x="2967174" y="5588173"/>
+            <a:ext cx="358222" cy="369332"/>
+          </a:xfrm>
+          <a:prstGeom prst="rect">
+            <a:avLst/>
+          </a:prstGeom>
+          <a:noFill/>
+          <a:ln w="28575">
+            <a:noFill/>
+          </a:ln>
+        </p:spPr>
+        <p:style>
+          <a:lnRef idx="2">
+            <a:schemeClr val="accent1">
+              <a:shade val="50000"/>
+            </a:schemeClr>
+          </a:lnRef>
+          <a:fillRef idx="1">
+            <a:schemeClr val="accent1"/>
+          </a:fillRef>
+          <a:effectRef idx="0">
+            <a:schemeClr val="accent1"/>
+          </a:effectRef>
+          <a:fontRef idx="minor">
+            <a:schemeClr val="lt1"/>
+          </a:fontRef>
+        </p:style>
+        <p:txBody>
+          <a:bodyPr rtlCol="0" anchor="ctr"/>
+          <a:lstStyle/>
+          <a:p>
+            <a:pPr algn="ctr"/>
+            <a:r>
+              <a:rPr lang="en-US" altLang="ko-KR" sz="1100" dirty="0">
+                <a:solidFill>
+                  <a:schemeClr val="tx1"/>
+                </a:solidFill>
+              </a:rPr>
+              <a:t>X</a:t>
+            </a:r>
+            <a:r>
+              <a:rPr lang="en-US" altLang="ko-KR" sz="1000" dirty="0">
+                <a:solidFill>
+                  <a:schemeClr val="tx1"/>
+                </a:solidFill>
+              </a:rPr>
+              <a:t>3</a:t>
+            </a:r>
+            <a:endParaRPr lang="en-US" altLang="ko-KR" sz="1100" dirty="0">
+              <a:solidFill>
+                <a:schemeClr val="tx1"/>
+              </a:solidFill>
+            </a:endParaRPr>
+          </a:p>
+        </p:txBody>
+      </p:sp>
+      <p:sp>
+        <p:nvSpPr>
+          <p:cNvPr id="93" name="직사각형 92">
+            <a:extLst>
+              <a:ext uri="{FF2B5EF4-FFF2-40B4-BE49-F238E27FC236}">
+                <a16:creationId xmlns:a16="http://schemas.microsoft.com/office/drawing/2014/main" id="{00CCB547-BAE9-49DF-B9BB-CDD4A5066D74}"/>
+              </a:ext>
+            </a:extLst>
+          </p:cNvPr>
+          <p:cNvSpPr/>
+          <p:nvPr/>
+        </p:nvSpPr>
+        <p:spPr>
+          <a:xfrm>
+            <a:off x="4244575" y="5588173"/>
+            <a:ext cx="358222" cy="369332"/>
+          </a:xfrm>
+          <a:prstGeom prst="rect">
+            <a:avLst/>
+          </a:prstGeom>
+          <a:noFill/>
+          <a:ln w="28575">
+            <a:noFill/>
+          </a:ln>
+        </p:spPr>
+        <p:style>
+          <a:lnRef idx="2">
+            <a:schemeClr val="accent1">
+              <a:shade val="50000"/>
+            </a:schemeClr>
+          </a:lnRef>
+          <a:fillRef idx="1">
+            <a:schemeClr val="accent1"/>
+          </a:fillRef>
+          <a:effectRef idx="0">
+            <a:schemeClr val="accent1"/>
+          </a:effectRef>
+          <a:fontRef idx="minor">
+            <a:schemeClr val="lt1"/>
+          </a:fontRef>
+        </p:style>
+        <p:txBody>
+          <a:bodyPr rtlCol="0" anchor="ctr"/>
+          <a:lstStyle/>
+          <a:p>
+            <a:pPr algn="ctr"/>
+            <a:r>
+              <a:rPr lang="en-US" altLang="ko-KR" sz="1100" dirty="0">
+                <a:solidFill>
+                  <a:schemeClr val="tx1"/>
+                </a:solidFill>
+              </a:rPr>
+              <a:t>X</a:t>
+            </a:r>
+            <a:r>
+              <a:rPr lang="en-US" altLang="ko-KR" sz="1000" dirty="0">
+                <a:solidFill>
+                  <a:schemeClr val="tx1"/>
+                </a:solidFill>
+              </a:rPr>
+              <a:t>4</a:t>
+            </a:r>
+            <a:endParaRPr lang="en-US" altLang="ko-KR" sz="1100" dirty="0">
+              <a:solidFill>
+                <a:schemeClr val="tx1"/>
+              </a:solidFill>
+            </a:endParaRPr>
+          </a:p>
+        </p:txBody>
+      </p:sp>
+      <p:graphicFrame>
+        <p:nvGraphicFramePr>
+          <p:cNvPr id="94" name="표 93">
+            <a:extLst>
+              <a:ext uri="{FF2B5EF4-FFF2-40B4-BE49-F238E27FC236}">
+                <a16:creationId xmlns:a16="http://schemas.microsoft.com/office/drawing/2014/main" id="{2FAD683B-DF4F-4B1F-8C17-5B09BA1CAEB7}"/>
+              </a:ext>
+            </a:extLst>
+          </p:cNvPr>
+          <p:cNvGraphicFramePr>
+            <a:graphicFrameLocks noGrp="1"/>
+          </p:cNvGraphicFramePr>
+          <p:nvPr>
+            <p:extLst>
+              <p:ext uri="{D42A27DB-BD31-4B8C-83A1-F6EECF244321}">
+                <p14:modId xmlns:p14="http://schemas.microsoft.com/office/powerpoint/2010/main" val="2784780508"/>
+              </p:ext>
+            </p:extLst>
+          </p:nvPr>
+        </p:nvGraphicFramePr>
+        <p:xfrm>
+          <a:off x="731865" y="4595089"/>
+          <a:ext cx="833120" cy="243840"/>
+        </p:xfrm>
+        <a:graphic>
+          <a:graphicData uri="http://schemas.openxmlformats.org/drawingml/2006/table">
+            <a:tbl>
+              <a:tblPr firstRow="1" bandRow="1">
+                <a:tableStyleId>{5940675A-B579-460E-94D1-54222C63F5DA}</a:tableStyleId>
+              </a:tblPr>
+              <a:tblGrid>
+                <a:gridCol w="208280">
+                  <a:extLst>
+                    <a:ext uri="{9D8B030D-6E8A-4147-A177-3AD203B41FA5}">
+                      <a16:colId xmlns:a16="http://schemas.microsoft.com/office/drawing/2014/main" val="2187342301"/>
+                    </a:ext>
+                  </a:extLst>
+                </a:gridCol>
+                <a:gridCol w="208280">
+                  <a:extLst>
+                    <a:ext uri="{9D8B030D-6E8A-4147-A177-3AD203B41FA5}">
+                      <a16:colId xmlns:a16="http://schemas.microsoft.com/office/drawing/2014/main" val="262566599"/>
+                    </a:ext>
+                  </a:extLst>
+                </a:gridCol>
+                <a:gridCol w="208280">
+                  <a:extLst>
+                    <a:ext uri="{9D8B030D-6E8A-4147-A177-3AD203B41FA5}">
+                      <a16:colId xmlns:a16="http://schemas.microsoft.com/office/drawing/2014/main" val="664921276"/>
+                    </a:ext>
+                  </a:extLst>
+                </a:gridCol>
+                <a:gridCol w="208280">
+                  <a:extLst>
+                    <a:ext uri="{9D8B030D-6E8A-4147-A177-3AD203B41FA5}">
+                      <a16:colId xmlns:a16="http://schemas.microsoft.com/office/drawing/2014/main" val="3291570202"/>
+                    </a:ext>
+                  </a:extLst>
+                </a:gridCol>
+              </a:tblGrid>
+              <a:tr h="0">
+                <a:tc>
+                  <a:txBody>
+                    <a:bodyPr/>
+                    <a:lstStyle/>
+                    <a:p>
+                      <a:pPr latinLnBrk="1"/>
+                      <a:endParaRPr lang="ko-KR" altLang="en-US" sz="1000" dirty="0"/>
+                    </a:p>
+                  </a:txBody>
+                  <a:tcPr>
+                    <a:solidFill>
+                      <a:schemeClr val="accent6">
+                        <a:lumMod val="20000"/>
+                        <a:lumOff val="80000"/>
+                      </a:schemeClr>
+                    </a:solidFill>
+                  </a:tcPr>
+                </a:tc>
+                <a:tc>
+                  <a:txBody>
+                    <a:bodyPr/>
+                    <a:lstStyle/>
+                    <a:p>
+                      <a:pPr latinLnBrk="1"/>
+                      <a:endParaRPr lang="ko-KR" altLang="en-US" sz="1000"/>
+                    </a:p>
+                  </a:txBody>
+                  <a:tcPr>
+                    <a:solidFill>
+                      <a:schemeClr val="accent6">
+                        <a:lumMod val="20000"/>
+                        <a:lumOff val="80000"/>
+                      </a:schemeClr>
+                    </a:solidFill>
+                  </a:tcPr>
+                </a:tc>
+                <a:tc>
+                  <a:txBody>
+                    <a:bodyPr/>
+                    <a:lstStyle/>
+                    <a:p>
+                      <a:pPr latinLnBrk="1"/>
+                      <a:endParaRPr lang="ko-KR" altLang="en-US" sz="1000"/>
+                    </a:p>
+                  </a:txBody>
+                  <a:tcPr>
+                    <a:solidFill>
+                      <a:schemeClr val="accent6">
+                        <a:lumMod val="20000"/>
+                        <a:lumOff val="80000"/>
+                      </a:schemeClr>
+                    </a:solidFill>
+                  </a:tcPr>
+                </a:tc>
+                <a:tc>
+                  <a:txBody>
+                    <a:bodyPr/>
+                    <a:lstStyle/>
+                    <a:p>
+                      <a:pPr latinLnBrk="1"/>
+                      <a:endParaRPr lang="ko-KR" altLang="en-US" sz="1000" dirty="0"/>
+                    </a:p>
+                  </a:txBody>
+                  <a:tcPr>
+                    <a:solidFill>
+                      <a:schemeClr val="accent6">
+                        <a:lumMod val="20000"/>
+                        <a:lumOff val="80000"/>
+                      </a:schemeClr>
+                    </a:solidFill>
+                  </a:tcPr>
+                </a:tc>
+                <a:extLst>
+                  <a:ext uri="{0D108BD9-81ED-4DB2-BD59-A6C34878D82A}">
+                    <a16:rowId xmlns:a16="http://schemas.microsoft.com/office/drawing/2014/main" val="920815824"/>
+                  </a:ext>
+                </a:extLst>
+              </a:tr>
+            </a:tbl>
+          </a:graphicData>
+        </a:graphic>
+      </p:graphicFrame>
+      <p:graphicFrame>
+        <p:nvGraphicFramePr>
+          <p:cNvPr id="95" name="표 94">
+            <a:extLst>
+              <a:ext uri="{FF2B5EF4-FFF2-40B4-BE49-F238E27FC236}">
+                <a16:creationId xmlns:a16="http://schemas.microsoft.com/office/drawing/2014/main" id="{BD77E37E-7200-4C83-9D3C-8AAA1C098CF8}"/>
+              </a:ext>
+            </a:extLst>
+          </p:cNvPr>
+          <p:cNvGraphicFramePr>
+            <a:graphicFrameLocks noGrp="1"/>
+          </p:cNvGraphicFramePr>
+          <p:nvPr>
+            <p:extLst>
+              <p:ext uri="{D42A27DB-BD31-4B8C-83A1-F6EECF244321}">
+                <p14:modId xmlns:p14="http://schemas.microsoft.com/office/powerpoint/2010/main" val="2108218355"/>
+              </p:ext>
+            </p:extLst>
+          </p:nvPr>
+        </p:nvGraphicFramePr>
+        <p:xfrm>
+          <a:off x="1954210" y="4597042"/>
+          <a:ext cx="833120" cy="243840"/>
+        </p:xfrm>
+        <a:graphic>
+          <a:graphicData uri="http://schemas.openxmlformats.org/drawingml/2006/table">
+            <a:tbl>
+              <a:tblPr firstRow="1" bandRow="1">
+                <a:tableStyleId>{5940675A-B579-460E-94D1-54222C63F5DA}</a:tableStyleId>
+              </a:tblPr>
+              <a:tblGrid>
+                <a:gridCol w="208280">
+                  <a:extLst>
+                    <a:ext uri="{9D8B030D-6E8A-4147-A177-3AD203B41FA5}">
+                      <a16:colId xmlns:a16="http://schemas.microsoft.com/office/drawing/2014/main" val="2187342301"/>
+                    </a:ext>
+                  </a:extLst>
+                </a:gridCol>
+                <a:gridCol w="208280">
+                  <a:extLst>
+                    <a:ext uri="{9D8B030D-6E8A-4147-A177-3AD203B41FA5}">
+                      <a16:colId xmlns:a16="http://schemas.microsoft.com/office/drawing/2014/main" val="262566599"/>
+                    </a:ext>
+                  </a:extLst>
+                </a:gridCol>
+                <a:gridCol w="208280">
+                  <a:extLst>
+                    <a:ext uri="{9D8B030D-6E8A-4147-A177-3AD203B41FA5}">
+                      <a16:colId xmlns:a16="http://schemas.microsoft.com/office/drawing/2014/main" val="664921276"/>
+                    </a:ext>
+                  </a:extLst>
+                </a:gridCol>
+                <a:gridCol w="208280">
+                  <a:extLst>
+                    <a:ext uri="{9D8B030D-6E8A-4147-A177-3AD203B41FA5}">
+                      <a16:colId xmlns:a16="http://schemas.microsoft.com/office/drawing/2014/main" val="3291570202"/>
+                    </a:ext>
+                  </a:extLst>
+                </a:gridCol>
+              </a:tblGrid>
+              <a:tr h="0">
+                <a:tc>
+                  <a:txBody>
+                    <a:bodyPr/>
+                    <a:lstStyle/>
+                    <a:p>
+                      <a:pPr latinLnBrk="1"/>
+                      <a:endParaRPr lang="ko-KR" altLang="en-US" sz="1000" dirty="0"/>
+                    </a:p>
+                  </a:txBody>
+                  <a:tcPr>
+                    <a:solidFill>
+                      <a:schemeClr val="accent6">
+                        <a:lumMod val="20000"/>
+                        <a:lumOff val="80000"/>
+                      </a:schemeClr>
+                    </a:solidFill>
+                  </a:tcPr>
+                </a:tc>
+                <a:tc>
+                  <a:txBody>
+                    <a:bodyPr/>
+                    <a:lstStyle/>
+                    <a:p>
+                      <a:pPr latinLnBrk="1"/>
+                      <a:endParaRPr lang="ko-KR" altLang="en-US" sz="1000"/>
+                    </a:p>
+                  </a:txBody>
+                  <a:tcPr>
+                    <a:solidFill>
+                      <a:schemeClr val="accent6">
+                        <a:lumMod val="20000"/>
+                        <a:lumOff val="80000"/>
+                      </a:schemeClr>
+                    </a:solidFill>
+                  </a:tcPr>
+                </a:tc>
+                <a:tc>
+                  <a:txBody>
+                    <a:bodyPr/>
+                    <a:lstStyle/>
+                    <a:p>
+                      <a:pPr latinLnBrk="1"/>
+                      <a:endParaRPr lang="ko-KR" altLang="en-US" sz="1000"/>
+                    </a:p>
+                  </a:txBody>
+                  <a:tcPr>
+                    <a:solidFill>
+                      <a:schemeClr val="accent6">
+                        <a:lumMod val="20000"/>
+                        <a:lumOff val="80000"/>
+                      </a:schemeClr>
+                    </a:solidFill>
+                  </a:tcPr>
+                </a:tc>
+                <a:tc>
+                  <a:txBody>
+                    <a:bodyPr/>
+                    <a:lstStyle/>
+                    <a:p>
+                      <a:pPr latinLnBrk="1"/>
+                      <a:endParaRPr lang="ko-KR" altLang="en-US" sz="1000" dirty="0"/>
+                    </a:p>
+                  </a:txBody>
+                  <a:tcPr>
+                    <a:solidFill>
+                      <a:schemeClr val="accent6">
+                        <a:lumMod val="20000"/>
+                        <a:lumOff val="80000"/>
+                      </a:schemeClr>
+                    </a:solidFill>
+                  </a:tcPr>
+                </a:tc>
+                <a:extLst>
+                  <a:ext uri="{0D108BD9-81ED-4DB2-BD59-A6C34878D82A}">
+                    <a16:rowId xmlns:a16="http://schemas.microsoft.com/office/drawing/2014/main" val="920815824"/>
+                  </a:ext>
+                </a:extLst>
+              </a:tr>
+            </a:tbl>
+          </a:graphicData>
+        </a:graphic>
+      </p:graphicFrame>
+      <p:graphicFrame>
+        <p:nvGraphicFramePr>
+          <p:cNvPr id="96" name="표 95">
+            <a:extLst>
+              <a:ext uri="{FF2B5EF4-FFF2-40B4-BE49-F238E27FC236}">
+                <a16:creationId xmlns:a16="http://schemas.microsoft.com/office/drawing/2014/main" id="{4A6E1361-C053-40EA-A570-EF2E7F43995B}"/>
+              </a:ext>
+            </a:extLst>
+          </p:cNvPr>
+          <p:cNvGraphicFramePr>
+            <a:graphicFrameLocks noGrp="1"/>
+          </p:cNvGraphicFramePr>
+          <p:nvPr>
+            <p:extLst>
+              <p:ext uri="{D42A27DB-BD31-4B8C-83A1-F6EECF244321}">
+                <p14:modId xmlns:p14="http://schemas.microsoft.com/office/powerpoint/2010/main" val="2665823611"/>
+              </p:ext>
+            </p:extLst>
+          </p:nvPr>
+        </p:nvGraphicFramePr>
+        <p:xfrm>
+          <a:off x="3198890" y="4599224"/>
+          <a:ext cx="833120" cy="243840"/>
+        </p:xfrm>
+        <a:graphic>
+          <a:graphicData uri="http://schemas.openxmlformats.org/drawingml/2006/table">
+            <a:tbl>
+              <a:tblPr firstRow="1" bandRow="1">
+                <a:tableStyleId>{5940675A-B579-460E-94D1-54222C63F5DA}</a:tableStyleId>
+              </a:tblPr>
+              <a:tblGrid>
+                <a:gridCol w="208280">
+                  <a:extLst>
+                    <a:ext uri="{9D8B030D-6E8A-4147-A177-3AD203B41FA5}">
+                      <a16:colId xmlns:a16="http://schemas.microsoft.com/office/drawing/2014/main" val="2187342301"/>
+                    </a:ext>
+                  </a:extLst>
+                </a:gridCol>
+                <a:gridCol w="208280">
+                  <a:extLst>
+                    <a:ext uri="{9D8B030D-6E8A-4147-A177-3AD203B41FA5}">
+                      <a16:colId xmlns:a16="http://schemas.microsoft.com/office/drawing/2014/main" val="262566599"/>
+                    </a:ext>
+                  </a:extLst>
+                </a:gridCol>
+                <a:gridCol w="208280">
+                  <a:extLst>
+                    <a:ext uri="{9D8B030D-6E8A-4147-A177-3AD203B41FA5}">
+                      <a16:colId xmlns:a16="http://schemas.microsoft.com/office/drawing/2014/main" val="664921276"/>
+                    </a:ext>
+                  </a:extLst>
+                </a:gridCol>
+                <a:gridCol w="208280">
+                  <a:extLst>
+                    <a:ext uri="{9D8B030D-6E8A-4147-A177-3AD203B41FA5}">
+                      <a16:colId xmlns:a16="http://schemas.microsoft.com/office/drawing/2014/main" val="3291570202"/>
+                    </a:ext>
+                  </a:extLst>
+                </a:gridCol>
+              </a:tblGrid>
+              <a:tr h="0">
+                <a:tc>
+                  <a:txBody>
+                    <a:bodyPr/>
+                    <a:lstStyle/>
+                    <a:p>
+                      <a:pPr latinLnBrk="1"/>
+                      <a:endParaRPr lang="ko-KR" altLang="en-US" sz="1000" dirty="0"/>
+                    </a:p>
+                  </a:txBody>
+                  <a:tcPr>
+                    <a:solidFill>
+                      <a:schemeClr val="accent6">
+                        <a:lumMod val="20000"/>
+                        <a:lumOff val="80000"/>
+                      </a:schemeClr>
+                    </a:solidFill>
+                  </a:tcPr>
+                </a:tc>
+                <a:tc>
+                  <a:txBody>
+                    <a:bodyPr/>
+                    <a:lstStyle/>
+                    <a:p>
+                      <a:pPr latinLnBrk="1"/>
+                      <a:endParaRPr lang="ko-KR" altLang="en-US" sz="1000"/>
+                    </a:p>
+                  </a:txBody>
+                  <a:tcPr>
+                    <a:solidFill>
+                      <a:schemeClr val="accent6">
+                        <a:lumMod val="20000"/>
+                        <a:lumOff val="80000"/>
+                      </a:schemeClr>
+                    </a:solidFill>
+                  </a:tcPr>
+                </a:tc>
+                <a:tc>
+                  <a:txBody>
+                    <a:bodyPr/>
+                    <a:lstStyle/>
+                    <a:p>
+                      <a:pPr latinLnBrk="1"/>
+                      <a:endParaRPr lang="ko-KR" altLang="en-US" sz="1000"/>
+                    </a:p>
+                  </a:txBody>
+                  <a:tcPr>
+                    <a:solidFill>
+                      <a:schemeClr val="accent6">
+                        <a:lumMod val="20000"/>
+                        <a:lumOff val="80000"/>
+                      </a:schemeClr>
+                    </a:solidFill>
+                  </a:tcPr>
+                </a:tc>
+                <a:tc>
+                  <a:txBody>
+                    <a:bodyPr/>
+                    <a:lstStyle/>
+                    <a:p>
+                      <a:pPr latinLnBrk="1"/>
+                      <a:endParaRPr lang="ko-KR" altLang="en-US" sz="1000" dirty="0"/>
+                    </a:p>
+                  </a:txBody>
+                  <a:tcPr>
+                    <a:solidFill>
+                      <a:schemeClr val="accent6">
+                        <a:lumMod val="20000"/>
+                        <a:lumOff val="80000"/>
+                      </a:schemeClr>
+                    </a:solidFill>
+                  </a:tcPr>
+                </a:tc>
+                <a:extLst>
+                  <a:ext uri="{0D108BD9-81ED-4DB2-BD59-A6C34878D82A}">
+                    <a16:rowId xmlns:a16="http://schemas.microsoft.com/office/drawing/2014/main" val="920815824"/>
+                  </a:ext>
+                </a:extLst>
+              </a:tr>
+            </a:tbl>
+          </a:graphicData>
+        </a:graphic>
+      </p:graphicFrame>
+      <p:graphicFrame>
+        <p:nvGraphicFramePr>
+          <p:cNvPr id="97" name="표 96">
+            <a:extLst>
+              <a:ext uri="{FF2B5EF4-FFF2-40B4-BE49-F238E27FC236}">
+                <a16:creationId xmlns:a16="http://schemas.microsoft.com/office/drawing/2014/main" id="{07D032D8-4A90-4B1A-AE03-1C2356533751}"/>
+              </a:ext>
+            </a:extLst>
+          </p:cNvPr>
+          <p:cNvGraphicFramePr>
+            <a:graphicFrameLocks noGrp="1"/>
+          </p:cNvGraphicFramePr>
+          <p:nvPr>
+            <p:extLst>
+              <p:ext uri="{D42A27DB-BD31-4B8C-83A1-F6EECF244321}">
+                <p14:modId xmlns:p14="http://schemas.microsoft.com/office/powerpoint/2010/main" val="377015549"/>
+              </p:ext>
+            </p:extLst>
+          </p:nvPr>
+        </p:nvGraphicFramePr>
+        <p:xfrm>
+          <a:off x="4470023" y="4597015"/>
+          <a:ext cx="833120" cy="243840"/>
+        </p:xfrm>
+        <a:graphic>
+          <a:graphicData uri="http://schemas.openxmlformats.org/drawingml/2006/table">
+            <a:tbl>
+              <a:tblPr firstRow="1" bandRow="1">
+                <a:tableStyleId>{5940675A-B579-460E-94D1-54222C63F5DA}</a:tableStyleId>
+              </a:tblPr>
+              <a:tblGrid>
+                <a:gridCol w="208280">
+                  <a:extLst>
+                    <a:ext uri="{9D8B030D-6E8A-4147-A177-3AD203B41FA5}">
+                      <a16:colId xmlns:a16="http://schemas.microsoft.com/office/drawing/2014/main" val="2187342301"/>
+                    </a:ext>
+                  </a:extLst>
+                </a:gridCol>
+                <a:gridCol w="208280">
+                  <a:extLst>
+                    <a:ext uri="{9D8B030D-6E8A-4147-A177-3AD203B41FA5}">
+                      <a16:colId xmlns:a16="http://schemas.microsoft.com/office/drawing/2014/main" val="262566599"/>
+                    </a:ext>
+                  </a:extLst>
+                </a:gridCol>
+                <a:gridCol w="208280">
+                  <a:extLst>
+                    <a:ext uri="{9D8B030D-6E8A-4147-A177-3AD203B41FA5}">
+                      <a16:colId xmlns:a16="http://schemas.microsoft.com/office/drawing/2014/main" val="664921276"/>
+                    </a:ext>
+                  </a:extLst>
+                </a:gridCol>
+                <a:gridCol w="208280">
+                  <a:extLst>
+                    <a:ext uri="{9D8B030D-6E8A-4147-A177-3AD203B41FA5}">
+                      <a16:colId xmlns:a16="http://schemas.microsoft.com/office/drawing/2014/main" val="3291570202"/>
+                    </a:ext>
+                  </a:extLst>
+                </a:gridCol>
+              </a:tblGrid>
+              <a:tr h="0">
+                <a:tc>
+                  <a:txBody>
+                    <a:bodyPr/>
+                    <a:lstStyle/>
+                    <a:p>
+                      <a:pPr latinLnBrk="1"/>
+                      <a:endParaRPr lang="ko-KR" altLang="en-US" sz="1000" dirty="0"/>
+                    </a:p>
+                  </a:txBody>
+                  <a:tcPr>
+                    <a:solidFill>
+                      <a:schemeClr val="accent6">
+                        <a:lumMod val="20000"/>
+                        <a:lumOff val="80000"/>
+                      </a:schemeClr>
+                    </a:solidFill>
+                  </a:tcPr>
+                </a:tc>
+                <a:tc>
+                  <a:txBody>
+                    <a:bodyPr/>
+                    <a:lstStyle/>
+                    <a:p>
+                      <a:pPr latinLnBrk="1"/>
+                      <a:endParaRPr lang="ko-KR" altLang="en-US" sz="1000"/>
+                    </a:p>
+                  </a:txBody>
+                  <a:tcPr>
+                    <a:solidFill>
+                      <a:schemeClr val="accent6">
+                        <a:lumMod val="20000"/>
+                        <a:lumOff val="80000"/>
+                      </a:schemeClr>
+                    </a:solidFill>
+                  </a:tcPr>
+                </a:tc>
+                <a:tc>
+                  <a:txBody>
+                    <a:bodyPr/>
+                    <a:lstStyle/>
+                    <a:p>
+                      <a:pPr latinLnBrk="1"/>
+                      <a:endParaRPr lang="ko-KR" altLang="en-US" sz="1000"/>
+                    </a:p>
+                  </a:txBody>
+                  <a:tcPr>
+                    <a:solidFill>
+                      <a:schemeClr val="accent6">
+                        <a:lumMod val="20000"/>
+                        <a:lumOff val="80000"/>
+                      </a:schemeClr>
+                    </a:solidFill>
+                  </a:tcPr>
+                </a:tc>
+                <a:tc>
+                  <a:txBody>
+                    <a:bodyPr/>
+                    <a:lstStyle/>
+                    <a:p>
+                      <a:pPr latinLnBrk="1"/>
+                      <a:endParaRPr lang="ko-KR" altLang="en-US" sz="1000" dirty="0"/>
+                    </a:p>
+                  </a:txBody>
+                  <a:tcPr>
+                    <a:solidFill>
+                      <a:schemeClr val="accent6">
+                        <a:lumMod val="20000"/>
+                        <a:lumOff val="80000"/>
+                      </a:schemeClr>
+                    </a:solidFill>
+                  </a:tcPr>
+                </a:tc>
+                <a:extLst>
+                  <a:ext uri="{0D108BD9-81ED-4DB2-BD59-A6C34878D82A}">
+                    <a16:rowId xmlns:a16="http://schemas.microsoft.com/office/drawing/2014/main" val="920815824"/>
+                  </a:ext>
+                </a:extLst>
+              </a:tr>
+            </a:tbl>
+          </a:graphicData>
+        </a:graphic>
+      </p:graphicFrame>
+      <p:sp>
+        <p:nvSpPr>
+          <p:cNvPr id="98" name="직사각형 97">
+            <a:extLst>
+              <a:ext uri="{FF2B5EF4-FFF2-40B4-BE49-F238E27FC236}">
+                <a16:creationId xmlns:a16="http://schemas.microsoft.com/office/drawing/2014/main" id="{9B82756F-DDEB-49C7-BBB9-79885CCF0DBC}"/>
+              </a:ext>
+            </a:extLst>
+          </p:cNvPr>
+          <p:cNvSpPr/>
+          <p:nvPr/>
+        </p:nvSpPr>
+        <p:spPr>
+          <a:xfrm>
+            <a:off x="464182" y="4527627"/>
+            <a:ext cx="358222" cy="369332"/>
+          </a:xfrm>
+          <a:prstGeom prst="rect">
+            <a:avLst/>
+          </a:prstGeom>
+          <a:noFill/>
+          <a:ln w="28575">
+            <a:noFill/>
+          </a:ln>
+        </p:spPr>
+        <p:style>
+          <a:lnRef idx="2">
+            <a:schemeClr val="accent1">
+              <a:shade val="50000"/>
+            </a:schemeClr>
+          </a:lnRef>
+          <a:fillRef idx="1">
+            <a:schemeClr val="accent1"/>
+          </a:fillRef>
+          <a:effectRef idx="0">
+            <a:schemeClr val="accent1"/>
+          </a:effectRef>
+          <a:fontRef idx="minor">
+            <a:schemeClr val="lt1"/>
+          </a:fontRef>
+        </p:style>
+        <p:txBody>
+          <a:bodyPr rtlCol="0" anchor="ctr"/>
+          <a:lstStyle/>
+          <a:p>
+            <a:pPr algn="ctr"/>
+            <a:r>
+              <a:rPr lang="en-US" altLang="ko-KR" sz="1100" dirty="0">
+                <a:solidFill>
+                  <a:schemeClr val="tx1"/>
+                </a:solidFill>
+              </a:rPr>
+              <a:t>Z</a:t>
+            </a:r>
+            <a:r>
+              <a:rPr lang="en-US" altLang="ko-KR" sz="1000" dirty="0">
+                <a:solidFill>
+                  <a:schemeClr val="tx1"/>
+                </a:solidFill>
+              </a:rPr>
+              <a:t>1</a:t>
+            </a:r>
+            <a:endParaRPr lang="en-US" altLang="ko-KR" sz="1100" dirty="0">
+              <a:solidFill>
+                <a:schemeClr val="tx1"/>
+              </a:solidFill>
+            </a:endParaRPr>
+          </a:p>
+        </p:txBody>
+      </p:sp>
+      <p:sp>
+        <p:nvSpPr>
+          <p:cNvPr id="99" name="직사각형 98">
+            <a:extLst>
+              <a:ext uri="{FF2B5EF4-FFF2-40B4-BE49-F238E27FC236}">
+                <a16:creationId xmlns:a16="http://schemas.microsoft.com/office/drawing/2014/main" id="{8E4E83BE-FCDF-4257-B36C-EB2E8EBE0623}"/>
+              </a:ext>
+            </a:extLst>
+          </p:cNvPr>
+          <p:cNvSpPr/>
+          <p:nvPr/>
+        </p:nvSpPr>
+        <p:spPr>
+          <a:xfrm>
+            <a:off x="1684560" y="4514194"/>
+            <a:ext cx="358222" cy="369332"/>
+          </a:xfrm>
+          <a:prstGeom prst="rect">
+            <a:avLst/>
+          </a:prstGeom>
+          <a:noFill/>
+          <a:ln w="28575">
+            <a:noFill/>
+          </a:ln>
+        </p:spPr>
+        <p:style>
+          <a:lnRef idx="2">
+            <a:schemeClr val="accent1">
+              <a:shade val="50000"/>
+            </a:schemeClr>
+          </a:lnRef>
+          <a:fillRef idx="1">
+            <a:schemeClr val="accent1"/>
+          </a:fillRef>
+          <a:effectRef idx="0">
+            <a:schemeClr val="accent1"/>
+          </a:effectRef>
+          <a:fontRef idx="minor">
+            <a:schemeClr val="lt1"/>
+          </a:fontRef>
+        </p:style>
+        <p:txBody>
+          <a:bodyPr rtlCol="0" anchor="ctr"/>
+          <a:lstStyle/>
+          <a:p>
+            <a:pPr algn="ctr"/>
+            <a:r>
+              <a:rPr lang="en-US" altLang="ko-KR" sz="1100" dirty="0">
+                <a:solidFill>
+                  <a:schemeClr val="tx1"/>
+                </a:solidFill>
+              </a:rPr>
+              <a:t>Z</a:t>
+            </a:r>
+            <a:r>
+              <a:rPr lang="en-US" altLang="ko-KR" sz="1000" dirty="0">
+                <a:solidFill>
+                  <a:schemeClr val="tx1"/>
+                </a:solidFill>
+              </a:rPr>
+              <a:t>2</a:t>
+            </a:r>
+            <a:endParaRPr lang="en-US" altLang="ko-KR" sz="1100" dirty="0">
+              <a:solidFill>
+                <a:schemeClr val="tx1"/>
+              </a:solidFill>
+            </a:endParaRPr>
+          </a:p>
+        </p:txBody>
+      </p:sp>
+      <p:sp>
+        <p:nvSpPr>
+          <p:cNvPr id="100" name="직사각형 99">
+            <a:extLst>
+              <a:ext uri="{FF2B5EF4-FFF2-40B4-BE49-F238E27FC236}">
+                <a16:creationId xmlns:a16="http://schemas.microsoft.com/office/drawing/2014/main" id="{7FB23D54-BFD1-4F8E-87C0-E3A6E228AABE}"/>
+              </a:ext>
+            </a:extLst>
+          </p:cNvPr>
+          <p:cNvSpPr/>
+          <p:nvPr/>
+        </p:nvSpPr>
+        <p:spPr>
+          <a:xfrm>
+            <a:off x="2918962" y="4514194"/>
+            <a:ext cx="358222" cy="369332"/>
+          </a:xfrm>
+          <a:prstGeom prst="rect">
+            <a:avLst/>
+          </a:prstGeom>
+          <a:noFill/>
+          <a:ln w="28575">
+            <a:noFill/>
+          </a:ln>
+        </p:spPr>
+        <p:style>
+          <a:lnRef idx="2">
+            <a:schemeClr val="accent1">
+              <a:shade val="50000"/>
+            </a:schemeClr>
+          </a:lnRef>
+          <a:fillRef idx="1">
+            <a:schemeClr val="accent1"/>
+          </a:fillRef>
+          <a:effectRef idx="0">
+            <a:schemeClr val="accent1"/>
+          </a:effectRef>
+          <a:fontRef idx="minor">
+            <a:schemeClr val="lt1"/>
+          </a:fontRef>
+        </p:style>
+        <p:txBody>
+          <a:bodyPr rtlCol="0" anchor="ctr"/>
+          <a:lstStyle/>
+          <a:p>
+            <a:pPr algn="ctr"/>
+            <a:r>
+              <a:rPr lang="en-US" altLang="ko-KR" sz="1100" dirty="0">
+                <a:solidFill>
+                  <a:schemeClr val="tx1"/>
+                </a:solidFill>
+              </a:rPr>
+              <a:t>Z</a:t>
+            </a:r>
+            <a:r>
+              <a:rPr lang="en-US" altLang="ko-KR" sz="1000" dirty="0">
+                <a:solidFill>
+                  <a:schemeClr val="tx1"/>
+                </a:solidFill>
+              </a:rPr>
+              <a:t>3</a:t>
+            </a:r>
+            <a:endParaRPr lang="en-US" altLang="ko-KR" sz="1100" dirty="0">
+              <a:solidFill>
+                <a:schemeClr val="tx1"/>
+              </a:solidFill>
+            </a:endParaRPr>
+          </a:p>
+        </p:txBody>
+      </p:sp>
+      <p:sp>
+        <p:nvSpPr>
+          <p:cNvPr id="101" name="직사각형 100">
+            <a:extLst>
+              <a:ext uri="{FF2B5EF4-FFF2-40B4-BE49-F238E27FC236}">
+                <a16:creationId xmlns:a16="http://schemas.microsoft.com/office/drawing/2014/main" id="{92D6043B-9E5E-420C-9591-7095A05D918C}"/>
+              </a:ext>
+            </a:extLst>
+          </p:cNvPr>
+          <p:cNvSpPr/>
+          <p:nvPr/>
+        </p:nvSpPr>
+        <p:spPr>
+          <a:xfrm>
+            <a:off x="4196363" y="4514194"/>
+            <a:ext cx="358222" cy="369332"/>
+          </a:xfrm>
+          <a:prstGeom prst="rect">
+            <a:avLst/>
+          </a:prstGeom>
+          <a:noFill/>
+          <a:ln w="28575">
+            <a:noFill/>
+          </a:ln>
+        </p:spPr>
+        <p:style>
+          <a:lnRef idx="2">
+            <a:schemeClr val="accent1">
+              <a:shade val="50000"/>
+            </a:schemeClr>
+          </a:lnRef>
+          <a:fillRef idx="1">
+            <a:schemeClr val="accent1"/>
+          </a:fillRef>
+          <a:effectRef idx="0">
+            <a:schemeClr val="accent1"/>
+          </a:effectRef>
+          <a:fontRef idx="minor">
+            <a:schemeClr val="lt1"/>
+          </a:fontRef>
+        </p:style>
+        <p:txBody>
+          <a:bodyPr rtlCol="0" anchor="ctr"/>
+          <a:lstStyle/>
+          <a:p>
+            <a:pPr algn="ctr"/>
+            <a:r>
+              <a:rPr lang="en-US" altLang="ko-KR" sz="1100" dirty="0">
+                <a:solidFill>
+                  <a:schemeClr val="tx1"/>
+                </a:solidFill>
+              </a:rPr>
+              <a:t>Z</a:t>
+            </a:r>
+            <a:r>
+              <a:rPr lang="en-US" altLang="ko-KR" sz="1000" dirty="0">
+                <a:solidFill>
+                  <a:schemeClr val="tx1"/>
+                </a:solidFill>
+              </a:rPr>
+              <a:t>4</a:t>
+            </a:r>
+            <a:endParaRPr lang="en-US" altLang="ko-KR" sz="1100" dirty="0">
+              <a:solidFill>
+                <a:schemeClr val="tx1"/>
+              </a:solidFill>
+            </a:endParaRPr>
+          </a:p>
+        </p:txBody>
+      </p:sp>
+      <p:sp>
+        <p:nvSpPr>
+          <p:cNvPr id="107" name="직사각형 106">
+            <a:extLst>
+              <a:ext uri="{FF2B5EF4-FFF2-40B4-BE49-F238E27FC236}">
+                <a16:creationId xmlns:a16="http://schemas.microsoft.com/office/drawing/2014/main" id="{9509BBE7-EAD3-4071-810D-C70714139E99}"/>
+              </a:ext>
+            </a:extLst>
+          </p:cNvPr>
+          <p:cNvSpPr/>
+          <p:nvPr/>
+        </p:nvSpPr>
+        <p:spPr>
+          <a:xfrm>
+            <a:off x="482600" y="3470875"/>
+            <a:ext cx="845103" cy="307777"/>
+          </a:xfrm>
+          <a:prstGeom prst="rect">
+            <a:avLst/>
+          </a:prstGeom>
+        </p:spPr>
+        <p:txBody>
+          <a:bodyPr wrap="none">
+            <a:spAutoFit/>
+          </a:bodyPr>
+          <a:lstStyle/>
+          <a:p>
+            <a:r>
+              <a:rPr lang="en-US" altLang="ko-KR" sz="1400" dirty="0"/>
+              <a:t>encoder</a:t>
+            </a:r>
+            <a:endParaRPr lang="ko-KR" altLang="en-US" sz="1400" dirty="0"/>
+          </a:p>
+        </p:txBody>
+      </p:sp>
+      <p:sp>
+        <p:nvSpPr>
+          <p:cNvPr id="41" name="직사각형 40">
+            <a:extLst>
+              <a:ext uri="{FF2B5EF4-FFF2-40B4-BE49-F238E27FC236}">
+                <a16:creationId xmlns:a16="http://schemas.microsoft.com/office/drawing/2014/main" id="{5928FAA7-1FF8-4FE9-A162-BBCD5D65F7D8}"/>
+              </a:ext>
+            </a:extLst>
+          </p:cNvPr>
+          <p:cNvSpPr/>
+          <p:nvPr/>
+        </p:nvSpPr>
+        <p:spPr>
+          <a:xfrm>
+            <a:off x="5966380" y="2717494"/>
+            <a:ext cx="1483991" cy="1012164"/>
+          </a:xfrm>
+          <a:prstGeom prst="rect">
+            <a:avLst/>
+          </a:prstGeom>
+          <a:noFill/>
+          <a:ln w="28575">
+            <a:solidFill>
+              <a:schemeClr val="accent1"/>
+            </a:solidFill>
+          </a:ln>
+        </p:spPr>
+        <p:style>
+          <a:lnRef idx="2">
+            <a:schemeClr val="accent1">
+              <a:shade val="50000"/>
+            </a:schemeClr>
+          </a:lnRef>
+          <a:fillRef idx="1">
+            <a:schemeClr val="accent1"/>
+          </a:fillRef>
+          <a:effectRef idx="0">
+            <a:schemeClr val="accent1"/>
+          </a:effectRef>
+          <a:fontRef idx="minor">
+            <a:schemeClr val="lt1"/>
+          </a:fontRef>
+        </p:style>
+        <p:txBody>
+          <a:bodyPr rtlCol="0" anchor="ctr"/>
+          <a:lstStyle/>
+          <a:p>
+            <a:pPr algn="ctr"/>
+            <a:r>
+              <a:rPr lang="en-US" altLang="ko-KR" sz="1400" dirty="0">
+                <a:solidFill>
+                  <a:schemeClr val="tx1"/>
+                </a:solidFill>
+              </a:rPr>
+              <a:t>One-hot word sequence</a:t>
+            </a:r>
+          </a:p>
+        </p:txBody>
+      </p:sp>
+      <p:sp>
+        <p:nvSpPr>
+          <p:cNvPr id="42" name="직사각형 41">
+            <a:extLst>
+              <a:ext uri="{FF2B5EF4-FFF2-40B4-BE49-F238E27FC236}">
+                <a16:creationId xmlns:a16="http://schemas.microsoft.com/office/drawing/2014/main" id="{287DD97E-375D-4233-A623-1800A461DECC}"/>
+              </a:ext>
+            </a:extLst>
+          </p:cNvPr>
+          <p:cNvSpPr/>
+          <p:nvPr/>
+        </p:nvSpPr>
+        <p:spPr>
+          <a:xfrm>
+            <a:off x="7978119" y="2692860"/>
+            <a:ext cx="1223738" cy="1834767"/>
+          </a:xfrm>
+          <a:prstGeom prst="rect">
+            <a:avLst/>
+          </a:prstGeom>
+          <a:noFill/>
+          <a:ln w="28575">
+            <a:solidFill>
+              <a:schemeClr val="accent1"/>
+            </a:solidFill>
+          </a:ln>
+        </p:spPr>
+        <p:style>
+          <a:lnRef idx="2">
+            <a:schemeClr val="accent1">
+              <a:shade val="50000"/>
+            </a:schemeClr>
+          </a:lnRef>
+          <a:fillRef idx="1">
+            <a:schemeClr val="accent1"/>
+          </a:fillRef>
+          <a:effectRef idx="0">
+            <a:schemeClr val="accent1"/>
+          </a:effectRef>
+          <a:fontRef idx="minor">
+            <a:schemeClr val="lt1"/>
+          </a:fontRef>
+        </p:style>
+        <p:txBody>
+          <a:bodyPr rtlCol="0" anchor="ctr"/>
+          <a:lstStyle/>
+          <a:p>
+            <a:pPr algn="ctr"/>
+            <a:r>
+              <a:rPr lang="en-US" altLang="ko-KR" sz="1400" dirty="0">
+                <a:solidFill>
+                  <a:schemeClr val="tx1"/>
+                </a:solidFill>
+              </a:rPr>
+              <a:t>Embedding transform (word2vec)</a:t>
+            </a:r>
+          </a:p>
+        </p:txBody>
+      </p:sp>
+      <p:sp>
+        <p:nvSpPr>
+          <p:cNvPr id="43" name="직사각형 42">
+            <a:extLst>
+              <a:ext uri="{FF2B5EF4-FFF2-40B4-BE49-F238E27FC236}">
+                <a16:creationId xmlns:a16="http://schemas.microsoft.com/office/drawing/2014/main" id="{AD6A5266-8905-4442-A775-4D9C2A1EC24D}"/>
+              </a:ext>
+            </a:extLst>
+          </p:cNvPr>
+          <p:cNvSpPr/>
+          <p:nvPr/>
+        </p:nvSpPr>
+        <p:spPr>
+          <a:xfrm>
+            <a:off x="9788753" y="2692861"/>
+            <a:ext cx="1223738" cy="1085792"/>
+          </a:xfrm>
+          <a:prstGeom prst="rect">
+            <a:avLst/>
+          </a:prstGeom>
+          <a:noFill/>
+          <a:ln w="28575">
+            <a:solidFill>
+              <a:schemeClr val="accent1"/>
+            </a:solidFill>
+          </a:ln>
+        </p:spPr>
+        <p:style>
+          <a:lnRef idx="2">
+            <a:schemeClr val="accent1">
+              <a:shade val="50000"/>
+            </a:schemeClr>
+          </a:lnRef>
+          <a:fillRef idx="1">
+            <a:schemeClr val="accent1"/>
+          </a:fillRef>
+          <a:effectRef idx="0">
+            <a:schemeClr val="accent1"/>
+          </a:effectRef>
+          <a:fontRef idx="minor">
+            <a:schemeClr val="lt1"/>
+          </a:fontRef>
+        </p:style>
+        <p:txBody>
+          <a:bodyPr rtlCol="0" anchor="ctr"/>
+          <a:lstStyle/>
+          <a:p>
+            <a:pPr algn="ctr"/>
+            <a:r>
+              <a:rPr lang="en-US" altLang="ko-KR" sz="1400" dirty="0">
+                <a:solidFill>
+                  <a:schemeClr val="tx1"/>
+                </a:solidFill>
+              </a:rPr>
+              <a:t>Embedded word sequence</a:t>
+            </a:r>
+          </a:p>
+        </p:txBody>
+      </p:sp>
+      <p:sp>
+        <p:nvSpPr>
+          <p:cNvPr id="45" name="직사각형 44">
+            <a:extLst>
+              <a:ext uri="{FF2B5EF4-FFF2-40B4-BE49-F238E27FC236}">
+                <a16:creationId xmlns:a16="http://schemas.microsoft.com/office/drawing/2014/main" id="{4352BFD0-DDFB-46CC-B830-741B3AED8A74}"/>
+              </a:ext>
+            </a:extLst>
+          </p:cNvPr>
+          <p:cNvSpPr/>
+          <p:nvPr/>
+        </p:nvSpPr>
+        <p:spPr>
+          <a:xfrm>
+            <a:off x="5677518" y="3041726"/>
+            <a:ext cx="288862" cy="307777"/>
+          </a:xfrm>
+          <a:prstGeom prst="rect">
+            <a:avLst/>
+          </a:prstGeom>
+        </p:spPr>
+        <p:txBody>
+          <a:bodyPr wrap="none">
+            <a:spAutoFit/>
+          </a:bodyPr>
+          <a:lstStyle/>
+          <a:p>
+            <a:r>
+              <a:rPr lang="en-US" altLang="ko-KR" sz="1400" dirty="0"/>
+              <a:t>n</a:t>
+            </a:r>
+            <a:endParaRPr lang="ko-KR" altLang="en-US" sz="1400" dirty="0"/>
+          </a:p>
+        </p:txBody>
+      </p:sp>
+      <p:sp>
+        <p:nvSpPr>
+          <p:cNvPr id="46" name="직사각형 45">
+            <a:extLst>
+              <a:ext uri="{FF2B5EF4-FFF2-40B4-BE49-F238E27FC236}">
+                <a16:creationId xmlns:a16="http://schemas.microsoft.com/office/drawing/2014/main" id="{1EAF1245-E133-49FC-B0A8-A40B89F393A8}"/>
+              </a:ext>
+            </a:extLst>
+          </p:cNvPr>
+          <p:cNvSpPr/>
+          <p:nvPr/>
+        </p:nvSpPr>
+        <p:spPr>
+          <a:xfrm>
+            <a:off x="6547113" y="2409717"/>
+            <a:ext cx="322524" cy="307777"/>
+          </a:xfrm>
+          <a:prstGeom prst="rect">
+            <a:avLst/>
+          </a:prstGeom>
+        </p:spPr>
+        <p:txBody>
+          <a:bodyPr wrap="none">
+            <a:spAutoFit/>
+          </a:bodyPr>
+          <a:lstStyle/>
+          <a:p>
+            <a:r>
+              <a:rPr lang="en-US" altLang="ko-KR" sz="1400" dirty="0"/>
+              <a:t>N</a:t>
+            </a:r>
+            <a:endParaRPr lang="ko-KR" altLang="en-US" sz="1400" dirty="0"/>
+          </a:p>
+        </p:txBody>
+      </p:sp>
+      <p:sp>
+        <p:nvSpPr>
+          <p:cNvPr id="47" name="직사각형 46">
+            <a:extLst>
+              <a:ext uri="{FF2B5EF4-FFF2-40B4-BE49-F238E27FC236}">
+                <a16:creationId xmlns:a16="http://schemas.microsoft.com/office/drawing/2014/main" id="{0B02FDAA-41D8-47B3-A22B-2AE07D62CD41}"/>
+              </a:ext>
+            </a:extLst>
+          </p:cNvPr>
+          <p:cNvSpPr/>
+          <p:nvPr/>
+        </p:nvSpPr>
+        <p:spPr>
+          <a:xfrm>
+            <a:off x="8148200" y="2373030"/>
+            <a:ext cx="883575" cy="307777"/>
+          </a:xfrm>
+          <a:prstGeom prst="rect">
+            <a:avLst/>
+          </a:prstGeom>
+        </p:spPr>
+        <p:txBody>
+          <a:bodyPr wrap="none">
+            <a:spAutoFit/>
+          </a:bodyPr>
+          <a:lstStyle/>
+          <a:p>
+            <a:r>
+              <a:rPr lang="en-US" altLang="ko-KR" sz="1400" dirty="0" err="1"/>
+              <a:t>d_model</a:t>
+            </a:r>
+            <a:endParaRPr lang="ko-KR" altLang="en-US" sz="1400" dirty="0"/>
+          </a:p>
+        </p:txBody>
+      </p:sp>
+      <p:sp>
+        <p:nvSpPr>
+          <p:cNvPr id="48" name="직사각형 47">
+            <a:extLst>
+              <a:ext uri="{FF2B5EF4-FFF2-40B4-BE49-F238E27FC236}">
+                <a16:creationId xmlns:a16="http://schemas.microsoft.com/office/drawing/2014/main" id="{EC4FB249-79C5-4F30-906D-CD5664C2E73A}"/>
+              </a:ext>
+            </a:extLst>
+          </p:cNvPr>
+          <p:cNvSpPr/>
+          <p:nvPr/>
+        </p:nvSpPr>
+        <p:spPr>
+          <a:xfrm>
+            <a:off x="9958834" y="2373029"/>
+            <a:ext cx="883575" cy="307777"/>
+          </a:xfrm>
+          <a:prstGeom prst="rect">
+            <a:avLst/>
+          </a:prstGeom>
+        </p:spPr>
+        <p:txBody>
+          <a:bodyPr wrap="none">
+            <a:spAutoFit/>
+          </a:bodyPr>
+          <a:lstStyle/>
+          <a:p>
+            <a:r>
+              <a:rPr lang="en-US" altLang="ko-KR" sz="1400" dirty="0" err="1"/>
+              <a:t>d_model</a:t>
+            </a:r>
+            <a:endParaRPr lang="ko-KR" altLang="en-US" sz="1400" dirty="0"/>
+          </a:p>
+        </p:txBody>
+      </p:sp>
+      <p:sp>
+        <p:nvSpPr>
+          <p:cNvPr id="49" name="직사각형 48">
+            <a:extLst>
+              <a:ext uri="{FF2B5EF4-FFF2-40B4-BE49-F238E27FC236}">
+                <a16:creationId xmlns:a16="http://schemas.microsoft.com/office/drawing/2014/main" id="{67CDAB2B-50AD-4595-8E6A-C89F11957643}"/>
+              </a:ext>
+            </a:extLst>
+          </p:cNvPr>
+          <p:cNvSpPr/>
+          <p:nvPr/>
+        </p:nvSpPr>
+        <p:spPr>
+          <a:xfrm>
+            <a:off x="7679975" y="3369968"/>
+            <a:ext cx="322524" cy="307777"/>
+          </a:xfrm>
+          <a:prstGeom prst="rect">
+            <a:avLst/>
+          </a:prstGeom>
+        </p:spPr>
+        <p:txBody>
+          <a:bodyPr wrap="none">
+            <a:spAutoFit/>
+          </a:bodyPr>
+          <a:lstStyle/>
+          <a:p>
+            <a:r>
+              <a:rPr lang="en-US" altLang="ko-KR" sz="1400" dirty="0"/>
+              <a:t>N</a:t>
+            </a:r>
+            <a:endParaRPr lang="ko-KR" altLang="en-US" sz="1400" dirty="0"/>
+          </a:p>
+        </p:txBody>
+      </p:sp>
+      <p:sp>
+        <p:nvSpPr>
+          <p:cNvPr id="50" name="직사각형 49">
+            <a:extLst>
+              <a:ext uri="{FF2B5EF4-FFF2-40B4-BE49-F238E27FC236}">
+                <a16:creationId xmlns:a16="http://schemas.microsoft.com/office/drawing/2014/main" id="{A63DC311-7520-4C75-BDF8-0957C6DC5C62}"/>
+              </a:ext>
+            </a:extLst>
+          </p:cNvPr>
+          <p:cNvSpPr/>
+          <p:nvPr/>
+        </p:nvSpPr>
+        <p:spPr>
+          <a:xfrm>
+            <a:off x="9494150" y="3087978"/>
+            <a:ext cx="288862" cy="307777"/>
+          </a:xfrm>
+          <a:prstGeom prst="rect">
+            <a:avLst/>
+          </a:prstGeom>
+        </p:spPr>
+        <p:txBody>
+          <a:bodyPr wrap="none">
+            <a:spAutoFit/>
+          </a:bodyPr>
+          <a:lstStyle/>
+          <a:p>
+            <a:r>
+              <a:rPr lang="en-US" altLang="ko-KR" sz="1400" dirty="0"/>
+              <a:t>n</a:t>
+            </a:r>
+            <a:endParaRPr lang="ko-KR" altLang="en-US" sz="1400" dirty="0"/>
+          </a:p>
+        </p:txBody>
+      </p:sp>
+      <p:sp>
+        <p:nvSpPr>
+          <p:cNvPr id="51" name="직사각형 50">
+            <a:extLst>
+              <a:ext uri="{FF2B5EF4-FFF2-40B4-BE49-F238E27FC236}">
+                <a16:creationId xmlns:a16="http://schemas.microsoft.com/office/drawing/2014/main" id="{F09795AC-1394-418D-9B39-B383321EE386}"/>
+              </a:ext>
+            </a:extLst>
+          </p:cNvPr>
+          <p:cNvSpPr/>
+          <p:nvPr/>
+        </p:nvSpPr>
+        <p:spPr>
+          <a:xfrm>
+            <a:off x="7444619" y="3402509"/>
+            <a:ext cx="269626" cy="261610"/>
+          </a:xfrm>
+          <a:prstGeom prst="rect">
+            <a:avLst/>
+          </a:prstGeom>
+        </p:spPr>
+        <p:txBody>
+          <a:bodyPr wrap="none">
+            <a:spAutoFit/>
+          </a:bodyPr>
+          <a:lstStyle/>
+          <a:p>
+            <a:r>
+              <a:rPr lang="en-US" altLang="ko-KR" sz="1050" dirty="0"/>
+              <a:t>X</a:t>
+            </a:r>
+            <a:endParaRPr lang="ko-KR" altLang="en-US" sz="1050" dirty="0"/>
+          </a:p>
+        </p:txBody>
+      </p:sp>
+      <p:sp>
+        <p:nvSpPr>
+          <p:cNvPr id="52" name="직사각형 51">
+            <a:extLst>
+              <a:ext uri="{FF2B5EF4-FFF2-40B4-BE49-F238E27FC236}">
+                <a16:creationId xmlns:a16="http://schemas.microsoft.com/office/drawing/2014/main" id="{4CFEBA91-1656-407F-B93D-BE24D358A40E}"/>
+              </a:ext>
+            </a:extLst>
+          </p:cNvPr>
+          <p:cNvSpPr/>
+          <p:nvPr/>
+        </p:nvSpPr>
+        <p:spPr>
+          <a:xfrm>
+            <a:off x="9186487" y="3108799"/>
+            <a:ext cx="279244" cy="253916"/>
+          </a:xfrm>
+          <a:prstGeom prst="rect">
+            <a:avLst/>
+          </a:prstGeom>
+        </p:spPr>
+        <p:txBody>
+          <a:bodyPr wrap="none">
+            <a:spAutoFit/>
+          </a:bodyPr>
+          <a:lstStyle/>
+          <a:p>
+            <a:r>
+              <a:rPr lang="en-US" altLang="ko-KR" sz="1050" dirty="0"/>
+              <a:t>=</a:t>
+            </a:r>
+            <a:endParaRPr lang="ko-KR" altLang="en-US" sz="1050" dirty="0"/>
+          </a:p>
+        </p:txBody>
+      </p:sp>
+      <p:sp>
+        <p:nvSpPr>
+          <p:cNvPr id="53" name="직사각형 52">
+            <a:extLst>
+              <a:ext uri="{FF2B5EF4-FFF2-40B4-BE49-F238E27FC236}">
+                <a16:creationId xmlns:a16="http://schemas.microsoft.com/office/drawing/2014/main" id="{86A8554D-6D54-4CFB-B672-53C42CB21FAA}"/>
+              </a:ext>
+            </a:extLst>
+          </p:cNvPr>
+          <p:cNvSpPr/>
+          <p:nvPr/>
+        </p:nvSpPr>
+        <p:spPr>
+          <a:xfrm>
+            <a:off x="6377992" y="4595089"/>
+            <a:ext cx="744114" cy="307777"/>
+          </a:xfrm>
+          <a:prstGeom prst="rect">
+            <a:avLst/>
+          </a:prstGeom>
+        </p:spPr>
+        <p:txBody>
+          <a:bodyPr wrap="none">
+            <a:spAutoFit/>
+          </a:bodyPr>
+          <a:lstStyle/>
+          <a:p>
+            <a:r>
+              <a:rPr lang="en-US" altLang="ko-KR" sz="1400" dirty="0"/>
+              <a:t>[n x N]</a:t>
+            </a:r>
+            <a:endParaRPr lang="ko-KR" altLang="en-US" sz="1400" dirty="0"/>
+          </a:p>
+        </p:txBody>
+      </p:sp>
+      <p:sp>
+        <p:nvSpPr>
+          <p:cNvPr id="54" name="직사각형 53">
+            <a:extLst>
+              <a:ext uri="{FF2B5EF4-FFF2-40B4-BE49-F238E27FC236}">
+                <a16:creationId xmlns:a16="http://schemas.microsoft.com/office/drawing/2014/main" id="{A6EF50FF-CCAF-4297-9FCA-A8518C2AA6B4}"/>
+              </a:ext>
+            </a:extLst>
+          </p:cNvPr>
+          <p:cNvSpPr/>
+          <p:nvPr/>
+        </p:nvSpPr>
+        <p:spPr>
+          <a:xfrm>
+            <a:off x="7934210" y="4595089"/>
+            <a:ext cx="1338828" cy="307777"/>
+          </a:xfrm>
+          <a:prstGeom prst="rect">
+            <a:avLst/>
+          </a:prstGeom>
+        </p:spPr>
+        <p:txBody>
+          <a:bodyPr wrap="none">
+            <a:spAutoFit/>
+          </a:bodyPr>
+          <a:lstStyle/>
+          <a:p>
+            <a:r>
+              <a:rPr lang="en-US" altLang="ko-KR" sz="1400" dirty="0"/>
+              <a:t>[N x </a:t>
+            </a:r>
+            <a:r>
+              <a:rPr lang="en-US" altLang="ko-KR" sz="1400" dirty="0" err="1"/>
+              <a:t>d_model</a:t>
+            </a:r>
+            <a:r>
+              <a:rPr lang="en-US" altLang="ko-KR" sz="1400" dirty="0"/>
+              <a:t>]</a:t>
+            </a:r>
+            <a:endParaRPr lang="ko-KR" altLang="en-US" sz="1400" dirty="0"/>
+          </a:p>
+        </p:txBody>
+      </p:sp>
+      <p:sp>
+        <p:nvSpPr>
+          <p:cNvPr id="55" name="직사각형 54">
+            <a:extLst>
+              <a:ext uri="{FF2B5EF4-FFF2-40B4-BE49-F238E27FC236}">
+                <a16:creationId xmlns:a16="http://schemas.microsoft.com/office/drawing/2014/main" id="{1E00FC71-DB47-4ACC-A552-BBB7C6B99209}"/>
+              </a:ext>
+            </a:extLst>
+          </p:cNvPr>
+          <p:cNvSpPr/>
+          <p:nvPr/>
+        </p:nvSpPr>
+        <p:spPr>
+          <a:xfrm>
+            <a:off x="9731207" y="4587935"/>
+            <a:ext cx="1305165" cy="307777"/>
+          </a:xfrm>
+          <a:prstGeom prst="rect">
+            <a:avLst/>
+          </a:prstGeom>
+        </p:spPr>
+        <p:txBody>
+          <a:bodyPr wrap="none">
+            <a:spAutoFit/>
+          </a:bodyPr>
+          <a:lstStyle/>
+          <a:p>
+            <a:r>
+              <a:rPr lang="en-US" altLang="ko-KR" sz="1400" dirty="0"/>
+              <a:t>[n x </a:t>
+            </a:r>
+            <a:r>
+              <a:rPr lang="en-US" altLang="ko-KR" sz="1400" dirty="0" err="1"/>
+              <a:t>d_model</a:t>
+            </a:r>
+            <a:r>
+              <a:rPr lang="en-US" altLang="ko-KR" sz="1400" dirty="0"/>
+              <a:t>]</a:t>
+            </a:r>
+            <a:endParaRPr lang="ko-KR" altLang="en-US" sz="1400" dirty="0"/>
+          </a:p>
+        </p:txBody>
+      </p:sp>
+      <p:sp>
+        <p:nvSpPr>
+          <p:cNvPr id="56" name="TextBox 55">
+            <a:extLst>
+              <a:ext uri="{FF2B5EF4-FFF2-40B4-BE49-F238E27FC236}">
+                <a16:creationId xmlns:a16="http://schemas.microsoft.com/office/drawing/2014/main" id="{6EE3C914-441D-4BAA-B1F0-96617DE200AB}"/>
+              </a:ext>
+            </a:extLst>
+          </p:cNvPr>
+          <p:cNvSpPr txBox="1"/>
+          <p:nvPr/>
+        </p:nvSpPr>
+        <p:spPr>
+          <a:xfrm>
+            <a:off x="5314950" y="1434047"/>
+            <a:ext cx="2687549" cy="584775"/>
+          </a:xfrm>
+          <a:prstGeom prst="rect">
+            <a:avLst/>
+          </a:prstGeom>
+          <a:noFill/>
+        </p:spPr>
+        <p:txBody>
+          <a:bodyPr wrap="square" rtlCol="0">
+            <a:spAutoFit/>
+          </a:bodyPr>
+          <a:lstStyle/>
+          <a:p>
+            <a:r>
+              <a:rPr lang="en-US" altLang="ko-KR" sz="1600" dirty="0"/>
+              <a:t>  ‘I’,   ‘like’,   ‘my’,  ‘cats’   </a:t>
+            </a:r>
+            <a:r>
+              <a:rPr lang="ko-KR" altLang="en-US" sz="1600" dirty="0"/>
+              <a:t>   </a:t>
+            </a:r>
+            <a:endParaRPr lang="en-US" altLang="ko-KR" sz="1600" dirty="0"/>
+          </a:p>
+          <a:p>
+            <a:r>
+              <a:rPr lang="en-US" altLang="ko-KR" sz="1600" dirty="0"/>
+              <a:t>[0.23] [0.31] [0.15] [0.86]</a:t>
+            </a:r>
+          </a:p>
+        </p:txBody>
+      </p:sp>
+    </p:spTree>
+    <p:extLst>
+      <p:ext uri="{BB962C8B-B14F-4D97-AF65-F5344CB8AC3E}">
+        <p14:creationId xmlns:p14="http://schemas.microsoft.com/office/powerpoint/2010/main" val="616010868"/>
+      </p:ext>
+    </p:extLst>
+  </p:cSld>
+  <p:clrMapOvr>
+    <a:masterClrMapping/>
+  </p:clrMapOvr>
+</p:sld>
+</file>
+
+<file path=ppt/slides/slide3.xml><?xml version="1.0" encoding="utf-8"?>
+<p:sld xmlns:a="http://schemas.openxmlformats.org/drawingml/2006/main" xmlns:r="http://schemas.openxmlformats.org/officeDocument/2006/relationships" xmlns:p="http://schemas.openxmlformats.org/presentationml/2006/main">
+  <p:cSld>
+    <p:spTree>
+      <p:nvGrpSpPr>
+        <p:cNvPr id="1" name=""/>
+        <p:cNvGrpSpPr/>
+        <p:nvPr/>
+      </p:nvGrpSpPr>
+      <p:grpSpPr>
+        <a:xfrm>
+          <a:off x="0" y="0"/>
+          <a:ext cx="0" cy="0"/>
+          <a:chOff x="0" y="0"/>
+          <a:chExt cx="0" cy="0"/>
+        </a:xfrm>
+      </p:grpSpPr>
+      <p:cxnSp>
+        <p:nvCxnSpPr>
+          <p:cNvPr id="5" name="직선 화살표 연결선 4">
+            <a:extLst>
+              <a:ext uri="{FF2B5EF4-FFF2-40B4-BE49-F238E27FC236}">
+                <a16:creationId xmlns:a16="http://schemas.microsoft.com/office/drawing/2014/main" id="{FC27C2C0-143C-4D1F-998D-E24F2FDC0AEF}"/>
+              </a:ext>
+            </a:extLst>
+          </p:cNvPr>
+          <p:cNvCxnSpPr/>
+          <p:nvPr/>
+        </p:nvCxnSpPr>
+        <p:spPr>
+          <a:xfrm flipV="1">
+            <a:off x="1372635" y="612408"/>
+            <a:ext cx="0" cy="2583180"/>
+          </a:xfrm>
+          <a:prstGeom prst="straightConnector1">
+            <a:avLst/>
+          </a:prstGeom>
+          <a:ln w="38100">
+            <a:solidFill>
+              <a:schemeClr val="accent5">
+                <a:lumMod val="50000"/>
+              </a:schemeClr>
+            </a:solidFill>
+            <a:tailEnd type="triangle"/>
+          </a:ln>
+        </p:spPr>
+        <p:style>
+          <a:lnRef idx="1">
+            <a:schemeClr val="accent1"/>
+          </a:lnRef>
+          <a:fillRef idx="0">
+            <a:schemeClr val="accent1"/>
+          </a:fillRef>
+          <a:effectRef idx="0">
+            <a:schemeClr val="accent1"/>
+          </a:effectRef>
+          <a:fontRef idx="minor">
+            <a:schemeClr val="tx1"/>
+          </a:fontRef>
+        </p:style>
+      </p:cxnSp>
+      <p:cxnSp>
+        <p:nvCxnSpPr>
+          <p:cNvPr id="56" name="직선 화살표 연결선 55">
+            <a:extLst>
+              <a:ext uri="{FF2B5EF4-FFF2-40B4-BE49-F238E27FC236}">
+                <a16:creationId xmlns:a16="http://schemas.microsoft.com/office/drawing/2014/main" id="{B393E774-4FC2-4C1C-9138-07CD19D98909}"/>
+              </a:ext>
+            </a:extLst>
+          </p:cNvPr>
+          <p:cNvCxnSpPr>
+            <a:cxnSpLocks/>
+          </p:cNvCxnSpPr>
+          <p:nvPr/>
+        </p:nvCxnSpPr>
+        <p:spPr>
+          <a:xfrm>
+            <a:off x="1121175" y="2966988"/>
+            <a:ext cx="3597910" cy="0"/>
+          </a:xfrm>
+          <a:prstGeom prst="straightConnector1">
+            <a:avLst/>
+          </a:prstGeom>
+          <a:ln w="38100">
+            <a:solidFill>
+              <a:schemeClr val="accent5">
+                <a:lumMod val="50000"/>
+              </a:schemeClr>
+            </a:solidFill>
+            <a:tailEnd type="triangle"/>
+          </a:ln>
+        </p:spPr>
+        <p:style>
+          <a:lnRef idx="1">
+            <a:schemeClr val="accent1"/>
+          </a:lnRef>
+          <a:fillRef idx="0">
+            <a:schemeClr val="accent1"/>
+          </a:fillRef>
+          <a:effectRef idx="0">
+            <a:schemeClr val="accent1"/>
+          </a:effectRef>
+          <a:fontRef idx="minor">
+            <a:schemeClr val="tx1"/>
+          </a:fontRef>
+        </p:style>
+      </p:cxnSp>
+      <p:sp>
+        <p:nvSpPr>
+          <p:cNvPr id="9" name="직사각형 8">
+            <a:extLst>
+              <a:ext uri="{FF2B5EF4-FFF2-40B4-BE49-F238E27FC236}">
+                <a16:creationId xmlns:a16="http://schemas.microsoft.com/office/drawing/2014/main" id="{2B0E5C78-6B0B-4EBC-84E4-1A8834F9CE1C}"/>
+              </a:ext>
+            </a:extLst>
+          </p:cNvPr>
+          <p:cNvSpPr/>
+          <p:nvPr/>
+        </p:nvSpPr>
+        <p:spPr>
+          <a:xfrm>
+            <a:off x="1775378" y="1235700"/>
+            <a:ext cx="494046" cy="369332"/>
+          </a:xfrm>
+          <a:prstGeom prst="rect">
+            <a:avLst/>
+          </a:prstGeom>
+        </p:spPr>
+        <p:txBody>
+          <a:bodyPr wrap="none">
+            <a:spAutoFit/>
+          </a:bodyPr>
+          <a:lstStyle/>
+          <a:p>
+            <a:r>
+              <a:rPr lang="en-US" altLang="ko-KR" dirty="0"/>
+              <a:t>cat</a:t>
+            </a:r>
+          </a:p>
+        </p:txBody>
+      </p:sp>
+      <p:sp>
+        <p:nvSpPr>
+          <p:cNvPr id="61" name="직사각형 60">
+            <a:extLst>
+              <a:ext uri="{FF2B5EF4-FFF2-40B4-BE49-F238E27FC236}">
+                <a16:creationId xmlns:a16="http://schemas.microsoft.com/office/drawing/2014/main" id="{8FEFF633-87DC-417D-A30B-78FA23316F48}"/>
+              </a:ext>
+            </a:extLst>
+          </p:cNvPr>
+          <p:cNvSpPr/>
+          <p:nvPr/>
+        </p:nvSpPr>
+        <p:spPr>
+          <a:xfrm>
+            <a:off x="2704230" y="1512398"/>
+            <a:ext cx="500650" cy="369332"/>
+          </a:xfrm>
+          <a:prstGeom prst="rect">
+            <a:avLst/>
+          </a:prstGeom>
+        </p:spPr>
+        <p:txBody>
+          <a:bodyPr wrap="none">
+            <a:spAutoFit/>
+          </a:bodyPr>
+          <a:lstStyle/>
+          <a:p>
+            <a:r>
+              <a:rPr lang="en-US" altLang="ko-KR" dirty="0"/>
+              <a:t>fox</a:t>
+            </a:r>
+          </a:p>
+        </p:txBody>
+      </p:sp>
+      <p:sp>
+        <p:nvSpPr>
+          <p:cNvPr id="62" name="직사각형 61">
+            <a:extLst>
+              <a:ext uri="{FF2B5EF4-FFF2-40B4-BE49-F238E27FC236}">
+                <a16:creationId xmlns:a16="http://schemas.microsoft.com/office/drawing/2014/main" id="{8C672A50-8E83-4519-B3AF-079A785E0699}"/>
+              </a:ext>
+            </a:extLst>
+          </p:cNvPr>
+          <p:cNvSpPr/>
+          <p:nvPr/>
+        </p:nvSpPr>
+        <p:spPr>
+          <a:xfrm>
+            <a:off x="3514445" y="2369057"/>
+            <a:ext cx="772840" cy="369332"/>
+          </a:xfrm>
+          <a:prstGeom prst="rect">
+            <a:avLst/>
+          </a:prstGeom>
+        </p:spPr>
+        <p:txBody>
+          <a:bodyPr wrap="none">
+            <a:spAutoFit/>
+          </a:bodyPr>
+          <a:lstStyle/>
+          <a:p>
+            <a:r>
+              <a:rPr lang="en-US" altLang="ko-KR" dirty="0"/>
+              <a:t>snake</a:t>
+            </a:r>
+          </a:p>
+        </p:txBody>
+      </p:sp>
+      <p:cxnSp>
+        <p:nvCxnSpPr>
+          <p:cNvPr id="11" name="직선 화살표 연결선 10">
+            <a:extLst>
+              <a:ext uri="{FF2B5EF4-FFF2-40B4-BE49-F238E27FC236}">
+                <a16:creationId xmlns:a16="http://schemas.microsoft.com/office/drawing/2014/main" id="{B7403975-7632-498E-ADD7-431EDFA034BB}"/>
+              </a:ext>
+            </a:extLst>
+          </p:cNvPr>
+          <p:cNvCxnSpPr>
+            <a:endCxn id="9" idx="2"/>
+          </p:cNvCxnSpPr>
+          <p:nvPr/>
+        </p:nvCxnSpPr>
+        <p:spPr>
+          <a:xfrm flipV="1">
+            <a:off x="1372635" y="1605032"/>
+            <a:ext cx="649766" cy="1361956"/>
+          </a:xfrm>
+          <a:prstGeom prst="straightConnector1">
+            <a:avLst/>
+          </a:prstGeom>
+          <a:ln>
+            <a:tailEnd type="triangle"/>
+          </a:ln>
+        </p:spPr>
+        <p:style>
+          <a:lnRef idx="1">
+            <a:schemeClr val="accent1"/>
+          </a:lnRef>
+          <a:fillRef idx="0">
+            <a:schemeClr val="accent1"/>
+          </a:fillRef>
+          <a:effectRef idx="0">
+            <a:schemeClr val="accent1"/>
+          </a:effectRef>
+          <a:fontRef idx="minor">
+            <a:schemeClr val="tx1"/>
+          </a:fontRef>
+        </p:style>
+      </p:cxnSp>
+      <p:cxnSp>
+        <p:nvCxnSpPr>
+          <p:cNvPr id="65" name="직선 화살표 연결선 64">
+            <a:extLst>
+              <a:ext uri="{FF2B5EF4-FFF2-40B4-BE49-F238E27FC236}">
+                <a16:creationId xmlns:a16="http://schemas.microsoft.com/office/drawing/2014/main" id="{48D09E00-F260-49D6-8894-0D3DBC8F9738}"/>
+              </a:ext>
+            </a:extLst>
+          </p:cNvPr>
+          <p:cNvCxnSpPr>
+            <a:cxnSpLocks/>
+          </p:cNvCxnSpPr>
+          <p:nvPr/>
+        </p:nvCxnSpPr>
+        <p:spPr>
+          <a:xfrm flipV="1">
+            <a:off x="1372634" y="1903998"/>
+            <a:ext cx="1331596" cy="1062990"/>
+          </a:xfrm>
+          <a:prstGeom prst="straightConnector1">
+            <a:avLst/>
+          </a:prstGeom>
+          <a:ln>
+            <a:tailEnd type="triangle"/>
+          </a:ln>
+        </p:spPr>
+        <p:style>
+          <a:lnRef idx="1">
+            <a:schemeClr val="accent1"/>
+          </a:lnRef>
+          <a:fillRef idx="0">
+            <a:schemeClr val="accent1"/>
+          </a:fillRef>
+          <a:effectRef idx="0">
+            <a:schemeClr val="accent1"/>
+          </a:effectRef>
+          <a:fontRef idx="minor">
+            <a:schemeClr val="tx1"/>
+          </a:fontRef>
+        </p:style>
+      </p:cxnSp>
+      <p:cxnSp>
+        <p:nvCxnSpPr>
+          <p:cNvPr id="69" name="직선 화살표 연결선 68">
+            <a:extLst>
+              <a:ext uri="{FF2B5EF4-FFF2-40B4-BE49-F238E27FC236}">
+                <a16:creationId xmlns:a16="http://schemas.microsoft.com/office/drawing/2014/main" id="{5A4E540B-1986-429E-9514-9C5468B77B4C}"/>
+              </a:ext>
+            </a:extLst>
+          </p:cNvPr>
+          <p:cNvCxnSpPr>
+            <a:cxnSpLocks/>
+            <a:endCxn id="62" idx="1"/>
+          </p:cNvCxnSpPr>
+          <p:nvPr/>
+        </p:nvCxnSpPr>
+        <p:spPr>
+          <a:xfrm flipV="1">
+            <a:off x="1372633" y="2553723"/>
+            <a:ext cx="2141812" cy="413265"/>
+          </a:xfrm>
+          <a:prstGeom prst="straightConnector1">
+            <a:avLst/>
+          </a:prstGeom>
+          <a:ln>
+            <a:tailEnd type="triangle"/>
+          </a:ln>
+        </p:spPr>
+        <p:style>
+          <a:lnRef idx="1">
+            <a:schemeClr val="accent1"/>
+          </a:lnRef>
+          <a:fillRef idx="0">
+            <a:schemeClr val="accent1"/>
+          </a:fillRef>
+          <a:effectRef idx="0">
+            <a:schemeClr val="accent1"/>
+          </a:effectRef>
+          <a:fontRef idx="minor">
+            <a:schemeClr val="tx1"/>
+          </a:fontRef>
+        </p:style>
+      </p:cxnSp>
+      <p:sp>
+        <p:nvSpPr>
+          <p:cNvPr id="18" name="직사각형 17">
+            <a:extLst>
+              <a:ext uri="{FF2B5EF4-FFF2-40B4-BE49-F238E27FC236}">
+                <a16:creationId xmlns:a16="http://schemas.microsoft.com/office/drawing/2014/main" id="{103ED2E6-282E-4113-9BDF-C677268B5978}"/>
+              </a:ext>
+            </a:extLst>
+          </p:cNvPr>
+          <p:cNvSpPr/>
+          <p:nvPr/>
+        </p:nvSpPr>
+        <p:spPr>
+          <a:xfrm>
+            <a:off x="1798039" y="2149010"/>
+            <a:ext cx="362600" cy="307777"/>
+          </a:xfrm>
+          <a:prstGeom prst="rect">
+            <a:avLst/>
+          </a:prstGeom>
+        </p:spPr>
+        <p:txBody>
+          <a:bodyPr wrap="none">
+            <a:spAutoFit/>
+          </a:bodyPr>
+          <a:lstStyle/>
+          <a:p>
+            <a:r>
+              <a:rPr lang="ko-KR" altLang="en-US" sz="1400" dirty="0" err="1"/>
+              <a:t>θ</a:t>
+            </a:r>
+            <a:r>
+              <a:rPr lang="en-US" altLang="ko-KR" sz="1000" dirty="0"/>
+              <a:t>1</a:t>
+            </a:r>
+            <a:endParaRPr lang="ko-KR" altLang="en-US" sz="1400" dirty="0"/>
+          </a:p>
+        </p:txBody>
+      </p:sp>
+      <p:sp>
+        <p:nvSpPr>
+          <p:cNvPr id="76" name="직사각형 75">
+            <a:extLst>
+              <a:ext uri="{FF2B5EF4-FFF2-40B4-BE49-F238E27FC236}">
+                <a16:creationId xmlns:a16="http://schemas.microsoft.com/office/drawing/2014/main" id="{49A983E5-CE79-4339-AA57-E6640DD2BBBC}"/>
+              </a:ext>
+            </a:extLst>
+          </p:cNvPr>
+          <p:cNvSpPr/>
+          <p:nvPr/>
+        </p:nvSpPr>
+        <p:spPr>
+          <a:xfrm>
+            <a:off x="1758399" y="2597656"/>
+            <a:ext cx="362600" cy="307777"/>
+          </a:xfrm>
+          <a:prstGeom prst="rect">
+            <a:avLst/>
+          </a:prstGeom>
+        </p:spPr>
+        <p:txBody>
+          <a:bodyPr wrap="none">
+            <a:spAutoFit/>
+          </a:bodyPr>
+          <a:lstStyle/>
+          <a:p>
+            <a:r>
+              <a:rPr lang="ko-KR" altLang="en-US" sz="1400" dirty="0" err="1"/>
+              <a:t>θ</a:t>
+            </a:r>
+            <a:r>
+              <a:rPr lang="en-US" altLang="ko-KR" sz="1000" dirty="0"/>
+              <a:t>2</a:t>
+            </a:r>
+            <a:endParaRPr lang="ko-KR" altLang="en-US" sz="1400" dirty="0"/>
+          </a:p>
+        </p:txBody>
+      </p:sp>
+      <p:sp>
+        <p:nvSpPr>
+          <p:cNvPr id="19" name="자유형: 도형 18">
+            <a:extLst>
+              <a:ext uri="{FF2B5EF4-FFF2-40B4-BE49-F238E27FC236}">
+                <a16:creationId xmlns:a16="http://schemas.microsoft.com/office/drawing/2014/main" id="{29F54FAD-AA77-4C3C-B82C-3F397979D529}"/>
+              </a:ext>
+            </a:extLst>
+          </p:cNvPr>
+          <p:cNvSpPr/>
+          <p:nvPr/>
+        </p:nvSpPr>
+        <p:spPr>
+          <a:xfrm>
+            <a:off x="1710145" y="2345146"/>
+            <a:ext cx="241300" cy="177800"/>
+          </a:xfrm>
+          <a:custGeom>
+            <a:avLst/>
+            <a:gdLst>
+              <a:gd name="connsiteX0" fmla="*/ 0 w 241300"/>
+              <a:gd name="connsiteY0" fmla="*/ 0 h 177800"/>
+              <a:gd name="connsiteX1" fmla="*/ 146050 w 241300"/>
+              <a:gd name="connsiteY1" fmla="*/ 57150 h 177800"/>
+              <a:gd name="connsiteX2" fmla="*/ 241300 w 241300"/>
+              <a:gd name="connsiteY2" fmla="*/ 177800 h 177800"/>
+            </a:gdLst>
+            <a:ahLst/>
+            <a:cxnLst>
+              <a:cxn ang="0">
+                <a:pos x="connsiteX0" y="connsiteY0"/>
+              </a:cxn>
+              <a:cxn ang="0">
+                <a:pos x="connsiteX1" y="connsiteY1"/>
+              </a:cxn>
+              <a:cxn ang="0">
+                <a:pos x="connsiteX2" y="connsiteY2"/>
+              </a:cxn>
+            </a:cxnLst>
+            <a:rect l="l" t="t" r="r" b="b"/>
+            <a:pathLst>
+              <a:path w="241300" h="177800">
+                <a:moveTo>
+                  <a:pt x="0" y="0"/>
+                </a:moveTo>
+                <a:cubicBezTo>
+                  <a:pt x="52917" y="13758"/>
+                  <a:pt x="105834" y="27517"/>
+                  <a:pt x="146050" y="57150"/>
+                </a:cubicBezTo>
+                <a:cubicBezTo>
+                  <a:pt x="186266" y="86783"/>
+                  <a:pt x="213783" y="132291"/>
+                  <a:pt x="241300" y="177800"/>
+                </a:cubicBezTo>
+              </a:path>
+            </a:pathLst>
+          </a:custGeom>
+          <a:noFill/>
+        </p:spPr>
+        <p:style>
+          <a:lnRef idx="2">
+            <a:schemeClr val="accent1">
+              <a:shade val="50000"/>
+            </a:schemeClr>
+          </a:lnRef>
+          <a:fillRef idx="1">
+            <a:schemeClr val="accent1"/>
+          </a:fillRef>
+          <a:effectRef idx="0">
+            <a:schemeClr val="accent1"/>
+          </a:effectRef>
+          <a:fontRef idx="minor">
+            <a:schemeClr val="lt1"/>
+          </a:fontRef>
+        </p:style>
+        <p:txBody>
+          <a:bodyPr rtlCol="0" anchor="ctr"/>
+          <a:lstStyle/>
+          <a:p>
+            <a:pPr algn="ctr"/>
+            <a:endParaRPr lang="ko-KR" altLang="en-US"/>
+          </a:p>
+        </p:txBody>
+      </p:sp>
+      <p:sp>
+        <p:nvSpPr>
+          <p:cNvPr id="78" name="자유형: 도형 77">
+            <a:extLst>
+              <a:ext uri="{FF2B5EF4-FFF2-40B4-BE49-F238E27FC236}">
+                <a16:creationId xmlns:a16="http://schemas.microsoft.com/office/drawing/2014/main" id="{E2E4DAC9-C62D-4047-9386-B2597F7FC90E}"/>
+              </a:ext>
+            </a:extLst>
+          </p:cNvPr>
+          <p:cNvSpPr/>
+          <p:nvPr/>
+        </p:nvSpPr>
+        <p:spPr>
+          <a:xfrm rot="493301">
+            <a:off x="1550429" y="2608508"/>
+            <a:ext cx="305984" cy="246031"/>
+          </a:xfrm>
+          <a:custGeom>
+            <a:avLst/>
+            <a:gdLst>
+              <a:gd name="connsiteX0" fmla="*/ 0 w 241300"/>
+              <a:gd name="connsiteY0" fmla="*/ 0 h 177800"/>
+              <a:gd name="connsiteX1" fmla="*/ 146050 w 241300"/>
+              <a:gd name="connsiteY1" fmla="*/ 57150 h 177800"/>
+              <a:gd name="connsiteX2" fmla="*/ 241300 w 241300"/>
+              <a:gd name="connsiteY2" fmla="*/ 177800 h 177800"/>
+            </a:gdLst>
+            <a:ahLst/>
+            <a:cxnLst>
+              <a:cxn ang="0">
+                <a:pos x="connsiteX0" y="connsiteY0"/>
+              </a:cxn>
+              <a:cxn ang="0">
+                <a:pos x="connsiteX1" y="connsiteY1"/>
+              </a:cxn>
+              <a:cxn ang="0">
+                <a:pos x="connsiteX2" y="connsiteY2"/>
+              </a:cxn>
+            </a:cxnLst>
+            <a:rect l="l" t="t" r="r" b="b"/>
+            <a:pathLst>
+              <a:path w="241300" h="177800">
+                <a:moveTo>
+                  <a:pt x="0" y="0"/>
+                </a:moveTo>
+                <a:cubicBezTo>
+                  <a:pt x="52917" y="13758"/>
+                  <a:pt x="105834" y="27517"/>
+                  <a:pt x="146050" y="57150"/>
+                </a:cubicBezTo>
+                <a:cubicBezTo>
+                  <a:pt x="186266" y="86783"/>
+                  <a:pt x="213783" y="132291"/>
+                  <a:pt x="241300" y="177800"/>
+                </a:cubicBezTo>
+              </a:path>
+            </a:pathLst>
+          </a:custGeom>
+          <a:noFill/>
+        </p:spPr>
+        <p:style>
+          <a:lnRef idx="2">
+            <a:schemeClr val="accent1">
+              <a:shade val="50000"/>
+            </a:schemeClr>
+          </a:lnRef>
+          <a:fillRef idx="1">
+            <a:schemeClr val="accent1"/>
+          </a:fillRef>
+          <a:effectRef idx="0">
+            <a:schemeClr val="accent1"/>
+          </a:effectRef>
+          <a:fontRef idx="minor">
+            <a:schemeClr val="lt1"/>
+          </a:fontRef>
+        </p:style>
+        <p:txBody>
+          <a:bodyPr rtlCol="0" anchor="ctr"/>
+          <a:lstStyle/>
+          <a:p>
+            <a:pPr algn="ctr"/>
+            <a:endParaRPr lang="ko-KR" altLang="en-US"/>
+          </a:p>
+        </p:txBody>
+      </p:sp>
+      <p:pic>
+        <p:nvPicPr>
+          <p:cNvPr id="1028" name="Picture 4" descr="사진 설명이 없습니다.">
+            <a:extLst>
+              <a:ext uri="{FF2B5EF4-FFF2-40B4-BE49-F238E27FC236}">
+                <a16:creationId xmlns:a16="http://schemas.microsoft.com/office/drawing/2014/main" id="{8DEDF4B1-321F-4737-9E60-C3620E75EEB0}"/>
+              </a:ext>
+            </a:extLst>
+          </p:cNvPr>
+          <p:cNvPicPr>
+            <a:picLocks noChangeAspect="1" noChangeArrowheads="1"/>
+          </p:cNvPicPr>
+          <p:nvPr/>
+        </p:nvPicPr>
+        <p:blipFill rotWithShape="1">
+          <a:blip r:embed="rId2">
+            <a:extLst>
+              <a:ext uri="{28A0092B-C50C-407E-A947-70E740481C1C}">
+                <a14:useLocalDpi xmlns:a14="http://schemas.microsoft.com/office/drawing/2010/main" val="0"/>
+              </a:ext>
+            </a:extLst>
+          </a:blip>
+          <a:srcRect l="30084" r="13352"/>
+          <a:stretch/>
+        </p:blipFill>
+        <p:spPr bwMode="auto">
+          <a:xfrm>
+            <a:off x="2275853" y="770565"/>
+            <a:ext cx="574887" cy="762265"/>
+          </a:xfrm>
+          <a:prstGeom prst="rect">
+            <a:avLst/>
+          </a:prstGeom>
+          <a:noFill/>
+          <a:extLst>
+            <a:ext uri="{909E8E84-426E-40DD-AFC4-6F175D3DCCD1}">
+              <a14:hiddenFill xmlns:a14="http://schemas.microsoft.com/office/drawing/2010/main">
+                <a:solidFill>
+                  <a:srgbClr val="FFFFFF"/>
+                </a:solidFill>
+              </a14:hiddenFill>
+            </a:ext>
+          </a:extLst>
+        </p:spPr>
+      </p:pic>
+      <p:pic>
+        <p:nvPicPr>
+          <p:cNvPr id="1030" name="Picture 6" descr="10 Cute Fox Photos and Fun Facts to Brighten Your Day | Woman's World">
+            <a:extLst>
+              <a:ext uri="{FF2B5EF4-FFF2-40B4-BE49-F238E27FC236}">
+                <a16:creationId xmlns:a16="http://schemas.microsoft.com/office/drawing/2014/main" id="{B2D8B67A-B5E2-4B69-8CE1-431D4B7C89BE}"/>
+              </a:ext>
+            </a:extLst>
+          </p:cNvPr>
+          <p:cNvPicPr>
+            <a:picLocks noChangeAspect="1" noChangeArrowheads="1"/>
+          </p:cNvPicPr>
+          <p:nvPr/>
+        </p:nvPicPr>
+        <p:blipFill rotWithShape="1">
+          <a:blip r:embed="rId3">
+            <a:extLst>
+              <a:ext uri="{28A0092B-C50C-407E-A947-70E740481C1C}">
+                <a14:useLocalDpi xmlns:a14="http://schemas.microsoft.com/office/drawing/2010/main" val="0"/>
+              </a:ext>
+            </a:extLst>
+          </a:blip>
+          <a:srcRect l="39221" r="22453"/>
+          <a:stretch/>
+        </p:blipFill>
+        <p:spPr bwMode="auto">
+          <a:xfrm>
+            <a:off x="3172641" y="1167691"/>
+            <a:ext cx="520449" cy="763856"/>
+          </a:xfrm>
+          <a:prstGeom prst="rect">
+            <a:avLst/>
+          </a:prstGeom>
+          <a:noFill/>
+          <a:extLst>
+            <a:ext uri="{909E8E84-426E-40DD-AFC4-6F175D3DCCD1}">
+              <a14:hiddenFill xmlns:a14="http://schemas.microsoft.com/office/drawing/2010/main">
+                <a:solidFill>
+                  <a:srgbClr val="FFFFFF"/>
+                </a:solidFill>
+              </a14:hiddenFill>
+            </a:ext>
+          </a:extLst>
+        </p:spPr>
+      </p:pic>
+      <p:pic>
+        <p:nvPicPr>
+          <p:cNvPr id="1032" name="Picture 8" descr="Snakes in the city">
+            <a:extLst>
+              <a:ext uri="{FF2B5EF4-FFF2-40B4-BE49-F238E27FC236}">
+                <a16:creationId xmlns:a16="http://schemas.microsoft.com/office/drawing/2014/main" id="{6F762BFA-0500-4212-8D42-F78F6D479477}"/>
+              </a:ext>
+            </a:extLst>
+          </p:cNvPr>
+          <p:cNvPicPr>
+            <a:picLocks noChangeAspect="1" noChangeArrowheads="1"/>
+          </p:cNvPicPr>
+          <p:nvPr/>
+        </p:nvPicPr>
+        <p:blipFill rotWithShape="1">
+          <a:blip r:embed="rId4">
+            <a:extLst>
+              <a:ext uri="{28A0092B-C50C-407E-A947-70E740481C1C}">
+                <a14:useLocalDpi xmlns:a14="http://schemas.microsoft.com/office/drawing/2010/main" val="0"/>
+              </a:ext>
+            </a:extLst>
+          </a:blip>
+          <a:srcRect l="37340" r="40206"/>
+          <a:stretch/>
+        </p:blipFill>
+        <p:spPr bwMode="auto">
+          <a:xfrm>
+            <a:off x="4224702" y="1420366"/>
+            <a:ext cx="385920" cy="1289050"/>
+          </a:xfrm>
+          <a:prstGeom prst="rect">
+            <a:avLst/>
+          </a:prstGeom>
+          <a:noFill/>
+          <a:extLst>
+            <a:ext uri="{909E8E84-426E-40DD-AFC4-6F175D3DCCD1}">
+              <a14:hiddenFill xmlns:a14="http://schemas.microsoft.com/office/drawing/2010/main">
+                <a:solidFill>
+                  <a:srgbClr val="FFFFFF"/>
+                </a:solidFill>
+              </a14:hiddenFill>
+            </a:ext>
+          </a:extLst>
+        </p:spPr>
+      </p:pic>
+      <p:graphicFrame>
+        <p:nvGraphicFramePr>
+          <p:cNvPr id="21" name="표 20">
+            <a:extLst>
+              <a:ext uri="{FF2B5EF4-FFF2-40B4-BE49-F238E27FC236}">
+                <a16:creationId xmlns:a16="http://schemas.microsoft.com/office/drawing/2014/main" id="{8E2F65DF-8C6F-47AC-A16A-7DC2601014D5}"/>
+              </a:ext>
+            </a:extLst>
+          </p:cNvPr>
+          <p:cNvGraphicFramePr>
+            <a:graphicFrameLocks noGrp="1"/>
+          </p:cNvGraphicFramePr>
+          <p:nvPr>
+            <p:extLst>
+              <p:ext uri="{D42A27DB-BD31-4B8C-83A1-F6EECF244321}">
+                <p14:modId xmlns:p14="http://schemas.microsoft.com/office/powerpoint/2010/main" val="3189883492"/>
+              </p:ext>
+            </p:extLst>
+          </p:nvPr>
+        </p:nvGraphicFramePr>
+        <p:xfrm>
+          <a:off x="1433117" y="3818742"/>
+          <a:ext cx="2946380" cy="2668672"/>
+        </p:xfrm>
+        <a:graphic>
+          <a:graphicData uri="http://schemas.openxmlformats.org/drawingml/2006/table">
+            <a:tbl>
+              <a:tblPr firstRow="1" bandRow="1">
+                <a:tableStyleId>{5940675A-B579-460E-94D1-54222C63F5DA}</a:tableStyleId>
+              </a:tblPr>
+              <a:tblGrid>
+                <a:gridCol w="736595">
+                  <a:extLst>
+                    <a:ext uri="{9D8B030D-6E8A-4147-A177-3AD203B41FA5}">
+                      <a16:colId xmlns:a16="http://schemas.microsoft.com/office/drawing/2014/main" val="191969996"/>
+                    </a:ext>
+                  </a:extLst>
+                </a:gridCol>
+                <a:gridCol w="736595">
+                  <a:extLst>
+                    <a:ext uri="{9D8B030D-6E8A-4147-A177-3AD203B41FA5}">
+                      <a16:colId xmlns:a16="http://schemas.microsoft.com/office/drawing/2014/main" val="2758101518"/>
+                    </a:ext>
+                  </a:extLst>
+                </a:gridCol>
+                <a:gridCol w="736595">
+                  <a:extLst>
+                    <a:ext uri="{9D8B030D-6E8A-4147-A177-3AD203B41FA5}">
+                      <a16:colId xmlns:a16="http://schemas.microsoft.com/office/drawing/2014/main" val="3374620483"/>
+                    </a:ext>
+                  </a:extLst>
+                </a:gridCol>
+                <a:gridCol w="736595">
+                  <a:extLst>
+                    <a:ext uri="{9D8B030D-6E8A-4147-A177-3AD203B41FA5}">
+                      <a16:colId xmlns:a16="http://schemas.microsoft.com/office/drawing/2014/main" val="1204432851"/>
+                    </a:ext>
+                  </a:extLst>
+                </a:gridCol>
+              </a:tblGrid>
+              <a:tr h="667168">
+                <a:tc>
+                  <a:txBody>
+                    <a:bodyPr/>
+                    <a:lstStyle/>
+                    <a:p>
+                      <a:pPr algn="ctr" latinLnBrk="1"/>
+                      <a:r>
+                        <a:rPr lang="en-US" altLang="ko-KR" dirty="0"/>
+                        <a:t>0.8</a:t>
+                      </a:r>
+                      <a:endParaRPr lang="ko-KR" altLang="en-US" dirty="0"/>
+                    </a:p>
+                  </a:txBody>
+                  <a:tcPr anchor="ctr"/>
+                </a:tc>
+                <a:tc>
+                  <a:txBody>
+                    <a:bodyPr/>
+                    <a:lstStyle/>
+                    <a:p>
+                      <a:pPr algn="ctr" latinLnBrk="1"/>
+                      <a:r>
+                        <a:rPr lang="en-US" altLang="ko-KR" dirty="0"/>
+                        <a:t>0.2</a:t>
+                      </a:r>
+                      <a:endParaRPr lang="ko-KR" altLang="en-US" dirty="0"/>
+                    </a:p>
+                  </a:txBody>
+                  <a:tcPr anchor="ctr"/>
+                </a:tc>
+                <a:tc>
+                  <a:txBody>
+                    <a:bodyPr/>
+                    <a:lstStyle/>
+                    <a:p>
+                      <a:pPr algn="ctr" latinLnBrk="1"/>
+                      <a:r>
+                        <a:rPr lang="en-US" altLang="ko-KR" dirty="0"/>
+                        <a:t>0.06</a:t>
+                      </a:r>
+                      <a:endParaRPr lang="ko-KR" altLang="en-US" dirty="0"/>
+                    </a:p>
+                  </a:txBody>
+                  <a:tcPr anchor="ctr"/>
+                </a:tc>
+                <a:tc>
+                  <a:txBody>
+                    <a:bodyPr/>
+                    <a:lstStyle/>
+                    <a:p>
+                      <a:pPr algn="ctr" latinLnBrk="1"/>
+                      <a:r>
+                        <a:rPr lang="en-US" altLang="ko-KR" dirty="0"/>
+                        <a:t>0.03</a:t>
+                      </a:r>
+                      <a:endParaRPr lang="ko-KR" altLang="en-US" dirty="0"/>
+                    </a:p>
+                  </a:txBody>
+                  <a:tcPr anchor="ctr"/>
+                </a:tc>
+                <a:extLst>
+                  <a:ext uri="{0D108BD9-81ED-4DB2-BD59-A6C34878D82A}">
+                    <a16:rowId xmlns:a16="http://schemas.microsoft.com/office/drawing/2014/main" val="821874024"/>
+                  </a:ext>
+                </a:extLst>
+              </a:tr>
+              <a:tr h="667168">
+                <a:tc>
+                  <a:txBody>
+                    <a:bodyPr/>
+                    <a:lstStyle/>
+                    <a:p>
+                      <a:pPr algn="ctr" latinLnBrk="1"/>
+                      <a:r>
+                        <a:rPr lang="en-US" altLang="ko-KR" dirty="0"/>
+                        <a:t>0.2</a:t>
+                      </a:r>
+                      <a:endParaRPr lang="ko-KR" altLang="en-US" dirty="0"/>
+                    </a:p>
+                  </a:txBody>
+                  <a:tcPr anchor="ctr"/>
+                </a:tc>
+                <a:tc>
+                  <a:txBody>
+                    <a:bodyPr/>
+                    <a:lstStyle/>
+                    <a:p>
+                      <a:pPr algn="ctr" latinLnBrk="1"/>
+                      <a:r>
+                        <a:rPr lang="en-US" altLang="ko-KR" dirty="0"/>
+                        <a:t>0.7</a:t>
+                      </a:r>
+                      <a:endParaRPr lang="ko-KR" altLang="en-US" dirty="0"/>
+                    </a:p>
+                  </a:txBody>
+                  <a:tcPr anchor="ctr"/>
+                </a:tc>
+                <a:tc>
+                  <a:txBody>
+                    <a:bodyPr/>
+                    <a:lstStyle/>
+                    <a:p>
+                      <a:pPr algn="ctr" latinLnBrk="1"/>
+                      <a:r>
+                        <a:rPr lang="en-US" altLang="ko-KR" dirty="0"/>
+                        <a:t>0.3</a:t>
+                      </a:r>
+                      <a:endParaRPr lang="ko-KR" altLang="en-US" dirty="0"/>
+                    </a:p>
+                  </a:txBody>
+                  <a:tcPr anchor="ctr"/>
+                </a:tc>
+                <a:tc>
+                  <a:txBody>
+                    <a:bodyPr/>
+                    <a:lstStyle/>
+                    <a:p>
+                      <a:pPr algn="ctr" latinLnBrk="1"/>
+                      <a:r>
+                        <a:rPr lang="en-US" altLang="ko-KR" dirty="0"/>
+                        <a:t>0.1</a:t>
+                      </a:r>
+                      <a:endParaRPr lang="ko-KR" altLang="en-US" dirty="0"/>
+                    </a:p>
+                  </a:txBody>
+                  <a:tcPr anchor="ctr"/>
+                </a:tc>
+                <a:extLst>
+                  <a:ext uri="{0D108BD9-81ED-4DB2-BD59-A6C34878D82A}">
+                    <a16:rowId xmlns:a16="http://schemas.microsoft.com/office/drawing/2014/main" val="718229080"/>
+                  </a:ext>
+                </a:extLst>
+              </a:tr>
+              <a:tr h="667168">
+                <a:tc>
+                  <a:txBody>
+                    <a:bodyPr/>
+                    <a:lstStyle/>
+                    <a:p>
+                      <a:pPr algn="ctr" latinLnBrk="1"/>
+                      <a:r>
+                        <a:rPr lang="en-US" altLang="ko-KR" dirty="0"/>
+                        <a:t>0.05</a:t>
+                      </a:r>
+                      <a:endParaRPr lang="ko-KR" altLang="en-US" dirty="0"/>
+                    </a:p>
+                  </a:txBody>
+                  <a:tcPr anchor="ctr"/>
+                </a:tc>
+                <a:tc>
+                  <a:txBody>
+                    <a:bodyPr/>
+                    <a:lstStyle/>
+                    <a:p>
+                      <a:pPr algn="ctr" latinLnBrk="1"/>
+                      <a:r>
+                        <a:rPr lang="en-US" altLang="ko-KR" dirty="0"/>
+                        <a:t>0.06</a:t>
+                      </a:r>
+                      <a:endParaRPr lang="ko-KR" altLang="en-US" dirty="0"/>
+                    </a:p>
+                  </a:txBody>
+                  <a:tcPr anchor="ctr"/>
+                </a:tc>
+                <a:tc>
+                  <a:txBody>
+                    <a:bodyPr/>
+                    <a:lstStyle/>
+                    <a:p>
+                      <a:pPr algn="ctr" latinLnBrk="1"/>
+                      <a:r>
+                        <a:rPr lang="en-US" altLang="ko-KR" dirty="0"/>
+                        <a:t>0.86</a:t>
+                      </a:r>
+                      <a:endParaRPr lang="ko-KR" altLang="en-US" dirty="0"/>
+                    </a:p>
+                  </a:txBody>
+                  <a:tcPr anchor="ctr"/>
+                </a:tc>
+                <a:tc>
+                  <a:txBody>
+                    <a:bodyPr/>
+                    <a:lstStyle/>
+                    <a:p>
+                      <a:pPr algn="ctr" latinLnBrk="1"/>
+                      <a:r>
+                        <a:rPr lang="en-US" altLang="ko-KR" dirty="0"/>
+                        <a:t>0.2</a:t>
+                      </a:r>
+                      <a:endParaRPr lang="ko-KR" altLang="en-US" dirty="0"/>
+                    </a:p>
+                  </a:txBody>
+                  <a:tcPr anchor="ctr"/>
+                </a:tc>
+                <a:extLst>
+                  <a:ext uri="{0D108BD9-81ED-4DB2-BD59-A6C34878D82A}">
+                    <a16:rowId xmlns:a16="http://schemas.microsoft.com/office/drawing/2014/main" val="421745312"/>
+                  </a:ext>
+                </a:extLst>
+              </a:tr>
+              <a:tr h="667168">
+                <a:tc>
+                  <a:txBody>
+                    <a:bodyPr/>
+                    <a:lstStyle/>
+                    <a:p>
+                      <a:pPr algn="ctr" latinLnBrk="1"/>
+                      <a:r>
+                        <a:rPr lang="en-US" altLang="ko-KR" dirty="0"/>
+                        <a:t>0.2</a:t>
+                      </a:r>
+                      <a:endParaRPr lang="ko-KR" altLang="en-US" dirty="0"/>
+                    </a:p>
+                  </a:txBody>
+                  <a:tcPr anchor="ctr"/>
+                </a:tc>
+                <a:tc>
+                  <a:txBody>
+                    <a:bodyPr/>
+                    <a:lstStyle/>
+                    <a:p>
+                      <a:pPr algn="ctr" latinLnBrk="1"/>
+                      <a:r>
+                        <a:rPr lang="en-US" altLang="ko-KR" dirty="0"/>
+                        <a:t>0.1</a:t>
+                      </a:r>
+                      <a:endParaRPr lang="ko-KR" altLang="en-US" dirty="0"/>
+                    </a:p>
+                  </a:txBody>
+                  <a:tcPr anchor="ctr"/>
+                </a:tc>
+                <a:tc>
+                  <a:txBody>
+                    <a:bodyPr/>
+                    <a:lstStyle/>
+                    <a:p>
+                      <a:pPr algn="ctr" latinLnBrk="1"/>
+                      <a:r>
+                        <a:rPr lang="en-US" altLang="ko-KR" dirty="0"/>
+                        <a:t>0.2</a:t>
+                      </a:r>
+                      <a:endParaRPr lang="ko-KR" altLang="en-US" dirty="0"/>
+                    </a:p>
+                  </a:txBody>
+                  <a:tcPr anchor="ctr"/>
+                </a:tc>
+                <a:tc>
+                  <a:txBody>
+                    <a:bodyPr/>
+                    <a:lstStyle/>
+                    <a:p>
+                      <a:pPr algn="ctr" latinLnBrk="1"/>
+                      <a:r>
+                        <a:rPr lang="en-US" altLang="ko-KR" dirty="0"/>
+                        <a:t>0.75</a:t>
+                      </a:r>
+                      <a:endParaRPr lang="ko-KR" altLang="en-US" dirty="0"/>
+                    </a:p>
+                  </a:txBody>
+                  <a:tcPr anchor="ctr"/>
+                </a:tc>
+                <a:extLst>
+                  <a:ext uri="{0D108BD9-81ED-4DB2-BD59-A6C34878D82A}">
+                    <a16:rowId xmlns:a16="http://schemas.microsoft.com/office/drawing/2014/main" val="3982290125"/>
+                  </a:ext>
+                </a:extLst>
+              </a:tr>
+            </a:tbl>
+          </a:graphicData>
+        </a:graphic>
+      </p:graphicFrame>
+      <p:sp>
+        <p:nvSpPr>
+          <p:cNvPr id="22" name="직사각형 21">
+            <a:extLst>
+              <a:ext uri="{FF2B5EF4-FFF2-40B4-BE49-F238E27FC236}">
+                <a16:creationId xmlns:a16="http://schemas.microsoft.com/office/drawing/2014/main" id="{A8030485-262A-4A37-82A7-1FDBE035CFE1}"/>
+              </a:ext>
+            </a:extLst>
+          </p:cNvPr>
+          <p:cNvSpPr/>
+          <p:nvPr/>
+        </p:nvSpPr>
+        <p:spPr>
+          <a:xfrm>
+            <a:off x="793020" y="4013518"/>
+            <a:ext cx="632802" cy="2246769"/>
+          </a:xfrm>
+          <a:prstGeom prst="rect">
+            <a:avLst/>
+          </a:prstGeom>
+        </p:spPr>
+        <p:txBody>
+          <a:bodyPr wrap="none">
+            <a:spAutoFit/>
+          </a:bodyPr>
+          <a:lstStyle/>
+          <a:p>
+            <a:r>
+              <a:rPr lang="en-US" altLang="ko-KR" sz="2000" dirty="0"/>
+              <a:t>I</a:t>
+            </a:r>
+          </a:p>
+          <a:p>
+            <a:endParaRPr lang="en-US" altLang="ko-KR" sz="2000" dirty="0"/>
+          </a:p>
+          <a:p>
+            <a:r>
+              <a:rPr lang="en-US" altLang="ko-KR" sz="2000" dirty="0"/>
+              <a:t>like</a:t>
+            </a:r>
+          </a:p>
+          <a:p>
+            <a:endParaRPr lang="en-US" altLang="ko-KR" sz="2000" dirty="0"/>
+          </a:p>
+          <a:p>
+            <a:r>
+              <a:rPr lang="en-US" altLang="ko-KR" sz="2000" dirty="0"/>
+              <a:t>my</a:t>
+            </a:r>
+          </a:p>
+          <a:p>
+            <a:endParaRPr lang="en-US" altLang="ko-KR" sz="2000" dirty="0"/>
+          </a:p>
+          <a:p>
+            <a:r>
+              <a:rPr lang="en-US" altLang="ko-KR" sz="2000" dirty="0"/>
+              <a:t>cats</a:t>
+            </a:r>
+          </a:p>
+        </p:txBody>
+      </p:sp>
+      <p:sp>
+        <p:nvSpPr>
+          <p:cNvPr id="102" name="직사각형 101">
+            <a:extLst>
+              <a:ext uri="{FF2B5EF4-FFF2-40B4-BE49-F238E27FC236}">
+                <a16:creationId xmlns:a16="http://schemas.microsoft.com/office/drawing/2014/main" id="{DF4A79E0-766F-43E7-B6E1-2C3ED76EF3E7}"/>
+              </a:ext>
+            </a:extLst>
+          </p:cNvPr>
+          <p:cNvSpPr/>
+          <p:nvPr/>
+        </p:nvSpPr>
+        <p:spPr>
+          <a:xfrm>
+            <a:off x="1609670" y="3360565"/>
+            <a:ext cx="2593274" cy="400110"/>
+          </a:xfrm>
+          <a:prstGeom prst="rect">
+            <a:avLst/>
+          </a:prstGeom>
+        </p:spPr>
+        <p:txBody>
+          <a:bodyPr wrap="none">
+            <a:spAutoFit/>
+          </a:bodyPr>
+          <a:lstStyle/>
+          <a:p>
+            <a:r>
+              <a:rPr lang="en-US" altLang="ko-KR" sz="2000" dirty="0"/>
+              <a:t>I     like     my   cat</a:t>
+            </a:r>
+          </a:p>
+        </p:txBody>
+      </p:sp>
+      <p:sp>
+        <p:nvSpPr>
+          <p:cNvPr id="23" name="자유형: 도형 22">
+            <a:extLst>
+              <a:ext uri="{FF2B5EF4-FFF2-40B4-BE49-F238E27FC236}">
+                <a16:creationId xmlns:a16="http://schemas.microsoft.com/office/drawing/2014/main" id="{35CD960C-EFFD-4145-816D-FF32A2BD1A14}"/>
+              </a:ext>
+            </a:extLst>
+          </p:cNvPr>
+          <p:cNvSpPr/>
+          <p:nvPr/>
+        </p:nvSpPr>
+        <p:spPr>
+          <a:xfrm>
+            <a:off x="1408823" y="4359574"/>
+            <a:ext cx="1029903" cy="77055"/>
+          </a:xfrm>
+          <a:custGeom>
+            <a:avLst/>
+            <a:gdLst>
+              <a:gd name="connsiteX0" fmla="*/ 0 w 1029903"/>
+              <a:gd name="connsiteY0" fmla="*/ 0 h 77055"/>
+              <a:gd name="connsiteX1" fmla="*/ 346509 w 1029903"/>
+              <a:gd name="connsiteY1" fmla="*/ 77002 h 77055"/>
+              <a:gd name="connsiteX2" fmla="*/ 1029903 w 1029903"/>
+              <a:gd name="connsiteY2" fmla="*/ 9625 h 77055"/>
+            </a:gdLst>
+            <a:ahLst/>
+            <a:cxnLst>
+              <a:cxn ang="0">
+                <a:pos x="connsiteX0" y="connsiteY0"/>
+              </a:cxn>
+              <a:cxn ang="0">
+                <a:pos x="connsiteX1" y="connsiteY1"/>
+              </a:cxn>
+              <a:cxn ang="0">
+                <a:pos x="connsiteX2" y="connsiteY2"/>
+              </a:cxn>
+            </a:cxnLst>
+            <a:rect l="l" t="t" r="r" b="b"/>
+            <a:pathLst>
+              <a:path w="1029903" h="77055">
+                <a:moveTo>
+                  <a:pt x="0" y="0"/>
+                </a:moveTo>
+                <a:cubicBezTo>
+                  <a:pt x="87429" y="37699"/>
+                  <a:pt x="174859" y="75398"/>
+                  <a:pt x="346509" y="77002"/>
+                </a:cubicBezTo>
+                <a:cubicBezTo>
+                  <a:pt x="518159" y="78606"/>
+                  <a:pt x="774031" y="44115"/>
+                  <a:pt x="1029903" y="9625"/>
+                </a:cubicBezTo>
+              </a:path>
+            </a:pathLst>
+          </a:custGeom>
+          <a:noFill/>
+          <a:ln>
+            <a:solidFill>
+              <a:srgbClr val="C00000"/>
+            </a:solidFill>
+            <a:headEnd type="diamond" w="med" len="med"/>
+            <a:tailEnd type="triangle" w="med" len="med"/>
+          </a:ln>
+        </p:spPr>
+        <p:style>
+          <a:lnRef idx="2">
+            <a:schemeClr val="accent1">
+              <a:shade val="50000"/>
+            </a:schemeClr>
+          </a:lnRef>
+          <a:fillRef idx="1">
+            <a:schemeClr val="accent1"/>
+          </a:fillRef>
+          <a:effectRef idx="0">
+            <a:schemeClr val="accent1"/>
+          </a:effectRef>
+          <a:fontRef idx="minor">
+            <a:schemeClr val="lt1"/>
+          </a:fontRef>
+        </p:style>
+        <p:txBody>
+          <a:bodyPr rtlCol="0" anchor="ctr"/>
+          <a:lstStyle/>
+          <a:p>
+            <a:pPr algn="ctr"/>
+            <a:endParaRPr lang="ko-KR" altLang="en-US"/>
+          </a:p>
+        </p:txBody>
+      </p:sp>
+      <p:sp>
+        <p:nvSpPr>
+          <p:cNvPr id="24" name="자유형: 도형 23">
+            <a:extLst>
+              <a:ext uri="{FF2B5EF4-FFF2-40B4-BE49-F238E27FC236}">
+                <a16:creationId xmlns:a16="http://schemas.microsoft.com/office/drawing/2014/main" id="{E4BEA61C-7A36-4DC2-BF63-D9D63B1BB16D}"/>
+              </a:ext>
+            </a:extLst>
+          </p:cNvPr>
+          <p:cNvSpPr/>
+          <p:nvPr/>
+        </p:nvSpPr>
+        <p:spPr>
+          <a:xfrm>
+            <a:off x="1434164" y="4389120"/>
+            <a:ext cx="1106905" cy="673768"/>
+          </a:xfrm>
+          <a:custGeom>
+            <a:avLst/>
+            <a:gdLst>
+              <a:gd name="connsiteX0" fmla="*/ 1106905 w 1106905"/>
+              <a:gd name="connsiteY0" fmla="*/ 0 h 673768"/>
+              <a:gd name="connsiteX1" fmla="*/ 808522 w 1106905"/>
+              <a:gd name="connsiteY1" fmla="*/ 317634 h 673768"/>
+              <a:gd name="connsiteX2" fmla="*/ 481263 w 1106905"/>
+              <a:gd name="connsiteY2" fmla="*/ 587141 h 673768"/>
+              <a:gd name="connsiteX3" fmla="*/ 0 w 1106905"/>
+              <a:gd name="connsiteY3" fmla="*/ 673768 h 673768"/>
+            </a:gdLst>
+            <a:ahLst/>
+            <a:cxnLst>
+              <a:cxn ang="0">
+                <a:pos x="connsiteX0" y="connsiteY0"/>
+              </a:cxn>
+              <a:cxn ang="0">
+                <a:pos x="connsiteX1" y="connsiteY1"/>
+              </a:cxn>
+              <a:cxn ang="0">
+                <a:pos x="connsiteX2" y="connsiteY2"/>
+              </a:cxn>
+              <a:cxn ang="0">
+                <a:pos x="connsiteX3" y="connsiteY3"/>
+              </a:cxn>
+            </a:cxnLst>
+            <a:rect l="l" t="t" r="r" b="b"/>
+            <a:pathLst>
+              <a:path w="1106905" h="673768">
+                <a:moveTo>
+                  <a:pt x="1106905" y="0"/>
+                </a:moveTo>
+                <a:cubicBezTo>
+                  <a:pt x="1009850" y="109888"/>
+                  <a:pt x="912796" y="219777"/>
+                  <a:pt x="808522" y="317634"/>
+                </a:cubicBezTo>
+                <a:cubicBezTo>
+                  <a:pt x="704248" y="415491"/>
+                  <a:pt x="616017" y="527785"/>
+                  <a:pt x="481263" y="587141"/>
+                </a:cubicBezTo>
+                <a:cubicBezTo>
+                  <a:pt x="346509" y="646497"/>
+                  <a:pt x="173254" y="660132"/>
+                  <a:pt x="0" y="673768"/>
+                </a:cubicBezTo>
+              </a:path>
+            </a:pathLst>
+          </a:custGeom>
+          <a:noFill/>
+          <a:ln>
+            <a:solidFill>
+              <a:srgbClr val="C00000"/>
+            </a:solidFill>
+          </a:ln>
+        </p:spPr>
+        <p:style>
+          <a:lnRef idx="2">
+            <a:schemeClr val="accent1">
+              <a:shade val="50000"/>
+            </a:schemeClr>
+          </a:lnRef>
+          <a:fillRef idx="1">
+            <a:schemeClr val="accent1"/>
+          </a:fillRef>
+          <a:effectRef idx="0">
+            <a:schemeClr val="accent1"/>
+          </a:effectRef>
+          <a:fontRef idx="minor">
+            <a:schemeClr val="lt1"/>
+          </a:fontRef>
+        </p:style>
+        <p:txBody>
+          <a:bodyPr rtlCol="0" anchor="ctr"/>
+          <a:lstStyle/>
+          <a:p>
+            <a:pPr algn="ctr"/>
+            <a:endParaRPr lang="ko-KR" altLang="en-US"/>
+          </a:p>
+        </p:txBody>
+      </p:sp>
+      <p:sp>
+        <p:nvSpPr>
+          <p:cNvPr id="25" name="자유형: 도형 24">
+            <a:extLst>
+              <a:ext uri="{FF2B5EF4-FFF2-40B4-BE49-F238E27FC236}">
+                <a16:creationId xmlns:a16="http://schemas.microsoft.com/office/drawing/2014/main" id="{3D229904-20A7-4D99-8592-F0D042F66928}"/>
+              </a:ext>
+            </a:extLst>
+          </p:cNvPr>
+          <p:cNvSpPr/>
+          <p:nvPr/>
+        </p:nvSpPr>
+        <p:spPr>
+          <a:xfrm>
+            <a:off x="1463040" y="4966636"/>
+            <a:ext cx="1799924" cy="115503"/>
+          </a:xfrm>
+          <a:custGeom>
+            <a:avLst/>
+            <a:gdLst>
+              <a:gd name="connsiteX0" fmla="*/ 0 w 1799924"/>
+              <a:gd name="connsiteY0" fmla="*/ 115503 h 115503"/>
+              <a:gd name="connsiteX1" fmla="*/ 904775 w 1799924"/>
+              <a:gd name="connsiteY1" fmla="*/ 77002 h 115503"/>
+              <a:gd name="connsiteX2" fmla="*/ 1799924 w 1799924"/>
+              <a:gd name="connsiteY2" fmla="*/ 0 h 115503"/>
+            </a:gdLst>
+            <a:ahLst/>
+            <a:cxnLst>
+              <a:cxn ang="0">
+                <a:pos x="connsiteX0" y="connsiteY0"/>
+              </a:cxn>
+              <a:cxn ang="0">
+                <a:pos x="connsiteX1" y="connsiteY1"/>
+              </a:cxn>
+              <a:cxn ang="0">
+                <a:pos x="connsiteX2" y="connsiteY2"/>
+              </a:cxn>
+            </a:cxnLst>
+            <a:rect l="l" t="t" r="r" b="b"/>
+            <a:pathLst>
+              <a:path w="1799924" h="115503">
+                <a:moveTo>
+                  <a:pt x="0" y="115503"/>
+                </a:moveTo>
+                <a:cubicBezTo>
+                  <a:pt x="302394" y="105878"/>
+                  <a:pt x="604788" y="96253"/>
+                  <a:pt x="904775" y="77002"/>
+                </a:cubicBezTo>
+                <a:cubicBezTo>
+                  <a:pt x="1204762" y="57751"/>
+                  <a:pt x="1502343" y="28875"/>
+                  <a:pt x="1799924" y="0"/>
+                </a:cubicBezTo>
+              </a:path>
+            </a:pathLst>
+          </a:custGeom>
+          <a:noFill/>
+          <a:ln>
+            <a:solidFill>
+              <a:srgbClr val="C00000"/>
+            </a:solidFill>
+            <a:headEnd type="none" w="med" len="med"/>
+            <a:tailEnd type="triangle" w="med" len="med"/>
+          </a:ln>
+        </p:spPr>
+        <p:style>
+          <a:lnRef idx="2">
+            <a:schemeClr val="accent1">
+              <a:shade val="50000"/>
+            </a:schemeClr>
+          </a:lnRef>
+          <a:fillRef idx="1">
+            <a:schemeClr val="accent1"/>
+          </a:fillRef>
+          <a:effectRef idx="0">
+            <a:schemeClr val="accent1"/>
+          </a:effectRef>
+          <a:fontRef idx="minor">
+            <a:schemeClr val="lt1"/>
+          </a:fontRef>
+        </p:style>
+        <p:txBody>
+          <a:bodyPr rtlCol="0" anchor="ctr"/>
+          <a:lstStyle/>
+          <a:p>
+            <a:pPr algn="ctr"/>
+            <a:endParaRPr lang="ko-KR" altLang="en-US"/>
+          </a:p>
+        </p:txBody>
+      </p:sp>
+      <p:pic>
+        <p:nvPicPr>
+          <p:cNvPr id="1034" name="Picture 10" descr="https://lh6.googleusercontent.com/5oxLo3thSFJGzzpUAhxcqRlD6gugUNens-6Kd-lnpms7VhdwtB3hsxf-L0NclkjG7_zFTjzvuEHhc23rE2ko2T_6Kwk8hOTPUoigbbLyj3LmmjCI24ER_dC6yujM47ic1MsEwiFppK576qLgJ8R_KlgkwYrW_N7dVNwlwZ-FSdBAQHqWaBfg_ee2gIE2dg">
+            <a:extLst>
+              <a:ext uri="{FF2B5EF4-FFF2-40B4-BE49-F238E27FC236}">
+                <a16:creationId xmlns:a16="http://schemas.microsoft.com/office/drawing/2014/main" id="{AD6A5489-D99D-4672-AFE5-3D2E65339E29}"/>
+              </a:ext>
+            </a:extLst>
+          </p:cNvPr>
+          <p:cNvPicPr>
+            <a:picLocks noChangeAspect="1" noChangeArrowheads="1"/>
+          </p:cNvPicPr>
+          <p:nvPr/>
+        </p:nvPicPr>
+        <p:blipFill>
+          <a:blip r:embed="rId5">
+            <a:extLst>
+              <a:ext uri="{28A0092B-C50C-407E-A947-70E740481C1C}">
+                <a14:useLocalDpi xmlns:a14="http://schemas.microsoft.com/office/drawing/2010/main" val="0"/>
+              </a:ext>
+            </a:extLst>
+          </a:blip>
+          <a:srcRect/>
+          <a:stretch>
+            <a:fillRect/>
+          </a:stretch>
+        </p:blipFill>
+        <p:spPr bwMode="auto">
+          <a:xfrm>
+            <a:off x="0" y="2033588"/>
+            <a:ext cx="12192000" cy="2789237"/>
+          </a:xfrm>
+          <a:prstGeom prst="rect">
+            <a:avLst/>
+          </a:prstGeom>
+          <a:noFill/>
+          <a:extLst>
+            <a:ext uri="{909E8E84-426E-40DD-AFC4-6F175D3DCCD1}">
+              <a14:hiddenFill xmlns:a14="http://schemas.microsoft.com/office/drawing/2010/main">
+                <a:solidFill>
+                  <a:srgbClr val="FFFFFF"/>
+                </a:solidFill>
+              </a14:hiddenFill>
+            </a:ext>
+          </a:extLst>
+        </p:spPr>
+      </p:pic>
+    </p:spTree>
+    <p:extLst>
+      <p:ext uri="{BB962C8B-B14F-4D97-AF65-F5344CB8AC3E}">
+        <p14:creationId xmlns:p14="http://schemas.microsoft.com/office/powerpoint/2010/main" val="1911779666"/>
+      </p:ext>
+    </p:extLst>
+  </p:cSld>
+  <p:clrMapOvr>
+    <a:masterClrMapping/>
+  </p:clrMapOvr>
+</p:sld>
+</file>
+
+<file path=ppt/slides/slide4.xml><?xml version="1.0" encoding="utf-8"?>
+<p:sld xmlns:a="http://schemas.openxmlformats.org/drawingml/2006/main" xmlns:r="http://schemas.openxmlformats.org/officeDocument/2006/relationships" xmlns:p="http://schemas.openxmlformats.org/presentationml/2006/main">
+  <p:cSld>
+    <p:spTree>
+      <p:nvGrpSpPr>
+        <p:cNvPr id="1" name=""/>
+        <p:cNvGrpSpPr/>
+        <p:nvPr/>
+      </p:nvGrpSpPr>
+      <p:grpSpPr>
+        <a:xfrm>
+          <a:off x="0" y="0"/>
+          <a:ext cx="0" cy="0"/>
+          <a:chOff x="0" y="0"/>
+          <a:chExt cx="0" cy="0"/>
+        </a:xfrm>
+      </p:grpSpPr>
+      <p:pic>
+        <p:nvPicPr>
+          <p:cNvPr id="1034" name="Picture 10" descr="https://lh6.googleusercontent.com/5oxLo3thSFJGzzpUAhxcqRlD6gugUNens-6Kd-lnpms7VhdwtB3hsxf-L0NclkjG7_zFTjzvuEHhc23rE2ko2T_6Kwk8hOTPUoigbbLyj3LmmjCI24ER_dC6yujM47ic1MsEwiFppK576qLgJ8R_KlgkwYrW_N7dVNwlwZ-FSdBAQHqWaBfg_ee2gIE2dg">
+            <a:extLst>
+              <a:ext uri="{FF2B5EF4-FFF2-40B4-BE49-F238E27FC236}">
+                <a16:creationId xmlns:a16="http://schemas.microsoft.com/office/drawing/2014/main" id="{AD6A5489-D99D-4672-AFE5-3D2E65339E29}"/>
+              </a:ext>
+            </a:extLst>
+          </p:cNvPr>
+          <p:cNvPicPr>
+            <a:picLocks noChangeAspect="1" noChangeArrowheads="1"/>
+          </p:cNvPicPr>
+          <p:nvPr/>
+        </p:nvPicPr>
+        <p:blipFill>
+          <a:blip r:embed="rId2">
+            <a:extLst>
+              <a:ext uri="{28A0092B-C50C-407E-A947-70E740481C1C}">
+                <a14:useLocalDpi xmlns:a14="http://schemas.microsoft.com/office/drawing/2010/main" val="0"/>
+              </a:ext>
+            </a:extLst>
+          </a:blip>
+          <a:srcRect/>
+          <a:stretch>
+            <a:fillRect/>
+          </a:stretch>
+        </p:blipFill>
+        <p:spPr bwMode="auto">
+          <a:xfrm>
+            <a:off x="1654175" y="572042"/>
+            <a:ext cx="8883650" cy="2032366"/>
+          </a:xfrm>
+          <a:prstGeom prst="rect">
+            <a:avLst/>
+          </a:prstGeom>
+          <a:noFill/>
+          <a:extLst>
+            <a:ext uri="{909E8E84-426E-40DD-AFC4-6F175D3DCCD1}">
+              <a14:hiddenFill xmlns:a14="http://schemas.microsoft.com/office/drawing/2010/main">
+                <a:solidFill>
+                  <a:srgbClr val="FFFFFF"/>
+                </a:solidFill>
+              </a14:hiddenFill>
+            </a:ext>
+          </a:extLst>
+        </p:spPr>
+      </p:pic>
+      <p:pic>
+        <p:nvPicPr>
+          <p:cNvPr id="2050" name="Picture 2" descr="https://lh5.googleusercontent.com/S37Lz26FBXq4pNIq4rAap7Lrg9vuzglGEuqk-3Pop3XPLs3007qaeGKeT3vx_UHg_8cAhTrOBzvupTCNJsyjOc6Pu52kykEzZ_B-oQdsy3gb1hkhEB4252-qf6MP903FGKbMNUcfv7hqs85Nh2xYNk5cl96gjG1ss-K_bEGlUU9dEOIRjVAN4m9gKv9dKw">
+            <a:extLst>
+              <a:ext uri="{FF2B5EF4-FFF2-40B4-BE49-F238E27FC236}">
+                <a16:creationId xmlns:a16="http://schemas.microsoft.com/office/drawing/2014/main" id="{F2E76F7A-6147-4DDE-A87C-30009158F33E}"/>
+              </a:ext>
+            </a:extLst>
+          </p:cNvPr>
+          <p:cNvPicPr>
+            <a:picLocks noChangeAspect="1" noChangeArrowheads="1"/>
+          </p:cNvPicPr>
+          <p:nvPr/>
+        </p:nvPicPr>
+        <p:blipFill>
+          <a:blip r:embed="rId3">
+            <a:extLst>
+              <a:ext uri="{28A0092B-C50C-407E-A947-70E740481C1C}">
+                <a14:useLocalDpi xmlns:a14="http://schemas.microsoft.com/office/drawing/2010/main" val="0"/>
+              </a:ext>
+            </a:extLst>
+          </a:blip>
+          <a:srcRect/>
+          <a:stretch>
+            <a:fillRect/>
+          </a:stretch>
+        </p:blipFill>
+        <p:spPr bwMode="auto">
+          <a:xfrm>
+            <a:off x="2400300" y="2802216"/>
+            <a:ext cx="7772400" cy="3730347"/>
+          </a:xfrm>
+          <a:prstGeom prst="rect">
+            <a:avLst/>
+          </a:prstGeom>
+          <a:noFill/>
+          <a:extLst>
+            <a:ext uri="{909E8E84-426E-40DD-AFC4-6F175D3DCCD1}">
+              <a14:hiddenFill xmlns:a14="http://schemas.microsoft.com/office/drawing/2010/main">
+                <a:solidFill>
+                  <a:srgbClr val="FFFFFF"/>
+                </a:solidFill>
+              </a14:hiddenFill>
+            </a:ext>
+          </a:extLst>
+        </p:spPr>
+      </p:pic>
+    </p:spTree>
+    <p:extLst>
+      <p:ext uri="{BB962C8B-B14F-4D97-AF65-F5344CB8AC3E}">
+        <p14:creationId xmlns:p14="http://schemas.microsoft.com/office/powerpoint/2010/main" val="2855749444"/>
+      </p:ext>
+    </p:extLst>
+  </p:cSld>
+  <p:clrMapOvr>
+    <a:masterClrMapping/>
+  </p:clrMapOvr>
+</p:sld>
+</file>
+
 <file path=ppt/theme/theme1.xml><?xml version="1.0" encoding="utf-8"?>
 <a:theme xmlns:a="http://schemas.openxmlformats.org/drawingml/2006/main" name="Office 테마">
   <a:themeElements>

--- a/transformer.pptx
+++ b/transformer.pptx
@@ -11829,53 +11829,2154 @@
           </a:p>
         </p:txBody>
       </p:sp>
+      <p:graphicFrame>
+        <p:nvGraphicFramePr>
+          <p:cNvPr id="27" name="표 26">
+            <a:extLst>
+              <a:ext uri="{FF2B5EF4-FFF2-40B4-BE49-F238E27FC236}">
+                <a16:creationId xmlns:a16="http://schemas.microsoft.com/office/drawing/2014/main" id="{A1A8349C-5B10-47B3-8360-09DB6B7BEEB6}"/>
+              </a:ext>
+            </a:extLst>
+          </p:cNvPr>
+          <p:cNvGraphicFramePr>
+            <a:graphicFrameLocks noGrp="1"/>
+          </p:cNvGraphicFramePr>
+          <p:nvPr>
+            <p:extLst>
+              <p:ext uri="{D42A27DB-BD31-4B8C-83A1-F6EECF244321}">
+                <p14:modId xmlns:p14="http://schemas.microsoft.com/office/powerpoint/2010/main" val="3189155334"/>
+              </p:ext>
+            </p:extLst>
+          </p:nvPr>
+        </p:nvGraphicFramePr>
+        <p:xfrm>
+          <a:off x="7549223" y="955065"/>
+          <a:ext cx="833120" cy="243840"/>
+        </p:xfrm>
+        <a:graphic>
+          <a:graphicData uri="http://schemas.openxmlformats.org/drawingml/2006/table">
+            <a:tbl>
+              <a:tblPr firstRow="1" bandRow="1">
+                <a:tableStyleId>{5940675A-B579-460E-94D1-54222C63F5DA}</a:tableStyleId>
+              </a:tblPr>
+              <a:tblGrid>
+                <a:gridCol w="208280">
+                  <a:extLst>
+                    <a:ext uri="{9D8B030D-6E8A-4147-A177-3AD203B41FA5}">
+                      <a16:colId xmlns:a16="http://schemas.microsoft.com/office/drawing/2014/main" val="2187342301"/>
+                    </a:ext>
+                  </a:extLst>
+                </a:gridCol>
+                <a:gridCol w="208280">
+                  <a:extLst>
+                    <a:ext uri="{9D8B030D-6E8A-4147-A177-3AD203B41FA5}">
+                      <a16:colId xmlns:a16="http://schemas.microsoft.com/office/drawing/2014/main" val="262566599"/>
+                    </a:ext>
+                  </a:extLst>
+                </a:gridCol>
+                <a:gridCol w="208280">
+                  <a:extLst>
+                    <a:ext uri="{9D8B030D-6E8A-4147-A177-3AD203B41FA5}">
+                      <a16:colId xmlns:a16="http://schemas.microsoft.com/office/drawing/2014/main" val="664921276"/>
+                    </a:ext>
+                  </a:extLst>
+                </a:gridCol>
+                <a:gridCol w="208280">
+                  <a:extLst>
+                    <a:ext uri="{9D8B030D-6E8A-4147-A177-3AD203B41FA5}">
+                      <a16:colId xmlns:a16="http://schemas.microsoft.com/office/drawing/2014/main" val="3291570202"/>
+                    </a:ext>
+                  </a:extLst>
+                </a:gridCol>
+              </a:tblGrid>
+              <a:tr h="0">
+                <a:tc>
+                  <a:txBody>
+                    <a:bodyPr/>
+                    <a:lstStyle/>
+                    <a:p>
+                      <a:pPr latinLnBrk="1"/>
+                      <a:endParaRPr lang="ko-KR" altLang="en-US" sz="1000" dirty="0"/>
+                    </a:p>
+                  </a:txBody>
+                  <a:tcPr>
+                    <a:solidFill>
+                      <a:schemeClr val="accent6">
+                        <a:lumMod val="20000"/>
+                        <a:lumOff val="80000"/>
+                      </a:schemeClr>
+                    </a:solidFill>
+                  </a:tcPr>
+                </a:tc>
+                <a:tc>
+                  <a:txBody>
+                    <a:bodyPr/>
+                    <a:lstStyle/>
+                    <a:p>
+                      <a:pPr latinLnBrk="1"/>
+                      <a:endParaRPr lang="ko-KR" altLang="en-US" sz="1000"/>
+                    </a:p>
+                  </a:txBody>
+                  <a:tcPr>
+                    <a:solidFill>
+                      <a:schemeClr val="accent6">
+                        <a:lumMod val="20000"/>
+                        <a:lumOff val="80000"/>
+                      </a:schemeClr>
+                    </a:solidFill>
+                  </a:tcPr>
+                </a:tc>
+                <a:tc>
+                  <a:txBody>
+                    <a:bodyPr/>
+                    <a:lstStyle/>
+                    <a:p>
+                      <a:pPr latinLnBrk="1"/>
+                      <a:endParaRPr lang="ko-KR" altLang="en-US" sz="1000" dirty="0"/>
+                    </a:p>
+                  </a:txBody>
+                  <a:tcPr>
+                    <a:solidFill>
+                      <a:schemeClr val="accent6">
+                        <a:lumMod val="20000"/>
+                        <a:lumOff val="80000"/>
+                      </a:schemeClr>
+                    </a:solidFill>
+                  </a:tcPr>
+                </a:tc>
+                <a:tc>
+                  <a:txBody>
+                    <a:bodyPr/>
+                    <a:lstStyle/>
+                    <a:p>
+                      <a:pPr latinLnBrk="1"/>
+                      <a:endParaRPr lang="ko-KR" altLang="en-US" sz="1000" dirty="0"/>
+                    </a:p>
+                  </a:txBody>
+                  <a:tcPr>
+                    <a:solidFill>
+                      <a:schemeClr val="accent6">
+                        <a:lumMod val="20000"/>
+                        <a:lumOff val="80000"/>
+                      </a:schemeClr>
+                    </a:solidFill>
+                  </a:tcPr>
+                </a:tc>
+                <a:extLst>
+                  <a:ext uri="{0D108BD9-81ED-4DB2-BD59-A6C34878D82A}">
+                    <a16:rowId xmlns:a16="http://schemas.microsoft.com/office/drawing/2014/main" val="920815824"/>
+                  </a:ext>
+                </a:extLst>
+              </a:tr>
+            </a:tbl>
+          </a:graphicData>
+        </a:graphic>
+      </p:graphicFrame>
+      <p:sp>
+        <p:nvSpPr>
+          <p:cNvPr id="28" name="직사각형 27">
+            <a:extLst>
+              <a:ext uri="{FF2B5EF4-FFF2-40B4-BE49-F238E27FC236}">
+                <a16:creationId xmlns:a16="http://schemas.microsoft.com/office/drawing/2014/main" id="{F2B311E0-B0F3-405E-A89E-AA72415592A4}"/>
+              </a:ext>
+            </a:extLst>
+          </p:cNvPr>
+          <p:cNvSpPr/>
+          <p:nvPr/>
+        </p:nvSpPr>
+        <p:spPr>
+          <a:xfrm>
+            <a:off x="6881577" y="872217"/>
+            <a:ext cx="760427" cy="369332"/>
+          </a:xfrm>
+          <a:prstGeom prst="rect">
+            <a:avLst/>
+          </a:prstGeom>
+          <a:noFill/>
+          <a:ln w="28575">
+            <a:noFill/>
+          </a:ln>
+        </p:spPr>
+        <p:style>
+          <a:lnRef idx="2">
+            <a:schemeClr val="accent1">
+              <a:shade val="50000"/>
+            </a:schemeClr>
+          </a:lnRef>
+          <a:fillRef idx="1">
+            <a:schemeClr val="accent1"/>
+          </a:fillRef>
+          <a:effectRef idx="0">
+            <a:schemeClr val="accent1"/>
+          </a:effectRef>
+          <a:fontRef idx="minor">
+            <a:schemeClr val="lt1"/>
+          </a:fontRef>
+        </p:style>
+        <p:txBody>
+          <a:bodyPr rtlCol="0" anchor="ctr"/>
+          <a:lstStyle/>
+          <a:p>
+            <a:pPr algn="ctr"/>
+            <a:r>
+              <a:rPr lang="en-US" altLang="ko-KR" sz="1100" dirty="0">
+                <a:solidFill>
+                  <a:schemeClr val="tx1"/>
+                </a:solidFill>
+              </a:rPr>
+              <a:t>Query</a:t>
+            </a:r>
+          </a:p>
+        </p:txBody>
+      </p:sp>
+      <p:sp>
+        <p:nvSpPr>
+          <p:cNvPr id="30" name="직사각형 29">
+            <a:extLst>
+              <a:ext uri="{FF2B5EF4-FFF2-40B4-BE49-F238E27FC236}">
+                <a16:creationId xmlns:a16="http://schemas.microsoft.com/office/drawing/2014/main" id="{93525B46-2FCB-4852-A947-D1CAE7E86E54}"/>
+              </a:ext>
+            </a:extLst>
+          </p:cNvPr>
+          <p:cNvSpPr/>
+          <p:nvPr/>
+        </p:nvSpPr>
+        <p:spPr>
+          <a:xfrm>
+            <a:off x="5945134" y="1821898"/>
+            <a:ext cx="760427" cy="369332"/>
+          </a:xfrm>
+          <a:prstGeom prst="rect">
+            <a:avLst/>
+          </a:prstGeom>
+          <a:noFill/>
+          <a:ln w="28575">
+            <a:noFill/>
+          </a:ln>
+        </p:spPr>
+        <p:style>
+          <a:lnRef idx="2">
+            <a:schemeClr val="accent1">
+              <a:shade val="50000"/>
+            </a:schemeClr>
+          </a:lnRef>
+          <a:fillRef idx="1">
+            <a:schemeClr val="accent1"/>
+          </a:fillRef>
+          <a:effectRef idx="0">
+            <a:schemeClr val="accent1"/>
+          </a:effectRef>
+          <a:fontRef idx="minor">
+            <a:schemeClr val="lt1"/>
+          </a:fontRef>
+        </p:style>
+        <p:txBody>
+          <a:bodyPr rtlCol="0" anchor="ctr"/>
+          <a:lstStyle/>
+          <a:p>
+            <a:pPr algn="ctr"/>
+            <a:r>
+              <a:rPr lang="en-US" altLang="ko-KR" sz="1100" dirty="0">
+                <a:solidFill>
+                  <a:schemeClr val="tx1"/>
+                </a:solidFill>
+              </a:rPr>
+              <a:t>Keys</a:t>
+            </a:r>
+          </a:p>
+        </p:txBody>
+      </p:sp>
       <p:pic>
         <p:nvPicPr>
-          <p:cNvPr id="1034" name="Picture 10" descr="https://lh6.googleusercontent.com/5oxLo3thSFJGzzpUAhxcqRlD6gugUNens-6Kd-lnpms7VhdwtB3hsxf-L0NclkjG7_zFTjzvuEHhc23rE2ko2T_6Kwk8hOTPUoigbbLyj3LmmjCI24ER_dC6yujM47ic1MsEwiFppK576qLgJ8R_KlgkwYrW_N7dVNwlwZ-FSdBAQHqWaBfg_ee2gIE2dg">
-            <a:extLst>
-              <a:ext uri="{FF2B5EF4-FFF2-40B4-BE49-F238E27FC236}">
-                <a16:creationId xmlns:a16="http://schemas.microsoft.com/office/drawing/2014/main" id="{AD6A5489-D99D-4672-AFE5-3D2E65339E29}"/>
+          <p:cNvPr id="2" name="그림 1">
+            <a:extLst>
+              <a:ext uri="{FF2B5EF4-FFF2-40B4-BE49-F238E27FC236}">
+                <a16:creationId xmlns:a16="http://schemas.microsoft.com/office/drawing/2014/main" id="{3B4C6316-9C08-4662-902A-6904FDA37581}"/>
               </a:ext>
             </a:extLst>
           </p:cNvPr>
           <p:cNvPicPr>
-            <a:picLocks noChangeAspect="1" noChangeArrowheads="1"/>
+            <a:picLocks noChangeAspect="1"/>
           </p:cNvPicPr>
           <p:nvPr/>
         </p:nvPicPr>
         <p:blipFill>
           <a:blip r:embed="rId5">
-            <a:extLst>
-              <a:ext uri="{28A0092B-C50C-407E-A947-70E740481C1C}">
-                <a14:useLocalDpi xmlns:a14="http://schemas.microsoft.com/office/drawing/2010/main" val="0"/>
-              </a:ext>
-            </a:extLst>
+            <a:duotone>
+              <a:prstClr val="black"/>
+              <a:schemeClr val="accent2">
+                <a:tint val="45000"/>
+                <a:satMod val="400000"/>
+              </a:schemeClr>
+            </a:duotone>
           </a:blip>
-          <a:srcRect/>
           <a:stretch>
             <a:fillRect/>
           </a:stretch>
         </p:blipFill>
-        <p:spPr bwMode="auto">
-          <a:xfrm>
-            <a:off x="0" y="2033588"/>
-            <a:ext cx="12192000" cy="2789237"/>
+        <p:spPr>
+          <a:xfrm rot="5400000">
+            <a:off x="6337346" y="1873214"/>
+            <a:ext cx="854964" cy="266700"/>
           </a:xfrm>
           <a:prstGeom prst="rect">
             <a:avLst/>
           </a:prstGeom>
           <a:noFill/>
-          <a:extLst>
-            <a:ext uri="{909E8E84-426E-40DD-AFC4-6F175D3DCCD1}">
-              <a14:hiddenFill xmlns:a14="http://schemas.microsoft.com/office/drawing/2010/main">
+        </p:spPr>
+      </p:pic>
+      <p:pic>
+        <p:nvPicPr>
+          <p:cNvPr id="31" name="그림 30">
+            <a:extLst>
+              <a:ext uri="{FF2B5EF4-FFF2-40B4-BE49-F238E27FC236}">
+                <a16:creationId xmlns:a16="http://schemas.microsoft.com/office/drawing/2014/main" id="{0C1D4D20-6891-4317-B010-A28F25D6DAFC}"/>
+              </a:ext>
+            </a:extLst>
+          </p:cNvPr>
+          <p:cNvPicPr>
+            <a:picLocks noChangeAspect="1"/>
+          </p:cNvPicPr>
+          <p:nvPr/>
+        </p:nvPicPr>
+        <p:blipFill>
+          <a:blip r:embed="rId5">
+            <a:duotone>
+              <a:prstClr val="black"/>
+              <a:schemeClr val="accent1">
+                <a:tint val="45000"/>
+                <a:satMod val="400000"/>
+              </a:schemeClr>
+            </a:duotone>
+          </a:blip>
+          <a:stretch>
+            <a:fillRect/>
+          </a:stretch>
+        </p:blipFill>
+        <p:spPr>
+          <a:xfrm rot="5400000">
+            <a:off x="6337346" y="2947978"/>
+            <a:ext cx="854964" cy="266700"/>
+          </a:xfrm>
+          <a:prstGeom prst="rect">
+            <a:avLst/>
+          </a:prstGeom>
+          <a:noFill/>
+        </p:spPr>
+      </p:pic>
+      <p:sp>
+        <p:nvSpPr>
+          <p:cNvPr id="32" name="직사각형 31">
+            <a:extLst>
+              <a:ext uri="{FF2B5EF4-FFF2-40B4-BE49-F238E27FC236}">
+                <a16:creationId xmlns:a16="http://schemas.microsoft.com/office/drawing/2014/main" id="{E1098291-78C0-4449-A0E2-3C51D1620A35}"/>
+              </a:ext>
+            </a:extLst>
+          </p:cNvPr>
+          <p:cNvSpPr/>
+          <p:nvPr/>
+        </p:nvSpPr>
+        <p:spPr>
+          <a:xfrm>
+            <a:off x="5942979" y="2896662"/>
+            <a:ext cx="760427" cy="369332"/>
+          </a:xfrm>
+          <a:prstGeom prst="rect">
+            <a:avLst/>
+          </a:prstGeom>
+          <a:noFill/>
+          <a:ln w="28575">
+            <a:noFill/>
+          </a:ln>
+        </p:spPr>
+        <p:style>
+          <a:lnRef idx="2">
+            <a:schemeClr val="accent1">
+              <a:shade val="50000"/>
+            </a:schemeClr>
+          </a:lnRef>
+          <a:fillRef idx="1">
+            <a:schemeClr val="accent1"/>
+          </a:fillRef>
+          <a:effectRef idx="0">
+            <a:schemeClr val="accent1"/>
+          </a:effectRef>
+          <a:fontRef idx="minor">
+            <a:schemeClr val="lt1"/>
+          </a:fontRef>
+        </p:style>
+        <p:txBody>
+          <a:bodyPr rtlCol="0" anchor="ctr"/>
+          <a:lstStyle/>
+          <a:p>
+            <a:pPr algn="ctr"/>
+            <a:r>
+              <a:rPr lang="en-US" altLang="ko-KR" sz="1100" dirty="0">
                 <a:solidFill>
-                  <a:srgbClr val="FFFFFF"/>
+                  <a:schemeClr val="tx1"/>
                 </a:solidFill>
-              </a14:hiddenFill>
-            </a:ext>
-          </a:extLst>
+              </a:rPr>
+              <a:t>Values</a:t>
+            </a:r>
+          </a:p>
+        </p:txBody>
+      </p:sp>
+      <p:sp>
+        <p:nvSpPr>
+          <p:cNvPr id="3" name="타원 2">
+            <a:extLst>
+              <a:ext uri="{FF2B5EF4-FFF2-40B4-BE49-F238E27FC236}">
+                <a16:creationId xmlns:a16="http://schemas.microsoft.com/office/drawing/2014/main" id="{F1EACCD6-7ED9-4232-AD5A-CE3E3A48065A}"/>
+              </a:ext>
+            </a:extLst>
+          </p:cNvPr>
+          <p:cNvSpPr/>
+          <p:nvPr/>
+        </p:nvSpPr>
+        <p:spPr>
+          <a:xfrm>
+            <a:off x="7088728" y="1945951"/>
+            <a:ext cx="120057" cy="120057"/>
+          </a:xfrm>
+          <a:prstGeom prst="ellipse">
+            <a:avLst/>
+          </a:prstGeom>
+          <a:solidFill>
+            <a:schemeClr val="tx1"/>
+          </a:solidFill>
+          <a:ln>
+            <a:noFill/>
+          </a:ln>
+        </p:spPr>
+        <p:style>
+          <a:lnRef idx="2">
+            <a:schemeClr val="accent1">
+              <a:shade val="50000"/>
+            </a:schemeClr>
+          </a:lnRef>
+          <a:fillRef idx="1">
+            <a:schemeClr val="accent1"/>
+          </a:fillRef>
+          <a:effectRef idx="0">
+            <a:schemeClr val="accent1"/>
+          </a:effectRef>
+          <a:fontRef idx="minor">
+            <a:schemeClr val="lt1"/>
+          </a:fontRef>
+        </p:style>
+        <p:txBody>
+          <a:bodyPr rtlCol="0" anchor="ctr"/>
+          <a:lstStyle/>
+          <a:p>
+            <a:pPr algn="ctr"/>
+            <a:endParaRPr lang="ko-KR" altLang="en-US"/>
+          </a:p>
+        </p:txBody>
+      </p:sp>
+      <p:sp>
+        <p:nvSpPr>
+          <p:cNvPr id="33" name="직사각형 32">
+            <a:extLst>
+              <a:ext uri="{FF2B5EF4-FFF2-40B4-BE49-F238E27FC236}">
+                <a16:creationId xmlns:a16="http://schemas.microsoft.com/office/drawing/2014/main" id="{B2759B39-EA68-430B-A6CA-FA7447BF8212}"/>
+              </a:ext>
+            </a:extLst>
+          </p:cNvPr>
+          <p:cNvSpPr/>
+          <p:nvPr/>
+        </p:nvSpPr>
+        <p:spPr>
+          <a:xfrm>
+            <a:off x="6767405" y="2905433"/>
+            <a:ext cx="760427" cy="369332"/>
+          </a:xfrm>
+          <a:prstGeom prst="rect">
+            <a:avLst/>
+          </a:prstGeom>
+          <a:noFill/>
+          <a:ln w="28575">
+            <a:noFill/>
+          </a:ln>
+        </p:spPr>
+        <p:style>
+          <a:lnRef idx="2">
+            <a:schemeClr val="accent1">
+              <a:shade val="50000"/>
+            </a:schemeClr>
+          </a:lnRef>
+          <a:fillRef idx="1">
+            <a:schemeClr val="accent1"/>
+          </a:fillRef>
+          <a:effectRef idx="0">
+            <a:schemeClr val="accent1"/>
+          </a:effectRef>
+          <a:fontRef idx="minor">
+            <a:schemeClr val="lt1"/>
+          </a:fontRef>
+        </p:style>
+        <p:txBody>
+          <a:bodyPr rtlCol="0" anchor="ctr"/>
+          <a:lstStyle/>
+          <a:p>
+            <a:pPr algn="ctr"/>
+            <a:r>
+              <a:rPr lang="en-US" altLang="ko-KR" sz="1400" dirty="0">
+                <a:solidFill>
+                  <a:schemeClr val="tx1"/>
+                </a:solidFill>
+              </a:rPr>
+              <a:t>· </a:t>
+            </a:r>
+            <a:r>
+              <a:rPr lang="ko-KR" altLang="en-US" sz="1400" dirty="0">
+                <a:solidFill>
+                  <a:schemeClr val="tx1"/>
+                </a:solidFill>
+              </a:rPr>
+              <a:t>𝛼</a:t>
+            </a:r>
+            <a:r>
+              <a:rPr lang="en-US" altLang="ko-KR" sz="700" dirty="0">
+                <a:solidFill>
+                  <a:schemeClr val="tx1"/>
+                </a:solidFill>
+              </a:rPr>
+              <a:t>1</a:t>
+            </a:r>
+            <a:r>
+              <a:rPr lang="ko-KR" altLang="en-US" sz="1400" dirty="0">
+                <a:solidFill>
+                  <a:schemeClr val="tx1"/>
+                </a:solidFill>
+              </a:rPr>
+              <a:t> </a:t>
+            </a:r>
+            <a:r>
+              <a:rPr lang="en-US" altLang="ko-KR" sz="1400" dirty="0">
+                <a:solidFill>
+                  <a:schemeClr val="tx1"/>
+                </a:solidFill>
+              </a:rPr>
+              <a:t>+ </a:t>
+            </a:r>
+            <a:endParaRPr lang="en-US" altLang="ko-KR" sz="1000" dirty="0">
+              <a:solidFill>
+                <a:schemeClr val="tx1"/>
+              </a:solidFill>
+            </a:endParaRPr>
+          </a:p>
+        </p:txBody>
+      </p:sp>
+      <p:cxnSp>
+        <p:nvCxnSpPr>
+          <p:cNvPr id="6" name="직선 연결선 5">
+            <a:extLst>
+              <a:ext uri="{FF2B5EF4-FFF2-40B4-BE49-F238E27FC236}">
+                <a16:creationId xmlns:a16="http://schemas.microsoft.com/office/drawing/2014/main" id="{2F19C2FD-1DF0-43A7-A2CB-2DC25861299C}"/>
+              </a:ext>
+            </a:extLst>
+          </p:cNvPr>
+          <p:cNvCxnSpPr>
+            <a:stCxn id="2" idx="0"/>
+            <a:endCxn id="3" idx="2"/>
+          </p:cNvCxnSpPr>
+          <p:nvPr/>
+        </p:nvCxnSpPr>
+        <p:spPr>
+          <a:xfrm flipV="1">
+            <a:off x="6898178" y="2005980"/>
+            <a:ext cx="190550" cy="584"/>
+          </a:xfrm>
+          <a:prstGeom prst="line">
+            <a:avLst/>
+          </a:prstGeom>
+        </p:spPr>
+        <p:style>
+          <a:lnRef idx="1">
+            <a:schemeClr val="accent1"/>
+          </a:lnRef>
+          <a:fillRef idx="0">
+            <a:schemeClr val="accent1"/>
+          </a:fillRef>
+          <a:effectRef idx="0">
+            <a:schemeClr val="accent1"/>
+          </a:effectRef>
+          <a:fontRef idx="minor">
+            <a:schemeClr val="tx1"/>
+          </a:fontRef>
+        </p:style>
+      </p:cxnSp>
+      <p:cxnSp>
+        <p:nvCxnSpPr>
+          <p:cNvPr id="36" name="직선 연결선 35">
+            <a:extLst>
+              <a:ext uri="{FF2B5EF4-FFF2-40B4-BE49-F238E27FC236}">
+                <a16:creationId xmlns:a16="http://schemas.microsoft.com/office/drawing/2014/main" id="{203D91B6-6F86-4F00-A382-321D042AE904}"/>
+              </a:ext>
+            </a:extLst>
+          </p:cNvPr>
+          <p:cNvCxnSpPr>
+            <a:cxnSpLocks/>
+            <a:stCxn id="33" idx="0"/>
+            <a:endCxn id="3" idx="4"/>
+          </p:cNvCxnSpPr>
+          <p:nvPr/>
+        </p:nvCxnSpPr>
+        <p:spPr>
+          <a:xfrm flipV="1">
+            <a:off x="7147619" y="2066008"/>
+            <a:ext cx="1138" cy="839425"/>
+          </a:xfrm>
+          <a:prstGeom prst="line">
+            <a:avLst/>
+          </a:prstGeom>
+        </p:spPr>
+        <p:style>
+          <a:lnRef idx="1">
+            <a:schemeClr val="accent1"/>
+          </a:lnRef>
+          <a:fillRef idx="0">
+            <a:schemeClr val="accent1"/>
+          </a:fillRef>
+          <a:effectRef idx="0">
+            <a:schemeClr val="accent1"/>
+          </a:effectRef>
+          <a:fontRef idx="minor">
+            <a:schemeClr val="tx1"/>
+          </a:fontRef>
+        </p:style>
+      </p:cxnSp>
+      <p:pic>
+        <p:nvPicPr>
+          <p:cNvPr id="48" name="그림 47">
+            <a:extLst>
+              <a:ext uri="{FF2B5EF4-FFF2-40B4-BE49-F238E27FC236}">
+                <a16:creationId xmlns:a16="http://schemas.microsoft.com/office/drawing/2014/main" id="{E8B6FEC8-43CE-404B-B852-4AE996F5517B}"/>
+              </a:ext>
+            </a:extLst>
+          </p:cNvPr>
+          <p:cNvPicPr>
+            <a:picLocks noChangeAspect="1"/>
+          </p:cNvPicPr>
+          <p:nvPr/>
+        </p:nvPicPr>
+        <p:blipFill>
+          <a:blip r:embed="rId5">
+            <a:duotone>
+              <a:prstClr val="black"/>
+              <a:schemeClr val="accent2">
+                <a:tint val="45000"/>
+                <a:satMod val="400000"/>
+              </a:schemeClr>
+            </a:duotone>
+          </a:blip>
+          <a:stretch>
+            <a:fillRect/>
+          </a:stretch>
+        </p:blipFill>
+        <p:spPr>
+          <a:xfrm rot="5400000">
+            <a:off x="7186186" y="1873214"/>
+            <a:ext cx="854964" cy="266700"/>
+          </a:xfrm>
+          <a:prstGeom prst="rect">
+            <a:avLst/>
+          </a:prstGeom>
+          <a:noFill/>
         </p:spPr>
       </p:pic>
+      <p:pic>
+        <p:nvPicPr>
+          <p:cNvPr id="49" name="그림 48">
+            <a:extLst>
+              <a:ext uri="{FF2B5EF4-FFF2-40B4-BE49-F238E27FC236}">
+                <a16:creationId xmlns:a16="http://schemas.microsoft.com/office/drawing/2014/main" id="{E9126740-3ACA-4F5B-B9D5-097AB8CB0625}"/>
+              </a:ext>
+            </a:extLst>
+          </p:cNvPr>
+          <p:cNvPicPr>
+            <a:picLocks noChangeAspect="1"/>
+          </p:cNvPicPr>
+          <p:nvPr/>
+        </p:nvPicPr>
+        <p:blipFill>
+          <a:blip r:embed="rId5">
+            <a:duotone>
+              <a:prstClr val="black"/>
+              <a:schemeClr val="accent1">
+                <a:tint val="45000"/>
+                <a:satMod val="400000"/>
+              </a:schemeClr>
+            </a:duotone>
+          </a:blip>
+          <a:stretch>
+            <a:fillRect/>
+          </a:stretch>
+        </p:blipFill>
+        <p:spPr>
+          <a:xfrm rot="5400000">
+            <a:off x="7186186" y="2947978"/>
+            <a:ext cx="854964" cy="266700"/>
+          </a:xfrm>
+          <a:prstGeom prst="rect">
+            <a:avLst/>
+          </a:prstGeom>
+          <a:noFill/>
+        </p:spPr>
+      </p:pic>
+      <p:sp>
+        <p:nvSpPr>
+          <p:cNvPr id="50" name="타원 49">
+            <a:extLst>
+              <a:ext uri="{FF2B5EF4-FFF2-40B4-BE49-F238E27FC236}">
+                <a16:creationId xmlns:a16="http://schemas.microsoft.com/office/drawing/2014/main" id="{6B7D83CE-8913-463A-8934-ECD311419C1C}"/>
+              </a:ext>
+            </a:extLst>
+          </p:cNvPr>
+          <p:cNvSpPr/>
+          <p:nvPr/>
+        </p:nvSpPr>
+        <p:spPr>
+          <a:xfrm>
+            <a:off x="7937568" y="1945951"/>
+            <a:ext cx="120057" cy="120057"/>
+          </a:xfrm>
+          <a:prstGeom prst="ellipse">
+            <a:avLst/>
+          </a:prstGeom>
+          <a:solidFill>
+            <a:schemeClr val="tx1"/>
+          </a:solidFill>
+          <a:ln>
+            <a:noFill/>
+          </a:ln>
+        </p:spPr>
+        <p:style>
+          <a:lnRef idx="2">
+            <a:schemeClr val="accent1">
+              <a:shade val="50000"/>
+            </a:schemeClr>
+          </a:lnRef>
+          <a:fillRef idx="1">
+            <a:schemeClr val="accent1"/>
+          </a:fillRef>
+          <a:effectRef idx="0">
+            <a:schemeClr val="accent1"/>
+          </a:effectRef>
+          <a:fontRef idx="minor">
+            <a:schemeClr val="lt1"/>
+          </a:fontRef>
+        </p:style>
+        <p:txBody>
+          <a:bodyPr rtlCol="0" anchor="ctr"/>
+          <a:lstStyle/>
+          <a:p>
+            <a:pPr algn="ctr"/>
+            <a:endParaRPr lang="ko-KR" altLang="en-US"/>
+          </a:p>
+        </p:txBody>
+      </p:sp>
+      <p:sp>
+        <p:nvSpPr>
+          <p:cNvPr id="51" name="직사각형 50">
+            <a:extLst>
+              <a:ext uri="{FF2B5EF4-FFF2-40B4-BE49-F238E27FC236}">
+                <a16:creationId xmlns:a16="http://schemas.microsoft.com/office/drawing/2014/main" id="{D7408842-06F5-4436-9C2E-397DA032D693}"/>
+              </a:ext>
+            </a:extLst>
+          </p:cNvPr>
+          <p:cNvSpPr/>
+          <p:nvPr/>
+        </p:nvSpPr>
+        <p:spPr>
+          <a:xfrm>
+            <a:off x="7616245" y="2905433"/>
+            <a:ext cx="760427" cy="369332"/>
+          </a:xfrm>
+          <a:prstGeom prst="rect">
+            <a:avLst/>
+          </a:prstGeom>
+          <a:noFill/>
+          <a:ln w="28575">
+            <a:noFill/>
+          </a:ln>
+        </p:spPr>
+        <p:style>
+          <a:lnRef idx="2">
+            <a:schemeClr val="accent1">
+              <a:shade val="50000"/>
+            </a:schemeClr>
+          </a:lnRef>
+          <a:fillRef idx="1">
+            <a:schemeClr val="accent1"/>
+          </a:fillRef>
+          <a:effectRef idx="0">
+            <a:schemeClr val="accent1"/>
+          </a:effectRef>
+          <a:fontRef idx="minor">
+            <a:schemeClr val="lt1"/>
+          </a:fontRef>
+        </p:style>
+        <p:txBody>
+          <a:bodyPr rtlCol="0" anchor="ctr"/>
+          <a:lstStyle/>
+          <a:p>
+            <a:pPr algn="ctr"/>
+            <a:r>
+              <a:rPr lang="en-US" altLang="ko-KR" sz="1400" dirty="0">
+                <a:solidFill>
+                  <a:schemeClr val="tx1"/>
+                </a:solidFill>
+              </a:rPr>
+              <a:t>· </a:t>
+            </a:r>
+            <a:r>
+              <a:rPr lang="ko-KR" altLang="en-US" sz="1400" dirty="0">
+                <a:solidFill>
+                  <a:schemeClr val="tx1"/>
+                </a:solidFill>
+              </a:rPr>
+              <a:t>𝛼</a:t>
+            </a:r>
+            <a:r>
+              <a:rPr lang="en-US" altLang="ko-KR" sz="800" dirty="0">
+                <a:solidFill>
+                  <a:schemeClr val="tx1"/>
+                </a:solidFill>
+              </a:rPr>
+              <a:t>2</a:t>
+            </a:r>
+            <a:r>
+              <a:rPr lang="ko-KR" altLang="en-US" sz="1400" dirty="0">
+                <a:solidFill>
+                  <a:schemeClr val="tx1"/>
+                </a:solidFill>
+              </a:rPr>
+              <a:t> </a:t>
+            </a:r>
+            <a:r>
+              <a:rPr lang="en-US" altLang="ko-KR" sz="1400" dirty="0">
+                <a:solidFill>
+                  <a:schemeClr val="tx1"/>
+                </a:solidFill>
+              </a:rPr>
+              <a:t>+ </a:t>
+            </a:r>
+            <a:endParaRPr lang="en-US" altLang="ko-KR" sz="1000" dirty="0">
+              <a:solidFill>
+                <a:schemeClr val="tx1"/>
+              </a:solidFill>
+            </a:endParaRPr>
+          </a:p>
+        </p:txBody>
+      </p:sp>
+      <p:cxnSp>
+        <p:nvCxnSpPr>
+          <p:cNvPr id="52" name="직선 연결선 51">
+            <a:extLst>
+              <a:ext uri="{FF2B5EF4-FFF2-40B4-BE49-F238E27FC236}">
+                <a16:creationId xmlns:a16="http://schemas.microsoft.com/office/drawing/2014/main" id="{B725FA5E-2DE3-4A16-ABED-CFFD6B432E2B}"/>
+              </a:ext>
+            </a:extLst>
+          </p:cNvPr>
+          <p:cNvCxnSpPr>
+            <a:stCxn id="48" idx="0"/>
+            <a:endCxn id="50" idx="2"/>
+          </p:cNvCxnSpPr>
+          <p:nvPr/>
+        </p:nvCxnSpPr>
+        <p:spPr>
+          <a:xfrm flipV="1">
+            <a:off x="7747018" y="2005980"/>
+            <a:ext cx="190550" cy="584"/>
+          </a:xfrm>
+          <a:prstGeom prst="line">
+            <a:avLst/>
+          </a:prstGeom>
+        </p:spPr>
+        <p:style>
+          <a:lnRef idx="1">
+            <a:schemeClr val="accent1"/>
+          </a:lnRef>
+          <a:fillRef idx="0">
+            <a:schemeClr val="accent1"/>
+          </a:fillRef>
+          <a:effectRef idx="0">
+            <a:schemeClr val="accent1"/>
+          </a:effectRef>
+          <a:fontRef idx="minor">
+            <a:schemeClr val="tx1"/>
+          </a:fontRef>
+        </p:style>
+      </p:cxnSp>
+      <p:cxnSp>
+        <p:nvCxnSpPr>
+          <p:cNvPr id="53" name="직선 연결선 52">
+            <a:extLst>
+              <a:ext uri="{FF2B5EF4-FFF2-40B4-BE49-F238E27FC236}">
+                <a16:creationId xmlns:a16="http://schemas.microsoft.com/office/drawing/2014/main" id="{2A8FE51E-83DF-4D91-8C38-6392B65475CB}"/>
+              </a:ext>
+            </a:extLst>
+          </p:cNvPr>
+          <p:cNvCxnSpPr>
+            <a:cxnSpLocks/>
+            <a:stCxn id="51" idx="0"/>
+            <a:endCxn id="50" idx="4"/>
+          </p:cNvCxnSpPr>
+          <p:nvPr/>
+        </p:nvCxnSpPr>
+        <p:spPr>
+          <a:xfrm flipV="1">
+            <a:off x="7996459" y="2066008"/>
+            <a:ext cx="1138" cy="839425"/>
+          </a:xfrm>
+          <a:prstGeom prst="line">
+            <a:avLst/>
+          </a:prstGeom>
+        </p:spPr>
+        <p:style>
+          <a:lnRef idx="1">
+            <a:schemeClr val="accent1"/>
+          </a:lnRef>
+          <a:fillRef idx="0">
+            <a:schemeClr val="accent1"/>
+          </a:fillRef>
+          <a:effectRef idx="0">
+            <a:schemeClr val="accent1"/>
+          </a:effectRef>
+          <a:fontRef idx="minor">
+            <a:schemeClr val="tx1"/>
+          </a:fontRef>
+        </p:style>
+      </p:cxnSp>
+      <p:pic>
+        <p:nvPicPr>
+          <p:cNvPr id="54" name="그림 53">
+            <a:extLst>
+              <a:ext uri="{FF2B5EF4-FFF2-40B4-BE49-F238E27FC236}">
+                <a16:creationId xmlns:a16="http://schemas.microsoft.com/office/drawing/2014/main" id="{8388CCE6-5710-4C32-8028-13E774FE8290}"/>
+              </a:ext>
+            </a:extLst>
+          </p:cNvPr>
+          <p:cNvPicPr>
+            <a:picLocks noChangeAspect="1"/>
+          </p:cNvPicPr>
+          <p:nvPr/>
+        </p:nvPicPr>
+        <p:blipFill>
+          <a:blip r:embed="rId5">
+            <a:duotone>
+              <a:prstClr val="black"/>
+              <a:schemeClr val="accent2">
+                <a:tint val="45000"/>
+                <a:satMod val="400000"/>
+              </a:schemeClr>
+            </a:duotone>
+          </a:blip>
+          <a:stretch>
+            <a:fillRect/>
+          </a:stretch>
+        </p:blipFill>
+        <p:spPr>
+          <a:xfrm rot="5400000">
+            <a:off x="7942284" y="1873214"/>
+            <a:ext cx="854964" cy="266700"/>
+          </a:xfrm>
+          <a:prstGeom prst="rect">
+            <a:avLst/>
+          </a:prstGeom>
+          <a:noFill/>
+        </p:spPr>
+      </p:pic>
+      <p:pic>
+        <p:nvPicPr>
+          <p:cNvPr id="55" name="그림 54">
+            <a:extLst>
+              <a:ext uri="{FF2B5EF4-FFF2-40B4-BE49-F238E27FC236}">
+                <a16:creationId xmlns:a16="http://schemas.microsoft.com/office/drawing/2014/main" id="{101C44B9-FA2C-46CA-AEFC-3966C1C6E7AC}"/>
+              </a:ext>
+            </a:extLst>
+          </p:cNvPr>
+          <p:cNvPicPr>
+            <a:picLocks noChangeAspect="1"/>
+          </p:cNvPicPr>
+          <p:nvPr/>
+        </p:nvPicPr>
+        <p:blipFill>
+          <a:blip r:embed="rId5">
+            <a:duotone>
+              <a:prstClr val="black"/>
+              <a:schemeClr val="accent1">
+                <a:tint val="45000"/>
+                <a:satMod val="400000"/>
+              </a:schemeClr>
+            </a:duotone>
+          </a:blip>
+          <a:stretch>
+            <a:fillRect/>
+          </a:stretch>
+        </p:blipFill>
+        <p:spPr>
+          <a:xfrm rot="5400000">
+            <a:off x="7942284" y="2947978"/>
+            <a:ext cx="854964" cy="266700"/>
+          </a:xfrm>
+          <a:prstGeom prst="rect">
+            <a:avLst/>
+          </a:prstGeom>
+          <a:noFill/>
+        </p:spPr>
+      </p:pic>
+      <p:sp>
+        <p:nvSpPr>
+          <p:cNvPr id="57" name="타원 56">
+            <a:extLst>
+              <a:ext uri="{FF2B5EF4-FFF2-40B4-BE49-F238E27FC236}">
+                <a16:creationId xmlns:a16="http://schemas.microsoft.com/office/drawing/2014/main" id="{97DBE357-E31E-4D57-99BF-FB6B1A0A8634}"/>
+              </a:ext>
+            </a:extLst>
+          </p:cNvPr>
+          <p:cNvSpPr/>
+          <p:nvPr/>
+        </p:nvSpPr>
+        <p:spPr>
+          <a:xfrm>
+            <a:off x="8693666" y="1945951"/>
+            <a:ext cx="120057" cy="120057"/>
+          </a:xfrm>
+          <a:prstGeom prst="ellipse">
+            <a:avLst/>
+          </a:prstGeom>
+          <a:solidFill>
+            <a:schemeClr val="tx1"/>
+          </a:solidFill>
+          <a:ln>
+            <a:noFill/>
+          </a:ln>
+        </p:spPr>
+        <p:style>
+          <a:lnRef idx="2">
+            <a:schemeClr val="accent1">
+              <a:shade val="50000"/>
+            </a:schemeClr>
+          </a:lnRef>
+          <a:fillRef idx="1">
+            <a:schemeClr val="accent1"/>
+          </a:fillRef>
+          <a:effectRef idx="0">
+            <a:schemeClr val="accent1"/>
+          </a:effectRef>
+          <a:fontRef idx="minor">
+            <a:schemeClr val="lt1"/>
+          </a:fontRef>
+        </p:style>
+        <p:txBody>
+          <a:bodyPr rtlCol="0" anchor="ctr"/>
+          <a:lstStyle/>
+          <a:p>
+            <a:pPr algn="ctr"/>
+            <a:endParaRPr lang="ko-KR" altLang="en-US"/>
+          </a:p>
+        </p:txBody>
+      </p:sp>
+      <p:sp>
+        <p:nvSpPr>
+          <p:cNvPr id="58" name="직사각형 57">
+            <a:extLst>
+              <a:ext uri="{FF2B5EF4-FFF2-40B4-BE49-F238E27FC236}">
+                <a16:creationId xmlns:a16="http://schemas.microsoft.com/office/drawing/2014/main" id="{7391C3DB-DCE7-4C9A-85C9-E10E492F94DC}"/>
+              </a:ext>
+            </a:extLst>
+          </p:cNvPr>
+          <p:cNvSpPr/>
+          <p:nvPr/>
+        </p:nvSpPr>
+        <p:spPr>
+          <a:xfrm>
+            <a:off x="8372343" y="2905433"/>
+            <a:ext cx="760427" cy="369332"/>
+          </a:xfrm>
+          <a:prstGeom prst="rect">
+            <a:avLst/>
+          </a:prstGeom>
+          <a:noFill/>
+          <a:ln w="28575">
+            <a:noFill/>
+          </a:ln>
+        </p:spPr>
+        <p:style>
+          <a:lnRef idx="2">
+            <a:schemeClr val="accent1">
+              <a:shade val="50000"/>
+            </a:schemeClr>
+          </a:lnRef>
+          <a:fillRef idx="1">
+            <a:schemeClr val="accent1"/>
+          </a:fillRef>
+          <a:effectRef idx="0">
+            <a:schemeClr val="accent1"/>
+          </a:effectRef>
+          <a:fontRef idx="minor">
+            <a:schemeClr val="lt1"/>
+          </a:fontRef>
+        </p:style>
+        <p:txBody>
+          <a:bodyPr rtlCol="0" anchor="ctr"/>
+          <a:lstStyle/>
+          <a:p>
+            <a:pPr algn="ctr"/>
+            <a:r>
+              <a:rPr lang="en-US" altLang="ko-KR" sz="1400" dirty="0">
+                <a:solidFill>
+                  <a:schemeClr val="tx1"/>
+                </a:solidFill>
+              </a:rPr>
+              <a:t>· </a:t>
+            </a:r>
+            <a:r>
+              <a:rPr lang="ko-KR" altLang="en-US" sz="1400" dirty="0">
+                <a:solidFill>
+                  <a:schemeClr val="tx1"/>
+                </a:solidFill>
+              </a:rPr>
+              <a:t>𝛼</a:t>
+            </a:r>
+            <a:r>
+              <a:rPr lang="en-US" altLang="ko-KR" sz="800" dirty="0">
+                <a:solidFill>
+                  <a:schemeClr val="tx1"/>
+                </a:solidFill>
+              </a:rPr>
+              <a:t>3</a:t>
+            </a:r>
+            <a:r>
+              <a:rPr lang="ko-KR" altLang="en-US" sz="1400" dirty="0">
+                <a:solidFill>
+                  <a:schemeClr val="tx1"/>
+                </a:solidFill>
+              </a:rPr>
+              <a:t> </a:t>
+            </a:r>
+            <a:r>
+              <a:rPr lang="en-US" altLang="ko-KR" sz="1400" dirty="0">
+                <a:solidFill>
+                  <a:schemeClr val="tx1"/>
+                </a:solidFill>
+              </a:rPr>
+              <a:t>+ </a:t>
+            </a:r>
+            <a:endParaRPr lang="en-US" altLang="ko-KR" sz="1000" dirty="0">
+              <a:solidFill>
+                <a:schemeClr val="tx1"/>
+              </a:solidFill>
+            </a:endParaRPr>
+          </a:p>
+        </p:txBody>
+      </p:sp>
+      <p:cxnSp>
+        <p:nvCxnSpPr>
+          <p:cNvPr id="59" name="직선 연결선 58">
+            <a:extLst>
+              <a:ext uri="{FF2B5EF4-FFF2-40B4-BE49-F238E27FC236}">
+                <a16:creationId xmlns:a16="http://schemas.microsoft.com/office/drawing/2014/main" id="{990CD169-280E-4A48-BEE3-888D2A065D2B}"/>
+              </a:ext>
+            </a:extLst>
+          </p:cNvPr>
+          <p:cNvCxnSpPr>
+            <a:stCxn id="54" idx="0"/>
+            <a:endCxn id="57" idx="2"/>
+          </p:cNvCxnSpPr>
+          <p:nvPr/>
+        </p:nvCxnSpPr>
+        <p:spPr>
+          <a:xfrm flipV="1">
+            <a:off x="8503116" y="2005980"/>
+            <a:ext cx="190550" cy="584"/>
+          </a:xfrm>
+          <a:prstGeom prst="line">
+            <a:avLst/>
+          </a:prstGeom>
+        </p:spPr>
+        <p:style>
+          <a:lnRef idx="1">
+            <a:schemeClr val="accent1"/>
+          </a:lnRef>
+          <a:fillRef idx="0">
+            <a:schemeClr val="accent1"/>
+          </a:fillRef>
+          <a:effectRef idx="0">
+            <a:schemeClr val="accent1"/>
+          </a:effectRef>
+          <a:fontRef idx="minor">
+            <a:schemeClr val="tx1"/>
+          </a:fontRef>
+        </p:style>
+      </p:cxnSp>
+      <p:cxnSp>
+        <p:nvCxnSpPr>
+          <p:cNvPr id="60" name="직선 연결선 59">
+            <a:extLst>
+              <a:ext uri="{FF2B5EF4-FFF2-40B4-BE49-F238E27FC236}">
+                <a16:creationId xmlns:a16="http://schemas.microsoft.com/office/drawing/2014/main" id="{2CCB0C48-361C-43E0-B19F-BDE2D040210D}"/>
+              </a:ext>
+            </a:extLst>
+          </p:cNvPr>
+          <p:cNvCxnSpPr>
+            <a:cxnSpLocks/>
+            <a:stCxn id="58" idx="0"/>
+            <a:endCxn id="57" idx="4"/>
+          </p:cNvCxnSpPr>
+          <p:nvPr/>
+        </p:nvCxnSpPr>
+        <p:spPr>
+          <a:xfrm flipV="1">
+            <a:off x="8752557" y="2066008"/>
+            <a:ext cx="1138" cy="839425"/>
+          </a:xfrm>
+          <a:prstGeom prst="line">
+            <a:avLst/>
+          </a:prstGeom>
+        </p:spPr>
+        <p:style>
+          <a:lnRef idx="1">
+            <a:schemeClr val="accent1"/>
+          </a:lnRef>
+          <a:fillRef idx="0">
+            <a:schemeClr val="accent1"/>
+          </a:fillRef>
+          <a:effectRef idx="0">
+            <a:schemeClr val="accent1"/>
+          </a:effectRef>
+          <a:fontRef idx="minor">
+            <a:schemeClr val="tx1"/>
+          </a:fontRef>
+        </p:style>
+      </p:cxnSp>
+      <p:pic>
+        <p:nvPicPr>
+          <p:cNvPr id="63" name="그림 62">
+            <a:extLst>
+              <a:ext uri="{FF2B5EF4-FFF2-40B4-BE49-F238E27FC236}">
+                <a16:creationId xmlns:a16="http://schemas.microsoft.com/office/drawing/2014/main" id="{D4D372B3-3F05-4E41-9BDD-4FB8E81CF026}"/>
+              </a:ext>
+            </a:extLst>
+          </p:cNvPr>
+          <p:cNvPicPr>
+            <a:picLocks noChangeAspect="1"/>
+          </p:cNvPicPr>
+          <p:nvPr/>
+        </p:nvPicPr>
+        <p:blipFill>
+          <a:blip r:embed="rId5">
+            <a:duotone>
+              <a:prstClr val="black"/>
+              <a:schemeClr val="accent2">
+                <a:tint val="45000"/>
+                <a:satMod val="400000"/>
+              </a:schemeClr>
+            </a:duotone>
+          </a:blip>
+          <a:stretch>
+            <a:fillRect/>
+          </a:stretch>
+        </p:blipFill>
+        <p:spPr>
+          <a:xfrm rot="5400000">
+            <a:off x="8791124" y="1873214"/>
+            <a:ext cx="854964" cy="266700"/>
+          </a:xfrm>
+          <a:prstGeom prst="rect">
+            <a:avLst/>
+          </a:prstGeom>
+          <a:noFill/>
+        </p:spPr>
+      </p:pic>
+      <p:pic>
+        <p:nvPicPr>
+          <p:cNvPr id="64" name="그림 63">
+            <a:extLst>
+              <a:ext uri="{FF2B5EF4-FFF2-40B4-BE49-F238E27FC236}">
+                <a16:creationId xmlns:a16="http://schemas.microsoft.com/office/drawing/2014/main" id="{8B57474A-05BA-4C49-839D-2E1B2C1C5D4A}"/>
+              </a:ext>
+            </a:extLst>
+          </p:cNvPr>
+          <p:cNvPicPr>
+            <a:picLocks noChangeAspect="1"/>
+          </p:cNvPicPr>
+          <p:nvPr/>
+        </p:nvPicPr>
+        <p:blipFill>
+          <a:blip r:embed="rId5">
+            <a:duotone>
+              <a:prstClr val="black"/>
+              <a:schemeClr val="accent1">
+                <a:tint val="45000"/>
+                <a:satMod val="400000"/>
+              </a:schemeClr>
+            </a:duotone>
+          </a:blip>
+          <a:stretch>
+            <a:fillRect/>
+          </a:stretch>
+        </p:blipFill>
+        <p:spPr>
+          <a:xfrm rot="5400000">
+            <a:off x="8791124" y="2947978"/>
+            <a:ext cx="854964" cy="266700"/>
+          </a:xfrm>
+          <a:prstGeom prst="rect">
+            <a:avLst/>
+          </a:prstGeom>
+          <a:noFill/>
+        </p:spPr>
+      </p:pic>
+      <p:sp>
+        <p:nvSpPr>
+          <p:cNvPr id="66" name="타원 65">
+            <a:extLst>
+              <a:ext uri="{FF2B5EF4-FFF2-40B4-BE49-F238E27FC236}">
+                <a16:creationId xmlns:a16="http://schemas.microsoft.com/office/drawing/2014/main" id="{BC361882-BE43-4CA9-B478-2D2E17AED8CF}"/>
+              </a:ext>
+            </a:extLst>
+          </p:cNvPr>
+          <p:cNvSpPr/>
+          <p:nvPr/>
+        </p:nvSpPr>
+        <p:spPr>
+          <a:xfrm>
+            <a:off x="9542506" y="1945951"/>
+            <a:ext cx="120057" cy="120057"/>
+          </a:xfrm>
+          <a:prstGeom prst="ellipse">
+            <a:avLst/>
+          </a:prstGeom>
+          <a:solidFill>
+            <a:schemeClr val="tx1"/>
+          </a:solidFill>
+          <a:ln>
+            <a:noFill/>
+          </a:ln>
+        </p:spPr>
+        <p:style>
+          <a:lnRef idx="2">
+            <a:schemeClr val="accent1">
+              <a:shade val="50000"/>
+            </a:schemeClr>
+          </a:lnRef>
+          <a:fillRef idx="1">
+            <a:schemeClr val="accent1"/>
+          </a:fillRef>
+          <a:effectRef idx="0">
+            <a:schemeClr val="accent1"/>
+          </a:effectRef>
+          <a:fontRef idx="minor">
+            <a:schemeClr val="lt1"/>
+          </a:fontRef>
+        </p:style>
+        <p:txBody>
+          <a:bodyPr rtlCol="0" anchor="ctr"/>
+          <a:lstStyle/>
+          <a:p>
+            <a:pPr algn="ctr"/>
+            <a:endParaRPr lang="ko-KR" altLang="en-US"/>
+          </a:p>
+        </p:txBody>
+      </p:sp>
+      <p:sp>
+        <p:nvSpPr>
+          <p:cNvPr id="67" name="직사각형 66">
+            <a:extLst>
+              <a:ext uri="{FF2B5EF4-FFF2-40B4-BE49-F238E27FC236}">
+                <a16:creationId xmlns:a16="http://schemas.microsoft.com/office/drawing/2014/main" id="{DB9F27B5-6B8A-47BA-B651-4CF995C9140F}"/>
+              </a:ext>
+            </a:extLst>
+          </p:cNvPr>
+          <p:cNvSpPr/>
+          <p:nvPr/>
+        </p:nvSpPr>
+        <p:spPr>
+          <a:xfrm>
+            <a:off x="9221183" y="2905433"/>
+            <a:ext cx="760427" cy="369332"/>
+          </a:xfrm>
+          <a:prstGeom prst="rect">
+            <a:avLst/>
+          </a:prstGeom>
+          <a:noFill/>
+          <a:ln w="28575">
+            <a:noFill/>
+          </a:ln>
+        </p:spPr>
+        <p:style>
+          <a:lnRef idx="2">
+            <a:schemeClr val="accent1">
+              <a:shade val="50000"/>
+            </a:schemeClr>
+          </a:lnRef>
+          <a:fillRef idx="1">
+            <a:schemeClr val="accent1"/>
+          </a:fillRef>
+          <a:effectRef idx="0">
+            <a:schemeClr val="accent1"/>
+          </a:effectRef>
+          <a:fontRef idx="minor">
+            <a:schemeClr val="lt1"/>
+          </a:fontRef>
+        </p:style>
+        <p:txBody>
+          <a:bodyPr rtlCol="0" anchor="ctr"/>
+          <a:lstStyle/>
+          <a:p>
+            <a:pPr algn="ctr"/>
+            <a:r>
+              <a:rPr lang="en-US" altLang="ko-KR" sz="1400" dirty="0">
+                <a:solidFill>
+                  <a:schemeClr val="tx1"/>
+                </a:solidFill>
+              </a:rPr>
+              <a:t>· </a:t>
+            </a:r>
+            <a:r>
+              <a:rPr lang="ko-KR" altLang="en-US" sz="1400" dirty="0">
+                <a:solidFill>
+                  <a:schemeClr val="tx1"/>
+                </a:solidFill>
+              </a:rPr>
+              <a:t>𝛼</a:t>
+            </a:r>
+            <a:r>
+              <a:rPr lang="en-US" altLang="ko-KR" sz="800" dirty="0">
+                <a:solidFill>
+                  <a:schemeClr val="tx1"/>
+                </a:solidFill>
+              </a:rPr>
+              <a:t>4</a:t>
+            </a:r>
+            <a:r>
+              <a:rPr lang="ko-KR" altLang="en-US" sz="1400" dirty="0">
+                <a:solidFill>
+                  <a:schemeClr val="tx1"/>
+                </a:solidFill>
+              </a:rPr>
+              <a:t> </a:t>
+            </a:r>
+            <a:r>
+              <a:rPr lang="en-US" altLang="ko-KR" sz="1400" dirty="0">
+                <a:solidFill>
+                  <a:schemeClr val="tx1"/>
+                </a:solidFill>
+              </a:rPr>
+              <a:t>= </a:t>
+            </a:r>
+            <a:endParaRPr lang="en-US" altLang="ko-KR" sz="1000" dirty="0">
+              <a:solidFill>
+                <a:schemeClr val="tx1"/>
+              </a:solidFill>
+            </a:endParaRPr>
+          </a:p>
+        </p:txBody>
+      </p:sp>
+      <p:cxnSp>
+        <p:nvCxnSpPr>
+          <p:cNvPr id="68" name="직선 연결선 67">
+            <a:extLst>
+              <a:ext uri="{FF2B5EF4-FFF2-40B4-BE49-F238E27FC236}">
+                <a16:creationId xmlns:a16="http://schemas.microsoft.com/office/drawing/2014/main" id="{3D1E6D0E-12DA-4154-9830-C0565760DFF9}"/>
+              </a:ext>
+            </a:extLst>
+          </p:cNvPr>
+          <p:cNvCxnSpPr>
+            <a:stCxn id="63" idx="0"/>
+            <a:endCxn id="66" idx="2"/>
+          </p:cNvCxnSpPr>
+          <p:nvPr/>
+        </p:nvCxnSpPr>
+        <p:spPr>
+          <a:xfrm flipV="1">
+            <a:off x="9351956" y="2005980"/>
+            <a:ext cx="190550" cy="584"/>
+          </a:xfrm>
+          <a:prstGeom prst="line">
+            <a:avLst/>
+          </a:prstGeom>
+        </p:spPr>
+        <p:style>
+          <a:lnRef idx="1">
+            <a:schemeClr val="accent1"/>
+          </a:lnRef>
+          <a:fillRef idx="0">
+            <a:schemeClr val="accent1"/>
+          </a:fillRef>
+          <a:effectRef idx="0">
+            <a:schemeClr val="accent1"/>
+          </a:effectRef>
+          <a:fontRef idx="minor">
+            <a:schemeClr val="tx1"/>
+          </a:fontRef>
+        </p:style>
+      </p:cxnSp>
+      <p:cxnSp>
+        <p:nvCxnSpPr>
+          <p:cNvPr id="70" name="직선 연결선 69">
+            <a:extLst>
+              <a:ext uri="{FF2B5EF4-FFF2-40B4-BE49-F238E27FC236}">
+                <a16:creationId xmlns:a16="http://schemas.microsoft.com/office/drawing/2014/main" id="{B3F3E2EB-8E9B-464B-8593-06FAD014F7B4}"/>
+              </a:ext>
+            </a:extLst>
+          </p:cNvPr>
+          <p:cNvCxnSpPr>
+            <a:cxnSpLocks/>
+            <a:stCxn id="67" idx="0"/>
+            <a:endCxn id="66" idx="4"/>
+          </p:cNvCxnSpPr>
+          <p:nvPr/>
+        </p:nvCxnSpPr>
+        <p:spPr>
+          <a:xfrm flipV="1">
+            <a:off x="9601397" y="2066008"/>
+            <a:ext cx="1138" cy="839425"/>
+          </a:xfrm>
+          <a:prstGeom prst="line">
+            <a:avLst/>
+          </a:prstGeom>
+        </p:spPr>
+        <p:style>
+          <a:lnRef idx="1">
+            <a:schemeClr val="accent1"/>
+          </a:lnRef>
+          <a:fillRef idx="0">
+            <a:schemeClr val="accent1"/>
+          </a:fillRef>
+          <a:effectRef idx="0">
+            <a:schemeClr val="accent1"/>
+          </a:effectRef>
+          <a:fontRef idx="minor">
+            <a:schemeClr val="tx1"/>
+          </a:fontRef>
+        </p:style>
+      </p:cxnSp>
+      <p:graphicFrame>
+        <p:nvGraphicFramePr>
+          <p:cNvPr id="71" name="표 70">
+            <a:extLst>
+              <a:ext uri="{FF2B5EF4-FFF2-40B4-BE49-F238E27FC236}">
+                <a16:creationId xmlns:a16="http://schemas.microsoft.com/office/drawing/2014/main" id="{64CC4E8F-63A7-464F-9B7B-75071C04546A}"/>
+              </a:ext>
+            </a:extLst>
+          </p:cNvPr>
+          <p:cNvGraphicFramePr>
+            <a:graphicFrameLocks noGrp="1"/>
+          </p:cNvGraphicFramePr>
+          <p:nvPr>
+            <p:extLst>
+              <p:ext uri="{D42A27DB-BD31-4B8C-83A1-F6EECF244321}">
+                <p14:modId xmlns:p14="http://schemas.microsoft.com/office/powerpoint/2010/main" val="685279728"/>
+              </p:ext>
+            </p:extLst>
+          </p:nvPr>
+        </p:nvGraphicFramePr>
+        <p:xfrm>
+          <a:off x="6621410" y="3718102"/>
+          <a:ext cx="2730544" cy="243840"/>
+        </p:xfrm>
+        <a:graphic>
+          <a:graphicData uri="http://schemas.openxmlformats.org/drawingml/2006/table">
+            <a:tbl>
+              <a:tblPr firstRow="1" bandRow="1">
+                <a:tableStyleId>{5940675A-B579-460E-94D1-54222C63F5DA}</a:tableStyleId>
+              </a:tblPr>
+              <a:tblGrid>
+                <a:gridCol w="682636">
+                  <a:extLst>
+                    <a:ext uri="{9D8B030D-6E8A-4147-A177-3AD203B41FA5}">
+                      <a16:colId xmlns:a16="http://schemas.microsoft.com/office/drawing/2014/main" val="2187342301"/>
+                    </a:ext>
+                  </a:extLst>
+                </a:gridCol>
+                <a:gridCol w="682636">
+                  <a:extLst>
+                    <a:ext uri="{9D8B030D-6E8A-4147-A177-3AD203B41FA5}">
+                      <a16:colId xmlns:a16="http://schemas.microsoft.com/office/drawing/2014/main" val="262566599"/>
+                    </a:ext>
+                  </a:extLst>
+                </a:gridCol>
+                <a:gridCol w="682636">
+                  <a:extLst>
+                    <a:ext uri="{9D8B030D-6E8A-4147-A177-3AD203B41FA5}">
+                      <a16:colId xmlns:a16="http://schemas.microsoft.com/office/drawing/2014/main" val="664921276"/>
+                    </a:ext>
+                  </a:extLst>
+                </a:gridCol>
+                <a:gridCol w="682636">
+                  <a:extLst>
+                    <a:ext uri="{9D8B030D-6E8A-4147-A177-3AD203B41FA5}">
+                      <a16:colId xmlns:a16="http://schemas.microsoft.com/office/drawing/2014/main" val="3291570202"/>
+                    </a:ext>
+                  </a:extLst>
+                </a:gridCol>
+              </a:tblGrid>
+              <a:tr h="0">
+                <a:tc>
+                  <a:txBody>
+                    <a:bodyPr/>
+                    <a:lstStyle/>
+                    <a:p>
+                      <a:pPr algn="ctr" latinLnBrk="1"/>
+                      <a:r>
+                        <a:rPr lang="en-US" altLang="ko-KR" sz="1000" dirty="0"/>
+                        <a:t>I</a:t>
+                      </a:r>
+                      <a:endParaRPr lang="ko-KR" altLang="en-US" sz="1000" dirty="0"/>
+                    </a:p>
+                  </a:txBody>
+                  <a:tcPr>
+                    <a:solidFill>
+                      <a:schemeClr val="accent6">
+                        <a:lumMod val="20000"/>
+                        <a:lumOff val="80000"/>
+                      </a:schemeClr>
+                    </a:solidFill>
+                  </a:tcPr>
+                </a:tc>
+                <a:tc>
+                  <a:txBody>
+                    <a:bodyPr/>
+                    <a:lstStyle/>
+                    <a:p>
+                      <a:pPr algn="ctr" latinLnBrk="1"/>
+                      <a:r>
+                        <a:rPr lang="en-US" altLang="ko-KR" sz="1000" dirty="0"/>
+                        <a:t>like</a:t>
+                      </a:r>
+                      <a:endParaRPr lang="ko-KR" altLang="en-US" sz="1000" dirty="0"/>
+                    </a:p>
+                  </a:txBody>
+                  <a:tcPr>
+                    <a:solidFill>
+                      <a:schemeClr val="accent6">
+                        <a:lumMod val="20000"/>
+                        <a:lumOff val="80000"/>
+                      </a:schemeClr>
+                    </a:solidFill>
+                  </a:tcPr>
+                </a:tc>
+                <a:tc>
+                  <a:txBody>
+                    <a:bodyPr/>
+                    <a:lstStyle/>
+                    <a:p>
+                      <a:pPr algn="ctr" latinLnBrk="1"/>
+                      <a:r>
+                        <a:rPr lang="en-US" altLang="ko-KR" sz="1000" dirty="0"/>
+                        <a:t>my</a:t>
+                      </a:r>
+                      <a:endParaRPr lang="ko-KR" altLang="en-US" sz="1000" dirty="0"/>
+                    </a:p>
+                  </a:txBody>
+                  <a:tcPr>
+                    <a:solidFill>
+                      <a:schemeClr val="accent6">
+                        <a:lumMod val="20000"/>
+                        <a:lumOff val="80000"/>
+                      </a:schemeClr>
+                    </a:solidFill>
+                  </a:tcPr>
+                </a:tc>
+                <a:tc>
+                  <a:txBody>
+                    <a:bodyPr/>
+                    <a:lstStyle/>
+                    <a:p>
+                      <a:pPr algn="ctr" latinLnBrk="1"/>
+                      <a:r>
+                        <a:rPr lang="en-US" altLang="ko-KR" sz="1000" dirty="0"/>
+                        <a:t>cats</a:t>
+                      </a:r>
+                      <a:endParaRPr lang="ko-KR" altLang="en-US" sz="1000" dirty="0"/>
+                    </a:p>
+                  </a:txBody>
+                  <a:tcPr>
+                    <a:solidFill>
+                      <a:schemeClr val="accent6">
+                        <a:lumMod val="20000"/>
+                        <a:lumOff val="80000"/>
+                      </a:schemeClr>
+                    </a:solidFill>
+                  </a:tcPr>
+                </a:tc>
+                <a:extLst>
+                  <a:ext uri="{0D108BD9-81ED-4DB2-BD59-A6C34878D82A}">
+                    <a16:rowId xmlns:a16="http://schemas.microsoft.com/office/drawing/2014/main" val="920815824"/>
+                  </a:ext>
+                </a:extLst>
+              </a:tr>
+            </a:tbl>
+          </a:graphicData>
+        </a:graphic>
+      </p:graphicFrame>
+      <p:pic>
+        <p:nvPicPr>
+          <p:cNvPr id="72" name="그림 71">
+            <a:extLst>
+              <a:ext uri="{FF2B5EF4-FFF2-40B4-BE49-F238E27FC236}">
+                <a16:creationId xmlns:a16="http://schemas.microsoft.com/office/drawing/2014/main" id="{A71FE17D-43E0-4A94-9886-80000F01CC22}"/>
+              </a:ext>
+            </a:extLst>
+          </p:cNvPr>
+          <p:cNvPicPr>
+            <a:picLocks noChangeAspect="1"/>
+          </p:cNvPicPr>
+          <p:nvPr/>
+        </p:nvPicPr>
+        <p:blipFill>
+          <a:blip r:embed="rId5">
+            <a:duotone>
+              <a:prstClr val="black"/>
+              <a:schemeClr val="accent1">
+                <a:tint val="45000"/>
+                <a:satMod val="400000"/>
+              </a:schemeClr>
+            </a:duotone>
+          </a:blip>
+          <a:stretch>
+            <a:fillRect/>
+          </a:stretch>
+        </p:blipFill>
+        <p:spPr>
+          <a:xfrm rot="5400000">
+            <a:off x="9610315" y="2947978"/>
+            <a:ext cx="854964" cy="266700"/>
+          </a:xfrm>
+          <a:prstGeom prst="rect">
+            <a:avLst/>
+          </a:prstGeom>
+          <a:noFill/>
+        </p:spPr>
+      </p:pic>
+      <p:sp>
+        <p:nvSpPr>
+          <p:cNvPr id="73" name="직사각형 72">
+            <a:extLst>
+              <a:ext uri="{FF2B5EF4-FFF2-40B4-BE49-F238E27FC236}">
+                <a16:creationId xmlns:a16="http://schemas.microsoft.com/office/drawing/2014/main" id="{4956E2FB-5A0A-4D02-81A4-FFB3D4A41E00}"/>
+              </a:ext>
+            </a:extLst>
+          </p:cNvPr>
+          <p:cNvSpPr/>
+          <p:nvPr/>
+        </p:nvSpPr>
+        <p:spPr>
+          <a:xfrm>
+            <a:off x="10092845" y="2913690"/>
+            <a:ext cx="760427" cy="369332"/>
+          </a:xfrm>
+          <a:prstGeom prst="rect">
+            <a:avLst/>
+          </a:prstGeom>
+          <a:noFill/>
+          <a:ln w="28575">
+            <a:noFill/>
+          </a:ln>
+        </p:spPr>
+        <p:style>
+          <a:lnRef idx="2">
+            <a:schemeClr val="accent1">
+              <a:shade val="50000"/>
+            </a:schemeClr>
+          </a:lnRef>
+          <a:fillRef idx="1">
+            <a:schemeClr val="accent1"/>
+          </a:fillRef>
+          <a:effectRef idx="0">
+            <a:schemeClr val="accent1"/>
+          </a:effectRef>
+          <a:fontRef idx="minor">
+            <a:schemeClr val="lt1"/>
+          </a:fontRef>
+        </p:style>
+        <p:txBody>
+          <a:bodyPr rtlCol="0" anchor="ctr"/>
+          <a:lstStyle/>
+          <a:p>
+            <a:pPr algn="ctr"/>
+            <a:r>
+              <a:rPr lang="en-US" altLang="ko-KR" sz="1100" dirty="0">
+                <a:solidFill>
+                  <a:schemeClr val="tx1"/>
+                </a:solidFill>
+              </a:rPr>
+              <a:t>Output</a:t>
+            </a:r>
+          </a:p>
+          <a:p>
+            <a:pPr algn="ctr"/>
+            <a:r>
+              <a:rPr lang="en-US" altLang="ko-KR" sz="1100" dirty="0">
+                <a:solidFill>
+                  <a:schemeClr val="tx1"/>
+                </a:solidFill>
+              </a:rPr>
+              <a:t>features</a:t>
+            </a:r>
+          </a:p>
+        </p:txBody>
+      </p:sp>
+      <p:sp>
+        <p:nvSpPr>
+          <p:cNvPr id="12" name="자유형: 도형 11">
+            <a:extLst>
+              <a:ext uri="{FF2B5EF4-FFF2-40B4-BE49-F238E27FC236}">
+                <a16:creationId xmlns:a16="http://schemas.microsoft.com/office/drawing/2014/main" id="{78C8C4A1-FEAA-4B39-ADD5-5121042F1820}"/>
+              </a:ext>
+            </a:extLst>
+          </p:cNvPr>
+          <p:cNvSpPr/>
+          <p:nvPr/>
+        </p:nvSpPr>
+        <p:spPr>
+          <a:xfrm>
+            <a:off x="6802120" y="1209040"/>
+            <a:ext cx="1071880" cy="345440"/>
+          </a:xfrm>
+          <a:custGeom>
+            <a:avLst/>
+            <a:gdLst>
+              <a:gd name="connsiteX0" fmla="*/ 1071880 w 1071880"/>
+              <a:gd name="connsiteY0" fmla="*/ 0 h 345440"/>
+              <a:gd name="connsiteX1" fmla="*/ 640080 w 1071880"/>
+              <a:gd name="connsiteY1" fmla="*/ 111760 h 345440"/>
+              <a:gd name="connsiteX2" fmla="*/ 0 w 1071880"/>
+              <a:gd name="connsiteY2" fmla="*/ 345440 h 345440"/>
+            </a:gdLst>
+            <a:ahLst/>
+            <a:cxnLst>
+              <a:cxn ang="0">
+                <a:pos x="connsiteX0" y="connsiteY0"/>
+              </a:cxn>
+              <a:cxn ang="0">
+                <a:pos x="connsiteX1" y="connsiteY1"/>
+              </a:cxn>
+              <a:cxn ang="0">
+                <a:pos x="connsiteX2" y="connsiteY2"/>
+              </a:cxn>
+            </a:cxnLst>
+            <a:rect l="l" t="t" r="r" b="b"/>
+            <a:pathLst>
+              <a:path w="1071880" h="345440">
+                <a:moveTo>
+                  <a:pt x="1071880" y="0"/>
+                </a:moveTo>
+                <a:cubicBezTo>
+                  <a:pt x="945303" y="27093"/>
+                  <a:pt x="818726" y="54187"/>
+                  <a:pt x="640080" y="111760"/>
+                </a:cubicBezTo>
+                <a:cubicBezTo>
+                  <a:pt x="461434" y="169333"/>
+                  <a:pt x="230717" y="257386"/>
+                  <a:pt x="0" y="345440"/>
+                </a:cubicBezTo>
+              </a:path>
+            </a:pathLst>
+          </a:custGeom>
+          <a:noFill/>
+          <a:ln>
+            <a:headEnd type="none" w="med" len="med"/>
+            <a:tailEnd type="triangle" w="med" len="med"/>
+          </a:ln>
+        </p:spPr>
+        <p:style>
+          <a:lnRef idx="2">
+            <a:schemeClr val="accent1">
+              <a:shade val="50000"/>
+            </a:schemeClr>
+          </a:lnRef>
+          <a:fillRef idx="1">
+            <a:schemeClr val="accent1"/>
+          </a:fillRef>
+          <a:effectRef idx="0">
+            <a:schemeClr val="accent1"/>
+          </a:effectRef>
+          <a:fontRef idx="minor">
+            <a:schemeClr val="lt1"/>
+          </a:fontRef>
+        </p:style>
+        <p:txBody>
+          <a:bodyPr rtlCol="0" anchor="ctr"/>
+          <a:lstStyle/>
+          <a:p>
+            <a:pPr algn="ctr"/>
+            <a:endParaRPr lang="ko-KR" altLang="en-US"/>
+          </a:p>
+        </p:txBody>
+      </p:sp>
+      <p:sp>
+        <p:nvSpPr>
+          <p:cNvPr id="74" name="자유형: 도형 73">
+            <a:extLst>
+              <a:ext uri="{FF2B5EF4-FFF2-40B4-BE49-F238E27FC236}">
+                <a16:creationId xmlns:a16="http://schemas.microsoft.com/office/drawing/2014/main" id="{E53E90B3-9702-4625-A3EC-C94D5C0ECA73}"/>
+              </a:ext>
+            </a:extLst>
+          </p:cNvPr>
+          <p:cNvSpPr/>
+          <p:nvPr/>
+        </p:nvSpPr>
+        <p:spPr>
+          <a:xfrm>
+            <a:off x="7581379" y="1216273"/>
+            <a:ext cx="372077" cy="345440"/>
+          </a:xfrm>
+          <a:custGeom>
+            <a:avLst/>
+            <a:gdLst>
+              <a:gd name="connsiteX0" fmla="*/ 1071880 w 1071880"/>
+              <a:gd name="connsiteY0" fmla="*/ 0 h 345440"/>
+              <a:gd name="connsiteX1" fmla="*/ 640080 w 1071880"/>
+              <a:gd name="connsiteY1" fmla="*/ 111760 h 345440"/>
+              <a:gd name="connsiteX2" fmla="*/ 0 w 1071880"/>
+              <a:gd name="connsiteY2" fmla="*/ 345440 h 345440"/>
+            </a:gdLst>
+            <a:ahLst/>
+            <a:cxnLst>
+              <a:cxn ang="0">
+                <a:pos x="connsiteX0" y="connsiteY0"/>
+              </a:cxn>
+              <a:cxn ang="0">
+                <a:pos x="connsiteX1" y="connsiteY1"/>
+              </a:cxn>
+              <a:cxn ang="0">
+                <a:pos x="connsiteX2" y="connsiteY2"/>
+              </a:cxn>
+            </a:cxnLst>
+            <a:rect l="l" t="t" r="r" b="b"/>
+            <a:pathLst>
+              <a:path w="1071880" h="345440">
+                <a:moveTo>
+                  <a:pt x="1071880" y="0"/>
+                </a:moveTo>
+                <a:cubicBezTo>
+                  <a:pt x="945303" y="27093"/>
+                  <a:pt x="818726" y="54187"/>
+                  <a:pt x="640080" y="111760"/>
+                </a:cubicBezTo>
+                <a:cubicBezTo>
+                  <a:pt x="461434" y="169333"/>
+                  <a:pt x="230717" y="257386"/>
+                  <a:pt x="0" y="345440"/>
+                </a:cubicBezTo>
+              </a:path>
+            </a:pathLst>
+          </a:custGeom>
+          <a:noFill/>
+          <a:ln>
+            <a:headEnd type="none" w="med" len="med"/>
+            <a:tailEnd type="triangle" w="med" len="med"/>
+          </a:ln>
+        </p:spPr>
+        <p:style>
+          <a:lnRef idx="2">
+            <a:schemeClr val="accent1">
+              <a:shade val="50000"/>
+            </a:schemeClr>
+          </a:lnRef>
+          <a:fillRef idx="1">
+            <a:schemeClr val="accent1"/>
+          </a:fillRef>
+          <a:effectRef idx="0">
+            <a:schemeClr val="accent1"/>
+          </a:effectRef>
+          <a:fontRef idx="minor">
+            <a:schemeClr val="lt1"/>
+          </a:fontRef>
+        </p:style>
+        <p:txBody>
+          <a:bodyPr rtlCol="0" anchor="ctr"/>
+          <a:lstStyle/>
+          <a:p>
+            <a:pPr algn="ctr"/>
+            <a:endParaRPr lang="ko-KR" altLang="en-US"/>
+          </a:p>
+        </p:txBody>
+      </p:sp>
+      <p:sp>
+        <p:nvSpPr>
+          <p:cNvPr id="75" name="자유형: 도형 74">
+            <a:extLst>
+              <a:ext uri="{FF2B5EF4-FFF2-40B4-BE49-F238E27FC236}">
+                <a16:creationId xmlns:a16="http://schemas.microsoft.com/office/drawing/2014/main" id="{9D587DC5-B09E-4BA0-B21B-AD7C3E2EA500}"/>
+              </a:ext>
+            </a:extLst>
+          </p:cNvPr>
+          <p:cNvSpPr/>
+          <p:nvPr/>
+        </p:nvSpPr>
+        <p:spPr>
+          <a:xfrm flipH="1">
+            <a:off x="8012950" y="1220419"/>
+            <a:ext cx="372077" cy="345440"/>
+          </a:xfrm>
+          <a:custGeom>
+            <a:avLst/>
+            <a:gdLst>
+              <a:gd name="connsiteX0" fmla="*/ 1071880 w 1071880"/>
+              <a:gd name="connsiteY0" fmla="*/ 0 h 345440"/>
+              <a:gd name="connsiteX1" fmla="*/ 640080 w 1071880"/>
+              <a:gd name="connsiteY1" fmla="*/ 111760 h 345440"/>
+              <a:gd name="connsiteX2" fmla="*/ 0 w 1071880"/>
+              <a:gd name="connsiteY2" fmla="*/ 345440 h 345440"/>
+            </a:gdLst>
+            <a:ahLst/>
+            <a:cxnLst>
+              <a:cxn ang="0">
+                <a:pos x="connsiteX0" y="connsiteY0"/>
+              </a:cxn>
+              <a:cxn ang="0">
+                <a:pos x="connsiteX1" y="connsiteY1"/>
+              </a:cxn>
+              <a:cxn ang="0">
+                <a:pos x="connsiteX2" y="connsiteY2"/>
+              </a:cxn>
+            </a:cxnLst>
+            <a:rect l="l" t="t" r="r" b="b"/>
+            <a:pathLst>
+              <a:path w="1071880" h="345440">
+                <a:moveTo>
+                  <a:pt x="1071880" y="0"/>
+                </a:moveTo>
+                <a:cubicBezTo>
+                  <a:pt x="945303" y="27093"/>
+                  <a:pt x="818726" y="54187"/>
+                  <a:pt x="640080" y="111760"/>
+                </a:cubicBezTo>
+                <a:cubicBezTo>
+                  <a:pt x="461434" y="169333"/>
+                  <a:pt x="230717" y="257386"/>
+                  <a:pt x="0" y="345440"/>
+                </a:cubicBezTo>
+              </a:path>
+            </a:pathLst>
+          </a:custGeom>
+          <a:noFill/>
+          <a:ln>
+            <a:headEnd type="none" w="med" len="med"/>
+            <a:tailEnd type="triangle" w="med" len="med"/>
+          </a:ln>
+        </p:spPr>
+        <p:style>
+          <a:lnRef idx="2">
+            <a:schemeClr val="accent1">
+              <a:shade val="50000"/>
+            </a:schemeClr>
+          </a:lnRef>
+          <a:fillRef idx="1">
+            <a:schemeClr val="accent1"/>
+          </a:fillRef>
+          <a:effectRef idx="0">
+            <a:schemeClr val="accent1"/>
+          </a:effectRef>
+          <a:fontRef idx="minor">
+            <a:schemeClr val="lt1"/>
+          </a:fontRef>
+        </p:style>
+        <p:txBody>
+          <a:bodyPr rtlCol="0" anchor="ctr"/>
+          <a:lstStyle/>
+          <a:p>
+            <a:pPr algn="ctr"/>
+            <a:endParaRPr lang="ko-KR" altLang="en-US"/>
+          </a:p>
+        </p:txBody>
+      </p:sp>
+      <p:sp>
+        <p:nvSpPr>
+          <p:cNvPr id="77" name="자유형: 도형 76">
+            <a:extLst>
+              <a:ext uri="{FF2B5EF4-FFF2-40B4-BE49-F238E27FC236}">
+                <a16:creationId xmlns:a16="http://schemas.microsoft.com/office/drawing/2014/main" id="{175BE806-2DDD-41B9-8629-F0277090EF3B}"/>
+              </a:ext>
+            </a:extLst>
+          </p:cNvPr>
+          <p:cNvSpPr/>
+          <p:nvPr/>
+        </p:nvSpPr>
+        <p:spPr>
+          <a:xfrm flipH="1">
+            <a:off x="8103417" y="1220284"/>
+            <a:ext cx="1029352" cy="345440"/>
+          </a:xfrm>
+          <a:custGeom>
+            <a:avLst/>
+            <a:gdLst>
+              <a:gd name="connsiteX0" fmla="*/ 1071880 w 1071880"/>
+              <a:gd name="connsiteY0" fmla="*/ 0 h 345440"/>
+              <a:gd name="connsiteX1" fmla="*/ 640080 w 1071880"/>
+              <a:gd name="connsiteY1" fmla="*/ 111760 h 345440"/>
+              <a:gd name="connsiteX2" fmla="*/ 0 w 1071880"/>
+              <a:gd name="connsiteY2" fmla="*/ 345440 h 345440"/>
+            </a:gdLst>
+            <a:ahLst/>
+            <a:cxnLst>
+              <a:cxn ang="0">
+                <a:pos x="connsiteX0" y="connsiteY0"/>
+              </a:cxn>
+              <a:cxn ang="0">
+                <a:pos x="connsiteX1" y="connsiteY1"/>
+              </a:cxn>
+              <a:cxn ang="0">
+                <a:pos x="connsiteX2" y="connsiteY2"/>
+              </a:cxn>
+            </a:cxnLst>
+            <a:rect l="l" t="t" r="r" b="b"/>
+            <a:pathLst>
+              <a:path w="1071880" h="345440">
+                <a:moveTo>
+                  <a:pt x="1071880" y="0"/>
+                </a:moveTo>
+                <a:cubicBezTo>
+                  <a:pt x="945303" y="27093"/>
+                  <a:pt x="818726" y="54187"/>
+                  <a:pt x="640080" y="111760"/>
+                </a:cubicBezTo>
+                <a:cubicBezTo>
+                  <a:pt x="461434" y="169333"/>
+                  <a:pt x="230717" y="257386"/>
+                  <a:pt x="0" y="345440"/>
+                </a:cubicBezTo>
+              </a:path>
+            </a:pathLst>
+          </a:custGeom>
+          <a:noFill/>
+          <a:ln>
+            <a:headEnd type="none" w="med" len="med"/>
+            <a:tailEnd type="triangle" w="med" len="med"/>
+          </a:ln>
+        </p:spPr>
+        <p:style>
+          <a:lnRef idx="2">
+            <a:schemeClr val="accent1">
+              <a:shade val="50000"/>
+            </a:schemeClr>
+          </a:lnRef>
+          <a:fillRef idx="1">
+            <a:schemeClr val="accent1"/>
+          </a:fillRef>
+          <a:effectRef idx="0">
+            <a:schemeClr val="accent1"/>
+          </a:effectRef>
+          <a:fontRef idx="minor">
+            <a:schemeClr val="lt1"/>
+          </a:fontRef>
+        </p:style>
+        <p:txBody>
+          <a:bodyPr rtlCol="0" anchor="ctr"/>
+          <a:lstStyle/>
+          <a:p>
+            <a:pPr algn="ctr"/>
+            <a:endParaRPr lang="ko-KR" altLang="en-US"/>
+          </a:p>
+        </p:txBody>
+      </p:sp>
     </p:spTree>
     <p:extLst>
       <p:ext uri="{BB962C8B-B14F-4D97-AF65-F5344CB8AC3E}">

--- a/transformer.pptx
+++ b/transformer.pptx
@@ -6,9 +6,10 @@
   </p:sldMasterIdLst>
   <p:sldIdLst>
     <p:sldId id="256" r:id="rId2"/>
-    <p:sldId id="257" r:id="rId3"/>
-    <p:sldId id="258" r:id="rId4"/>
-    <p:sldId id="259" r:id="rId5"/>
+    <p:sldId id="260" r:id="rId3"/>
+    <p:sldId id="257" r:id="rId4"/>
+    <p:sldId id="258" r:id="rId5"/>
+    <p:sldId id="259" r:id="rId6"/>
   </p:sldIdLst>
   <p:sldSz cx="12192000" cy="6858000"/>
   <p:notesSz cx="6858000" cy="9144000"/>
@@ -262,7 +263,7 @@
           <a:p>
             <a:fld id="{E19CAE20-F864-45C5-B346-201FD752AB15}" type="datetimeFigureOut">
               <a:rPr lang="ko-KR" altLang="en-US" smtClean="0"/>
-              <a:t>2024-02-03</a:t>
+              <a:t>2024-02-04</a:t>
             </a:fld>
             <a:endParaRPr lang="ko-KR" altLang="en-US"/>
           </a:p>
@@ -460,7 +461,7 @@
           <a:p>
             <a:fld id="{E19CAE20-F864-45C5-B346-201FD752AB15}" type="datetimeFigureOut">
               <a:rPr lang="ko-KR" altLang="en-US" smtClean="0"/>
-              <a:t>2024-02-03</a:t>
+              <a:t>2024-02-04</a:t>
             </a:fld>
             <a:endParaRPr lang="ko-KR" altLang="en-US"/>
           </a:p>
@@ -668,7 +669,7 @@
           <a:p>
             <a:fld id="{E19CAE20-F864-45C5-B346-201FD752AB15}" type="datetimeFigureOut">
               <a:rPr lang="ko-KR" altLang="en-US" smtClean="0"/>
-              <a:t>2024-02-03</a:t>
+              <a:t>2024-02-04</a:t>
             </a:fld>
             <a:endParaRPr lang="ko-KR" altLang="en-US"/>
           </a:p>
@@ -866,7 +867,7 @@
           <a:p>
             <a:fld id="{E19CAE20-F864-45C5-B346-201FD752AB15}" type="datetimeFigureOut">
               <a:rPr lang="ko-KR" altLang="en-US" smtClean="0"/>
-              <a:t>2024-02-03</a:t>
+              <a:t>2024-02-04</a:t>
             </a:fld>
             <a:endParaRPr lang="ko-KR" altLang="en-US"/>
           </a:p>
@@ -1141,7 +1142,7 @@
           <a:p>
             <a:fld id="{E19CAE20-F864-45C5-B346-201FD752AB15}" type="datetimeFigureOut">
               <a:rPr lang="ko-KR" altLang="en-US" smtClean="0"/>
-              <a:t>2024-02-03</a:t>
+              <a:t>2024-02-04</a:t>
             </a:fld>
             <a:endParaRPr lang="ko-KR" altLang="en-US"/>
           </a:p>
@@ -1406,7 +1407,7 @@
           <a:p>
             <a:fld id="{E19CAE20-F864-45C5-B346-201FD752AB15}" type="datetimeFigureOut">
               <a:rPr lang="ko-KR" altLang="en-US" smtClean="0"/>
-              <a:t>2024-02-03</a:t>
+              <a:t>2024-02-04</a:t>
             </a:fld>
             <a:endParaRPr lang="ko-KR" altLang="en-US"/>
           </a:p>
@@ -1818,7 +1819,7 @@
           <a:p>
             <a:fld id="{E19CAE20-F864-45C5-B346-201FD752AB15}" type="datetimeFigureOut">
               <a:rPr lang="ko-KR" altLang="en-US" smtClean="0"/>
-              <a:t>2024-02-03</a:t>
+              <a:t>2024-02-04</a:t>
             </a:fld>
             <a:endParaRPr lang="ko-KR" altLang="en-US"/>
           </a:p>
@@ -1959,7 +1960,7 @@
           <a:p>
             <a:fld id="{E19CAE20-F864-45C5-B346-201FD752AB15}" type="datetimeFigureOut">
               <a:rPr lang="ko-KR" altLang="en-US" smtClean="0"/>
-              <a:t>2024-02-03</a:t>
+              <a:t>2024-02-04</a:t>
             </a:fld>
             <a:endParaRPr lang="ko-KR" altLang="en-US"/>
           </a:p>
@@ -2072,7 +2073,7 @@
           <a:p>
             <a:fld id="{E19CAE20-F864-45C5-B346-201FD752AB15}" type="datetimeFigureOut">
               <a:rPr lang="ko-KR" altLang="en-US" smtClean="0"/>
-              <a:t>2024-02-03</a:t>
+              <a:t>2024-02-04</a:t>
             </a:fld>
             <a:endParaRPr lang="ko-KR" altLang="en-US"/>
           </a:p>
@@ -2383,7 +2384,7 @@
           <a:p>
             <a:fld id="{E19CAE20-F864-45C5-B346-201FD752AB15}" type="datetimeFigureOut">
               <a:rPr lang="ko-KR" altLang="en-US" smtClean="0"/>
-              <a:t>2024-02-03</a:t>
+              <a:t>2024-02-04</a:t>
             </a:fld>
             <a:endParaRPr lang="ko-KR" altLang="en-US"/>
           </a:p>
@@ -2671,7 +2672,7 @@
           <a:p>
             <a:fld id="{E19CAE20-F864-45C5-B346-201FD752AB15}" type="datetimeFigureOut">
               <a:rPr lang="ko-KR" altLang="en-US" smtClean="0"/>
-              <a:t>2024-02-03</a:t>
+              <a:t>2024-02-04</a:t>
             </a:fld>
             <a:endParaRPr lang="ko-KR" altLang="en-US"/>
           </a:p>
@@ -2912,7 +2913,7 @@
           <a:p>
             <a:fld id="{E19CAE20-F864-45C5-B346-201FD752AB15}" type="datetimeFigureOut">
               <a:rPr lang="ko-KR" altLang="en-US" smtClean="0"/>
-              <a:t>2024-02-03</a:t>
+              <a:t>2024-02-04</a:t>
             </a:fld>
             <a:endParaRPr lang="ko-KR" altLang="en-US"/>
           </a:p>
@@ -3712,7 +3713,7 @@
             <a:pPr algn="ctr"/>
             <a:r>
               <a:rPr lang="en-US" altLang="ko-KR" dirty="0"/>
-              <a:t>Embedding</a:t>
+              <a:t>Encoder</a:t>
             </a:r>
             <a:endParaRPr lang="ko-KR" altLang="en-US" dirty="0"/>
           </a:p>
@@ -6838,6 +6839,3522 @@
           <a:chExt cx="0" cy="0"/>
         </a:xfrm>
       </p:grpSpPr>
+      <p:sp>
+        <p:nvSpPr>
+          <p:cNvPr id="4" name="TextBox 3">
+            <a:extLst>
+              <a:ext uri="{FF2B5EF4-FFF2-40B4-BE49-F238E27FC236}">
+                <a16:creationId xmlns:a16="http://schemas.microsoft.com/office/drawing/2014/main" id="{7F0BB8FB-FFB6-4D42-983E-2DFB85F21D78}"/>
+              </a:ext>
+            </a:extLst>
+          </p:cNvPr>
+          <p:cNvSpPr txBox="1"/>
+          <p:nvPr/>
+        </p:nvSpPr>
+        <p:spPr>
+          <a:xfrm>
+            <a:off x="179882" y="0"/>
+            <a:ext cx="1543987" cy="2554545"/>
+          </a:xfrm>
+          <a:prstGeom prst="rect">
+            <a:avLst/>
+          </a:prstGeom>
+          <a:noFill/>
+        </p:spPr>
+        <p:txBody>
+          <a:bodyPr wrap="square" rtlCol="0">
+            <a:spAutoFit/>
+          </a:bodyPr>
+          <a:lstStyle/>
+          <a:p>
+            <a:r>
+              <a:rPr lang="ko-KR" altLang="en-US" sz="2000" dirty="0"/>
+              <a:t>Ich</a:t>
+            </a:r>
+            <a:endParaRPr lang="en-US" altLang="ko-KR" sz="2000" dirty="0"/>
+          </a:p>
+          <a:p>
+            <a:r>
+              <a:rPr lang="ko-KR" altLang="en-US" sz="2000" dirty="0"/>
+              <a:t>mag</a:t>
+            </a:r>
+            <a:endParaRPr lang="en-US" altLang="ko-KR" sz="2000" dirty="0"/>
+          </a:p>
+          <a:p>
+            <a:r>
+              <a:rPr lang="ko-KR" altLang="en-US" sz="2000" dirty="0"/>
+              <a:t>meine</a:t>
+            </a:r>
+            <a:endParaRPr lang="en-US" altLang="ko-KR" sz="2000" dirty="0"/>
+          </a:p>
+          <a:p>
+            <a:r>
+              <a:rPr lang="ko-KR" altLang="en-US" sz="2000" dirty="0"/>
+              <a:t>Katzen</a:t>
+            </a:r>
+            <a:endParaRPr lang="en-US" altLang="ko-KR" sz="2000" dirty="0"/>
+          </a:p>
+          <a:p>
+            <a:r>
+              <a:rPr lang="en-US" altLang="ko-KR" sz="2000" dirty="0"/>
+              <a:t>&lt;pad&gt;</a:t>
+            </a:r>
+          </a:p>
+          <a:p>
+            <a:r>
+              <a:rPr lang="en-US" altLang="ko-KR" sz="2000" dirty="0"/>
+              <a:t>&lt;pad&gt;</a:t>
+            </a:r>
+          </a:p>
+          <a:p>
+            <a:r>
+              <a:rPr lang="en-US" altLang="ko-KR" sz="2000" dirty="0"/>
+              <a:t>…</a:t>
+            </a:r>
+          </a:p>
+          <a:p>
+            <a:r>
+              <a:rPr lang="en-US" altLang="ko-KR" sz="2000" dirty="0"/>
+              <a:t>&lt;pad&gt;</a:t>
+            </a:r>
+          </a:p>
+        </p:txBody>
+      </p:sp>
+      <p:sp>
+        <p:nvSpPr>
+          <p:cNvPr id="5" name="직사각형 4">
+            <a:extLst>
+              <a:ext uri="{FF2B5EF4-FFF2-40B4-BE49-F238E27FC236}">
+                <a16:creationId xmlns:a16="http://schemas.microsoft.com/office/drawing/2014/main" id="{B1499B6B-153C-4773-A0D7-730D3B69831E}"/>
+              </a:ext>
+            </a:extLst>
+          </p:cNvPr>
+          <p:cNvSpPr/>
+          <p:nvPr/>
+        </p:nvSpPr>
+        <p:spPr>
+          <a:xfrm>
+            <a:off x="1094283" y="103632"/>
+            <a:ext cx="1543987" cy="244440"/>
+          </a:xfrm>
+          <a:prstGeom prst="rect">
+            <a:avLst/>
+          </a:prstGeom>
+          <a:noFill/>
+          <a:ln>
+            <a:solidFill>
+              <a:schemeClr val="accent2"/>
+            </a:solidFill>
+          </a:ln>
+        </p:spPr>
+        <p:style>
+          <a:lnRef idx="2">
+            <a:schemeClr val="accent1">
+              <a:shade val="50000"/>
+            </a:schemeClr>
+          </a:lnRef>
+          <a:fillRef idx="1">
+            <a:schemeClr val="accent1"/>
+          </a:fillRef>
+          <a:effectRef idx="0">
+            <a:schemeClr val="accent1"/>
+          </a:effectRef>
+          <a:fontRef idx="minor">
+            <a:schemeClr val="lt1"/>
+          </a:fontRef>
+        </p:style>
+        <p:txBody>
+          <a:bodyPr rtlCol="0" anchor="ctr"/>
+          <a:lstStyle/>
+          <a:p>
+            <a:pPr algn="ctr"/>
+            <a:r>
+              <a:rPr lang="en-US" altLang="ko-KR" sz="1400" dirty="0">
+                <a:solidFill>
+                  <a:schemeClr val="tx1"/>
+                </a:solidFill>
+              </a:rPr>
+              <a:t>00100…… 0…..00</a:t>
+            </a:r>
+            <a:endParaRPr lang="ko-KR" altLang="en-US" sz="1400" dirty="0">
+              <a:solidFill>
+                <a:schemeClr val="tx1"/>
+              </a:solidFill>
+            </a:endParaRPr>
+          </a:p>
+        </p:txBody>
+      </p:sp>
+      <p:sp>
+        <p:nvSpPr>
+          <p:cNvPr id="6" name="직사각형 5">
+            <a:extLst>
+              <a:ext uri="{FF2B5EF4-FFF2-40B4-BE49-F238E27FC236}">
+                <a16:creationId xmlns:a16="http://schemas.microsoft.com/office/drawing/2014/main" id="{A1D2C616-9378-48A0-9D3A-1A498B52A46B}"/>
+              </a:ext>
+            </a:extLst>
+          </p:cNvPr>
+          <p:cNvSpPr/>
+          <p:nvPr/>
+        </p:nvSpPr>
+        <p:spPr>
+          <a:xfrm>
+            <a:off x="1094281" y="409032"/>
+            <a:ext cx="1543987" cy="244440"/>
+          </a:xfrm>
+          <a:prstGeom prst="rect">
+            <a:avLst/>
+          </a:prstGeom>
+          <a:noFill/>
+          <a:ln>
+            <a:solidFill>
+              <a:schemeClr val="accent2"/>
+            </a:solidFill>
+          </a:ln>
+        </p:spPr>
+        <p:style>
+          <a:lnRef idx="2">
+            <a:schemeClr val="accent1">
+              <a:shade val="50000"/>
+            </a:schemeClr>
+          </a:lnRef>
+          <a:fillRef idx="1">
+            <a:schemeClr val="accent1"/>
+          </a:fillRef>
+          <a:effectRef idx="0">
+            <a:schemeClr val="accent1"/>
+          </a:effectRef>
+          <a:fontRef idx="minor">
+            <a:schemeClr val="lt1"/>
+          </a:fontRef>
+        </p:style>
+        <p:txBody>
+          <a:bodyPr rtlCol="0" anchor="ctr"/>
+          <a:lstStyle/>
+          <a:p>
+            <a:pPr algn="ctr"/>
+            <a:r>
+              <a:rPr lang="en-US" altLang="ko-KR" sz="1400" dirty="0">
+                <a:solidFill>
+                  <a:schemeClr val="tx1"/>
+                </a:solidFill>
+              </a:rPr>
+              <a:t>01000…… 0…..00</a:t>
+            </a:r>
+            <a:endParaRPr lang="ko-KR" altLang="en-US" sz="1400" dirty="0">
+              <a:solidFill>
+                <a:schemeClr val="tx1"/>
+              </a:solidFill>
+            </a:endParaRPr>
+          </a:p>
+        </p:txBody>
+      </p:sp>
+      <p:sp>
+        <p:nvSpPr>
+          <p:cNvPr id="7" name="직사각형 6">
+            <a:extLst>
+              <a:ext uri="{FF2B5EF4-FFF2-40B4-BE49-F238E27FC236}">
+                <a16:creationId xmlns:a16="http://schemas.microsoft.com/office/drawing/2014/main" id="{80C6852B-200E-4468-83A5-C7C76D6B4E77}"/>
+              </a:ext>
+            </a:extLst>
+          </p:cNvPr>
+          <p:cNvSpPr/>
+          <p:nvPr/>
+        </p:nvSpPr>
+        <p:spPr>
+          <a:xfrm>
+            <a:off x="1094280" y="714432"/>
+            <a:ext cx="1543987" cy="244440"/>
+          </a:xfrm>
+          <a:prstGeom prst="rect">
+            <a:avLst/>
+          </a:prstGeom>
+          <a:noFill/>
+          <a:ln>
+            <a:solidFill>
+              <a:schemeClr val="accent2"/>
+            </a:solidFill>
+          </a:ln>
+        </p:spPr>
+        <p:style>
+          <a:lnRef idx="2">
+            <a:schemeClr val="accent1">
+              <a:shade val="50000"/>
+            </a:schemeClr>
+          </a:lnRef>
+          <a:fillRef idx="1">
+            <a:schemeClr val="accent1"/>
+          </a:fillRef>
+          <a:effectRef idx="0">
+            <a:schemeClr val="accent1"/>
+          </a:effectRef>
+          <a:fontRef idx="minor">
+            <a:schemeClr val="lt1"/>
+          </a:fontRef>
+        </p:style>
+        <p:txBody>
+          <a:bodyPr rtlCol="0" anchor="ctr"/>
+          <a:lstStyle/>
+          <a:p>
+            <a:pPr algn="ctr"/>
+            <a:r>
+              <a:rPr lang="en-US" altLang="ko-KR" sz="1400" dirty="0">
+                <a:solidFill>
+                  <a:schemeClr val="tx1"/>
+                </a:solidFill>
+              </a:rPr>
+              <a:t>00010…… 0…..00</a:t>
+            </a:r>
+            <a:endParaRPr lang="ko-KR" altLang="en-US" sz="1400" dirty="0">
+              <a:solidFill>
+                <a:schemeClr val="tx1"/>
+              </a:solidFill>
+            </a:endParaRPr>
+          </a:p>
+        </p:txBody>
+      </p:sp>
+      <p:sp>
+        <p:nvSpPr>
+          <p:cNvPr id="8" name="직사각형 7">
+            <a:extLst>
+              <a:ext uri="{FF2B5EF4-FFF2-40B4-BE49-F238E27FC236}">
+                <a16:creationId xmlns:a16="http://schemas.microsoft.com/office/drawing/2014/main" id="{91931E08-1508-43A5-87FC-EFB17BB71F11}"/>
+              </a:ext>
+            </a:extLst>
+          </p:cNvPr>
+          <p:cNvSpPr/>
+          <p:nvPr/>
+        </p:nvSpPr>
+        <p:spPr>
+          <a:xfrm>
+            <a:off x="1094279" y="2218365"/>
+            <a:ext cx="1543987" cy="244440"/>
+          </a:xfrm>
+          <a:prstGeom prst="rect">
+            <a:avLst/>
+          </a:prstGeom>
+          <a:noFill/>
+          <a:ln>
+            <a:solidFill>
+              <a:schemeClr val="accent2"/>
+            </a:solidFill>
+          </a:ln>
+        </p:spPr>
+        <p:style>
+          <a:lnRef idx="2">
+            <a:schemeClr val="accent1">
+              <a:shade val="50000"/>
+            </a:schemeClr>
+          </a:lnRef>
+          <a:fillRef idx="1">
+            <a:schemeClr val="accent1"/>
+          </a:fillRef>
+          <a:effectRef idx="0">
+            <a:schemeClr val="accent1"/>
+          </a:effectRef>
+          <a:fontRef idx="minor">
+            <a:schemeClr val="lt1"/>
+          </a:fontRef>
+        </p:style>
+        <p:txBody>
+          <a:bodyPr rtlCol="0" anchor="ctr"/>
+          <a:lstStyle/>
+          <a:p>
+            <a:pPr algn="ctr"/>
+            <a:r>
+              <a:rPr lang="en-US" altLang="ko-KR" sz="1400" dirty="0">
+                <a:solidFill>
+                  <a:schemeClr val="tx1"/>
+                </a:solidFill>
+              </a:rPr>
+              <a:t>00000…… 0…..00</a:t>
+            </a:r>
+            <a:endParaRPr lang="ko-KR" altLang="en-US" sz="1400" dirty="0">
+              <a:solidFill>
+                <a:schemeClr val="tx1"/>
+              </a:solidFill>
+            </a:endParaRPr>
+          </a:p>
+        </p:txBody>
+      </p:sp>
+      <p:sp>
+        <p:nvSpPr>
+          <p:cNvPr id="9" name="사다리꼴 8">
+            <a:extLst>
+              <a:ext uri="{FF2B5EF4-FFF2-40B4-BE49-F238E27FC236}">
+                <a16:creationId xmlns:a16="http://schemas.microsoft.com/office/drawing/2014/main" id="{EAED3945-0519-473C-99D2-37E46094D829}"/>
+              </a:ext>
+            </a:extLst>
+          </p:cNvPr>
+          <p:cNvSpPr/>
+          <p:nvPr/>
+        </p:nvSpPr>
+        <p:spPr>
+          <a:xfrm rot="5400000">
+            <a:off x="1849499" y="1041204"/>
+            <a:ext cx="2359174" cy="484032"/>
+          </a:xfrm>
+          <a:prstGeom prst="trapezoid">
+            <a:avLst/>
+          </a:prstGeom>
+          <a:solidFill>
+            <a:schemeClr val="accent2"/>
+          </a:solidFill>
+          <a:ln>
+            <a:noFill/>
+          </a:ln>
+        </p:spPr>
+        <p:style>
+          <a:lnRef idx="2">
+            <a:schemeClr val="accent1">
+              <a:shade val="50000"/>
+            </a:schemeClr>
+          </a:lnRef>
+          <a:fillRef idx="1">
+            <a:schemeClr val="accent1"/>
+          </a:fillRef>
+          <a:effectRef idx="0">
+            <a:schemeClr val="accent1"/>
+          </a:effectRef>
+          <a:fontRef idx="minor">
+            <a:schemeClr val="lt1"/>
+          </a:fontRef>
+        </p:style>
+        <p:txBody>
+          <a:bodyPr rtlCol="0" anchor="ctr"/>
+          <a:lstStyle/>
+          <a:p>
+            <a:pPr algn="ctr"/>
+            <a:r>
+              <a:rPr lang="en-US" altLang="ko-KR" dirty="0"/>
+              <a:t>Decoder</a:t>
+            </a:r>
+            <a:endParaRPr lang="ko-KR" altLang="en-US" dirty="0"/>
+          </a:p>
+        </p:txBody>
+      </p:sp>
+      <p:sp>
+        <p:nvSpPr>
+          <p:cNvPr id="10" name="TextBox 9">
+            <a:extLst>
+              <a:ext uri="{FF2B5EF4-FFF2-40B4-BE49-F238E27FC236}">
+                <a16:creationId xmlns:a16="http://schemas.microsoft.com/office/drawing/2014/main" id="{79565EC5-E411-4C53-88C4-13B70729010A}"/>
+              </a:ext>
+            </a:extLst>
+          </p:cNvPr>
+          <p:cNvSpPr txBox="1"/>
+          <p:nvPr/>
+        </p:nvSpPr>
+        <p:spPr>
+          <a:xfrm>
+            <a:off x="746358" y="2552418"/>
+            <a:ext cx="2282728" cy="646331"/>
+          </a:xfrm>
+          <a:prstGeom prst="rect">
+            <a:avLst/>
+          </a:prstGeom>
+          <a:noFill/>
+        </p:spPr>
+        <p:txBody>
+          <a:bodyPr wrap="square" rtlCol="0">
+            <a:spAutoFit/>
+          </a:bodyPr>
+          <a:lstStyle/>
+          <a:p>
+            <a:pPr algn="ctr"/>
+            <a:r>
+              <a:rPr lang="en-US" altLang="ko-KR" sz="1200" dirty="0"/>
+              <a:t>MAX sequence length </a:t>
+            </a:r>
+          </a:p>
+          <a:p>
+            <a:pPr algn="ctr"/>
+            <a:r>
+              <a:rPr lang="en-US" altLang="ko-KR" sz="1200" dirty="0"/>
+              <a:t>X </a:t>
+            </a:r>
+          </a:p>
+          <a:p>
+            <a:pPr algn="ctr"/>
+            <a:r>
+              <a:rPr lang="en-US" altLang="ko-KR" sz="1200" dirty="0"/>
+              <a:t>MAX sequence length</a:t>
+            </a:r>
+          </a:p>
+        </p:txBody>
+      </p:sp>
+      <p:sp>
+        <p:nvSpPr>
+          <p:cNvPr id="11" name="직사각형 10">
+            <a:extLst>
+              <a:ext uri="{FF2B5EF4-FFF2-40B4-BE49-F238E27FC236}">
+                <a16:creationId xmlns:a16="http://schemas.microsoft.com/office/drawing/2014/main" id="{E2A6B801-C1D9-4905-925D-CA95BCC20C8B}"/>
+              </a:ext>
+            </a:extLst>
+          </p:cNvPr>
+          <p:cNvSpPr/>
+          <p:nvPr/>
+        </p:nvSpPr>
+        <p:spPr>
+          <a:xfrm>
+            <a:off x="3398461" y="106080"/>
+            <a:ext cx="1543987" cy="244440"/>
+          </a:xfrm>
+          <a:prstGeom prst="rect">
+            <a:avLst/>
+          </a:prstGeom>
+          <a:noFill/>
+          <a:ln>
+            <a:solidFill>
+              <a:schemeClr val="accent2"/>
+            </a:solidFill>
+          </a:ln>
+        </p:spPr>
+        <p:style>
+          <a:lnRef idx="2">
+            <a:schemeClr val="accent1">
+              <a:shade val="50000"/>
+            </a:schemeClr>
+          </a:lnRef>
+          <a:fillRef idx="1">
+            <a:schemeClr val="accent1"/>
+          </a:fillRef>
+          <a:effectRef idx="0">
+            <a:schemeClr val="accent1"/>
+          </a:effectRef>
+          <a:fontRef idx="minor">
+            <a:schemeClr val="lt1"/>
+          </a:fontRef>
+        </p:style>
+        <p:txBody>
+          <a:bodyPr rtlCol="0" anchor="ctr"/>
+          <a:lstStyle/>
+          <a:p>
+            <a:pPr algn="ctr"/>
+            <a:r>
+              <a:rPr lang="en-US" altLang="ko-KR" sz="1400" dirty="0">
+                <a:solidFill>
+                  <a:schemeClr val="tx1"/>
+                </a:solidFill>
+              </a:rPr>
+              <a:t>…</a:t>
+            </a:r>
+            <a:endParaRPr lang="ko-KR" altLang="en-US" sz="1400" dirty="0">
+              <a:solidFill>
+                <a:schemeClr val="tx1"/>
+              </a:solidFill>
+            </a:endParaRPr>
+          </a:p>
+        </p:txBody>
+      </p:sp>
+      <p:sp>
+        <p:nvSpPr>
+          <p:cNvPr id="12" name="직사각형 11">
+            <a:extLst>
+              <a:ext uri="{FF2B5EF4-FFF2-40B4-BE49-F238E27FC236}">
+                <a16:creationId xmlns:a16="http://schemas.microsoft.com/office/drawing/2014/main" id="{82EE912D-4E1B-4A96-8359-5AB810EDF795}"/>
+              </a:ext>
+            </a:extLst>
+          </p:cNvPr>
+          <p:cNvSpPr/>
+          <p:nvPr/>
+        </p:nvSpPr>
+        <p:spPr>
+          <a:xfrm>
+            <a:off x="3398459" y="409032"/>
+            <a:ext cx="1543987" cy="244440"/>
+          </a:xfrm>
+          <a:prstGeom prst="rect">
+            <a:avLst/>
+          </a:prstGeom>
+          <a:noFill/>
+          <a:ln>
+            <a:solidFill>
+              <a:schemeClr val="accent2"/>
+            </a:solidFill>
+          </a:ln>
+        </p:spPr>
+        <p:style>
+          <a:lnRef idx="2">
+            <a:schemeClr val="accent1">
+              <a:shade val="50000"/>
+            </a:schemeClr>
+          </a:lnRef>
+          <a:fillRef idx="1">
+            <a:schemeClr val="accent1"/>
+          </a:fillRef>
+          <a:effectRef idx="0">
+            <a:schemeClr val="accent1"/>
+          </a:effectRef>
+          <a:fontRef idx="minor">
+            <a:schemeClr val="lt1"/>
+          </a:fontRef>
+        </p:style>
+        <p:txBody>
+          <a:bodyPr rtlCol="0" anchor="ctr"/>
+          <a:lstStyle/>
+          <a:p>
+            <a:pPr algn="ctr"/>
+            <a:r>
+              <a:rPr lang="en-US" altLang="ko-KR" sz="1400" dirty="0">
+                <a:solidFill>
+                  <a:schemeClr val="tx1"/>
+                </a:solidFill>
+              </a:rPr>
+              <a:t>…</a:t>
+            </a:r>
+            <a:endParaRPr lang="ko-KR" altLang="en-US" sz="1400" dirty="0">
+              <a:solidFill>
+                <a:schemeClr val="tx1"/>
+              </a:solidFill>
+            </a:endParaRPr>
+          </a:p>
+        </p:txBody>
+      </p:sp>
+      <p:sp>
+        <p:nvSpPr>
+          <p:cNvPr id="13" name="직사각형 12">
+            <a:extLst>
+              <a:ext uri="{FF2B5EF4-FFF2-40B4-BE49-F238E27FC236}">
+                <a16:creationId xmlns:a16="http://schemas.microsoft.com/office/drawing/2014/main" id="{FB4EC248-EA6A-4E18-B15B-9272931096E3}"/>
+              </a:ext>
+            </a:extLst>
+          </p:cNvPr>
+          <p:cNvSpPr/>
+          <p:nvPr/>
+        </p:nvSpPr>
+        <p:spPr>
+          <a:xfrm>
+            <a:off x="3398457" y="2218365"/>
+            <a:ext cx="1543987" cy="244440"/>
+          </a:xfrm>
+          <a:prstGeom prst="rect">
+            <a:avLst/>
+          </a:prstGeom>
+          <a:noFill/>
+          <a:ln>
+            <a:solidFill>
+              <a:schemeClr val="accent2"/>
+            </a:solidFill>
+          </a:ln>
+        </p:spPr>
+        <p:style>
+          <a:lnRef idx="2">
+            <a:schemeClr val="accent1">
+              <a:shade val="50000"/>
+            </a:schemeClr>
+          </a:lnRef>
+          <a:fillRef idx="1">
+            <a:schemeClr val="accent1"/>
+          </a:fillRef>
+          <a:effectRef idx="0">
+            <a:schemeClr val="accent1"/>
+          </a:effectRef>
+          <a:fontRef idx="minor">
+            <a:schemeClr val="lt1"/>
+          </a:fontRef>
+        </p:style>
+        <p:txBody>
+          <a:bodyPr rtlCol="0" anchor="ctr"/>
+          <a:lstStyle/>
+          <a:p>
+            <a:pPr algn="ctr"/>
+            <a:r>
+              <a:rPr lang="en-US" altLang="ko-KR" sz="1400" dirty="0">
+                <a:solidFill>
+                  <a:schemeClr val="tx1"/>
+                </a:solidFill>
+              </a:rPr>
+              <a:t>…</a:t>
+            </a:r>
+            <a:endParaRPr lang="ko-KR" altLang="en-US" sz="1400" dirty="0">
+              <a:solidFill>
+                <a:schemeClr val="tx1"/>
+              </a:solidFill>
+            </a:endParaRPr>
+          </a:p>
+        </p:txBody>
+      </p:sp>
+      <p:sp>
+        <p:nvSpPr>
+          <p:cNvPr id="14" name="TextBox 13">
+            <a:extLst>
+              <a:ext uri="{FF2B5EF4-FFF2-40B4-BE49-F238E27FC236}">
+                <a16:creationId xmlns:a16="http://schemas.microsoft.com/office/drawing/2014/main" id="{29A5FF9C-635F-455A-AF74-5AFD184B56C0}"/>
+              </a:ext>
+            </a:extLst>
+          </p:cNvPr>
+          <p:cNvSpPr txBox="1"/>
+          <p:nvPr/>
+        </p:nvSpPr>
+        <p:spPr>
+          <a:xfrm>
+            <a:off x="1094278" y="1241039"/>
+            <a:ext cx="1543988" cy="646331"/>
+          </a:xfrm>
+          <a:prstGeom prst="rect">
+            <a:avLst/>
+          </a:prstGeom>
+          <a:noFill/>
+        </p:spPr>
+        <p:txBody>
+          <a:bodyPr wrap="square" rtlCol="0">
+            <a:spAutoFit/>
+          </a:bodyPr>
+          <a:lstStyle/>
+          <a:p>
+            <a:pPr algn="ctr"/>
+            <a:r>
+              <a:rPr lang="en-US" altLang="ko-KR" sz="1200" dirty="0"/>
+              <a:t>…</a:t>
+            </a:r>
+          </a:p>
+          <a:p>
+            <a:pPr algn="ctr"/>
+            <a:r>
+              <a:rPr lang="en-US" altLang="ko-KR" sz="1200" dirty="0"/>
+              <a:t>…</a:t>
+            </a:r>
+          </a:p>
+          <a:p>
+            <a:pPr algn="ctr"/>
+            <a:r>
+              <a:rPr lang="en-US" altLang="ko-KR" sz="1200" dirty="0"/>
+              <a:t>…</a:t>
+            </a:r>
+          </a:p>
+        </p:txBody>
+      </p:sp>
+      <p:sp>
+        <p:nvSpPr>
+          <p:cNvPr id="15" name="TextBox 14">
+            <a:extLst>
+              <a:ext uri="{FF2B5EF4-FFF2-40B4-BE49-F238E27FC236}">
+                <a16:creationId xmlns:a16="http://schemas.microsoft.com/office/drawing/2014/main" id="{F6F5BE17-904B-4379-AF95-EC57B76B0C63}"/>
+              </a:ext>
+            </a:extLst>
+          </p:cNvPr>
+          <p:cNvSpPr txBox="1"/>
+          <p:nvPr/>
+        </p:nvSpPr>
+        <p:spPr>
+          <a:xfrm>
+            <a:off x="3336348" y="1241039"/>
+            <a:ext cx="1543988" cy="646331"/>
+          </a:xfrm>
+          <a:prstGeom prst="rect">
+            <a:avLst/>
+          </a:prstGeom>
+          <a:noFill/>
+        </p:spPr>
+        <p:txBody>
+          <a:bodyPr wrap="square" rtlCol="0">
+            <a:spAutoFit/>
+          </a:bodyPr>
+          <a:lstStyle/>
+          <a:p>
+            <a:pPr algn="ctr"/>
+            <a:r>
+              <a:rPr lang="en-US" altLang="ko-KR" sz="1200" dirty="0"/>
+              <a:t>…</a:t>
+            </a:r>
+          </a:p>
+          <a:p>
+            <a:pPr algn="ctr"/>
+            <a:r>
+              <a:rPr lang="en-US" altLang="ko-KR" sz="1200" dirty="0"/>
+              <a:t>…</a:t>
+            </a:r>
+          </a:p>
+          <a:p>
+            <a:pPr algn="ctr"/>
+            <a:r>
+              <a:rPr lang="en-US" altLang="ko-KR" sz="1200" dirty="0"/>
+              <a:t>…</a:t>
+            </a:r>
+          </a:p>
+        </p:txBody>
+      </p:sp>
+      <p:sp>
+        <p:nvSpPr>
+          <p:cNvPr id="16" name="직사각형 15">
+            <a:extLst>
+              <a:ext uri="{FF2B5EF4-FFF2-40B4-BE49-F238E27FC236}">
+                <a16:creationId xmlns:a16="http://schemas.microsoft.com/office/drawing/2014/main" id="{6CA3A652-B2CB-420D-84FC-114DCD6F90E8}"/>
+              </a:ext>
+            </a:extLst>
+          </p:cNvPr>
+          <p:cNvSpPr/>
+          <p:nvPr/>
+        </p:nvSpPr>
+        <p:spPr>
+          <a:xfrm>
+            <a:off x="3398457" y="727180"/>
+            <a:ext cx="1543987" cy="244440"/>
+          </a:xfrm>
+          <a:prstGeom prst="rect">
+            <a:avLst/>
+          </a:prstGeom>
+          <a:noFill/>
+          <a:ln>
+            <a:solidFill>
+              <a:schemeClr val="accent2"/>
+            </a:solidFill>
+          </a:ln>
+        </p:spPr>
+        <p:style>
+          <a:lnRef idx="2">
+            <a:schemeClr val="accent1">
+              <a:shade val="50000"/>
+            </a:schemeClr>
+          </a:lnRef>
+          <a:fillRef idx="1">
+            <a:schemeClr val="accent1"/>
+          </a:fillRef>
+          <a:effectRef idx="0">
+            <a:schemeClr val="accent1"/>
+          </a:effectRef>
+          <a:fontRef idx="minor">
+            <a:schemeClr val="lt1"/>
+          </a:fontRef>
+        </p:style>
+        <p:txBody>
+          <a:bodyPr rtlCol="0" anchor="ctr"/>
+          <a:lstStyle/>
+          <a:p>
+            <a:pPr algn="ctr"/>
+            <a:r>
+              <a:rPr lang="en-US" altLang="ko-KR" sz="1400" dirty="0">
+                <a:solidFill>
+                  <a:schemeClr val="tx1"/>
+                </a:solidFill>
+              </a:rPr>
+              <a:t>…</a:t>
+            </a:r>
+            <a:endParaRPr lang="ko-KR" altLang="en-US" sz="1400" dirty="0">
+              <a:solidFill>
+                <a:schemeClr val="tx1"/>
+              </a:solidFill>
+            </a:endParaRPr>
+          </a:p>
+        </p:txBody>
+      </p:sp>
+      <p:sp>
+        <p:nvSpPr>
+          <p:cNvPr id="17" name="TextBox 16">
+            <a:extLst>
+              <a:ext uri="{FF2B5EF4-FFF2-40B4-BE49-F238E27FC236}">
+                <a16:creationId xmlns:a16="http://schemas.microsoft.com/office/drawing/2014/main" id="{AB513CAD-3368-48C4-A05C-4E828BA686C3}"/>
+              </a:ext>
+            </a:extLst>
+          </p:cNvPr>
+          <p:cNvSpPr txBox="1"/>
+          <p:nvPr/>
+        </p:nvSpPr>
+        <p:spPr>
+          <a:xfrm>
+            <a:off x="3029086" y="2552418"/>
+            <a:ext cx="2282728" cy="646331"/>
+          </a:xfrm>
+          <a:prstGeom prst="rect">
+            <a:avLst/>
+          </a:prstGeom>
+          <a:noFill/>
+        </p:spPr>
+        <p:txBody>
+          <a:bodyPr wrap="square" rtlCol="0">
+            <a:spAutoFit/>
+          </a:bodyPr>
+          <a:lstStyle/>
+          <a:p>
+            <a:pPr algn="ctr"/>
+            <a:r>
+              <a:rPr lang="en-US" altLang="ko-KR" sz="1200" dirty="0"/>
+              <a:t>MAX sequence length </a:t>
+            </a:r>
+          </a:p>
+          <a:p>
+            <a:pPr algn="ctr"/>
+            <a:r>
+              <a:rPr lang="en-US" altLang="ko-KR" sz="1200" dirty="0"/>
+              <a:t>X </a:t>
+            </a:r>
+          </a:p>
+          <a:p>
+            <a:pPr algn="ctr"/>
+            <a:r>
+              <a:rPr lang="en-US" altLang="ko-KR" sz="1200" dirty="0"/>
+              <a:t>512</a:t>
+            </a:r>
+          </a:p>
+        </p:txBody>
+      </p:sp>
+      <p:sp>
+        <p:nvSpPr>
+          <p:cNvPr id="18" name="TextBox 17">
+            <a:extLst>
+              <a:ext uri="{FF2B5EF4-FFF2-40B4-BE49-F238E27FC236}">
+                <a16:creationId xmlns:a16="http://schemas.microsoft.com/office/drawing/2014/main" id="{31C2657F-F66C-44E8-9645-801D35479C40}"/>
+              </a:ext>
+            </a:extLst>
+          </p:cNvPr>
+          <p:cNvSpPr txBox="1"/>
+          <p:nvPr/>
+        </p:nvSpPr>
+        <p:spPr>
+          <a:xfrm>
+            <a:off x="5026264" y="1148003"/>
+            <a:ext cx="369370" cy="523220"/>
+          </a:xfrm>
+          <a:prstGeom prst="rect">
+            <a:avLst/>
+          </a:prstGeom>
+          <a:noFill/>
+        </p:spPr>
+        <p:txBody>
+          <a:bodyPr wrap="square" rtlCol="0">
+            <a:spAutoFit/>
+          </a:bodyPr>
+          <a:lstStyle/>
+          <a:p>
+            <a:pPr algn="ctr"/>
+            <a:r>
+              <a:rPr lang="en-US" altLang="ko-KR" sz="2800" b="1" dirty="0"/>
+              <a:t>+</a:t>
+            </a:r>
+          </a:p>
+        </p:txBody>
+      </p:sp>
+      <p:sp>
+        <p:nvSpPr>
+          <p:cNvPr id="19" name="직사각형 18">
+            <a:extLst>
+              <a:ext uri="{FF2B5EF4-FFF2-40B4-BE49-F238E27FC236}">
+                <a16:creationId xmlns:a16="http://schemas.microsoft.com/office/drawing/2014/main" id="{F366E34B-2979-4543-B663-5E7DE357E568}"/>
+              </a:ext>
+            </a:extLst>
+          </p:cNvPr>
+          <p:cNvSpPr/>
+          <p:nvPr/>
+        </p:nvSpPr>
+        <p:spPr>
+          <a:xfrm>
+            <a:off x="5339000" y="106080"/>
+            <a:ext cx="1543987" cy="244440"/>
+          </a:xfrm>
+          <a:prstGeom prst="rect">
+            <a:avLst/>
+          </a:prstGeom>
+          <a:noFill/>
+          <a:ln>
+            <a:solidFill>
+              <a:schemeClr val="accent2"/>
+            </a:solidFill>
+          </a:ln>
+        </p:spPr>
+        <p:style>
+          <a:lnRef idx="2">
+            <a:schemeClr val="accent1">
+              <a:shade val="50000"/>
+            </a:schemeClr>
+          </a:lnRef>
+          <a:fillRef idx="1">
+            <a:schemeClr val="accent1"/>
+          </a:fillRef>
+          <a:effectRef idx="0">
+            <a:schemeClr val="accent1"/>
+          </a:effectRef>
+          <a:fontRef idx="minor">
+            <a:schemeClr val="lt1"/>
+          </a:fontRef>
+        </p:style>
+        <p:txBody>
+          <a:bodyPr rtlCol="0" anchor="ctr"/>
+          <a:lstStyle/>
+          <a:p>
+            <a:pPr algn="ctr"/>
+            <a:r>
+              <a:rPr lang="en-US" altLang="ko-KR" sz="1400" dirty="0">
+                <a:solidFill>
+                  <a:schemeClr val="tx1"/>
+                </a:solidFill>
+              </a:rPr>
+              <a:t>…</a:t>
+            </a:r>
+            <a:endParaRPr lang="ko-KR" altLang="en-US" sz="1400" dirty="0">
+              <a:solidFill>
+                <a:schemeClr val="tx1"/>
+              </a:solidFill>
+            </a:endParaRPr>
+          </a:p>
+        </p:txBody>
+      </p:sp>
+      <p:sp>
+        <p:nvSpPr>
+          <p:cNvPr id="20" name="직사각형 19">
+            <a:extLst>
+              <a:ext uri="{FF2B5EF4-FFF2-40B4-BE49-F238E27FC236}">
+                <a16:creationId xmlns:a16="http://schemas.microsoft.com/office/drawing/2014/main" id="{63F77E69-1463-41F8-9DB8-E87F75A6099A}"/>
+              </a:ext>
+            </a:extLst>
+          </p:cNvPr>
+          <p:cNvSpPr/>
+          <p:nvPr/>
+        </p:nvSpPr>
+        <p:spPr>
+          <a:xfrm>
+            <a:off x="5338998" y="409032"/>
+            <a:ext cx="1543987" cy="244440"/>
+          </a:xfrm>
+          <a:prstGeom prst="rect">
+            <a:avLst/>
+          </a:prstGeom>
+          <a:noFill/>
+          <a:ln>
+            <a:solidFill>
+              <a:schemeClr val="accent2"/>
+            </a:solidFill>
+          </a:ln>
+        </p:spPr>
+        <p:style>
+          <a:lnRef idx="2">
+            <a:schemeClr val="accent1">
+              <a:shade val="50000"/>
+            </a:schemeClr>
+          </a:lnRef>
+          <a:fillRef idx="1">
+            <a:schemeClr val="accent1"/>
+          </a:fillRef>
+          <a:effectRef idx="0">
+            <a:schemeClr val="accent1"/>
+          </a:effectRef>
+          <a:fontRef idx="minor">
+            <a:schemeClr val="lt1"/>
+          </a:fontRef>
+        </p:style>
+        <p:txBody>
+          <a:bodyPr rtlCol="0" anchor="ctr"/>
+          <a:lstStyle/>
+          <a:p>
+            <a:pPr algn="ctr"/>
+            <a:r>
+              <a:rPr lang="en-US" altLang="ko-KR" sz="1400" dirty="0">
+                <a:solidFill>
+                  <a:schemeClr val="tx1"/>
+                </a:solidFill>
+              </a:rPr>
+              <a:t>…</a:t>
+            </a:r>
+            <a:endParaRPr lang="ko-KR" altLang="en-US" sz="1400" dirty="0">
+              <a:solidFill>
+                <a:schemeClr val="tx1"/>
+              </a:solidFill>
+            </a:endParaRPr>
+          </a:p>
+        </p:txBody>
+      </p:sp>
+      <p:sp>
+        <p:nvSpPr>
+          <p:cNvPr id="21" name="직사각형 20">
+            <a:extLst>
+              <a:ext uri="{FF2B5EF4-FFF2-40B4-BE49-F238E27FC236}">
+                <a16:creationId xmlns:a16="http://schemas.microsoft.com/office/drawing/2014/main" id="{D29F958D-D260-4178-A312-B22CFA388C03}"/>
+              </a:ext>
+            </a:extLst>
+          </p:cNvPr>
+          <p:cNvSpPr/>
+          <p:nvPr/>
+        </p:nvSpPr>
+        <p:spPr>
+          <a:xfrm>
+            <a:off x="5338996" y="2218365"/>
+            <a:ext cx="1543987" cy="244440"/>
+          </a:xfrm>
+          <a:prstGeom prst="rect">
+            <a:avLst/>
+          </a:prstGeom>
+          <a:noFill/>
+          <a:ln>
+            <a:solidFill>
+              <a:schemeClr val="accent2"/>
+            </a:solidFill>
+          </a:ln>
+        </p:spPr>
+        <p:style>
+          <a:lnRef idx="2">
+            <a:schemeClr val="accent1">
+              <a:shade val="50000"/>
+            </a:schemeClr>
+          </a:lnRef>
+          <a:fillRef idx="1">
+            <a:schemeClr val="accent1"/>
+          </a:fillRef>
+          <a:effectRef idx="0">
+            <a:schemeClr val="accent1"/>
+          </a:effectRef>
+          <a:fontRef idx="minor">
+            <a:schemeClr val="lt1"/>
+          </a:fontRef>
+        </p:style>
+        <p:txBody>
+          <a:bodyPr rtlCol="0" anchor="ctr"/>
+          <a:lstStyle/>
+          <a:p>
+            <a:pPr algn="ctr"/>
+            <a:r>
+              <a:rPr lang="en-US" altLang="ko-KR" sz="1400" dirty="0">
+                <a:solidFill>
+                  <a:schemeClr val="tx1"/>
+                </a:solidFill>
+              </a:rPr>
+              <a:t>…</a:t>
+            </a:r>
+            <a:endParaRPr lang="ko-KR" altLang="en-US" sz="1400" dirty="0">
+              <a:solidFill>
+                <a:schemeClr val="tx1"/>
+              </a:solidFill>
+            </a:endParaRPr>
+          </a:p>
+        </p:txBody>
+      </p:sp>
+      <p:sp>
+        <p:nvSpPr>
+          <p:cNvPr id="22" name="TextBox 21">
+            <a:extLst>
+              <a:ext uri="{FF2B5EF4-FFF2-40B4-BE49-F238E27FC236}">
+                <a16:creationId xmlns:a16="http://schemas.microsoft.com/office/drawing/2014/main" id="{032706E9-81C8-44EC-80A0-60A4CDABA739}"/>
+              </a:ext>
+            </a:extLst>
+          </p:cNvPr>
+          <p:cNvSpPr txBox="1"/>
+          <p:nvPr/>
+        </p:nvSpPr>
+        <p:spPr>
+          <a:xfrm>
+            <a:off x="5276887" y="1241039"/>
+            <a:ext cx="1543988" cy="646331"/>
+          </a:xfrm>
+          <a:prstGeom prst="rect">
+            <a:avLst/>
+          </a:prstGeom>
+          <a:noFill/>
+        </p:spPr>
+        <p:txBody>
+          <a:bodyPr wrap="square" rtlCol="0">
+            <a:spAutoFit/>
+          </a:bodyPr>
+          <a:lstStyle/>
+          <a:p>
+            <a:pPr algn="ctr"/>
+            <a:r>
+              <a:rPr lang="en-US" altLang="ko-KR" sz="1200" dirty="0"/>
+              <a:t>…</a:t>
+            </a:r>
+          </a:p>
+          <a:p>
+            <a:pPr algn="ctr"/>
+            <a:r>
+              <a:rPr lang="en-US" altLang="ko-KR" sz="1200" dirty="0"/>
+              <a:t>…</a:t>
+            </a:r>
+          </a:p>
+          <a:p>
+            <a:pPr algn="ctr"/>
+            <a:r>
+              <a:rPr lang="en-US" altLang="ko-KR" sz="1200" dirty="0"/>
+              <a:t>…</a:t>
+            </a:r>
+          </a:p>
+        </p:txBody>
+      </p:sp>
+      <p:sp>
+        <p:nvSpPr>
+          <p:cNvPr id="23" name="직사각형 22">
+            <a:extLst>
+              <a:ext uri="{FF2B5EF4-FFF2-40B4-BE49-F238E27FC236}">
+                <a16:creationId xmlns:a16="http://schemas.microsoft.com/office/drawing/2014/main" id="{48B663D7-637B-4716-9236-35BAD283E5A8}"/>
+              </a:ext>
+            </a:extLst>
+          </p:cNvPr>
+          <p:cNvSpPr/>
+          <p:nvPr/>
+        </p:nvSpPr>
+        <p:spPr>
+          <a:xfrm>
+            <a:off x="5338996" y="727180"/>
+            <a:ext cx="1543987" cy="244440"/>
+          </a:xfrm>
+          <a:prstGeom prst="rect">
+            <a:avLst/>
+          </a:prstGeom>
+          <a:noFill/>
+          <a:ln>
+            <a:solidFill>
+              <a:schemeClr val="accent2"/>
+            </a:solidFill>
+          </a:ln>
+        </p:spPr>
+        <p:style>
+          <a:lnRef idx="2">
+            <a:schemeClr val="accent1">
+              <a:shade val="50000"/>
+            </a:schemeClr>
+          </a:lnRef>
+          <a:fillRef idx="1">
+            <a:schemeClr val="accent1"/>
+          </a:fillRef>
+          <a:effectRef idx="0">
+            <a:schemeClr val="accent1"/>
+          </a:effectRef>
+          <a:fontRef idx="minor">
+            <a:schemeClr val="lt1"/>
+          </a:fontRef>
+        </p:style>
+        <p:txBody>
+          <a:bodyPr rtlCol="0" anchor="ctr"/>
+          <a:lstStyle/>
+          <a:p>
+            <a:pPr algn="ctr"/>
+            <a:r>
+              <a:rPr lang="en-US" altLang="ko-KR" sz="1400" dirty="0">
+                <a:solidFill>
+                  <a:schemeClr val="tx1"/>
+                </a:solidFill>
+              </a:rPr>
+              <a:t>…</a:t>
+            </a:r>
+            <a:endParaRPr lang="ko-KR" altLang="en-US" sz="1400" dirty="0">
+              <a:solidFill>
+                <a:schemeClr val="tx1"/>
+              </a:solidFill>
+            </a:endParaRPr>
+          </a:p>
+        </p:txBody>
+      </p:sp>
+      <p:sp>
+        <p:nvSpPr>
+          <p:cNvPr id="24" name="TextBox 23">
+            <a:extLst>
+              <a:ext uri="{FF2B5EF4-FFF2-40B4-BE49-F238E27FC236}">
+                <a16:creationId xmlns:a16="http://schemas.microsoft.com/office/drawing/2014/main" id="{F130DD15-48BF-47C2-927A-9F6BA4CFF9AE}"/>
+              </a:ext>
+            </a:extLst>
+          </p:cNvPr>
+          <p:cNvSpPr txBox="1"/>
+          <p:nvPr/>
+        </p:nvSpPr>
+        <p:spPr>
+          <a:xfrm>
+            <a:off x="5338996" y="2552418"/>
+            <a:ext cx="1571172" cy="461665"/>
+          </a:xfrm>
+          <a:prstGeom prst="rect">
+            <a:avLst/>
+          </a:prstGeom>
+          <a:noFill/>
+        </p:spPr>
+        <p:txBody>
+          <a:bodyPr wrap="square" rtlCol="0">
+            <a:spAutoFit/>
+          </a:bodyPr>
+          <a:lstStyle/>
+          <a:p>
+            <a:pPr algn="ctr"/>
+            <a:r>
+              <a:rPr lang="en-US" altLang="ko-KR" sz="1200" dirty="0"/>
+              <a:t>Positional encoding vector</a:t>
+            </a:r>
+          </a:p>
+        </p:txBody>
+      </p:sp>
+      <p:sp>
+        <p:nvSpPr>
+          <p:cNvPr id="25" name="자유형: 도형 24">
+            <a:extLst>
+              <a:ext uri="{FF2B5EF4-FFF2-40B4-BE49-F238E27FC236}">
+                <a16:creationId xmlns:a16="http://schemas.microsoft.com/office/drawing/2014/main" id="{7A770D7D-591E-40BE-B605-3D16D2194675}"/>
+              </a:ext>
+            </a:extLst>
+          </p:cNvPr>
+          <p:cNvSpPr/>
+          <p:nvPr/>
+        </p:nvSpPr>
+        <p:spPr>
+          <a:xfrm>
+            <a:off x="746358" y="1424066"/>
+            <a:ext cx="6329724" cy="2488367"/>
+          </a:xfrm>
+          <a:custGeom>
+            <a:avLst/>
+            <a:gdLst>
+              <a:gd name="connsiteX0" fmla="*/ 6623021 w 6713687"/>
+              <a:gd name="connsiteY0" fmla="*/ 0 h 2488367"/>
+              <a:gd name="connsiteX1" fmla="*/ 5918484 w 6713687"/>
+              <a:gd name="connsiteY1" fmla="*/ 1753849 h 2488367"/>
+              <a:gd name="connsiteX2" fmla="*/ 821828 w 6713687"/>
+              <a:gd name="connsiteY2" fmla="*/ 1873770 h 2488367"/>
+              <a:gd name="connsiteX3" fmla="*/ 72320 w 6713687"/>
+              <a:gd name="connsiteY3" fmla="*/ 2488367 h 2488367"/>
+            </a:gdLst>
+            <a:ahLst/>
+            <a:cxnLst>
+              <a:cxn ang="0">
+                <a:pos x="connsiteX0" y="connsiteY0"/>
+              </a:cxn>
+              <a:cxn ang="0">
+                <a:pos x="connsiteX1" y="connsiteY1"/>
+              </a:cxn>
+              <a:cxn ang="0">
+                <a:pos x="connsiteX2" y="connsiteY2"/>
+              </a:cxn>
+              <a:cxn ang="0">
+                <a:pos x="connsiteX3" y="connsiteY3"/>
+              </a:cxn>
+            </a:cxnLst>
+            <a:rect l="l" t="t" r="r" b="b"/>
+            <a:pathLst>
+              <a:path w="6713687" h="2488367">
+                <a:moveTo>
+                  <a:pt x="6623021" y="0"/>
+                </a:moveTo>
+                <a:cubicBezTo>
+                  <a:pt x="6754185" y="720777"/>
+                  <a:pt x="6885349" y="1441554"/>
+                  <a:pt x="5918484" y="1753849"/>
+                </a:cubicBezTo>
+                <a:cubicBezTo>
+                  <a:pt x="4951619" y="2066144"/>
+                  <a:pt x="1796189" y="1751350"/>
+                  <a:pt x="821828" y="1873770"/>
+                </a:cubicBezTo>
+                <a:cubicBezTo>
+                  <a:pt x="-152533" y="1996190"/>
+                  <a:pt x="-40107" y="2242278"/>
+                  <a:pt x="72320" y="2488367"/>
+                </a:cubicBezTo>
+              </a:path>
+            </a:pathLst>
+          </a:custGeom>
+          <a:noFill/>
+          <a:ln w="28575">
+            <a:solidFill>
+              <a:schemeClr val="tx1"/>
+            </a:solidFill>
+            <a:headEnd type="oval" w="med" len="med"/>
+            <a:tailEnd type="triangle" w="med" len="med"/>
+          </a:ln>
+        </p:spPr>
+        <p:style>
+          <a:lnRef idx="2">
+            <a:schemeClr val="accent1">
+              <a:shade val="50000"/>
+            </a:schemeClr>
+          </a:lnRef>
+          <a:fillRef idx="1">
+            <a:schemeClr val="accent1"/>
+          </a:fillRef>
+          <a:effectRef idx="0">
+            <a:schemeClr val="accent1"/>
+          </a:effectRef>
+          <a:fontRef idx="minor">
+            <a:schemeClr val="lt1"/>
+          </a:fontRef>
+        </p:style>
+        <p:txBody>
+          <a:bodyPr rtlCol="0" anchor="ctr"/>
+          <a:lstStyle/>
+          <a:p>
+            <a:pPr algn="ctr"/>
+            <a:endParaRPr lang="ko-KR" altLang="en-US"/>
+          </a:p>
+        </p:txBody>
+      </p:sp>
+      <p:sp>
+        <p:nvSpPr>
+          <p:cNvPr id="26" name="직사각형 25">
+            <a:extLst>
+              <a:ext uri="{FF2B5EF4-FFF2-40B4-BE49-F238E27FC236}">
+                <a16:creationId xmlns:a16="http://schemas.microsoft.com/office/drawing/2014/main" id="{2E8181A8-A2C6-4403-B297-2E2D25184032}"/>
+              </a:ext>
+            </a:extLst>
+          </p:cNvPr>
+          <p:cNvSpPr/>
+          <p:nvPr/>
+        </p:nvSpPr>
+        <p:spPr>
+          <a:xfrm>
+            <a:off x="1067098" y="3618945"/>
+            <a:ext cx="1543987" cy="244440"/>
+          </a:xfrm>
+          <a:prstGeom prst="rect">
+            <a:avLst/>
+          </a:prstGeom>
+          <a:noFill/>
+          <a:ln>
+            <a:solidFill>
+              <a:schemeClr val="accent2"/>
+            </a:solidFill>
+          </a:ln>
+        </p:spPr>
+        <p:style>
+          <a:lnRef idx="2">
+            <a:schemeClr val="accent1">
+              <a:shade val="50000"/>
+            </a:schemeClr>
+          </a:lnRef>
+          <a:fillRef idx="1">
+            <a:schemeClr val="accent1"/>
+          </a:fillRef>
+          <a:effectRef idx="0">
+            <a:schemeClr val="accent1"/>
+          </a:effectRef>
+          <a:fontRef idx="minor">
+            <a:schemeClr val="lt1"/>
+          </a:fontRef>
+        </p:style>
+        <p:txBody>
+          <a:bodyPr rtlCol="0" anchor="ctr"/>
+          <a:lstStyle/>
+          <a:p>
+            <a:pPr algn="ctr"/>
+            <a:r>
+              <a:rPr lang="en-US" altLang="ko-KR" sz="1400" dirty="0">
+                <a:solidFill>
+                  <a:schemeClr val="tx1"/>
+                </a:solidFill>
+              </a:rPr>
+              <a:t>…</a:t>
+            </a:r>
+            <a:endParaRPr lang="ko-KR" altLang="en-US" sz="1400" dirty="0">
+              <a:solidFill>
+                <a:schemeClr val="tx1"/>
+              </a:solidFill>
+            </a:endParaRPr>
+          </a:p>
+        </p:txBody>
+      </p:sp>
+      <p:sp>
+        <p:nvSpPr>
+          <p:cNvPr id="27" name="직사각형 26">
+            <a:extLst>
+              <a:ext uri="{FF2B5EF4-FFF2-40B4-BE49-F238E27FC236}">
+                <a16:creationId xmlns:a16="http://schemas.microsoft.com/office/drawing/2014/main" id="{2B7C9481-C0A6-4CE2-9FD2-C507DD1FF059}"/>
+              </a:ext>
+            </a:extLst>
+          </p:cNvPr>
+          <p:cNvSpPr/>
+          <p:nvPr/>
+        </p:nvSpPr>
+        <p:spPr>
+          <a:xfrm>
+            <a:off x="1067096" y="3921897"/>
+            <a:ext cx="1543987" cy="244440"/>
+          </a:xfrm>
+          <a:prstGeom prst="rect">
+            <a:avLst/>
+          </a:prstGeom>
+          <a:noFill/>
+          <a:ln>
+            <a:solidFill>
+              <a:schemeClr val="accent2"/>
+            </a:solidFill>
+          </a:ln>
+        </p:spPr>
+        <p:style>
+          <a:lnRef idx="2">
+            <a:schemeClr val="accent1">
+              <a:shade val="50000"/>
+            </a:schemeClr>
+          </a:lnRef>
+          <a:fillRef idx="1">
+            <a:schemeClr val="accent1"/>
+          </a:fillRef>
+          <a:effectRef idx="0">
+            <a:schemeClr val="accent1"/>
+          </a:effectRef>
+          <a:fontRef idx="minor">
+            <a:schemeClr val="lt1"/>
+          </a:fontRef>
+        </p:style>
+        <p:txBody>
+          <a:bodyPr rtlCol="0" anchor="ctr"/>
+          <a:lstStyle/>
+          <a:p>
+            <a:pPr algn="ctr"/>
+            <a:r>
+              <a:rPr lang="en-US" altLang="ko-KR" sz="1400" dirty="0">
+                <a:solidFill>
+                  <a:schemeClr val="tx1"/>
+                </a:solidFill>
+              </a:rPr>
+              <a:t>…</a:t>
+            </a:r>
+            <a:endParaRPr lang="ko-KR" altLang="en-US" sz="1400" dirty="0">
+              <a:solidFill>
+                <a:schemeClr val="tx1"/>
+              </a:solidFill>
+            </a:endParaRPr>
+          </a:p>
+        </p:txBody>
+      </p:sp>
+      <p:sp>
+        <p:nvSpPr>
+          <p:cNvPr id="28" name="직사각형 27">
+            <a:extLst>
+              <a:ext uri="{FF2B5EF4-FFF2-40B4-BE49-F238E27FC236}">
+                <a16:creationId xmlns:a16="http://schemas.microsoft.com/office/drawing/2014/main" id="{33AE360B-203E-45CA-A060-283721CC2D24}"/>
+              </a:ext>
+            </a:extLst>
+          </p:cNvPr>
+          <p:cNvSpPr/>
+          <p:nvPr/>
+        </p:nvSpPr>
+        <p:spPr>
+          <a:xfrm>
+            <a:off x="1067094" y="5731230"/>
+            <a:ext cx="1543987" cy="244440"/>
+          </a:xfrm>
+          <a:prstGeom prst="rect">
+            <a:avLst/>
+          </a:prstGeom>
+          <a:noFill/>
+          <a:ln>
+            <a:solidFill>
+              <a:schemeClr val="accent2"/>
+            </a:solidFill>
+          </a:ln>
+        </p:spPr>
+        <p:style>
+          <a:lnRef idx="2">
+            <a:schemeClr val="accent1">
+              <a:shade val="50000"/>
+            </a:schemeClr>
+          </a:lnRef>
+          <a:fillRef idx="1">
+            <a:schemeClr val="accent1"/>
+          </a:fillRef>
+          <a:effectRef idx="0">
+            <a:schemeClr val="accent1"/>
+          </a:effectRef>
+          <a:fontRef idx="minor">
+            <a:schemeClr val="lt1"/>
+          </a:fontRef>
+        </p:style>
+        <p:txBody>
+          <a:bodyPr rtlCol="0" anchor="ctr"/>
+          <a:lstStyle/>
+          <a:p>
+            <a:pPr algn="ctr"/>
+            <a:r>
+              <a:rPr lang="en-US" altLang="ko-KR" sz="1400" dirty="0">
+                <a:solidFill>
+                  <a:schemeClr val="tx1"/>
+                </a:solidFill>
+              </a:rPr>
+              <a:t>…</a:t>
+            </a:r>
+            <a:endParaRPr lang="ko-KR" altLang="en-US" sz="1400" dirty="0">
+              <a:solidFill>
+                <a:schemeClr val="tx1"/>
+              </a:solidFill>
+            </a:endParaRPr>
+          </a:p>
+        </p:txBody>
+      </p:sp>
+      <p:sp>
+        <p:nvSpPr>
+          <p:cNvPr id="29" name="TextBox 28">
+            <a:extLst>
+              <a:ext uri="{FF2B5EF4-FFF2-40B4-BE49-F238E27FC236}">
+                <a16:creationId xmlns:a16="http://schemas.microsoft.com/office/drawing/2014/main" id="{35C49857-C9D7-4845-9C21-EF99CF092D35}"/>
+              </a:ext>
+            </a:extLst>
+          </p:cNvPr>
+          <p:cNvSpPr txBox="1"/>
+          <p:nvPr/>
+        </p:nvSpPr>
+        <p:spPr>
+          <a:xfrm>
+            <a:off x="1004985" y="4753904"/>
+            <a:ext cx="1543988" cy="646331"/>
+          </a:xfrm>
+          <a:prstGeom prst="rect">
+            <a:avLst/>
+          </a:prstGeom>
+          <a:noFill/>
+        </p:spPr>
+        <p:txBody>
+          <a:bodyPr wrap="square" rtlCol="0">
+            <a:spAutoFit/>
+          </a:bodyPr>
+          <a:lstStyle/>
+          <a:p>
+            <a:pPr algn="ctr"/>
+            <a:r>
+              <a:rPr lang="en-US" altLang="ko-KR" sz="1200" dirty="0"/>
+              <a:t>…</a:t>
+            </a:r>
+          </a:p>
+          <a:p>
+            <a:pPr algn="ctr"/>
+            <a:r>
+              <a:rPr lang="en-US" altLang="ko-KR" sz="1200" dirty="0"/>
+              <a:t>…</a:t>
+            </a:r>
+          </a:p>
+          <a:p>
+            <a:pPr algn="ctr"/>
+            <a:r>
+              <a:rPr lang="en-US" altLang="ko-KR" sz="1200" dirty="0"/>
+              <a:t>…</a:t>
+            </a:r>
+          </a:p>
+        </p:txBody>
+      </p:sp>
+      <p:sp>
+        <p:nvSpPr>
+          <p:cNvPr id="30" name="직사각형 29">
+            <a:extLst>
+              <a:ext uri="{FF2B5EF4-FFF2-40B4-BE49-F238E27FC236}">
+                <a16:creationId xmlns:a16="http://schemas.microsoft.com/office/drawing/2014/main" id="{23E8B9D0-6B7A-42B8-B30E-1F7E4304A128}"/>
+              </a:ext>
+            </a:extLst>
+          </p:cNvPr>
+          <p:cNvSpPr/>
+          <p:nvPr/>
+        </p:nvSpPr>
+        <p:spPr>
+          <a:xfrm>
+            <a:off x="1067094" y="4240045"/>
+            <a:ext cx="1543987" cy="244440"/>
+          </a:xfrm>
+          <a:prstGeom prst="rect">
+            <a:avLst/>
+          </a:prstGeom>
+          <a:noFill/>
+          <a:ln>
+            <a:solidFill>
+              <a:schemeClr val="accent2"/>
+            </a:solidFill>
+          </a:ln>
+        </p:spPr>
+        <p:style>
+          <a:lnRef idx="2">
+            <a:schemeClr val="accent1">
+              <a:shade val="50000"/>
+            </a:schemeClr>
+          </a:lnRef>
+          <a:fillRef idx="1">
+            <a:schemeClr val="accent1"/>
+          </a:fillRef>
+          <a:effectRef idx="0">
+            <a:schemeClr val="accent1"/>
+          </a:effectRef>
+          <a:fontRef idx="minor">
+            <a:schemeClr val="lt1"/>
+          </a:fontRef>
+        </p:style>
+        <p:txBody>
+          <a:bodyPr rtlCol="0" anchor="ctr"/>
+          <a:lstStyle/>
+          <a:p>
+            <a:pPr algn="ctr"/>
+            <a:r>
+              <a:rPr lang="en-US" altLang="ko-KR" sz="1400" dirty="0">
+                <a:solidFill>
+                  <a:schemeClr val="tx1"/>
+                </a:solidFill>
+              </a:rPr>
+              <a:t>…</a:t>
+            </a:r>
+            <a:endParaRPr lang="ko-KR" altLang="en-US" sz="1400" dirty="0">
+              <a:solidFill>
+                <a:schemeClr val="tx1"/>
+              </a:solidFill>
+            </a:endParaRPr>
+          </a:p>
+        </p:txBody>
+      </p:sp>
+      <p:sp>
+        <p:nvSpPr>
+          <p:cNvPr id="31" name="TextBox 30">
+            <a:extLst>
+              <a:ext uri="{FF2B5EF4-FFF2-40B4-BE49-F238E27FC236}">
+                <a16:creationId xmlns:a16="http://schemas.microsoft.com/office/drawing/2014/main" id="{914B8A66-0E9E-4C04-8DFC-763A7ED13E01}"/>
+              </a:ext>
+            </a:extLst>
+          </p:cNvPr>
+          <p:cNvSpPr txBox="1"/>
+          <p:nvPr/>
+        </p:nvSpPr>
+        <p:spPr>
+          <a:xfrm>
+            <a:off x="1039909" y="6076271"/>
+            <a:ext cx="1571172" cy="461665"/>
+          </a:xfrm>
+          <a:prstGeom prst="rect">
+            <a:avLst/>
+          </a:prstGeom>
+          <a:noFill/>
+        </p:spPr>
+        <p:txBody>
+          <a:bodyPr wrap="square" rtlCol="0">
+            <a:spAutoFit/>
+          </a:bodyPr>
+          <a:lstStyle/>
+          <a:p>
+            <a:pPr algn="ctr"/>
+            <a:r>
+              <a:rPr lang="en-US" altLang="ko-KR" sz="1200" dirty="0"/>
+              <a:t>MAX sequence length X 512</a:t>
+            </a:r>
+          </a:p>
+        </p:txBody>
+      </p:sp>
+      <p:sp>
+        <p:nvSpPr>
+          <p:cNvPr id="32" name="직사각형 31">
+            <a:extLst>
+              <a:ext uri="{FF2B5EF4-FFF2-40B4-BE49-F238E27FC236}">
+                <a16:creationId xmlns:a16="http://schemas.microsoft.com/office/drawing/2014/main" id="{BF5ACA41-6F9B-4259-B5D3-9342C50CAB31}"/>
+              </a:ext>
+            </a:extLst>
+          </p:cNvPr>
+          <p:cNvSpPr/>
+          <p:nvPr/>
+        </p:nvSpPr>
+        <p:spPr>
+          <a:xfrm>
+            <a:off x="2837452" y="3724412"/>
+            <a:ext cx="611387" cy="440997"/>
+          </a:xfrm>
+          <a:prstGeom prst="rect">
+            <a:avLst/>
+          </a:prstGeom>
+          <a:noFill/>
+          <a:ln w="19050">
+            <a:solidFill>
+              <a:schemeClr val="accent5"/>
+            </a:solidFill>
+          </a:ln>
+        </p:spPr>
+        <p:style>
+          <a:lnRef idx="2">
+            <a:schemeClr val="accent1">
+              <a:shade val="50000"/>
+            </a:schemeClr>
+          </a:lnRef>
+          <a:fillRef idx="1">
+            <a:schemeClr val="accent1"/>
+          </a:fillRef>
+          <a:effectRef idx="0">
+            <a:schemeClr val="accent1"/>
+          </a:effectRef>
+          <a:fontRef idx="minor">
+            <a:schemeClr val="lt1"/>
+          </a:fontRef>
+        </p:style>
+        <p:txBody>
+          <a:bodyPr rtlCol="0" anchor="ctr"/>
+          <a:lstStyle/>
+          <a:p>
+            <a:pPr algn="ctr"/>
+            <a:r>
+              <a:rPr lang="en-US" altLang="ko-KR" sz="1400" dirty="0">
+                <a:solidFill>
+                  <a:schemeClr val="tx1"/>
+                </a:solidFill>
+              </a:rPr>
+              <a:t>Wq</a:t>
+            </a:r>
+            <a:endParaRPr lang="ko-KR" altLang="en-US" sz="1400" dirty="0">
+              <a:solidFill>
+                <a:schemeClr val="tx1"/>
+              </a:solidFill>
+            </a:endParaRPr>
+          </a:p>
+        </p:txBody>
+      </p:sp>
+      <p:sp>
+        <p:nvSpPr>
+          <p:cNvPr id="33" name="직사각형 32">
+            <a:extLst>
+              <a:ext uri="{FF2B5EF4-FFF2-40B4-BE49-F238E27FC236}">
+                <a16:creationId xmlns:a16="http://schemas.microsoft.com/office/drawing/2014/main" id="{D29025AD-A7ED-457F-9C86-71DEEADAECF1}"/>
+              </a:ext>
+            </a:extLst>
+          </p:cNvPr>
+          <p:cNvSpPr/>
+          <p:nvPr/>
+        </p:nvSpPr>
+        <p:spPr>
+          <a:xfrm>
+            <a:off x="2837452" y="4622885"/>
+            <a:ext cx="611387" cy="440997"/>
+          </a:xfrm>
+          <a:prstGeom prst="rect">
+            <a:avLst/>
+          </a:prstGeom>
+          <a:noFill/>
+          <a:ln w="19050">
+            <a:solidFill>
+              <a:schemeClr val="accent5"/>
+            </a:solidFill>
+          </a:ln>
+        </p:spPr>
+        <p:style>
+          <a:lnRef idx="2">
+            <a:schemeClr val="accent1">
+              <a:shade val="50000"/>
+            </a:schemeClr>
+          </a:lnRef>
+          <a:fillRef idx="1">
+            <a:schemeClr val="accent1"/>
+          </a:fillRef>
+          <a:effectRef idx="0">
+            <a:schemeClr val="accent1"/>
+          </a:effectRef>
+          <a:fontRef idx="minor">
+            <a:schemeClr val="lt1"/>
+          </a:fontRef>
+        </p:style>
+        <p:txBody>
+          <a:bodyPr rtlCol="0" anchor="ctr"/>
+          <a:lstStyle/>
+          <a:p>
+            <a:pPr algn="ctr"/>
+            <a:r>
+              <a:rPr lang="en-US" altLang="ko-KR" sz="1400" dirty="0">
+                <a:solidFill>
+                  <a:schemeClr val="tx1"/>
+                </a:solidFill>
+              </a:rPr>
+              <a:t>Wk</a:t>
+            </a:r>
+            <a:endParaRPr lang="ko-KR" altLang="en-US" sz="1400" dirty="0">
+              <a:solidFill>
+                <a:schemeClr val="tx1"/>
+              </a:solidFill>
+            </a:endParaRPr>
+          </a:p>
+        </p:txBody>
+      </p:sp>
+      <p:sp>
+        <p:nvSpPr>
+          <p:cNvPr id="34" name="직사각형 33">
+            <a:extLst>
+              <a:ext uri="{FF2B5EF4-FFF2-40B4-BE49-F238E27FC236}">
+                <a16:creationId xmlns:a16="http://schemas.microsoft.com/office/drawing/2014/main" id="{D027DB63-953F-491A-B99F-BFB864805A27}"/>
+              </a:ext>
+            </a:extLst>
+          </p:cNvPr>
+          <p:cNvSpPr/>
+          <p:nvPr/>
+        </p:nvSpPr>
+        <p:spPr>
+          <a:xfrm>
+            <a:off x="2837452" y="5517755"/>
+            <a:ext cx="611387" cy="440997"/>
+          </a:xfrm>
+          <a:prstGeom prst="rect">
+            <a:avLst/>
+          </a:prstGeom>
+          <a:noFill/>
+          <a:ln w="19050">
+            <a:solidFill>
+              <a:schemeClr val="accent5"/>
+            </a:solidFill>
+          </a:ln>
+        </p:spPr>
+        <p:style>
+          <a:lnRef idx="2">
+            <a:schemeClr val="accent1">
+              <a:shade val="50000"/>
+            </a:schemeClr>
+          </a:lnRef>
+          <a:fillRef idx="1">
+            <a:schemeClr val="accent1"/>
+          </a:fillRef>
+          <a:effectRef idx="0">
+            <a:schemeClr val="accent1"/>
+          </a:effectRef>
+          <a:fontRef idx="minor">
+            <a:schemeClr val="lt1"/>
+          </a:fontRef>
+        </p:style>
+        <p:txBody>
+          <a:bodyPr rtlCol="0" anchor="ctr"/>
+          <a:lstStyle/>
+          <a:p>
+            <a:pPr algn="ctr"/>
+            <a:r>
+              <a:rPr lang="en-US" altLang="ko-KR" sz="1400" dirty="0">
+                <a:solidFill>
+                  <a:schemeClr val="tx1"/>
+                </a:solidFill>
+              </a:rPr>
+              <a:t>Wv</a:t>
+            </a:r>
+            <a:endParaRPr lang="ko-KR" altLang="en-US" sz="1400" dirty="0">
+              <a:solidFill>
+                <a:schemeClr val="tx1"/>
+              </a:solidFill>
+            </a:endParaRPr>
+          </a:p>
+        </p:txBody>
+      </p:sp>
+      <p:grpSp>
+        <p:nvGrpSpPr>
+          <p:cNvPr id="41" name="그룹 40">
+            <a:extLst>
+              <a:ext uri="{FF2B5EF4-FFF2-40B4-BE49-F238E27FC236}">
+                <a16:creationId xmlns:a16="http://schemas.microsoft.com/office/drawing/2014/main" id="{40FBDF99-CB6C-45AC-AFBA-03CFAE8F4BB0}"/>
+              </a:ext>
+            </a:extLst>
+          </p:cNvPr>
+          <p:cNvGrpSpPr/>
+          <p:nvPr/>
+        </p:nvGrpSpPr>
+        <p:grpSpPr>
+          <a:xfrm>
+            <a:off x="3588000" y="3581758"/>
+            <a:ext cx="1040684" cy="760578"/>
+            <a:chOff x="3586750" y="3617049"/>
+            <a:chExt cx="1040684" cy="867438"/>
+          </a:xfrm>
+        </p:grpSpPr>
+        <p:sp>
+          <p:nvSpPr>
+            <p:cNvPr id="35" name="직사각형 34">
+              <a:extLst>
+                <a:ext uri="{FF2B5EF4-FFF2-40B4-BE49-F238E27FC236}">
+                  <a16:creationId xmlns:a16="http://schemas.microsoft.com/office/drawing/2014/main" id="{4586C695-B53D-41DC-8F45-4FFF529132A6}"/>
+                </a:ext>
+              </a:extLst>
+            </p:cNvPr>
+            <p:cNvSpPr/>
+            <p:nvPr/>
+          </p:nvSpPr>
+          <p:spPr>
+            <a:xfrm rot="5400000">
+              <a:off x="3254496" y="3949303"/>
+              <a:ext cx="867438" cy="202930"/>
+            </a:xfrm>
+            <a:prstGeom prst="rect">
+              <a:avLst/>
+            </a:prstGeom>
+            <a:noFill/>
+            <a:ln>
+              <a:solidFill>
+                <a:schemeClr val="accent2"/>
+              </a:solidFill>
+            </a:ln>
+          </p:spPr>
+          <p:style>
+            <a:lnRef idx="2">
+              <a:schemeClr val="accent1">
+                <a:shade val="50000"/>
+              </a:schemeClr>
+            </a:lnRef>
+            <a:fillRef idx="1">
+              <a:schemeClr val="accent1"/>
+            </a:fillRef>
+            <a:effectRef idx="0">
+              <a:schemeClr val="accent1"/>
+            </a:effectRef>
+            <a:fontRef idx="minor">
+              <a:schemeClr val="lt1"/>
+            </a:fontRef>
+          </p:style>
+          <p:txBody>
+            <a:bodyPr rtlCol="0" anchor="ctr"/>
+            <a:lstStyle/>
+            <a:p>
+              <a:pPr algn="ctr"/>
+              <a:r>
+                <a:rPr lang="en-US" altLang="ko-KR" sz="1400" dirty="0">
+                  <a:solidFill>
+                    <a:schemeClr val="tx1"/>
+                  </a:solidFill>
+                </a:rPr>
+                <a:t>…</a:t>
+              </a:r>
+              <a:endParaRPr lang="ko-KR" altLang="en-US" sz="1400" dirty="0">
+                <a:solidFill>
+                  <a:schemeClr val="tx1"/>
+                </a:solidFill>
+              </a:endParaRPr>
+            </a:p>
+          </p:txBody>
+        </p:sp>
+        <p:sp>
+          <p:nvSpPr>
+            <p:cNvPr id="36" name="직사각형 35">
+              <a:extLst>
+                <a:ext uri="{FF2B5EF4-FFF2-40B4-BE49-F238E27FC236}">
+                  <a16:creationId xmlns:a16="http://schemas.microsoft.com/office/drawing/2014/main" id="{000F6D6C-9974-4B96-AFBD-6B66213EA5F3}"/>
+                </a:ext>
+              </a:extLst>
+            </p:cNvPr>
+            <p:cNvSpPr/>
+            <p:nvPr/>
+          </p:nvSpPr>
+          <p:spPr>
+            <a:xfrm rot="5400000">
+              <a:off x="4092250" y="3949303"/>
+              <a:ext cx="867438" cy="202930"/>
+            </a:xfrm>
+            <a:prstGeom prst="rect">
+              <a:avLst/>
+            </a:prstGeom>
+            <a:noFill/>
+            <a:ln>
+              <a:solidFill>
+                <a:schemeClr val="accent2"/>
+              </a:solidFill>
+            </a:ln>
+          </p:spPr>
+          <p:style>
+            <a:lnRef idx="2">
+              <a:schemeClr val="accent1">
+                <a:shade val="50000"/>
+              </a:schemeClr>
+            </a:lnRef>
+            <a:fillRef idx="1">
+              <a:schemeClr val="accent1"/>
+            </a:fillRef>
+            <a:effectRef idx="0">
+              <a:schemeClr val="accent1"/>
+            </a:effectRef>
+            <a:fontRef idx="minor">
+              <a:schemeClr val="lt1"/>
+            </a:fontRef>
+          </p:style>
+          <p:txBody>
+            <a:bodyPr rtlCol="0" anchor="ctr"/>
+            <a:lstStyle/>
+            <a:p>
+              <a:pPr algn="ctr"/>
+              <a:r>
+                <a:rPr lang="en-US" altLang="ko-KR" sz="1400" dirty="0">
+                  <a:solidFill>
+                    <a:schemeClr val="tx1"/>
+                  </a:solidFill>
+                </a:rPr>
+                <a:t>…</a:t>
+              </a:r>
+              <a:endParaRPr lang="ko-KR" altLang="en-US" sz="1400" dirty="0">
+                <a:solidFill>
+                  <a:schemeClr val="tx1"/>
+                </a:solidFill>
+              </a:endParaRPr>
+            </a:p>
+          </p:txBody>
+        </p:sp>
+        <p:sp>
+          <p:nvSpPr>
+            <p:cNvPr id="37" name="TextBox 36">
+              <a:extLst>
+                <a:ext uri="{FF2B5EF4-FFF2-40B4-BE49-F238E27FC236}">
+                  <a16:creationId xmlns:a16="http://schemas.microsoft.com/office/drawing/2014/main" id="{3061DF96-7E70-48BE-BD32-28C5FE967669}"/>
+                </a:ext>
+              </a:extLst>
+            </p:cNvPr>
+            <p:cNvSpPr txBox="1"/>
+            <p:nvPr/>
+          </p:nvSpPr>
+          <p:spPr>
+            <a:xfrm rot="5400000">
+              <a:off x="3794925" y="3733139"/>
+              <a:ext cx="663524" cy="646331"/>
+            </a:xfrm>
+            <a:prstGeom prst="rect">
+              <a:avLst/>
+            </a:prstGeom>
+            <a:noFill/>
+          </p:spPr>
+          <p:txBody>
+            <a:bodyPr wrap="square" rtlCol="0">
+              <a:spAutoFit/>
+            </a:bodyPr>
+            <a:lstStyle/>
+            <a:p>
+              <a:pPr algn="ctr"/>
+              <a:r>
+                <a:rPr lang="en-US" altLang="ko-KR" sz="1200" dirty="0"/>
+                <a:t>…</a:t>
+              </a:r>
+            </a:p>
+            <a:p>
+              <a:pPr algn="ctr"/>
+              <a:r>
+                <a:rPr lang="en-US" altLang="ko-KR" sz="1200" dirty="0"/>
+                <a:t>…</a:t>
+              </a:r>
+            </a:p>
+            <a:p>
+              <a:pPr algn="ctr"/>
+              <a:r>
+                <a:rPr lang="en-US" altLang="ko-KR" sz="1200" dirty="0"/>
+                <a:t>…</a:t>
+              </a:r>
+            </a:p>
+          </p:txBody>
+        </p:sp>
+      </p:grpSp>
+      <p:grpSp>
+        <p:nvGrpSpPr>
+          <p:cNvPr id="42" name="그룹 41">
+            <a:extLst>
+              <a:ext uri="{FF2B5EF4-FFF2-40B4-BE49-F238E27FC236}">
+                <a16:creationId xmlns:a16="http://schemas.microsoft.com/office/drawing/2014/main" id="{C80909D1-AA30-4CF5-9446-4C64BAF94A46}"/>
+              </a:ext>
+            </a:extLst>
+          </p:cNvPr>
+          <p:cNvGrpSpPr/>
+          <p:nvPr/>
+        </p:nvGrpSpPr>
+        <p:grpSpPr>
+          <a:xfrm>
+            <a:off x="3588000" y="4486142"/>
+            <a:ext cx="1040684" cy="760578"/>
+            <a:chOff x="3586750" y="3617049"/>
+            <a:chExt cx="1040684" cy="867438"/>
+          </a:xfrm>
+        </p:grpSpPr>
+        <p:sp>
+          <p:nvSpPr>
+            <p:cNvPr id="43" name="직사각형 42">
+              <a:extLst>
+                <a:ext uri="{FF2B5EF4-FFF2-40B4-BE49-F238E27FC236}">
+                  <a16:creationId xmlns:a16="http://schemas.microsoft.com/office/drawing/2014/main" id="{12FD4C35-186E-4073-BF6C-00C2564508F8}"/>
+                </a:ext>
+              </a:extLst>
+            </p:cNvPr>
+            <p:cNvSpPr/>
+            <p:nvPr/>
+          </p:nvSpPr>
+          <p:spPr>
+            <a:xfrm rot="5400000">
+              <a:off x="3254496" y="3949303"/>
+              <a:ext cx="867438" cy="202930"/>
+            </a:xfrm>
+            <a:prstGeom prst="rect">
+              <a:avLst/>
+            </a:prstGeom>
+            <a:noFill/>
+            <a:ln>
+              <a:solidFill>
+                <a:schemeClr val="accent2"/>
+              </a:solidFill>
+            </a:ln>
+          </p:spPr>
+          <p:style>
+            <a:lnRef idx="2">
+              <a:schemeClr val="accent1">
+                <a:shade val="50000"/>
+              </a:schemeClr>
+            </a:lnRef>
+            <a:fillRef idx="1">
+              <a:schemeClr val="accent1"/>
+            </a:fillRef>
+            <a:effectRef idx="0">
+              <a:schemeClr val="accent1"/>
+            </a:effectRef>
+            <a:fontRef idx="minor">
+              <a:schemeClr val="lt1"/>
+            </a:fontRef>
+          </p:style>
+          <p:txBody>
+            <a:bodyPr rtlCol="0" anchor="ctr"/>
+            <a:lstStyle/>
+            <a:p>
+              <a:pPr algn="ctr"/>
+              <a:r>
+                <a:rPr lang="en-US" altLang="ko-KR" sz="1400" dirty="0">
+                  <a:solidFill>
+                    <a:schemeClr val="tx1"/>
+                  </a:solidFill>
+                </a:rPr>
+                <a:t>…</a:t>
+              </a:r>
+              <a:endParaRPr lang="ko-KR" altLang="en-US" sz="1400" dirty="0">
+                <a:solidFill>
+                  <a:schemeClr val="tx1"/>
+                </a:solidFill>
+              </a:endParaRPr>
+            </a:p>
+          </p:txBody>
+        </p:sp>
+        <p:sp>
+          <p:nvSpPr>
+            <p:cNvPr id="44" name="직사각형 43">
+              <a:extLst>
+                <a:ext uri="{FF2B5EF4-FFF2-40B4-BE49-F238E27FC236}">
+                  <a16:creationId xmlns:a16="http://schemas.microsoft.com/office/drawing/2014/main" id="{E5F85398-DD1C-4013-A58B-88E7E43E8F3F}"/>
+                </a:ext>
+              </a:extLst>
+            </p:cNvPr>
+            <p:cNvSpPr/>
+            <p:nvPr/>
+          </p:nvSpPr>
+          <p:spPr>
+            <a:xfrm rot="5400000">
+              <a:off x="4092250" y="3949303"/>
+              <a:ext cx="867438" cy="202930"/>
+            </a:xfrm>
+            <a:prstGeom prst="rect">
+              <a:avLst/>
+            </a:prstGeom>
+            <a:noFill/>
+            <a:ln>
+              <a:solidFill>
+                <a:schemeClr val="accent2"/>
+              </a:solidFill>
+            </a:ln>
+          </p:spPr>
+          <p:style>
+            <a:lnRef idx="2">
+              <a:schemeClr val="accent1">
+                <a:shade val="50000"/>
+              </a:schemeClr>
+            </a:lnRef>
+            <a:fillRef idx="1">
+              <a:schemeClr val="accent1"/>
+            </a:fillRef>
+            <a:effectRef idx="0">
+              <a:schemeClr val="accent1"/>
+            </a:effectRef>
+            <a:fontRef idx="minor">
+              <a:schemeClr val="lt1"/>
+            </a:fontRef>
+          </p:style>
+          <p:txBody>
+            <a:bodyPr rtlCol="0" anchor="ctr"/>
+            <a:lstStyle/>
+            <a:p>
+              <a:pPr algn="ctr"/>
+              <a:r>
+                <a:rPr lang="en-US" altLang="ko-KR" sz="1400" dirty="0">
+                  <a:solidFill>
+                    <a:schemeClr val="tx1"/>
+                  </a:solidFill>
+                </a:rPr>
+                <a:t>…</a:t>
+              </a:r>
+              <a:endParaRPr lang="ko-KR" altLang="en-US" sz="1400" dirty="0">
+                <a:solidFill>
+                  <a:schemeClr val="tx1"/>
+                </a:solidFill>
+              </a:endParaRPr>
+            </a:p>
+          </p:txBody>
+        </p:sp>
+        <p:sp>
+          <p:nvSpPr>
+            <p:cNvPr id="45" name="TextBox 44">
+              <a:extLst>
+                <a:ext uri="{FF2B5EF4-FFF2-40B4-BE49-F238E27FC236}">
+                  <a16:creationId xmlns:a16="http://schemas.microsoft.com/office/drawing/2014/main" id="{80805951-571F-4A09-9A23-F2D3AD6FF01C}"/>
+                </a:ext>
+              </a:extLst>
+            </p:cNvPr>
+            <p:cNvSpPr txBox="1"/>
+            <p:nvPr/>
+          </p:nvSpPr>
+          <p:spPr>
+            <a:xfrm rot="5400000">
+              <a:off x="3794925" y="3733139"/>
+              <a:ext cx="663524" cy="646331"/>
+            </a:xfrm>
+            <a:prstGeom prst="rect">
+              <a:avLst/>
+            </a:prstGeom>
+            <a:noFill/>
+          </p:spPr>
+          <p:txBody>
+            <a:bodyPr wrap="square" rtlCol="0">
+              <a:spAutoFit/>
+            </a:bodyPr>
+            <a:lstStyle/>
+            <a:p>
+              <a:pPr algn="ctr"/>
+              <a:r>
+                <a:rPr lang="en-US" altLang="ko-KR" sz="1200" dirty="0"/>
+                <a:t>…</a:t>
+              </a:r>
+            </a:p>
+            <a:p>
+              <a:pPr algn="ctr"/>
+              <a:r>
+                <a:rPr lang="en-US" altLang="ko-KR" sz="1200" dirty="0"/>
+                <a:t>…</a:t>
+              </a:r>
+            </a:p>
+            <a:p>
+              <a:pPr algn="ctr"/>
+              <a:r>
+                <a:rPr lang="en-US" altLang="ko-KR" sz="1200" dirty="0"/>
+                <a:t>…</a:t>
+              </a:r>
+            </a:p>
+          </p:txBody>
+        </p:sp>
+      </p:grpSp>
+      <p:grpSp>
+        <p:nvGrpSpPr>
+          <p:cNvPr id="46" name="그룹 45">
+            <a:extLst>
+              <a:ext uri="{FF2B5EF4-FFF2-40B4-BE49-F238E27FC236}">
+                <a16:creationId xmlns:a16="http://schemas.microsoft.com/office/drawing/2014/main" id="{990DFA32-4A4C-4FAA-B1CA-CF7C402CAFDC}"/>
+              </a:ext>
+            </a:extLst>
+          </p:cNvPr>
+          <p:cNvGrpSpPr/>
+          <p:nvPr/>
+        </p:nvGrpSpPr>
+        <p:grpSpPr>
+          <a:xfrm>
+            <a:off x="3588000" y="5400235"/>
+            <a:ext cx="1040684" cy="760578"/>
+            <a:chOff x="3586750" y="3617049"/>
+            <a:chExt cx="1040684" cy="867438"/>
+          </a:xfrm>
+        </p:grpSpPr>
+        <p:sp>
+          <p:nvSpPr>
+            <p:cNvPr id="47" name="직사각형 46">
+              <a:extLst>
+                <a:ext uri="{FF2B5EF4-FFF2-40B4-BE49-F238E27FC236}">
+                  <a16:creationId xmlns:a16="http://schemas.microsoft.com/office/drawing/2014/main" id="{18F3069C-14BC-4BDB-A987-3CDE77115599}"/>
+                </a:ext>
+              </a:extLst>
+            </p:cNvPr>
+            <p:cNvSpPr/>
+            <p:nvPr/>
+          </p:nvSpPr>
+          <p:spPr>
+            <a:xfrm rot="5400000">
+              <a:off x="3254496" y="3949303"/>
+              <a:ext cx="867438" cy="202930"/>
+            </a:xfrm>
+            <a:prstGeom prst="rect">
+              <a:avLst/>
+            </a:prstGeom>
+            <a:noFill/>
+            <a:ln>
+              <a:solidFill>
+                <a:schemeClr val="accent2"/>
+              </a:solidFill>
+            </a:ln>
+          </p:spPr>
+          <p:style>
+            <a:lnRef idx="2">
+              <a:schemeClr val="accent1">
+                <a:shade val="50000"/>
+              </a:schemeClr>
+            </a:lnRef>
+            <a:fillRef idx="1">
+              <a:schemeClr val="accent1"/>
+            </a:fillRef>
+            <a:effectRef idx="0">
+              <a:schemeClr val="accent1"/>
+            </a:effectRef>
+            <a:fontRef idx="minor">
+              <a:schemeClr val="lt1"/>
+            </a:fontRef>
+          </p:style>
+          <p:txBody>
+            <a:bodyPr rtlCol="0" anchor="ctr"/>
+            <a:lstStyle/>
+            <a:p>
+              <a:pPr algn="ctr"/>
+              <a:r>
+                <a:rPr lang="en-US" altLang="ko-KR" sz="1400" dirty="0">
+                  <a:solidFill>
+                    <a:schemeClr val="tx1"/>
+                  </a:solidFill>
+                </a:rPr>
+                <a:t>…</a:t>
+              </a:r>
+              <a:endParaRPr lang="ko-KR" altLang="en-US" sz="1400" dirty="0">
+                <a:solidFill>
+                  <a:schemeClr val="tx1"/>
+                </a:solidFill>
+              </a:endParaRPr>
+            </a:p>
+          </p:txBody>
+        </p:sp>
+        <p:sp>
+          <p:nvSpPr>
+            <p:cNvPr id="48" name="직사각형 47">
+              <a:extLst>
+                <a:ext uri="{FF2B5EF4-FFF2-40B4-BE49-F238E27FC236}">
+                  <a16:creationId xmlns:a16="http://schemas.microsoft.com/office/drawing/2014/main" id="{344D95E6-2CD3-4B85-A582-B472D0780226}"/>
+                </a:ext>
+              </a:extLst>
+            </p:cNvPr>
+            <p:cNvSpPr/>
+            <p:nvPr/>
+          </p:nvSpPr>
+          <p:spPr>
+            <a:xfrm rot="5400000">
+              <a:off x="4092250" y="3949303"/>
+              <a:ext cx="867438" cy="202930"/>
+            </a:xfrm>
+            <a:prstGeom prst="rect">
+              <a:avLst/>
+            </a:prstGeom>
+            <a:noFill/>
+            <a:ln>
+              <a:solidFill>
+                <a:schemeClr val="accent2"/>
+              </a:solidFill>
+            </a:ln>
+          </p:spPr>
+          <p:style>
+            <a:lnRef idx="2">
+              <a:schemeClr val="accent1">
+                <a:shade val="50000"/>
+              </a:schemeClr>
+            </a:lnRef>
+            <a:fillRef idx="1">
+              <a:schemeClr val="accent1"/>
+            </a:fillRef>
+            <a:effectRef idx="0">
+              <a:schemeClr val="accent1"/>
+            </a:effectRef>
+            <a:fontRef idx="minor">
+              <a:schemeClr val="lt1"/>
+            </a:fontRef>
+          </p:style>
+          <p:txBody>
+            <a:bodyPr rtlCol="0" anchor="ctr"/>
+            <a:lstStyle/>
+            <a:p>
+              <a:pPr algn="ctr"/>
+              <a:r>
+                <a:rPr lang="en-US" altLang="ko-KR" sz="1400" dirty="0">
+                  <a:solidFill>
+                    <a:schemeClr val="tx1"/>
+                  </a:solidFill>
+                </a:rPr>
+                <a:t>…</a:t>
+              </a:r>
+              <a:endParaRPr lang="ko-KR" altLang="en-US" sz="1400" dirty="0">
+                <a:solidFill>
+                  <a:schemeClr val="tx1"/>
+                </a:solidFill>
+              </a:endParaRPr>
+            </a:p>
+          </p:txBody>
+        </p:sp>
+        <p:sp>
+          <p:nvSpPr>
+            <p:cNvPr id="49" name="TextBox 48">
+              <a:extLst>
+                <a:ext uri="{FF2B5EF4-FFF2-40B4-BE49-F238E27FC236}">
+                  <a16:creationId xmlns:a16="http://schemas.microsoft.com/office/drawing/2014/main" id="{8E011C6B-AAA9-422A-AFDC-8AFE4C329F2C}"/>
+                </a:ext>
+              </a:extLst>
+            </p:cNvPr>
+            <p:cNvSpPr txBox="1"/>
+            <p:nvPr/>
+          </p:nvSpPr>
+          <p:spPr>
+            <a:xfrm rot="5400000">
+              <a:off x="3794925" y="3733139"/>
+              <a:ext cx="663524" cy="646331"/>
+            </a:xfrm>
+            <a:prstGeom prst="rect">
+              <a:avLst/>
+            </a:prstGeom>
+            <a:noFill/>
+          </p:spPr>
+          <p:txBody>
+            <a:bodyPr wrap="square" rtlCol="0">
+              <a:spAutoFit/>
+            </a:bodyPr>
+            <a:lstStyle/>
+            <a:p>
+              <a:pPr algn="ctr"/>
+              <a:r>
+                <a:rPr lang="en-US" altLang="ko-KR" sz="1200" dirty="0"/>
+                <a:t>…</a:t>
+              </a:r>
+            </a:p>
+            <a:p>
+              <a:pPr algn="ctr"/>
+              <a:r>
+                <a:rPr lang="en-US" altLang="ko-KR" sz="1200" dirty="0"/>
+                <a:t>…</a:t>
+              </a:r>
+            </a:p>
+            <a:p>
+              <a:pPr algn="ctr"/>
+              <a:r>
+                <a:rPr lang="en-US" altLang="ko-KR" sz="1200" dirty="0"/>
+                <a:t>…</a:t>
+              </a:r>
+            </a:p>
+          </p:txBody>
+        </p:sp>
+      </p:grpSp>
+      <p:sp>
+        <p:nvSpPr>
+          <p:cNvPr id="50" name="TextBox 49">
+            <a:extLst>
+              <a:ext uri="{FF2B5EF4-FFF2-40B4-BE49-F238E27FC236}">
+                <a16:creationId xmlns:a16="http://schemas.microsoft.com/office/drawing/2014/main" id="{FB664986-F282-415E-B1F3-BFCC87F6098B}"/>
+              </a:ext>
+            </a:extLst>
+          </p:cNvPr>
+          <p:cNvSpPr txBox="1"/>
+          <p:nvPr/>
+        </p:nvSpPr>
+        <p:spPr>
+          <a:xfrm>
+            <a:off x="2611085" y="6169183"/>
+            <a:ext cx="2768178" cy="461665"/>
+          </a:xfrm>
+          <a:prstGeom prst="rect">
+            <a:avLst/>
+          </a:prstGeom>
+          <a:noFill/>
+        </p:spPr>
+        <p:txBody>
+          <a:bodyPr wrap="square" rtlCol="0">
+            <a:spAutoFit/>
+          </a:bodyPr>
+          <a:lstStyle/>
+          <a:p>
+            <a:pPr algn="ctr"/>
+            <a:r>
+              <a:rPr lang="en-US" altLang="ko-KR" sz="1200" dirty="0"/>
+              <a:t>MAX sequence length X 1536 </a:t>
+            </a:r>
+          </a:p>
+          <a:p>
+            <a:pPr algn="ctr"/>
+            <a:r>
+              <a:rPr lang="en-US" altLang="ko-KR" sz="1200" dirty="0"/>
+              <a:t>(Q, K, V vectors split into 8 heads)</a:t>
+            </a:r>
+          </a:p>
+        </p:txBody>
+      </p:sp>
+      <p:sp>
+        <p:nvSpPr>
+          <p:cNvPr id="51" name="직사각형 50">
+            <a:extLst>
+              <a:ext uri="{FF2B5EF4-FFF2-40B4-BE49-F238E27FC236}">
+                <a16:creationId xmlns:a16="http://schemas.microsoft.com/office/drawing/2014/main" id="{A34E35B5-293F-42CA-AC18-EBF41472C2D8}"/>
+              </a:ext>
+            </a:extLst>
+          </p:cNvPr>
+          <p:cNvSpPr/>
+          <p:nvPr/>
+        </p:nvSpPr>
+        <p:spPr>
+          <a:xfrm>
+            <a:off x="4903163" y="3603120"/>
+            <a:ext cx="291997" cy="260265"/>
+          </a:xfrm>
+          <a:prstGeom prst="rect">
+            <a:avLst/>
+          </a:prstGeom>
+          <a:noFill/>
+          <a:ln w="19050">
+            <a:solidFill>
+              <a:schemeClr val="accent6">
+                <a:lumMod val="50000"/>
+              </a:schemeClr>
+            </a:solidFill>
+          </a:ln>
+        </p:spPr>
+        <p:style>
+          <a:lnRef idx="2">
+            <a:schemeClr val="accent1">
+              <a:shade val="50000"/>
+            </a:schemeClr>
+          </a:lnRef>
+          <a:fillRef idx="1">
+            <a:schemeClr val="accent1"/>
+          </a:fillRef>
+          <a:effectRef idx="0">
+            <a:schemeClr val="accent1"/>
+          </a:effectRef>
+          <a:fontRef idx="minor">
+            <a:schemeClr val="lt1"/>
+          </a:fontRef>
+        </p:style>
+        <p:txBody>
+          <a:bodyPr rtlCol="0" anchor="ctr"/>
+          <a:lstStyle/>
+          <a:p>
+            <a:pPr algn="ctr"/>
+            <a:r>
+              <a:rPr lang="en-US" altLang="ko-KR" sz="1200" b="1" dirty="0">
+                <a:solidFill>
+                  <a:schemeClr val="tx1"/>
+                </a:solidFill>
+              </a:rPr>
+              <a:t>X</a:t>
+            </a:r>
+            <a:endParaRPr lang="ko-KR" altLang="en-US" sz="1200" b="1" dirty="0">
+              <a:solidFill>
+                <a:schemeClr val="tx1"/>
+              </a:solidFill>
+            </a:endParaRPr>
+          </a:p>
+        </p:txBody>
+      </p:sp>
+      <p:sp>
+        <p:nvSpPr>
+          <p:cNvPr id="57" name="직사각형 56">
+            <a:extLst>
+              <a:ext uri="{FF2B5EF4-FFF2-40B4-BE49-F238E27FC236}">
+                <a16:creationId xmlns:a16="http://schemas.microsoft.com/office/drawing/2014/main" id="{3A004F92-3E12-4EAF-B9E1-687AAF839431}"/>
+              </a:ext>
+            </a:extLst>
+          </p:cNvPr>
+          <p:cNvSpPr/>
+          <p:nvPr/>
+        </p:nvSpPr>
+        <p:spPr>
+          <a:xfrm>
+            <a:off x="4903163" y="3916575"/>
+            <a:ext cx="291997" cy="260265"/>
+          </a:xfrm>
+          <a:prstGeom prst="rect">
+            <a:avLst/>
+          </a:prstGeom>
+          <a:noFill/>
+          <a:ln w="19050">
+            <a:solidFill>
+              <a:schemeClr val="accent6">
+                <a:lumMod val="50000"/>
+              </a:schemeClr>
+            </a:solidFill>
+          </a:ln>
+        </p:spPr>
+        <p:style>
+          <a:lnRef idx="2">
+            <a:schemeClr val="accent1">
+              <a:shade val="50000"/>
+            </a:schemeClr>
+          </a:lnRef>
+          <a:fillRef idx="1">
+            <a:schemeClr val="accent1"/>
+          </a:fillRef>
+          <a:effectRef idx="0">
+            <a:schemeClr val="accent1"/>
+          </a:effectRef>
+          <a:fontRef idx="minor">
+            <a:schemeClr val="lt1"/>
+          </a:fontRef>
+        </p:style>
+        <p:txBody>
+          <a:bodyPr rtlCol="0" anchor="ctr"/>
+          <a:lstStyle/>
+          <a:p>
+            <a:pPr algn="ctr"/>
+            <a:r>
+              <a:rPr lang="en-US" altLang="ko-KR" sz="1200" b="1" dirty="0">
+                <a:solidFill>
+                  <a:schemeClr val="tx1"/>
+                </a:solidFill>
+              </a:rPr>
+              <a:t>X</a:t>
+            </a:r>
+            <a:endParaRPr lang="ko-KR" altLang="en-US" sz="1200" b="1" dirty="0">
+              <a:solidFill>
+                <a:schemeClr val="tx1"/>
+              </a:solidFill>
+            </a:endParaRPr>
+          </a:p>
+        </p:txBody>
+      </p:sp>
+      <p:sp>
+        <p:nvSpPr>
+          <p:cNvPr id="58" name="직사각형 57">
+            <a:extLst>
+              <a:ext uri="{FF2B5EF4-FFF2-40B4-BE49-F238E27FC236}">
+                <a16:creationId xmlns:a16="http://schemas.microsoft.com/office/drawing/2014/main" id="{C1BB2917-B17F-469A-A0BF-3C56F0AE62E5}"/>
+              </a:ext>
+            </a:extLst>
+          </p:cNvPr>
+          <p:cNvSpPr/>
+          <p:nvPr/>
+        </p:nvSpPr>
+        <p:spPr>
+          <a:xfrm>
+            <a:off x="4903163" y="4224492"/>
+            <a:ext cx="291997" cy="260265"/>
+          </a:xfrm>
+          <a:prstGeom prst="rect">
+            <a:avLst/>
+          </a:prstGeom>
+          <a:noFill/>
+          <a:ln w="19050">
+            <a:solidFill>
+              <a:schemeClr val="accent6">
+                <a:lumMod val="50000"/>
+              </a:schemeClr>
+            </a:solidFill>
+          </a:ln>
+        </p:spPr>
+        <p:style>
+          <a:lnRef idx="2">
+            <a:schemeClr val="accent1">
+              <a:shade val="50000"/>
+            </a:schemeClr>
+          </a:lnRef>
+          <a:fillRef idx="1">
+            <a:schemeClr val="accent1"/>
+          </a:fillRef>
+          <a:effectRef idx="0">
+            <a:schemeClr val="accent1"/>
+          </a:effectRef>
+          <a:fontRef idx="minor">
+            <a:schemeClr val="lt1"/>
+          </a:fontRef>
+        </p:style>
+        <p:txBody>
+          <a:bodyPr rtlCol="0" anchor="ctr"/>
+          <a:lstStyle/>
+          <a:p>
+            <a:pPr algn="ctr"/>
+            <a:r>
+              <a:rPr lang="en-US" altLang="ko-KR" sz="1200" b="1" dirty="0">
+                <a:solidFill>
+                  <a:schemeClr val="tx1"/>
+                </a:solidFill>
+              </a:rPr>
+              <a:t>X</a:t>
+            </a:r>
+            <a:endParaRPr lang="ko-KR" altLang="en-US" sz="1200" b="1" dirty="0">
+              <a:solidFill>
+                <a:schemeClr val="tx1"/>
+              </a:solidFill>
+            </a:endParaRPr>
+          </a:p>
+        </p:txBody>
+      </p:sp>
+      <p:sp>
+        <p:nvSpPr>
+          <p:cNvPr id="59" name="직사각형 58">
+            <a:extLst>
+              <a:ext uri="{FF2B5EF4-FFF2-40B4-BE49-F238E27FC236}">
+                <a16:creationId xmlns:a16="http://schemas.microsoft.com/office/drawing/2014/main" id="{F21B0212-B9BE-41CA-ADAC-0EEBE52C99E2}"/>
+              </a:ext>
+            </a:extLst>
+          </p:cNvPr>
+          <p:cNvSpPr/>
+          <p:nvPr/>
+        </p:nvSpPr>
+        <p:spPr>
+          <a:xfrm>
+            <a:off x="4903163" y="4537947"/>
+            <a:ext cx="291997" cy="260265"/>
+          </a:xfrm>
+          <a:prstGeom prst="rect">
+            <a:avLst/>
+          </a:prstGeom>
+          <a:noFill/>
+          <a:ln w="19050">
+            <a:solidFill>
+              <a:schemeClr val="accent6">
+                <a:lumMod val="50000"/>
+              </a:schemeClr>
+            </a:solidFill>
+          </a:ln>
+        </p:spPr>
+        <p:style>
+          <a:lnRef idx="2">
+            <a:schemeClr val="accent1">
+              <a:shade val="50000"/>
+            </a:schemeClr>
+          </a:lnRef>
+          <a:fillRef idx="1">
+            <a:schemeClr val="accent1"/>
+          </a:fillRef>
+          <a:effectRef idx="0">
+            <a:schemeClr val="accent1"/>
+          </a:effectRef>
+          <a:fontRef idx="minor">
+            <a:schemeClr val="lt1"/>
+          </a:fontRef>
+        </p:style>
+        <p:txBody>
+          <a:bodyPr rtlCol="0" anchor="ctr"/>
+          <a:lstStyle/>
+          <a:p>
+            <a:pPr algn="ctr"/>
+            <a:r>
+              <a:rPr lang="en-US" altLang="ko-KR" sz="1200" b="1" dirty="0">
+                <a:solidFill>
+                  <a:schemeClr val="tx1"/>
+                </a:solidFill>
+              </a:rPr>
+              <a:t>X</a:t>
+            </a:r>
+            <a:endParaRPr lang="ko-KR" altLang="en-US" sz="1200" b="1" dirty="0">
+              <a:solidFill>
+                <a:schemeClr val="tx1"/>
+              </a:solidFill>
+            </a:endParaRPr>
+          </a:p>
+        </p:txBody>
+      </p:sp>
+      <p:sp>
+        <p:nvSpPr>
+          <p:cNvPr id="60" name="직사각형 59">
+            <a:extLst>
+              <a:ext uri="{FF2B5EF4-FFF2-40B4-BE49-F238E27FC236}">
+                <a16:creationId xmlns:a16="http://schemas.microsoft.com/office/drawing/2014/main" id="{2C6ED421-F944-4174-B00C-EEF34DA04941}"/>
+              </a:ext>
+            </a:extLst>
+          </p:cNvPr>
+          <p:cNvSpPr/>
+          <p:nvPr/>
+        </p:nvSpPr>
+        <p:spPr>
+          <a:xfrm>
+            <a:off x="4903163" y="4974091"/>
+            <a:ext cx="291997" cy="260265"/>
+          </a:xfrm>
+          <a:prstGeom prst="rect">
+            <a:avLst/>
+          </a:prstGeom>
+          <a:noFill/>
+          <a:ln w="19050">
+            <a:solidFill>
+              <a:schemeClr val="accent6">
+                <a:lumMod val="50000"/>
+              </a:schemeClr>
+            </a:solidFill>
+          </a:ln>
+        </p:spPr>
+        <p:style>
+          <a:lnRef idx="2">
+            <a:schemeClr val="accent1">
+              <a:shade val="50000"/>
+            </a:schemeClr>
+          </a:lnRef>
+          <a:fillRef idx="1">
+            <a:schemeClr val="accent1"/>
+          </a:fillRef>
+          <a:effectRef idx="0">
+            <a:schemeClr val="accent1"/>
+          </a:effectRef>
+          <a:fontRef idx="minor">
+            <a:schemeClr val="lt1"/>
+          </a:fontRef>
+        </p:style>
+        <p:txBody>
+          <a:bodyPr rtlCol="0" anchor="ctr"/>
+          <a:lstStyle/>
+          <a:p>
+            <a:pPr algn="ctr"/>
+            <a:r>
+              <a:rPr lang="en-US" altLang="ko-KR" sz="1200" b="1" dirty="0">
+                <a:solidFill>
+                  <a:schemeClr val="tx1"/>
+                </a:solidFill>
+              </a:rPr>
+              <a:t>X</a:t>
+            </a:r>
+            <a:endParaRPr lang="ko-KR" altLang="en-US" sz="1200" b="1" dirty="0">
+              <a:solidFill>
+                <a:schemeClr val="tx1"/>
+              </a:solidFill>
+            </a:endParaRPr>
+          </a:p>
+        </p:txBody>
+      </p:sp>
+      <p:sp>
+        <p:nvSpPr>
+          <p:cNvPr id="61" name="직사각형 60">
+            <a:extLst>
+              <a:ext uri="{FF2B5EF4-FFF2-40B4-BE49-F238E27FC236}">
+                <a16:creationId xmlns:a16="http://schemas.microsoft.com/office/drawing/2014/main" id="{B75D4964-295B-4D0A-9DD2-B5225454C597}"/>
+              </a:ext>
+            </a:extLst>
+          </p:cNvPr>
+          <p:cNvSpPr/>
+          <p:nvPr/>
+        </p:nvSpPr>
+        <p:spPr>
+          <a:xfrm>
+            <a:off x="4903163" y="5287546"/>
+            <a:ext cx="291997" cy="260265"/>
+          </a:xfrm>
+          <a:prstGeom prst="rect">
+            <a:avLst/>
+          </a:prstGeom>
+          <a:noFill/>
+          <a:ln w="19050">
+            <a:solidFill>
+              <a:schemeClr val="accent6">
+                <a:lumMod val="50000"/>
+              </a:schemeClr>
+            </a:solidFill>
+          </a:ln>
+        </p:spPr>
+        <p:style>
+          <a:lnRef idx="2">
+            <a:schemeClr val="accent1">
+              <a:shade val="50000"/>
+            </a:schemeClr>
+          </a:lnRef>
+          <a:fillRef idx="1">
+            <a:schemeClr val="accent1"/>
+          </a:fillRef>
+          <a:effectRef idx="0">
+            <a:schemeClr val="accent1"/>
+          </a:effectRef>
+          <a:fontRef idx="minor">
+            <a:schemeClr val="lt1"/>
+          </a:fontRef>
+        </p:style>
+        <p:txBody>
+          <a:bodyPr rtlCol="0" anchor="ctr"/>
+          <a:lstStyle/>
+          <a:p>
+            <a:pPr algn="ctr"/>
+            <a:r>
+              <a:rPr lang="en-US" altLang="ko-KR" sz="1200" b="1" dirty="0">
+                <a:solidFill>
+                  <a:schemeClr val="tx1"/>
+                </a:solidFill>
+              </a:rPr>
+              <a:t>X</a:t>
+            </a:r>
+            <a:endParaRPr lang="ko-KR" altLang="en-US" sz="1200" b="1" dirty="0">
+              <a:solidFill>
+                <a:schemeClr val="tx1"/>
+              </a:solidFill>
+            </a:endParaRPr>
+          </a:p>
+        </p:txBody>
+      </p:sp>
+      <p:sp>
+        <p:nvSpPr>
+          <p:cNvPr id="62" name="직사각형 61">
+            <a:extLst>
+              <a:ext uri="{FF2B5EF4-FFF2-40B4-BE49-F238E27FC236}">
+                <a16:creationId xmlns:a16="http://schemas.microsoft.com/office/drawing/2014/main" id="{C2CD7CF9-6C31-49B3-A2C7-1E584880BC82}"/>
+              </a:ext>
+            </a:extLst>
+          </p:cNvPr>
+          <p:cNvSpPr/>
+          <p:nvPr/>
+        </p:nvSpPr>
+        <p:spPr>
+          <a:xfrm>
+            <a:off x="4903163" y="5595463"/>
+            <a:ext cx="291997" cy="260265"/>
+          </a:xfrm>
+          <a:prstGeom prst="rect">
+            <a:avLst/>
+          </a:prstGeom>
+          <a:noFill/>
+          <a:ln w="19050">
+            <a:solidFill>
+              <a:schemeClr val="accent6">
+                <a:lumMod val="50000"/>
+              </a:schemeClr>
+            </a:solidFill>
+          </a:ln>
+        </p:spPr>
+        <p:style>
+          <a:lnRef idx="2">
+            <a:schemeClr val="accent1">
+              <a:shade val="50000"/>
+            </a:schemeClr>
+          </a:lnRef>
+          <a:fillRef idx="1">
+            <a:schemeClr val="accent1"/>
+          </a:fillRef>
+          <a:effectRef idx="0">
+            <a:schemeClr val="accent1"/>
+          </a:effectRef>
+          <a:fontRef idx="minor">
+            <a:schemeClr val="lt1"/>
+          </a:fontRef>
+        </p:style>
+        <p:txBody>
+          <a:bodyPr rtlCol="0" anchor="ctr"/>
+          <a:lstStyle/>
+          <a:p>
+            <a:pPr algn="ctr"/>
+            <a:r>
+              <a:rPr lang="en-US" altLang="ko-KR" sz="1200" b="1" dirty="0">
+                <a:solidFill>
+                  <a:schemeClr val="tx1"/>
+                </a:solidFill>
+              </a:rPr>
+              <a:t>X</a:t>
+            </a:r>
+            <a:endParaRPr lang="ko-KR" altLang="en-US" sz="1200" b="1" dirty="0">
+              <a:solidFill>
+                <a:schemeClr val="tx1"/>
+              </a:solidFill>
+            </a:endParaRPr>
+          </a:p>
+        </p:txBody>
+      </p:sp>
+      <p:sp>
+        <p:nvSpPr>
+          <p:cNvPr id="63" name="직사각형 62">
+            <a:extLst>
+              <a:ext uri="{FF2B5EF4-FFF2-40B4-BE49-F238E27FC236}">
+                <a16:creationId xmlns:a16="http://schemas.microsoft.com/office/drawing/2014/main" id="{BBB46012-9CB9-4BE2-A539-57AB0758264B}"/>
+              </a:ext>
+            </a:extLst>
+          </p:cNvPr>
+          <p:cNvSpPr/>
+          <p:nvPr/>
+        </p:nvSpPr>
+        <p:spPr>
+          <a:xfrm>
+            <a:off x="4903163" y="5908918"/>
+            <a:ext cx="291997" cy="260265"/>
+          </a:xfrm>
+          <a:prstGeom prst="rect">
+            <a:avLst/>
+          </a:prstGeom>
+          <a:noFill/>
+          <a:ln w="19050">
+            <a:solidFill>
+              <a:schemeClr val="accent6">
+                <a:lumMod val="50000"/>
+              </a:schemeClr>
+            </a:solidFill>
+          </a:ln>
+        </p:spPr>
+        <p:style>
+          <a:lnRef idx="2">
+            <a:schemeClr val="accent1">
+              <a:shade val="50000"/>
+            </a:schemeClr>
+          </a:lnRef>
+          <a:fillRef idx="1">
+            <a:schemeClr val="accent1"/>
+          </a:fillRef>
+          <a:effectRef idx="0">
+            <a:schemeClr val="accent1"/>
+          </a:effectRef>
+          <a:fontRef idx="minor">
+            <a:schemeClr val="lt1"/>
+          </a:fontRef>
+        </p:style>
+        <p:txBody>
+          <a:bodyPr rtlCol="0" anchor="ctr"/>
+          <a:lstStyle/>
+          <a:p>
+            <a:pPr algn="ctr"/>
+            <a:r>
+              <a:rPr lang="en-US" altLang="ko-KR" sz="1200" b="1" dirty="0">
+                <a:solidFill>
+                  <a:schemeClr val="tx1"/>
+                </a:solidFill>
+              </a:rPr>
+              <a:t>X</a:t>
+            </a:r>
+            <a:endParaRPr lang="ko-KR" altLang="en-US" sz="1200" b="1" dirty="0">
+              <a:solidFill>
+                <a:schemeClr val="tx1"/>
+              </a:solidFill>
+            </a:endParaRPr>
+          </a:p>
+        </p:txBody>
+      </p:sp>
+      <p:sp>
+        <p:nvSpPr>
+          <p:cNvPr id="65" name="자유형: 도형 64">
+            <a:extLst>
+              <a:ext uri="{FF2B5EF4-FFF2-40B4-BE49-F238E27FC236}">
+                <a16:creationId xmlns:a16="http://schemas.microsoft.com/office/drawing/2014/main" id="{C57CAB5F-8585-42FB-B876-B83D6B2EC7D4}"/>
+              </a:ext>
+            </a:extLst>
+          </p:cNvPr>
+          <p:cNvSpPr/>
+          <p:nvPr/>
+        </p:nvSpPr>
+        <p:spPr>
+          <a:xfrm>
+            <a:off x="4614672" y="3669792"/>
+            <a:ext cx="274320" cy="6096"/>
+          </a:xfrm>
+          <a:custGeom>
+            <a:avLst/>
+            <a:gdLst>
+              <a:gd name="connsiteX0" fmla="*/ 0 w 274320"/>
+              <a:gd name="connsiteY0" fmla="*/ 0 h 6096"/>
+              <a:gd name="connsiteX1" fmla="*/ 274320 w 274320"/>
+              <a:gd name="connsiteY1" fmla="*/ 6096 h 6096"/>
+            </a:gdLst>
+            <a:ahLst/>
+            <a:cxnLst>
+              <a:cxn ang="0">
+                <a:pos x="connsiteX0" y="connsiteY0"/>
+              </a:cxn>
+              <a:cxn ang="0">
+                <a:pos x="connsiteX1" y="connsiteY1"/>
+              </a:cxn>
+            </a:cxnLst>
+            <a:rect l="l" t="t" r="r" b="b"/>
+            <a:pathLst>
+              <a:path w="274320" h="6096">
+                <a:moveTo>
+                  <a:pt x="0" y="0"/>
+                </a:moveTo>
+                <a:lnTo>
+                  <a:pt x="274320" y="6096"/>
+                </a:lnTo>
+              </a:path>
+            </a:pathLst>
+          </a:custGeom>
+          <a:noFill/>
+        </p:spPr>
+        <p:style>
+          <a:lnRef idx="2">
+            <a:schemeClr val="accent1">
+              <a:shade val="50000"/>
+            </a:schemeClr>
+          </a:lnRef>
+          <a:fillRef idx="1">
+            <a:schemeClr val="accent1"/>
+          </a:fillRef>
+          <a:effectRef idx="0">
+            <a:schemeClr val="accent1"/>
+          </a:effectRef>
+          <a:fontRef idx="minor">
+            <a:schemeClr val="lt1"/>
+          </a:fontRef>
+        </p:style>
+        <p:txBody>
+          <a:bodyPr rtlCol="0" anchor="ctr"/>
+          <a:lstStyle/>
+          <a:p>
+            <a:pPr algn="ctr"/>
+            <a:endParaRPr lang="ko-KR" altLang="en-US"/>
+          </a:p>
+        </p:txBody>
+      </p:sp>
+      <p:sp>
+        <p:nvSpPr>
+          <p:cNvPr id="66" name="자유형: 도형 65">
+            <a:extLst>
+              <a:ext uri="{FF2B5EF4-FFF2-40B4-BE49-F238E27FC236}">
+                <a16:creationId xmlns:a16="http://schemas.microsoft.com/office/drawing/2014/main" id="{BBD1EAB9-E587-4FA6-90DB-94B8EBE40659}"/>
+              </a:ext>
+            </a:extLst>
+          </p:cNvPr>
+          <p:cNvSpPr/>
+          <p:nvPr/>
+        </p:nvSpPr>
+        <p:spPr>
+          <a:xfrm>
+            <a:off x="4639056" y="3700272"/>
+            <a:ext cx="237744" cy="822960"/>
+          </a:xfrm>
+          <a:custGeom>
+            <a:avLst/>
+            <a:gdLst>
+              <a:gd name="connsiteX0" fmla="*/ 0 w 237744"/>
+              <a:gd name="connsiteY0" fmla="*/ 822960 h 822960"/>
+              <a:gd name="connsiteX1" fmla="*/ 60960 w 237744"/>
+              <a:gd name="connsiteY1" fmla="*/ 219456 h 822960"/>
+              <a:gd name="connsiteX2" fmla="*/ 237744 w 237744"/>
+              <a:gd name="connsiteY2" fmla="*/ 0 h 822960"/>
+            </a:gdLst>
+            <a:ahLst/>
+            <a:cxnLst>
+              <a:cxn ang="0">
+                <a:pos x="connsiteX0" y="connsiteY0"/>
+              </a:cxn>
+              <a:cxn ang="0">
+                <a:pos x="connsiteX1" y="connsiteY1"/>
+              </a:cxn>
+              <a:cxn ang="0">
+                <a:pos x="connsiteX2" y="connsiteY2"/>
+              </a:cxn>
+            </a:cxnLst>
+            <a:rect l="l" t="t" r="r" b="b"/>
+            <a:pathLst>
+              <a:path w="237744" h="822960">
+                <a:moveTo>
+                  <a:pt x="0" y="822960"/>
+                </a:moveTo>
+                <a:cubicBezTo>
+                  <a:pt x="10668" y="589788"/>
+                  <a:pt x="21336" y="356616"/>
+                  <a:pt x="60960" y="219456"/>
+                </a:cubicBezTo>
+                <a:cubicBezTo>
+                  <a:pt x="100584" y="82296"/>
+                  <a:pt x="169164" y="41148"/>
+                  <a:pt x="237744" y="0"/>
+                </a:cubicBezTo>
+              </a:path>
+            </a:pathLst>
+          </a:custGeom>
+          <a:noFill/>
+        </p:spPr>
+        <p:style>
+          <a:lnRef idx="2">
+            <a:schemeClr val="accent1">
+              <a:shade val="50000"/>
+            </a:schemeClr>
+          </a:lnRef>
+          <a:fillRef idx="1">
+            <a:schemeClr val="accent1"/>
+          </a:fillRef>
+          <a:effectRef idx="0">
+            <a:schemeClr val="accent1"/>
+          </a:effectRef>
+          <a:fontRef idx="minor">
+            <a:schemeClr val="lt1"/>
+          </a:fontRef>
+        </p:style>
+        <p:txBody>
+          <a:bodyPr rtlCol="0" anchor="ctr"/>
+          <a:lstStyle/>
+          <a:p>
+            <a:pPr algn="ctr"/>
+            <a:endParaRPr lang="ko-KR" altLang="en-US"/>
+          </a:p>
+        </p:txBody>
+      </p:sp>
+      <p:sp>
+        <p:nvSpPr>
+          <p:cNvPr id="67" name="자유형: 도형 66">
+            <a:extLst>
+              <a:ext uri="{FF2B5EF4-FFF2-40B4-BE49-F238E27FC236}">
+                <a16:creationId xmlns:a16="http://schemas.microsoft.com/office/drawing/2014/main" id="{6E62D624-9356-482C-A04B-A066D29D172C}"/>
+              </a:ext>
+            </a:extLst>
+          </p:cNvPr>
+          <p:cNvSpPr/>
+          <p:nvPr/>
+        </p:nvSpPr>
+        <p:spPr>
+          <a:xfrm>
+            <a:off x="4646143" y="3694176"/>
+            <a:ext cx="230657" cy="1773936"/>
+          </a:xfrm>
+          <a:custGeom>
+            <a:avLst/>
+            <a:gdLst>
+              <a:gd name="connsiteX0" fmla="*/ 5105 w 230657"/>
+              <a:gd name="connsiteY0" fmla="*/ 1773936 h 1773936"/>
+              <a:gd name="connsiteX1" fmla="*/ 29489 w 230657"/>
+              <a:gd name="connsiteY1" fmla="*/ 725424 h 1773936"/>
+              <a:gd name="connsiteX2" fmla="*/ 230657 w 230657"/>
+              <a:gd name="connsiteY2" fmla="*/ 0 h 1773936"/>
+            </a:gdLst>
+            <a:ahLst/>
+            <a:cxnLst>
+              <a:cxn ang="0">
+                <a:pos x="connsiteX0" y="connsiteY0"/>
+              </a:cxn>
+              <a:cxn ang="0">
+                <a:pos x="connsiteX1" y="connsiteY1"/>
+              </a:cxn>
+              <a:cxn ang="0">
+                <a:pos x="connsiteX2" y="connsiteY2"/>
+              </a:cxn>
+            </a:cxnLst>
+            <a:rect l="l" t="t" r="r" b="b"/>
+            <a:pathLst>
+              <a:path w="230657" h="1773936">
+                <a:moveTo>
+                  <a:pt x="5105" y="1773936"/>
+                </a:moveTo>
+                <a:cubicBezTo>
+                  <a:pt x="-1499" y="1397508"/>
+                  <a:pt x="-8103" y="1021080"/>
+                  <a:pt x="29489" y="725424"/>
+                </a:cubicBezTo>
+                <a:cubicBezTo>
+                  <a:pt x="67081" y="429768"/>
+                  <a:pt x="148869" y="214884"/>
+                  <a:pt x="230657" y="0"/>
+                </a:cubicBezTo>
+              </a:path>
+            </a:pathLst>
+          </a:custGeom>
+          <a:noFill/>
+        </p:spPr>
+        <p:style>
+          <a:lnRef idx="2">
+            <a:schemeClr val="accent1">
+              <a:shade val="50000"/>
+            </a:schemeClr>
+          </a:lnRef>
+          <a:fillRef idx="1">
+            <a:schemeClr val="accent1"/>
+          </a:fillRef>
+          <a:effectRef idx="0">
+            <a:schemeClr val="accent1"/>
+          </a:effectRef>
+          <a:fontRef idx="minor">
+            <a:schemeClr val="lt1"/>
+          </a:fontRef>
+        </p:style>
+        <p:txBody>
+          <a:bodyPr rtlCol="0" anchor="ctr"/>
+          <a:lstStyle/>
+          <a:p>
+            <a:pPr algn="ctr"/>
+            <a:endParaRPr lang="ko-KR" altLang="en-US"/>
+          </a:p>
+        </p:txBody>
+      </p:sp>
+      <p:sp>
+        <p:nvSpPr>
+          <p:cNvPr id="69" name="직사각형 68">
+            <a:extLst>
+              <a:ext uri="{FF2B5EF4-FFF2-40B4-BE49-F238E27FC236}">
+                <a16:creationId xmlns:a16="http://schemas.microsoft.com/office/drawing/2014/main" id="{2014142A-DED1-4B57-8A1C-B04B50CF38F1}"/>
+              </a:ext>
+            </a:extLst>
+          </p:cNvPr>
+          <p:cNvSpPr/>
+          <p:nvPr/>
+        </p:nvSpPr>
+        <p:spPr>
+          <a:xfrm rot="5400000">
+            <a:off x="4275228" y="4703497"/>
+            <a:ext cx="2569723" cy="361652"/>
+          </a:xfrm>
+          <a:prstGeom prst="rect">
+            <a:avLst/>
+          </a:prstGeom>
+          <a:noFill/>
+          <a:ln w="19050">
+            <a:solidFill>
+              <a:schemeClr val="accent6">
+                <a:lumMod val="50000"/>
+              </a:schemeClr>
+            </a:solidFill>
+          </a:ln>
+        </p:spPr>
+        <p:style>
+          <a:lnRef idx="2">
+            <a:schemeClr val="accent1">
+              <a:shade val="50000"/>
+            </a:schemeClr>
+          </a:lnRef>
+          <a:fillRef idx="1">
+            <a:schemeClr val="accent1"/>
+          </a:fillRef>
+          <a:effectRef idx="0">
+            <a:schemeClr val="accent1"/>
+          </a:effectRef>
+          <a:fontRef idx="minor">
+            <a:schemeClr val="lt1"/>
+          </a:fontRef>
+        </p:style>
+        <p:txBody>
+          <a:bodyPr rtlCol="0" anchor="ctr"/>
+          <a:lstStyle/>
+          <a:p>
+            <a:pPr algn="ctr"/>
+            <a:r>
+              <a:rPr lang="en-US" altLang="ko-KR" sz="1600" dirty="0">
+                <a:solidFill>
+                  <a:schemeClr val="tx1"/>
+                </a:solidFill>
+              </a:rPr>
+              <a:t>Softmax</a:t>
+            </a:r>
+            <a:endParaRPr lang="ko-KR" altLang="en-US" sz="1600" dirty="0">
+              <a:solidFill>
+                <a:schemeClr val="tx1"/>
+              </a:solidFill>
+            </a:endParaRPr>
+          </a:p>
+        </p:txBody>
+      </p:sp>
+      <p:sp>
+        <p:nvSpPr>
+          <p:cNvPr id="70" name="직사각형 69">
+            <a:extLst>
+              <a:ext uri="{FF2B5EF4-FFF2-40B4-BE49-F238E27FC236}">
+                <a16:creationId xmlns:a16="http://schemas.microsoft.com/office/drawing/2014/main" id="{4BB481F9-1763-403C-ADBC-EAAE99318845}"/>
+              </a:ext>
+            </a:extLst>
+          </p:cNvPr>
+          <p:cNvSpPr/>
+          <p:nvPr/>
+        </p:nvSpPr>
+        <p:spPr>
+          <a:xfrm rot="5400000">
+            <a:off x="4783976" y="4703497"/>
+            <a:ext cx="2569723" cy="361652"/>
+          </a:xfrm>
+          <a:prstGeom prst="rect">
+            <a:avLst/>
+          </a:prstGeom>
+          <a:noFill/>
+          <a:ln w="19050">
+            <a:solidFill>
+              <a:schemeClr val="accent6">
+                <a:lumMod val="50000"/>
+              </a:schemeClr>
+            </a:solidFill>
+          </a:ln>
+        </p:spPr>
+        <p:style>
+          <a:lnRef idx="2">
+            <a:schemeClr val="accent1">
+              <a:shade val="50000"/>
+            </a:schemeClr>
+          </a:lnRef>
+          <a:fillRef idx="1">
+            <a:schemeClr val="accent1"/>
+          </a:fillRef>
+          <a:effectRef idx="0">
+            <a:schemeClr val="accent1"/>
+          </a:effectRef>
+          <a:fontRef idx="minor">
+            <a:schemeClr val="lt1"/>
+          </a:fontRef>
+        </p:style>
+        <p:txBody>
+          <a:bodyPr rtlCol="0" anchor="ctr"/>
+          <a:lstStyle/>
+          <a:p>
+            <a:pPr algn="ctr"/>
+            <a:r>
+              <a:rPr lang="en-US" altLang="ko-KR" sz="1600" dirty="0">
+                <a:solidFill>
+                  <a:schemeClr val="tx1"/>
+                </a:solidFill>
+              </a:rPr>
+              <a:t>Concatenate</a:t>
+            </a:r>
+            <a:endParaRPr lang="ko-KR" altLang="en-US" sz="1600" dirty="0">
+              <a:solidFill>
+                <a:schemeClr val="tx1"/>
+              </a:solidFill>
+            </a:endParaRPr>
+          </a:p>
+        </p:txBody>
+      </p:sp>
+      <p:sp>
+        <p:nvSpPr>
+          <p:cNvPr id="73" name="TextBox 72">
+            <a:extLst>
+              <a:ext uri="{FF2B5EF4-FFF2-40B4-BE49-F238E27FC236}">
+                <a16:creationId xmlns:a16="http://schemas.microsoft.com/office/drawing/2014/main" id="{E00F2EA1-63D5-479F-8BA1-3FDEF8B64653}"/>
+              </a:ext>
+            </a:extLst>
+          </p:cNvPr>
+          <p:cNvSpPr txBox="1"/>
+          <p:nvPr/>
+        </p:nvSpPr>
+        <p:spPr>
+          <a:xfrm>
+            <a:off x="6311175" y="3485108"/>
+            <a:ext cx="1543987" cy="2554545"/>
+          </a:xfrm>
+          <a:prstGeom prst="rect">
+            <a:avLst/>
+          </a:prstGeom>
+          <a:noFill/>
+        </p:spPr>
+        <p:txBody>
+          <a:bodyPr wrap="square" rtlCol="0">
+            <a:spAutoFit/>
+          </a:bodyPr>
+          <a:lstStyle/>
+          <a:p>
+            <a:r>
+              <a:rPr lang="ko-KR" altLang="en-US" sz="2000" dirty="0"/>
+              <a:t>mag</a:t>
+            </a:r>
+            <a:endParaRPr lang="en-US" altLang="ko-KR" sz="2000" dirty="0"/>
+          </a:p>
+          <a:p>
+            <a:r>
+              <a:rPr lang="ko-KR" altLang="en-US" sz="2000" dirty="0"/>
+              <a:t>meine</a:t>
+            </a:r>
+            <a:endParaRPr lang="en-US" altLang="ko-KR" sz="2000" dirty="0"/>
+          </a:p>
+          <a:p>
+            <a:r>
+              <a:rPr lang="ko-KR" altLang="en-US" sz="2000" dirty="0"/>
+              <a:t>Katzen</a:t>
+            </a:r>
+            <a:endParaRPr lang="en-US" altLang="ko-KR" sz="2000" dirty="0"/>
+          </a:p>
+          <a:p>
+            <a:r>
+              <a:rPr lang="en-US" altLang="ko-KR" sz="2000" dirty="0"/>
+              <a:t>&lt;pad&gt;</a:t>
+            </a:r>
+          </a:p>
+          <a:p>
+            <a:r>
+              <a:rPr lang="en-US" altLang="ko-KR" sz="2000" dirty="0"/>
+              <a:t>&lt;pad&gt;</a:t>
+            </a:r>
+          </a:p>
+          <a:p>
+            <a:r>
+              <a:rPr lang="en-US" altLang="ko-KR" sz="2000" dirty="0"/>
+              <a:t>…</a:t>
+            </a:r>
+          </a:p>
+          <a:p>
+            <a:r>
+              <a:rPr lang="en-US" altLang="ko-KR" sz="2000" dirty="0"/>
+              <a:t>…</a:t>
+            </a:r>
+          </a:p>
+          <a:p>
+            <a:r>
+              <a:rPr lang="en-US" altLang="ko-KR" sz="2000" dirty="0"/>
+              <a:t>&lt;pad&gt;</a:t>
+            </a:r>
+          </a:p>
+        </p:txBody>
+      </p:sp>
+    </p:spTree>
+    <p:extLst>
+      <p:ext uri="{BB962C8B-B14F-4D97-AF65-F5344CB8AC3E}">
+        <p14:creationId xmlns:p14="http://schemas.microsoft.com/office/powerpoint/2010/main" val="1357595029"/>
+      </p:ext>
+    </p:extLst>
+  </p:cSld>
+  <p:clrMapOvr>
+    <a:masterClrMapping/>
+  </p:clrMapOvr>
+</p:sld>
+</file>
+
+<file path=ppt/slides/slide3.xml><?xml version="1.0" encoding="utf-8"?>
+<p:sld xmlns:a="http://schemas.openxmlformats.org/drawingml/2006/main" xmlns:r="http://schemas.openxmlformats.org/officeDocument/2006/relationships" xmlns:p="http://schemas.openxmlformats.org/presentationml/2006/main">
+  <p:cSld>
+    <p:spTree>
+      <p:nvGrpSpPr>
+        <p:cNvPr id="1" name=""/>
+        <p:cNvGrpSpPr/>
+        <p:nvPr/>
+      </p:nvGrpSpPr>
+      <p:grpSpPr>
+        <a:xfrm>
+          <a:off x="0" y="0"/>
+          <a:ext cx="0" cy="0"/>
+          <a:chOff x="0" y="0"/>
+          <a:chExt cx="0" cy="0"/>
+        </a:xfrm>
+      </p:grpSpPr>
       <p:cxnSp>
         <p:nvCxnSpPr>
           <p:cNvPr id="106" name="직선 화살표 연결선 105">
@@ -7093,34 +10610,9 @@
           <a:lstStyle/>
           <a:p>
             <a:r>
-              <a:rPr lang="ko-KR" altLang="en-US" dirty="0" err="1"/>
-              <a:t>Ich</a:t>
-            </a:r>
-            <a:r>
               <a:rPr lang="ko-KR" altLang="en-US" dirty="0"/>
-              <a:t> </a:t>
-            </a:r>
-            <a:r>
-              <a:rPr lang="ko-KR" altLang="en-US" dirty="0" err="1"/>
-              <a:t>mag</a:t>
-            </a:r>
-            <a:r>
-              <a:rPr lang="ko-KR" altLang="en-US" dirty="0"/>
-              <a:t> </a:t>
-            </a:r>
-            <a:r>
-              <a:rPr lang="ko-KR" altLang="en-US" dirty="0" err="1"/>
-              <a:t>meine</a:t>
-            </a:r>
-            <a:r>
-              <a:rPr lang="ko-KR" altLang="en-US" dirty="0"/>
-              <a:t> </a:t>
-            </a:r>
-            <a:r>
-              <a:rPr lang="ko-KR" altLang="en-US" dirty="0" err="1"/>
-              <a:t>Katzen</a:t>
-            </a:r>
-            <a:endParaRPr lang="ko-KR" altLang="en-US" dirty="0"/>
+              <a:t>Ich mag meine Katzen</a:t>
+            </a:r>
           </a:p>
         </p:txBody>
       </p:sp>
@@ -10402,7 +13894,7 @@
 </p:sld>
 </file>
 
-<file path=ppt/slides/slide3.xml><?xml version="1.0" encoding="utf-8"?>
+<file path=ppt/slides/slide4.xml><?xml version="1.0" encoding="utf-8"?>
 <p:sld xmlns:a="http://schemas.openxmlformats.org/drawingml/2006/main" xmlns:r="http://schemas.openxmlformats.org/officeDocument/2006/relationships" xmlns:p="http://schemas.openxmlformats.org/presentationml/2006/main">
   <p:cSld>
     <p:spTree>
@@ -13990,7 +17482,7 @@
 </p:sld>
 </file>
 
-<file path=ppt/slides/slide4.xml><?xml version="1.0" encoding="utf-8"?>
+<file path=ppt/slides/slide5.xml><?xml version="1.0" encoding="utf-8"?>
 <p:sld xmlns:a="http://schemas.openxmlformats.org/drawingml/2006/main" xmlns:r="http://schemas.openxmlformats.org/officeDocument/2006/relationships" xmlns:p="http://schemas.openxmlformats.org/presentationml/2006/main">
   <p:cSld>
     <p:spTree>
